--- a/Medicine/5855_stethoscope_ppt/5855.pptx
+++ b/Medicine/5855_stethoscope_ppt/5855.pptx
@@ -7,8 +7,26 @@
   <p:sldIdLst>
     <p:sldId id="256" r:id="rId2"/>
     <p:sldId id="257" r:id="rId3"/>
-    <p:sldId id="259" r:id="rId4"/>
-    <p:sldId id="258" r:id="rId5"/>
+    <p:sldId id="261" r:id="rId4"/>
+    <p:sldId id="262" r:id="rId5"/>
+    <p:sldId id="263" r:id="rId6"/>
+    <p:sldId id="266" r:id="rId7"/>
+    <p:sldId id="264" r:id="rId8"/>
+    <p:sldId id="265" r:id="rId9"/>
+    <p:sldId id="259" r:id="rId10"/>
+    <p:sldId id="269" r:id="rId11"/>
+    <p:sldId id="267" r:id="rId12"/>
+    <p:sldId id="268" r:id="rId13"/>
+    <p:sldId id="272" r:id="rId14"/>
+    <p:sldId id="271" r:id="rId15"/>
+    <p:sldId id="274" r:id="rId16"/>
+    <p:sldId id="275" r:id="rId17"/>
+    <p:sldId id="277" r:id="rId18"/>
+    <p:sldId id="276" r:id="rId19"/>
+    <p:sldId id="278" r:id="rId20"/>
+    <p:sldId id="279" r:id="rId21"/>
+    <p:sldId id="260" r:id="rId22"/>
+    <p:sldId id="258" r:id="rId23"/>
   </p:sldIdLst>
   <p:sldSz cx="9144000" cy="6858000" type="screen4x3"/>
   <p:notesSz cx="6858000" cy="9144000"/>
@@ -310,7 +328,7 @@
             <a:fld id="{53074F12-AA26-4AC8-9962-C36BB8F32554}" type="datetimeFigureOut">
               <a:rPr lang="en-US" smtClean="0"/>
               <a:pPr/>
-              <a:t>9/29/2013</a:t>
+              <a:t>11/7/2014</a:t>
             </a:fld>
             <a:endParaRPr lang="en-US"/>
           </a:p>
@@ -353,7 +371,7 @@
             <a:fld id="{B82CCC60-E8CD-4174-8B1A-7DF615B22EEF}" type="slidenum">
               <a:rPr lang="en-US" smtClean="0"/>
               <a:pPr/>
-              <a:t>‹Nº›</a:t>
+              <a:t>‹#›</a:t>
             </a:fld>
             <a:endParaRPr lang="en-US"/>
           </a:p>
@@ -362,7 +380,7 @@
     </p:spTree>
     <p:extLst>
       <p:ext uri="{BB962C8B-B14F-4D97-AF65-F5344CB8AC3E}">
-        <p14:creationId xmlns:p14="http://schemas.microsoft.com/office/powerpoint/2010/main" val="3253875174"/>
+        <p14:creationId xmlns:p14="http://schemas.microsoft.com/office/powerpoint/2010/main" xmlns="" val="3253875174"/>
       </p:ext>
     </p:extLst>
   </p:cSld>
@@ -565,7 +583,7 @@
             <a:fld id="{53074F12-AA26-4AC8-9962-C36BB8F32554}" type="datetimeFigureOut">
               <a:rPr lang="en-US" smtClean="0"/>
               <a:pPr/>
-              <a:t>9/29/2013</a:t>
+              <a:t>11/7/2014</a:t>
             </a:fld>
             <a:endParaRPr lang="en-US"/>
           </a:p>
@@ -608,7 +626,7 @@
             <a:fld id="{B82CCC60-E8CD-4174-8B1A-7DF615B22EEF}" type="slidenum">
               <a:rPr lang="en-US" smtClean="0"/>
               <a:pPr/>
-              <a:t>‹Nº›</a:t>
+              <a:t>‹#›</a:t>
             </a:fld>
             <a:endParaRPr lang="en-US"/>
           </a:p>
@@ -617,7 +635,7 @@
     </p:spTree>
     <p:extLst>
       <p:ext uri="{BB962C8B-B14F-4D97-AF65-F5344CB8AC3E}">
-        <p14:creationId xmlns:p14="http://schemas.microsoft.com/office/powerpoint/2010/main" val="477607843"/>
+        <p14:creationId xmlns:p14="http://schemas.microsoft.com/office/powerpoint/2010/main" xmlns="" val="477607843"/>
       </p:ext>
     </p:extLst>
   </p:cSld>
@@ -737,7 +755,7 @@
             <a:fld id="{53074F12-AA26-4AC8-9962-C36BB8F32554}" type="datetimeFigureOut">
               <a:rPr lang="en-US" smtClean="0"/>
               <a:pPr/>
-              <a:t>9/29/2013</a:t>
+              <a:t>11/7/2014</a:t>
             </a:fld>
             <a:endParaRPr lang="en-US"/>
           </a:p>
@@ -780,7 +798,7 @@
             <a:fld id="{B82CCC60-E8CD-4174-8B1A-7DF615B22EEF}" type="slidenum">
               <a:rPr lang="en-US" smtClean="0"/>
               <a:pPr/>
-              <a:t>‹Nº›</a:t>
+              <a:t>‹#›</a:t>
             </a:fld>
             <a:endParaRPr lang="en-US"/>
           </a:p>
@@ -789,7 +807,7 @@
     </p:spTree>
     <p:extLst>
       <p:ext uri="{BB962C8B-B14F-4D97-AF65-F5344CB8AC3E}">
-        <p14:creationId xmlns:p14="http://schemas.microsoft.com/office/powerpoint/2010/main" val="3428665726"/>
+        <p14:creationId xmlns:p14="http://schemas.microsoft.com/office/powerpoint/2010/main" xmlns="" val="3428665726"/>
       </p:ext>
     </p:extLst>
   </p:cSld>
@@ -919,7 +937,7 @@
             <a:fld id="{53074F12-AA26-4AC8-9962-C36BB8F32554}" type="datetimeFigureOut">
               <a:rPr lang="en-US" smtClean="0"/>
               <a:pPr/>
-              <a:t>9/29/2013</a:t>
+              <a:t>11/7/2014</a:t>
             </a:fld>
             <a:endParaRPr lang="en-US"/>
           </a:p>
@@ -962,7 +980,7 @@
             <a:fld id="{B82CCC60-E8CD-4174-8B1A-7DF615B22EEF}" type="slidenum">
               <a:rPr lang="en-US" smtClean="0"/>
               <a:pPr/>
-              <a:t>‹Nº›</a:t>
+              <a:t>‹#›</a:t>
             </a:fld>
             <a:endParaRPr lang="en-US"/>
           </a:p>
@@ -971,7 +989,7 @@
     </p:spTree>
     <p:extLst>
       <p:ext uri="{BB962C8B-B14F-4D97-AF65-F5344CB8AC3E}">
-        <p14:creationId xmlns:p14="http://schemas.microsoft.com/office/powerpoint/2010/main" val="893609949"/>
+        <p14:creationId xmlns:p14="http://schemas.microsoft.com/office/powerpoint/2010/main" xmlns="" val="893609949"/>
       </p:ext>
     </p:extLst>
   </p:cSld>
@@ -1137,7 +1155,7 @@
             <a:fld id="{53074F12-AA26-4AC8-9962-C36BB8F32554}" type="datetimeFigureOut">
               <a:rPr lang="en-US" smtClean="0"/>
               <a:pPr/>
-              <a:t>9/29/2013</a:t>
+              <a:t>11/7/2014</a:t>
             </a:fld>
             <a:endParaRPr lang="en-US"/>
           </a:p>
@@ -1180,7 +1198,7 @@
             <a:fld id="{B82CCC60-E8CD-4174-8B1A-7DF615B22EEF}" type="slidenum">
               <a:rPr lang="en-US" smtClean="0"/>
               <a:pPr/>
-              <a:t>‹Nº›</a:t>
+              <a:t>‹#›</a:t>
             </a:fld>
             <a:endParaRPr lang="en-US"/>
           </a:p>
@@ -1189,7 +1207,7 @@
     </p:spTree>
     <p:extLst>
       <p:ext uri="{BB962C8B-B14F-4D97-AF65-F5344CB8AC3E}">
-        <p14:creationId xmlns:p14="http://schemas.microsoft.com/office/powerpoint/2010/main" val="1664471362"/>
+        <p14:creationId xmlns:p14="http://schemas.microsoft.com/office/powerpoint/2010/main" xmlns="" val="1664471362"/>
       </p:ext>
     </p:extLst>
   </p:cSld>
@@ -1365,7 +1383,7 @@
             <a:fld id="{53074F12-AA26-4AC8-9962-C36BB8F32554}" type="datetimeFigureOut">
               <a:rPr lang="en-US" smtClean="0"/>
               <a:pPr/>
-              <a:t>9/29/2013</a:t>
+              <a:t>11/7/2014</a:t>
             </a:fld>
             <a:endParaRPr lang="en-US"/>
           </a:p>
@@ -1408,7 +1426,7 @@
             <a:fld id="{B82CCC60-E8CD-4174-8B1A-7DF615B22EEF}" type="slidenum">
               <a:rPr lang="en-US" smtClean="0"/>
               <a:pPr/>
-              <a:t>‹Nº›</a:t>
+              <a:t>‹#›</a:t>
             </a:fld>
             <a:endParaRPr lang="en-US"/>
           </a:p>
@@ -1417,7 +1435,7 @@
     </p:spTree>
     <p:extLst>
       <p:ext uri="{BB962C8B-B14F-4D97-AF65-F5344CB8AC3E}">
-        <p14:creationId xmlns:p14="http://schemas.microsoft.com/office/powerpoint/2010/main" val="1629391393"/>
+        <p14:creationId xmlns:p14="http://schemas.microsoft.com/office/powerpoint/2010/main" xmlns="" val="1629391393"/>
       </p:ext>
     </p:extLst>
   </p:cSld>
@@ -1613,7 +1631,7 @@
             <a:fld id="{53074F12-AA26-4AC8-9962-C36BB8F32554}" type="datetimeFigureOut">
               <a:rPr lang="en-US" smtClean="0"/>
               <a:pPr/>
-              <a:t>9/29/2013</a:t>
+              <a:t>11/7/2014</a:t>
             </a:fld>
             <a:endParaRPr lang="en-US"/>
           </a:p>
@@ -1656,7 +1674,7 @@
             <a:fld id="{B82CCC60-E8CD-4174-8B1A-7DF615B22EEF}" type="slidenum">
               <a:rPr lang="en-US" smtClean="0"/>
               <a:pPr/>
-              <a:t>‹Nº›</a:t>
+              <a:t>‹#›</a:t>
             </a:fld>
             <a:endParaRPr lang="en-US"/>
           </a:p>
@@ -1665,7 +1683,7 @@
     </p:spTree>
     <p:extLst>
       <p:ext uri="{BB962C8B-B14F-4D97-AF65-F5344CB8AC3E}">
-        <p14:creationId xmlns:p14="http://schemas.microsoft.com/office/powerpoint/2010/main" val="3863441575"/>
+        <p14:creationId xmlns:p14="http://schemas.microsoft.com/office/powerpoint/2010/main" xmlns="" val="3863441575"/>
       </p:ext>
     </p:extLst>
   </p:cSld>
@@ -1903,7 +1921,7 @@
             <a:fld id="{53074F12-AA26-4AC8-9962-C36BB8F32554}" type="datetimeFigureOut">
               <a:rPr lang="en-US" smtClean="0"/>
               <a:pPr/>
-              <a:t>9/29/2013</a:t>
+              <a:t>11/7/2014</a:t>
             </a:fld>
             <a:endParaRPr lang="en-US"/>
           </a:p>
@@ -1946,7 +1964,7 @@
             <a:fld id="{B82CCC60-E8CD-4174-8B1A-7DF615B22EEF}" type="slidenum">
               <a:rPr lang="en-US" smtClean="0"/>
               <a:pPr/>
-              <a:t>‹Nº›</a:t>
+              <a:t>‹#›</a:t>
             </a:fld>
             <a:endParaRPr lang="en-US"/>
           </a:p>
@@ -1955,7 +1973,7 @@
     </p:spTree>
     <p:extLst>
       <p:ext uri="{BB962C8B-B14F-4D97-AF65-F5344CB8AC3E}">
-        <p14:creationId xmlns:p14="http://schemas.microsoft.com/office/powerpoint/2010/main" val="3556791830"/>
+        <p14:creationId xmlns:p14="http://schemas.microsoft.com/office/powerpoint/2010/main" xmlns="" val="3556791830"/>
       </p:ext>
     </p:extLst>
   </p:cSld>
@@ -2381,7 +2399,7 @@
             <a:fld id="{53074F12-AA26-4AC8-9962-C36BB8F32554}" type="datetimeFigureOut">
               <a:rPr lang="en-US" smtClean="0"/>
               <a:pPr/>
-              <a:t>9/29/2013</a:t>
+              <a:t>11/7/2014</a:t>
             </a:fld>
             <a:endParaRPr lang="en-US"/>
           </a:p>
@@ -2424,7 +2442,7 @@
             <a:fld id="{B82CCC60-E8CD-4174-8B1A-7DF615B22EEF}" type="slidenum">
               <a:rPr lang="en-US" smtClean="0"/>
               <a:pPr/>
-              <a:t>‹Nº›</a:t>
+              <a:t>‹#›</a:t>
             </a:fld>
             <a:endParaRPr lang="en-US"/>
           </a:p>
@@ -2433,7 +2451,7 @@
     </p:spTree>
     <p:extLst>
       <p:ext uri="{BB962C8B-B14F-4D97-AF65-F5344CB8AC3E}">
-        <p14:creationId xmlns:p14="http://schemas.microsoft.com/office/powerpoint/2010/main" val="4122911988"/>
+        <p14:creationId xmlns:p14="http://schemas.microsoft.com/office/powerpoint/2010/main" xmlns="" val="4122911988"/>
       </p:ext>
     </p:extLst>
   </p:cSld>
@@ -2501,7 +2519,7 @@
             <a:fld id="{53074F12-AA26-4AC8-9962-C36BB8F32554}" type="datetimeFigureOut">
               <a:rPr lang="en-US" smtClean="0"/>
               <a:pPr/>
-              <a:t>9/29/2013</a:t>
+              <a:t>11/7/2014</a:t>
             </a:fld>
             <a:endParaRPr lang="en-US"/>
           </a:p>
@@ -2544,7 +2562,7 @@
             <a:fld id="{B82CCC60-E8CD-4174-8B1A-7DF615B22EEF}" type="slidenum">
               <a:rPr lang="en-US" smtClean="0"/>
               <a:pPr/>
-              <a:t>‹Nº›</a:t>
+              <a:t>‹#›</a:t>
             </a:fld>
             <a:endParaRPr lang="en-US"/>
           </a:p>
@@ -2553,7 +2571,7 @@
     </p:spTree>
     <p:extLst>
       <p:ext uri="{BB962C8B-B14F-4D97-AF65-F5344CB8AC3E}">
-        <p14:creationId xmlns:p14="http://schemas.microsoft.com/office/powerpoint/2010/main" val="3029773110"/>
+        <p14:creationId xmlns:p14="http://schemas.microsoft.com/office/powerpoint/2010/main" xmlns="" val="3029773110"/>
       </p:ext>
     </p:extLst>
   </p:cSld>
@@ -2598,7 +2616,7 @@
             <a:fld id="{53074F12-AA26-4AC8-9962-C36BB8F32554}" type="datetimeFigureOut">
               <a:rPr lang="en-US" smtClean="0"/>
               <a:pPr/>
-              <a:t>9/29/2013</a:t>
+              <a:t>11/7/2014</a:t>
             </a:fld>
             <a:endParaRPr lang="en-US"/>
           </a:p>
@@ -2641,7 +2659,7 @@
             <a:fld id="{B82CCC60-E8CD-4174-8B1A-7DF615B22EEF}" type="slidenum">
               <a:rPr lang="en-US" smtClean="0"/>
               <a:pPr/>
-              <a:t>‹Nº›</a:t>
+              <a:t>‹#›</a:t>
             </a:fld>
             <a:endParaRPr lang="en-US"/>
           </a:p>
@@ -2650,7 +2668,7 @@
     </p:spTree>
     <p:extLst>
       <p:ext uri="{BB962C8B-B14F-4D97-AF65-F5344CB8AC3E}">
-        <p14:creationId xmlns:p14="http://schemas.microsoft.com/office/powerpoint/2010/main" val="4251864075"/>
+        <p14:creationId xmlns:p14="http://schemas.microsoft.com/office/powerpoint/2010/main" xmlns="" val="4251864075"/>
       </p:ext>
     </p:extLst>
   </p:cSld>
@@ -2877,7 +2895,7 @@
             <a:fld id="{53074F12-AA26-4AC8-9962-C36BB8F32554}" type="datetimeFigureOut">
               <a:rPr lang="en-US" smtClean="0"/>
               <a:pPr/>
-              <a:t>9/29/2013</a:t>
+              <a:t>11/7/2014</a:t>
             </a:fld>
             <a:endParaRPr lang="en-US"/>
           </a:p>
@@ -2920,7 +2938,7 @@
             <a:fld id="{B82CCC60-E8CD-4174-8B1A-7DF615B22EEF}" type="slidenum">
               <a:rPr lang="en-US" smtClean="0"/>
               <a:pPr/>
-              <a:t>‹Nº›</a:t>
+              <a:t>‹#›</a:t>
             </a:fld>
             <a:endParaRPr lang="en-US"/>
           </a:p>
@@ -2929,7 +2947,7 @@
     </p:spTree>
     <p:extLst>
       <p:ext uri="{BB962C8B-B14F-4D97-AF65-F5344CB8AC3E}">
-        <p14:creationId xmlns:p14="http://schemas.microsoft.com/office/powerpoint/2010/main" val="3174452648"/>
+        <p14:creationId xmlns:p14="http://schemas.microsoft.com/office/powerpoint/2010/main" xmlns="" val="3174452648"/>
       </p:ext>
     </p:extLst>
   </p:cSld>
@@ -2945,7 +2963,7 @@
     <p:bg>
       <p:bgPr>
         <a:blipFill dpi="0" rotWithShape="1">
-          <a:blip r:embed="rId14">
+          <a:blip r:embed="rId14" cstate="print">
             <a:lum/>
           </a:blip>
           <a:srcRect/>
@@ -3101,7 +3119,7 @@
             <a:fld id="{53074F12-AA26-4AC8-9962-C36BB8F32554}" type="datetimeFigureOut">
               <a:rPr lang="en-US" smtClean="0"/>
               <a:pPr/>
-              <a:t>9/29/2013</a:t>
+              <a:t>11/7/2014</a:t>
             </a:fld>
             <a:endParaRPr lang="en-US"/>
           </a:p>
@@ -3180,7 +3198,7 @@
             <a:fld id="{B82CCC60-E8CD-4174-8B1A-7DF615B22EEF}" type="slidenum">
               <a:rPr lang="en-US" smtClean="0"/>
               <a:pPr/>
-              <a:t>‹Nº›</a:t>
+              <a:t>‹#›</a:t>
             </a:fld>
             <a:endParaRPr lang="en-US"/>
           </a:p>
@@ -3189,7 +3207,7 @@
     </p:spTree>
     <p:extLst>
       <p:ext uri="{BB962C8B-B14F-4D97-AF65-F5344CB8AC3E}">
-        <p14:creationId xmlns:p14="http://schemas.microsoft.com/office/powerpoint/2010/main" val="1944039382"/>
+        <p14:creationId xmlns:p14="http://schemas.microsoft.com/office/powerpoint/2010/main" xmlns="" val="1944039382"/>
       </p:ext>
     </p:extLst>
   </p:cSld>
@@ -3467,7 +3485,7 @@
     <p:bg>
       <p:bgPr>
         <a:blipFill dpi="0" rotWithShape="1">
-          <a:blip r:embed="rId2">
+          <a:blip r:embed="rId2" cstate="print">
             <a:lum/>
           </a:blip>
           <a:srcRect/>
@@ -3509,7 +3527,7 @@
           <a:p>
             <a:r>
               <a:rPr lang="en-US" dirty="0" smtClean="0"/>
-              <a:t>Click to edit Master title style</a:t>
+              <a:t>Urinary  Incontinence</a:t>
             </a:r>
             <a:endParaRPr lang="en-US" dirty="0"/>
           </a:p>
@@ -3532,7 +3550,19 @@
           <a:p>
             <a:r>
               <a:rPr lang="en-US" dirty="0" smtClean="0"/>
-              <a:t>Click to edit Master subtitle style</a:t>
+              <a:t>By  No</a:t>
+            </a:r>
+            <a:r>
+              <a:rPr lang="en-US" altLang="zh-TW" dirty="0" smtClean="0"/>
+              <a:t>.61</a:t>
+            </a:r>
+            <a:r>
+              <a:rPr lang="zh-TW" altLang="en-US" dirty="0" smtClean="0"/>
+              <a:t>  </a:t>
+            </a:r>
+            <a:r>
+              <a:rPr lang="en-US" altLang="zh-TW" dirty="0" smtClean="0"/>
+              <a:t>Robin</a:t>
             </a:r>
             <a:endParaRPr lang="en-US" dirty="0"/>
           </a:p>
@@ -3541,123 +3571,30 @@
     </p:spTree>
     <p:extLst>
       <p:ext uri="{BB962C8B-B14F-4D97-AF65-F5344CB8AC3E}">
-        <p14:creationId xmlns:p14="http://schemas.microsoft.com/office/powerpoint/2010/main" val="363920370"/>
+        <p14:creationId xmlns:p14="http://schemas.microsoft.com/office/powerpoint/2010/main" xmlns="" val="363920370"/>
       </p:ext>
     </p:extLst>
   </p:cSld>
   <p:clrMapOvr>
     <a:masterClrMapping/>
   </p:clrMapOvr>
+  <p:timing>
+    <p:tnLst>
+      <p:par>
+        <p:cTn id="1" dur="indefinite" restart="never" nodeType="tmRoot"/>
+      </p:par>
+    </p:tnLst>
+  </p:timing>
 </p:sld>
 </file>
 
-<file path=ppt/slides/slide2.xml><?xml version="1.0" encoding="utf-8"?>
-<p:sld xmlns:a="http://schemas.openxmlformats.org/drawingml/2006/main" xmlns:r="http://schemas.openxmlformats.org/officeDocument/2006/relationships" xmlns:p="http://schemas.openxmlformats.org/presentationml/2006/main">
-  <p:cSld>
-    <p:spTree>
-      <p:nvGrpSpPr>
-        <p:cNvPr id="1" name=""/>
-        <p:cNvGrpSpPr/>
-        <p:nvPr/>
-      </p:nvGrpSpPr>
-      <p:grpSpPr>
-        <a:xfrm>
-          <a:off x="0" y="0"/>
-          <a:ext cx="0" cy="0"/>
-          <a:chOff x="0" y="0"/>
-          <a:chExt cx="0" cy="0"/>
-        </a:xfrm>
-      </p:grpSpPr>
-      <p:sp>
-        <p:nvSpPr>
-          <p:cNvPr id="2" name="Title 1"/>
-          <p:cNvSpPr>
-            <a:spLocks noGrp="1"/>
-          </p:cNvSpPr>
-          <p:nvPr>
-            <p:ph type="title"/>
-          </p:nvPr>
-        </p:nvSpPr>
-        <p:spPr/>
-        <p:txBody>
-          <a:bodyPr/>
-          <a:lstStyle/>
-          <a:p>
-            <a:pPr algn="l"/>
-            <a:r>
-              <a:rPr lang="en-US" dirty="0" smtClean="0"/>
-              <a:t>Slide Title</a:t>
-            </a:r>
-            <a:endParaRPr lang="en-US" dirty="0"/>
-          </a:p>
-        </p:txBody>
-      </p:sp>
-      <p:sp>
-        <p:nvSpPr>
-          <p:cNvPr id="3" name="Content Placeholder 2"/>
-          <p:cNvSpPr>
-            <a:spLocks noGrp="1"/>
-          </p:cNvSpPr>
-          <p:nvPr>
-            <p:ph idx="1"/>
-          </p:nvPr>
-        </p:nvSpPr>
-        <p:spPr/>
-        <p:txBody>
-          <a:bodyPr/>
-          <a:lstStyle/>
-          <a:p>
-            <a:r>
-              <a:rPr lang="en-US" smtClean="0"/>
-              <a:t>Make Effective Presentations</a:t>
-            </a:r>
-          </a:p>
-          <a:p>
-            <a:r>
-              <a:rPr lang="en-US" smtClean="0"/>
-              <a:t>Using Awesome Backgrounds</a:t>
-            </a:r>
-          </a:p>
-          <a:p>
-            <a:r>
-              <a:rPr lang="en-US" smtClean="0"/>
-              <a:t>Engage your Audience</a:t>
-            </a:r>
-          </a:p>
-          <a:p>
-            <a:r>
-              <a:rPr lang="en-US" smtClean="0"/>
-              <a:t>Capture Audience Attention</a:t>
-            </a:r>
-          </a:p>
-          <a:p>
-            <a:endParaRPr lang="en-US" smtClean="0"/>
-          </a:p>
-          <a:p>
-            <a:endParaRPr lang="en-US"/>
-          </a:p>
-        </p:txBody>
-      </p:sp>
-    </p:spTree>
-    <p:extLst>
-      <p:ext uri="{BB962C8B-B14F-4D97-AF65-F5344CB8AC3E}">
-        <p14:creationId xmlns:p14="http://schemas.microsoft.com/office/powerpoint/2010/main" val="4103309497"/>
-      </p:ext>
-    </p:extLst>
-  </p:cSld>
-  <p:clrMapOvr>
-    <a:masterClrMapping/>
-  </p:clrMapOvr>
-</p:sld>
-</file>
-
-<file path=ppt/slides/slide3.xml><?xml version="1.0" encoding="utf-8"?>
+<file path=ppt/slides/slide10.xml><?xml version="1.0" encoding="utf-8"?>
 <p:sld xmlns:a="http://schemas.openxmlformats.org/drawingml/2006/main" xmlns:r="http://schemas.openxmlformats.org/officeDocument/2006/relationships" xmlns:p="http://schemas.openxmlformats.org/presentationml/2006/main">
   <p:cSld>
     <p:bg>
       <p:bgPr>
         <a:blipFill dpi="0" rotWithShape="1">
-          <a:blip r:embed="rId2">
+          <a:blip r:embed="rId2" cstate="print">
             <a:lum/>
           </a:blip>
           <a:srcRect/>
@@ -3694,13 +3631,31 @@
         </p:nvSpPr>
         <p:spPr/>
         <p:txBody>
-          <a:bodyPr/>
+          <a:bodyPr>
+            <a:normAutofit/>
+          </a:bodyPr>
           <a:lstStyle/>
           <a:p>
             <a:pPr algn="l"/>
             <a:r>
-              <a:rPr lang="en-US" dirty="0" smtClean="0"/>
-              <a:t>Slide Title</a:t>
+              <a:rPr lang="en-US" altLang="zh-TW" dirty="0" smtClean="0"/>
+              <a:t>Overview</a:t>
+            </a:r>
+            <a:r>
+              <a:rPr lang="zh-TW" altLang="en-US" dirty="0" smtClean="0"/>
+              <a:t> </a:t>
+            </a:r>
+            <a:r>
+              <a:rPr lang="en-US" altLang="zh-TW" dirty="0" smtClean="0"/>
+              <a:t>-</a:t>
+            </a:r>
+            <a:r>
+              <a:rPr lang="zh-TW" altLang="en-US" dirty="0" smtClean="0"/>
+              <a:t> </a:t>
+            </a:r>
+            <a:r>
+              <a:rPr lang="en-US" altLang="zh-TW" dirty="0" smtClean="0"/>
+              <a:t>Introduction</a:t>
             </a:r>
             <a:endParaRPr lang="en-US" dirty="0"/>
           </a:p>
@@ -3718,48 +3673,6129 @@
         </p:nvSpPr>
         <p:spPr/>
         <p:txBody>
-          <a:bodyPr/>
+          <a:bodyPr>
+            <a:normAutofit/>
+          </a:bodyPr>
           <a:lstStyle/>
           <a:p>
-            <a:r>
-              <a:rPr lang="en-US" smtClean="0"/>
-              <a:t>Make Effective Presentations</a:t>
-            </a:r>
-          </a:p>
-          <a:p>
-            <a:r>
-              <a:rPr lang="en-US" smtClean="0"/>
-              <a:t>Using Awesome Backgrounds</a:t>
-            </a:r>
-          </a:p>
-          <a:p>
-            <a:r>
-              <a:rPr lang="en-US" smtClean="0"/>
-              <a:t>Engage your Audience</a:t>
-            </a:r>
-          </a:p>
-          <a:p>
-            <a:r>
-              <a:rPr lang="en-US" smtClean="0"/>
-              <a:t>Capture Audience Attention</a:t>
+            <a:pPr>
+              <a:buNone/>
+            </a:pPr>
+            <a:r>
+              <a:rPr lang="en-US" altLang="zh-TW" sz="3200" dirty="0" smtClean="0"/>
+              <a:t>Urinary</a:t>
+            </a:r>
+            <a:r>
+              <a:rPr lang="zh-TW" altLang="en-US" sz="3200" dirty="0" smtClean="0"/>
+              <a:t>  </a:t>
+            </a:r>
+            <a:r>
+              <a:rPr lang="en-US" altLang="zh-TW" sz="3200" dirty="0" smtClean="0"/>
+              <a:t>incontinence</a:t>
+            </a:r>
+            <a:r>
+              <a:rPr lang="zh-TW" altLang="en-US" sz="3200" dirty="0" smtClean="0"/>
+              <a:t>  </a:t>
+            </a:r>
+            <a:r>
+              <a:rPr lang="en-US" altLang="zh-TW" sz="3200" dirty="0" smtClean="0"/>
+              <a:t>is</a:t>
+            </a:r>
+            <a:r>
+              <a:rPr lang="zh-TW" altLang="en-US" sz="3200" dirty="0" smtClean="0"/>
+              <a:t> </a:t>
+            </a:r>
+            <a:r>
+              <a:rPr lang="en-US" altLang="zh-TW" sz="3200" dirty="0" smtClean="0"/>
+              <a:t>:</a:t>
+            </a:r>
+          </a:p>
+          <a:p>
+            <a:pPr>
+              <a:buNone/>
+            </a:pPr>
+            <a:r>
+              <a:rPr lang="en-US" altLang="zh-TW" sz="3200" dirty="0" smtClean="0">
+                <a:solidFill>
+                  <a:schemeClr val="tx2">
+                    <a:lumMod val="60000"/>
+                    <a:lumOff val="40000"/>
+                  </a:schemeClr>
+                </a:solidFill>
+              </a:rPr>
+              <a:t>the</a:t>
+            </a:r>
+            <a:r>
+              <a:rPr lang="zh-TW" altLang="en-US" sz="3200" dirty="0" smtClean="0">
+                <a:solidFill>
+                  <a:schemeClr val="tx2">
+                    <a:lumMod val="60000"/>
+                    <a:lumOff val="40000"/>
+                  </a:schemeClr>
+                </a:solidFill>
+              </a:rPr>
+              <a:t>  </a:t>
+            </a:r>
+            <a:r>
+              <a:rPr lang="en-US" altLang="zh-TW" sz="3200" dirty="0" smtClean="0">
+                <a:solidFill>
+                  <a:schemeClr val="tx2">
+                    <a:lumMod val="60000"/>
+                    <a:lumOff val="40000"/>
+                  </a:schemeClr>
+                </a:solidFill>
+              </a:rPr>
+              <a:t>uncontrolled</a:t>
+            </a:r>
+            <a:r>
+              <a:rPr lang="zh-TW" altLang="en-US" sz="3200" dirty="0" smtClean="0">
+                <a:solidFill>
+                  <a:schemeClr val="tx2">
+                    <a:lumMod val="60000"/>
+                    <a:lumOff val="40000"/>
+                  </a:schemeClr>
+                </a:solidFill>
+              </a:rPr>
+              <a:t>  </a:t>
+            </a:r>
+            <a:r>
+              <a:rPr lang="en-US" altLang="zh-TW" sz="3200" dirty="0" smtClean="0">
+                <a:solidFill>
+                  <a:schemeClr val="tx2">
+                    <a:lumMod val="60000"/>
+                    <a:lumOff val="40000"/>
+                  </a:schemeClr>
+                </a:solidFill>
+              </a:rPr>
+              <a:t>loss</a:t>
+            </a:r>
+            <a:r>
+              <a:rPr lang="zh-TW" altLang="en-US" sz="3200" dirty="0" smtClean="0">
+                <a:solidFill>
+                  <a:schemeClr val="tx2">
+                    <a:lumMod val="60000"/>
+                    <a:lumOff val="40000"/>
+                  </a:schemeClr>
+                </a:solidFill>
+              </a:rPr>
+              <a:t>  </a:t>
+            </a:r>
+            <a:r>
+              <a:rPr lang="en-US" altLang="zh-TW" sz="3200" dirty="0" smtClean="0">
+                <a:solidFill>
+                  <a:schemeClr val="tx2">
+                    <a:lumMod val="60000"/>
+                    <a:lumOff val="40000"/>
+                  </a:schemeClr>
+                </a:solidFill>
+              </a:rPr>
+              <a:t>of</a:t>
+            </a:r>
+            <a:r>
+              <a:rPr lang="zh-TW" altLang="en-US" sz="3200" dirty="0" smtClean="0">
+                <a:solidFill>
+                  <a:schemeClr val="tx2">
+                    <a:lumMod val="60000"/>
+                    <a:lumOff val="40000"/>
+                  </a:schemeClr>
+                </a:solidFill>
+              </a:rPr>
+              <a:t> </a:t>
+            </a:r>
+            <a:r>
+              <a:rPr lang="zh-TW" altLang="en-US" sz="3200" dirty="0" smtClean="0">
+                <a:solidFill>
+                  <a:schemeClr val="tx2">
+                    <a:lumMod val="60000"/>
+                    <a:lumOff val="40000"/>
+                  </a:schemeClr>
+                </a:solidFill>
+              </a:rPr>
+              <a:t> </a:t>
+            </a:r>
+            <a:r>
+              <a:rPr lang="en-US" altLang="zh-TW" sz="3200" dirty="0" smtClean="0">
+                <a:solidFill>
+                  <a:schemeClr val="tx2">
+                    <a:lumMod val="60000"/>
+                    <a:lumOff val="40000"/>
+                  </a:schemeClr>
+                </a:solidFill>
+              </a:rPr>
+              <a:t>urine</a:t>
             </a:r>
           </a:p>
         </p:txBody>
       </p:sp>
+      <p:pic>
+        <p:nvPicPr>
+          <p:cNvPr id="1028" name="Picture 4" descr="Urinary Incontinence"/>
+          <p:cNvPicPr>
+            <a:picLocks noChangeAspect="1" noChangeArrowheads="1"/>
+          </p:cNvPicPr>
+          <p:nvPr/>
+        </p:nvPicPr>
+        <p:blipFill>
+          <a:blip r:embed="rId3" cstate="print"/>
+          <a:srcRect/>
+          <a:stretch>
+            <a:fillRect/>
+          </a:stretch>
+        </p:blipFill>
+        <p:spPr bwMode="auto">
+          <a:xfrm>
+            <a:off x="5030115" y="3429000"/>
+            <a:ext cx="3512215" cy="3043921"/>
+          </a:xfrm>
+          <a:prstGeom prst="rect">
+            <a:avLst/>
+          </a:prstGeom>
+          <a:noFill/>
+        </p:spPr>
+      </p:pic>
     </p:spTree>
     <p:extLst>
       <p:ext uri="{BB962C8B-B14F-4D97-AF65-F5344CB8AC3E}">
-        <p14:creationId xmlns:p14="http://schemas.microsoft.com/office/powerpoint/2010/main" val="1101633878"/>
+        <p14:creationId xmlns:p14="http://schemas.microsoft.com/office/powerpoint/2010/main" xmlns="" val="1101633878"/>
       </p:ext>
     </p:extLst>
   </p:cSld>
   <p:clrMapOvr>
     <a:masterClrMapping/>
   </p:clrMapOvr>
+  <p:timing>
+    <p:tnLst>
+      <p:par>
+        <p:cTn id="1" dur="indefinite" restart="never" nodeType="tmRoot"/>
+      </p:par>
+    </p:tnLst>
+  </p:timing>
 </p:sld>
 </file>
 
-<file path=ppt/slides/slide4.xml><?xml version="1.0" encoding="utf-8"?>
+<file path=ppt/slides/slide11.xml><?xml version="1.0" encoding="utf-8"?>
+<p:sld xmlns:a="http://schemas.openxmlformats.org/drawingml/2006/main" xmlns:r="http://schemas.openxmlformats.org/officeDocument/2006/relationships" xmlns:p="http://schemas.openxmlformats.org/presentationml/2006/main">
+  <p:cSld>
+    <p:bg>
+      <p:bgPr>
+        <a:blipFill dpi="0" rotWithShape="1">
+          <a:blip r:embed="rId2" cstate="print">
+            <a:lum/>
+          </a:blip>
+          <a:srcRect/>
+          <a:stretch>
+            <a:fillRect/>
+          </a:stretch>
+        </a:blipFill>
+        <a:effectLst/>
+      </p:bgPr>
+    </p:bg>
+    <p:spTree>
+      <p:nvGrpSpPr>
+        <p:cNvPr id="1" name=""/>
+        <p:cNvGrpSpPr/>
+        <p:nvPr/>
+      </p:nvGrpSpPr>
+      <p:grpSpPr>
+        <a:xfrm>
+          <a:off x="0" y="0"/>
+          <a:ext cx="0" cy="0"/>
+          <a:chOff x="0" y="0"/>
+          <a:chExt cx="0" cy="0"/>
+        </a:xfrm>
+      </p:grpSpPr>
+      <p:sp>
+        <p:nvSpPr>
+          <p:cNvPr id="4" name="Title 3"/>
+          <p:cNvSpPr>
+            <a:spLocks noGrp="1"/>
+          </p:cNvSpPr>
+          <p:nvPr>
+            <p:ph type="title"/>
+          </p:nvPr>
+        </p:nvSpPr>
+        <p:spPr/>
+        <p:txBody>
+          <a:bodyPr>
+            <a:normAutofit/>
+          </a:bodyPr>
+          <a:lstStyle/>
+          <a:p>
+            <a:pPr algn="l"/>
+            <a:r>
+              <a:rPr lang="en-US" altLang="zh-TW" dirty="0" smtClean="0"/>
+              <a:t>Overview</a:t>
+            </a:r>
+            <a:r>
+              <a:rPr lang="zh-TW" altLang="en-US" dirty="0" smtClean="0"/>
+              <a:t> </a:t>
+            </a:r>
+            <a:r>
+              <a:rPr lang="en-US" altLang="zh-TW" dirty="0" smtClean="0"/>
+              <a:t>–</a:t>
+            </a:r>
+            <a:r>
+              <a:rPr lang="zh-TW" altLang="en-US" dirty="0" smtClean="0"/>
+              <a:t> </a:t>
+            </a:r>
+            <a:r>
+              <a:rPr lang="en-US" altLang="zh-TW" dirty="0" smtClean="0"/>
+              <a:t>A</a:t>
+            </a:r>
+            <a:r>
+              <a:rPr lang="zh-TW" altLang="en-US" dirty="0" smtClean="0"/>
+              <a:t>  </a:t>
+            </a:r>
+            <a:r>
+              <a:rPr lang="en-US" altLang="zh-TW" dirty="0" smtClean="0"/>
+              <a:t>neglected</a:t>
+            </a:r>
+            <a:r>
+              <a:rPr lang="zh-TW" altLang="en-US" dirty="0" smtClean="0"/>
+              <a:t>  </a:t>
+            </a:r>
+            <a:r>
+              <a:rPr lang="en-US" altLang="zh-TW" dirty="0" smtClean="0"/>
+              <a:t>Problem</a:t>
+            </a:r>
+            <a:endParaRPr lang="en-US" dirty="0"/>
+          </a:p>
+        </p:txBody>
+      </p:sp>
+      <p:sp>
+        <p:nvSpPr>
+          <p:cNvPr id="5" name="Content Placeholder 4"/>
+          <p:cNvSpPr>
+            <a:spLocks noGrp="1"/>
+          </p:cNvSpPr>
+          <p:nvPr>
+            <p:ph idx="1"/>
+          </p:nvPr>
+        </p:nvSpPr>
+        <p:spPr>
+          <a:xfrm>
+            <a:off x="1823310" y="1443835"/>
+            <a:ext cx="7024430" cy="4886560"/>
+          </a:xfrm>
+        </p:spPr>
+        <p:txBody>
+          <a:bodyPr>
+            <a:normAutofit/>
+          </a:bodyPr>
+          <a:lstStyle/>
+          <a:p>
+            <a:pPr>
+              <a:buNone/>
+            </a:pPr>
+            <a:r>
+              <a:rPr lang="en-US" altLang="zh-TW" dirty="0" smtClean="0"/>
+              <a:t>People</a:t>
+            </a:r>
+            <a:r>
+              <a:rPr lang="zh-TW" altLang="en-US" dirty="0" smtClean="0"/>
+              <a:t>  </a:t>
+            </a:r>
+            <a:r>
+              <a:rPr lang="en-US" altLang="zh-TW" dirty="0" smtClean="0"/>
+              <a:t>are</a:t>
+            </a:r>
+            <a:r>
+              <a:rPr lang="zh-TW" altLang="en-US" dirty="0" smtClean="0"/>
+              <a:t>  </a:t>
+            </a:r>
+            <a:r>
+              <a:rPr lang="en-US" altLang="zh-TW" dirty="0" smtClean="0"/>
+              <a:t>too</a:t>
+            </a:r>
+            <a:r>
+              <a:rPr lang="zh-TW" altLang="en-US" dirty="0" smtClean="0"/>
+              <a:t>  </a:t>
+            </a:r>
+            <a:r>
+              <a:rPr lang="en-US" altLang="zh-TW" dirty="0" smtClean="0"/>
+              <a:t>embarrassed</a:t>
+            </a:r>
+            <a:r>
+              <a:rPr lang="zh-TW" altLang="en-US" dirty="0" smtClean="0"/>
+              <a:t>  </a:t>
+            </a:r>
+            <a:r>
+              <a:rPr lang="en-US" altLang="zh-TW" dirty="0" smtClean="0"/>
+              <a:t>to</a:t>
+            </a:r>
+            <a:r>
+              <a:rPr lang="zh-TW" altLang="en-US" dirty="0" smtClean="0"/>
+              <a:t>  </a:t>
+            </a:r>
+            <a:r>
+              <a:rPr lang="en-US" altLang="zh-TW" dirty="0" smtClean="0"/>
+              <a:t>get</a:t>
+            </a:r>
+            <a:r>
+              <a:rPr lang="zh-TW" altLang="en-US" dirty="0" smtClean="0"/>
+              <a:t>  </a:t>
+            </a:r>
+            <a:r>
+              <a:rPr lang="en-US" altLang="zh-TW" dirty="0" smtClean="0"/>
+              <a:t>help</a:t>
+            </a:r>
+            <a:r>
+              <a:rPr lang="zh-TW" altLang="en-US" dirty="0" smtClean="0"/>
+              <a:t> </a:t>
+            </a:r>
+            <a:r>
+              <a:rPr lang="en-US" altLang="zh-TW" dirty="0" smtClean="0"/>
+              <a:t>,</a:t>
+            </a:r>
+            <a:r>
+              <a:rPr lang="zh-TW" altLang="en-US" dirty="0" smtClean="0"/>
+              <a:t> </a:t>
+            </a:r>
+            <a:endParaRPr lang="en-US" altLang="zh-TW" dirty="0" smtClean="0"/>
+          </a:p>
+          <a:p>
+            <a:pPr>
+              <a:buNone/>
+            </a:pPr>
+            <a:r>
+              <a:rPr lang="en-US" altLang="zh-TW" dirty="0" smtClean="0"/>
+              <a:t>But</a:t>
+            </a:r>
+            <a:r>
+              <a:rPr lang="zh-TW" altLang="en-US" dirty="0" smtClean="0"/>
+              <a:t>  </a:t>
+            </a:r>
+            <a:r>
+              <a:rPr lang="en-US" altLang="zh-TW" dirty="0" smtClean="0"/>
+              <a:t>:</a:t>
+            </a:r>
+            <a:endParaRPr lang="en-US" altLang="zh-TW" dirty="0" smtClean="0"/>
+          </a:p>
+          <a:p>
+            <a:r>
+              <a:rPr lang="en-US" altLang="zh-TW" dirty="0" smtClean="0"/>
+              <a:t>Urinary</a:t>
+            </a:r>
+            <a:r>
+              <a:rPr lang="zh-TW" altLang="en-US" dirty="0" smtClean="0"/>
+              <a:t>  </a:t>
+            </a:r>
+            <a:r>
+              <a:rPr lang="en-US" altLang="zh-TW" dirty="0" smtClean="0"/>
+              <a:t>incontinence</a:t>
+            </a:r>
+            <a:r>
+              <a:rPr lang="zh-TW" altLang="en-US" dirty="0" smtClean="0"/>
+              <a:t>  </a:t>
+            </a:r>
+            <a:r>
+              <a:rPr lang="en-US" altLang="zh-TW" dirty="0" smtClean="0"/>
+              <a:t>is</a:t>
+            </a:r>
+            <a:r>
+              <a:rPr lang="zh-TW" altLang="en-US" dirty="0" smtClean="0"/>
+              <a:t>  </a:t>
+            </a:r>
+            <a:r>
+              <a:rPr lang="en-US" altLang="zh-TW" dirty="0" smtClean="0"/>
+              <a:t>a</a:t>
+            </a:r>
+            <a:r>
+              <a:rPr lang="zh-TW" altLang="en-US" dirty="0" smtClean="0"/>
+              <a:t>  </a:t>
+            </a:r>
+            <a:r>
+              <a:rPr lang="en-US" altLang="zh-TW" dirty="0" smtClean="0">
+                <a:solidFill>
+                  <a:schemeClr val="tx2">
+                    <a:lumMod val="60000"/>
+                    <a:lumOff val="40000"/>
+                  </a:schemeClr>
+                </a:solidFill>
+              </a:rPr>
+              <a:t>very</a:t>
+            </a:r>
+            <a:r>
+              <a:rPr lang="zh-TW" altLang="en-US" dirty="0" smtClean="0">
+                <a:solidFill>
+                  <a:schemeClr val="tx2">
+                    <a:lumMod val="60000"/>
+                    <a:lumOff val="40000"/>
+                  </a:schemeClr>
+                </a:solidFill>
+              </a:rPr>
+              <a:t>  </a:t>
+            </a:r>
+            <a:r>
+              <a:rPr lang="en-US" altLang="zh-TW" dirty="0" smtClean="0">
+                <a:solidFill>
+                  <a:schemeClr val="tx2">
+                    <a:lumMod val="60000"/>
+                    <a:lumOff val="40000"/>
+                  </a:schemeClr>
+                </a:solidFill>
+              </a:rPr>
+              <a:t>common</a:t>
+            </a:r>
+            <a:r>
+              <a:rPr lang="zh-TW" altLang="en-US" dirty="0" smtClean="0">
+                <a:solidFill>
+                  <a:schemeClr val="tx2">
+                    <a:lumMod val="60000"/>
+                    <a:lumOff val="40000"/>
+                  </a:schemeClr>
+                </a:solidFill>
+              </a:rPr>
+              <a:t>  </a:t>
+            </a:r>
+            <a:r>
+              <a:rPr lang="en-US" altLang="zh-TW" dirty="0" smtClean="0">
+                <a:solidFill>
+                  <a:schemeClr val="tx2">
+                    <a:lumMod val="60000"/>
+                    <a:lumOff val="40000"/>
+                  </a:schemeClr>
+                </a:solidFill>
+              </a:rPr>
+              <a:t>problem</a:t>
+            </a:r>
+            <a:r>
+              <a:rPr lang="zh-TW" altLang="en-US" dirty="0" smtClean="0">
+                <a:solidFill>
+                  <a:schemeClr val="tx2">
+                    <a:lumMod val="60000"/>
+                    <a:lumOff val="40000"/>
+                  </a:schemeClr>
+                </a:solidFill>
+              </a:rPr>
+              <a:t> </a:t>
+            </a:r>
+            <a:r>
+              <a:rPr lang="en-US" altLang="zh-TW" dirty="0" smtClean="0"/>
+              <a:t>:</a:t>
+            </a:r>
+            <a:endParaRPr lang="en-US" altLang="zh-TW" dirty="0" smtClean="0">
+              <a:solidFill>
+                <a:schemeClr val="tx2">
+                  <a:lumMod val="60000"/>
+                  <a:lumOff val="40000"/>
+                </a:schemeClr>
+              </a:solidFill>
+            </a:endParaRPr>
+          </a:p>
+          <a:p>
+            <a:pPr>
+              <a:buNone/>
+            </a:pPr>
+            <a:r>
+              <a:rPr lang="zh-TW" altLang="en-US" dirty="0" smtClean="0">
+                <a:solidFill>
+                  <a:schemeClr val="tx2">
+                    <a:lumMod val="60000"/>
+                    <a:lumOff val="40000"/>
+                  </a:schemeClr>
+                </a:solidFill>
+              </a:rPr>
+              <a:t>    </a:t>
+            </a:r>
+            <a:r>
+              <a:rPr lang="en-US" altLang="zh-TW" dirty="0" smtClean="0"/>
+              <a:t>-&gt;</a:t>
+            </a:r>
+            <a:r>
+              <a:rPr lang="zh-TW" altLang="en-US" dirty="0" smtClean="0">
+                <a:solidFill>
+                  <a:schemeClr val="tx2">
+                    <a:lumMod val="60000"/>
+                    <a:lumOff val="40000"/>
+                  </a:schemeClr>
+                </a:solidFill>
+              </a:rPr>
+              <a:t> </a:t>
+            </a:r>
+            <a:r>
+              <a:rPr lang="en-US" altLang="zh-TW" dirty="0" smtClean="0"/>
+              <a:t>Statistics</a:t>
+            </a:r>
+            <a:r>
+              <a:rPr lang="zh-TW" altLang="en-US" dirty="0" smtClean="0"/>
+              <a:t> </a:t>
+            </a:r>
+            <a:r>
+              <a:rPr lang="en-US" altLang="zh-TW" dirty="0" smtClean="0"/>
+              <a:t>shows</a:t>
+            </a:r>
+            <a:r>
+              <a:rPr lang="zh-TW" altLang="en-US" dirty="0" smtClean="0"/>
+              <a:t> </a:t>
+            </a:r>
+            <a:r>
+              <a:rPr lang="en-US" altLang="zh-TW" dirty="0" smtClean="0"/>
+              <a:t>that</a:t>
+            </a:r>
+            <a:r>
+              <a:rPr lang="zh-TW" altLang="en-US" dirty="0" smtClean="0"/>
+              <a:t>  </a:t>
+            </a:r>
+            <a:r>
+              <a:rPr lang="en-US" altLang="zh-TW" dirty="0" smtClean="0">
+                <a:solidFill>
+                  <a:srgbClr val="017BA1"/>
+                </a:solidFill>
+              </a:rPr>
+              <a:t>26000000</a:t>
+            </a:r>
+            <a:r>
+              <a:rPr lang="zh-TW" altLang="en-US" dirty="0" smtClean="0"/>
+              <a:t>  </a:t>
+            </a:r>
+            <a:r>
+              <a:rPr lang="en-US" altLang="zh-TW" dirty="0" smtClean="0"/>
+              <a:t>adults</a:t>
+            </a:r>
+            <a:endParaRPr lang="en-US" altLang="zh-TW" dirty="0" smtClean="0"/>
+          </a:p>
+          <a:p>
+            <a:pPr>
+              <a:buNone/>
+            </a:pPr>
+            <a:r>
+              <a:rPr lang="zh-TW" altLang="en-US" dirty="0" smtClean="0"/>
+              <a:t>        </a:t>
+            </a:r>
+            <a:r>
+              <a:rPr lang="en-US" altLang="zh-TW" dirty="0" smtClean="0"/>
+              <a:t>have</a:t>
+            </a:r>
+            <a:r>
+              <a:rPr lang="zh-TW" altLang="en-US" dirty="0" smtClean="0"/>
+              <a:t>  </a:t>
+            </a:r>
+            <a:r>
+              <a:rPr lang="en-US" altLang="zh-TW" dirty="0" smtClean="0"/>
+              <a:t>been</a:t>
+            </a:r>
+            <a:r>
+              <a:rPr lang="zh-TW" altLang="en-US" dirty="0" smtClean="0"/>
+              <a:t>  </a:t>
+            </a:r>
+            <a:r>
+              <a:rPr lang="en-US" altLang="zh-TW" dirty="0" smtClean="0"/>
+              <a:t>affected</a:t>
+            </a:r>
+            <a:r>
+              <a:rPr lang="zh-TW" altLang="en-US" dirty="0" smtClean="0"/>
+              <a:t>  </a:t>
+            </a:r>
+            <a:r>
+              <a:rPr lang="en-US" altLang="zh-TW" dirty="0" smtClean="0"/>
+              <a:t>along</a:t>
+            </a:r>
+            <a:r>
+              <a:rPr lang="zh-TW" altLang="en-US" dirty="0" smtClean="0"/>
+              <a:t>  </a:t>
+            </a:r>
+            <a:r>
+              <a:rPr lang="en-US" altLang="zh-TW" dirty="0" smtClean="0"/>
+              <a:t>in</a:t>
+            </a:r>
+            <a:r>
+              <a:rPr lang="zh-TW" altLang="en-US" dirty="0" smtClean="0"/>
+              <a:t> </a:t>
+            </a:r>
+            <a:r>
+              <a:rPr lang="zh-TW" altLang="en-US" dirty="0" smtClean="0"/>
+              <a:t> </a:t>
+            </a:r>
+            <a:r>
+              <a:rPr lang="en-US" altLang="zh-TW" dirty="0" smtClean="0"/>
+              <a:t>America</a:t>
+            </a:r>
+            <a:r>
+              <a:rPr lang="zh-TW" altLang="en-US" dirty="0" smtClean="0"/>
+              <a:t>  </a:t>
+            </a:r>
+            <a:endParaRPr lang="en-US" altLang="zh-TW" dirty="0" smtClean="0"/>
+          </a:p>
+          <a:p>
+            <a:r>
+              <a:rPr lang="en-US" altLang="zh-TW" dirty="0" smtClean="0"/>
+              <a:t>It</a:t>
+            </a:r>
+            <a:r>
+              <a:rPr lang="zh-TW" altLang="en-US" dirty="0" smtClean="0"/>
+              <a:t>  </a:t>
+            </a:r>
+            <a:r>
+              <a:rPr lang="en-US" altLang="zh-TW" dirty="0" smtClean="0"/>
+              <a:t>indeed</a:t>
+            </a:r>
+            <a:r>
+              <a:rPr lang="zh-TW" altLang="en-US" dirty="0" smtClean="0"/>
+              <a:t>  </a:t>
+            </a:r>
+            <a:r>
+              <a:rPr lang="en-US" altLang="zh-TW" dirty="0" smtClean="0"/>
+              <a:t>can</a:t>
+            </a:r>
+            <a:r>
+              <a:rPr lang="zh-TW" altLang="en-US" dirty="0" smtClean="0"/>
+              <a:t>  </a:t>
+            </a:r>
+            <a:r>
+              <a:rPr lang="en-US" altLang="zh-TW" dirty="0" smtClean="0"/>
+              <a:t>be</a:t>
+            </a:r>
+            <a:r>
+              <a:rPr lang="zh-TW" altLang="en-US" dirty="0" smtClean="0"/>
+              <a:t>  </a:t>
+            </a:r>
+            <a:r>
+              <a:rPr lang="en-US" altLang="zh-TW" dirty="0" smtClean="0">
+                <a:solidFill>
+                  <a:srgbClr val="017BA1"/>
+                </a:solidFill>
+              </a:rPr>
+              <a:t>easily</a:t>
+            </a:r>
+            <a:r>
+              <a:rPr lang="zh-TW" altLang="en-US" dirty="0" smtClean="0">
+                <a:solidFill>
+                  <a:srgbClr val="017BA1"/>
+                </a:solidFill>
+              </a:rPr>
+              <a:t>  </a:t>
+            </a:r>
+            <a:r>
+              <a:rPr lang="en-US" altLang="zh-TW" dirty="0" smtClean="0">
+                <a:solidFill>
+                  <a:srgbClr val="017BA1"/>
+                </a:solidFill>
+              </a:rPr>
+              <a:t>treated</a:t>
+            </a:r>
+            <a:r>
+              <a:rPr lang="zh-TW" altLang="en-US" dirty="0" smtClean="0">
+                <a:solidFill>
+                  <a:srgbClr val="017BA1"/>
+                </a:solidFill>
+              </a:rPr>
+              <a:t>  </a:t>
+            </a:r>
+            <a:r>
+              <a:rPr lang="en-US" altLang="zh-TW" dirty="0" smtClean="0">
+                <a:solidFill>
+                  <a:srgbClr val="017BA1"/>
+                </a:solidFill>
+              </a:rPr>
+              <a:t>and</a:t>
+            </a:r>
+            <a:r>
+              <a:rPr lang="zh-TW" altLang="en-US" dirty="0" smtClean="0">
+                <a:solidFill>
+                  <a:srgbClr val="017BA1"/>
+                </a:solidFill>
+              </a:rPr>
+              <a:t>  </a:t>
+            </a:r>
+            <a:r>
+              <a:rPr lang="en-US" altLang="zh-TW" dirty="0" smtClean="0">
+                <a:solidFill>
+                  <a:srgbClr val="017BA1"/>
+                </a:solidFill>
+              </a:rPr>
+              <a:t>cured</a:t>
+            </a:r>
+          </a:p>
+          <a:p>
+            <a:r>
+              <a:rPr lang="en-US" altLang="zh-TW" dirty="0" smtClean="0"/>
+              <a:t>Even</a:t>
+            </a:r>
+            <a:r>
+              <a:rPr lang="zh-TW" altLang="en-US" dirty="0" smtClean="0"/>
+              <a:t>  </a:t>
+            </a:r>
+            <a:r>
+              <a:rPr lang="en-US" altLang="zh-TW" dirty="0" smtClean="0"/>
+              <a:t>more</a:t>
+            </a:r>
+            <a:r>
+              <a:rPr lang="zh-TW" altLang="en-US" dirty="0" smtClean="0"/>
+              <a:t>  </a:t>
+            </a:r>
+            <a:r>
+              <a:rPr lang="en-US" altLang="zh-TW" dirty="0" smtClean="0"/>
+              <a:t>,</a:t>
+            </a:r>
+            <a:r>
+              <a:rPr lang="zh-TW" altLang="en-US" dirty="0" smtClean="0"/>
+              <a:t>  </a:t>
+            </a:r>
+            <a:r>
+              <a:rPr lang="en-US" altLang="zh-TW" dirty="0" smtClean="0"/>
+              <a:t>it</a:t>
+            </a:r>
+            <a:r>
+              <a:rPr lang="zh-TW" altLang="en-US" dirty="0" smtClean="0"/>
+              <a:t>  </a:t>
+            </a:r>
+            <a:r>
+              <a:rPr lang="en-US" altLang="zh-TW" dirty="0" smtClean="0"/>
+              <a:t>sometimes</a:t>
+            </a:r>
+            <a:r>
+              <a:rPr lang="zh-TW" altLang="en-US" dirty="0" smtClean="0"/>
+              <a:t>  </a:t>
+            </a:r>
+            <a:r>
+              <a:rPr lang="en-US" altLang="zh-TW" dirty="0" smtClean="0"/>
+              <a:t>indicates</a:t>
+            </a:r>
+            <a:r>
+              <a:rPr lang="zh-TW" altLang="en-US" dirty="0" smtClean="0"/>
+              <a:t>  </a:t>
+            </a:r>
+            <a:r>
+              <a:rPr lang="en-US" altLang="zh-TW" dirty="0" smtClean="0">
+                <a:solidFill>
+                  <a:srgbClr val="017BA1"/>
+                </a:solidFill>
+              </a:rPr>
+              <a:t>more</a:t>
+            </a:r>
+            <a:r>
+              <a:rPr lang="zh-TW" altLang="en-US" dirty="0" smtClean="0">
+                <a:solidFill>
+                  <a:srgbClr val="017BA1"/>
+                </a:solidFill>
+              </a:rPr>
+              <a:t>  </a:t>
+            </a:r>
+            <a:r>
+              <a:rPr lang="en-US" altLang="zh-TW" dirty="0" smtClean="0">
+                <a:solidFill>
+                  <a:srgbClr val="017BA1"/>
+                </a:solidFill>
+              </a:rPr>
+              <a:t>serious</a:t>
+            </a:r>
+            <a:r>
+              <a:rPr lang="zh-TW" altLang="en-US" dirty="0" smtClean="0">
+                <a:solidFill>
+                  <a:srgbClr val="017BA1"/>
+                </a:solidFill>
+              </a:rPr>
+              <a:t>   </a:t>
+            </a:r>
+            <a:r>
+              <a:rPr lang="en-US" altLang="zh-TW" dirty="0" smtClean="0">
+                <a:solidFill>
+                  <a:srgbClr val="017BA1"/>
+                </a:solidFill>
+              </a:rPr>
+              <a:t>medical</a:t>
+            </a:r>
+            <a:r>
+              <a:rPr lang="zh-TW" altLang="en-US" dirty="0" smtClean="0">
+                <a:solidFill>
+                  <a:srgbClr val="017BA1"/>
+                </a:solidFill>
+              </a:rPr>
+              <a:t>  </a:t>
+            </a:r>
+            <a:r>
+              <a:rPr lang="en-US" altLang="zh-TW" dirty="0" smtClean="0">
+                <a:solidFill>
+                  <a:srgbClr val="017BA1"/>
+                </a:solidFill>
+              </a:rPr>
+              <a:t>conditions</a:t>
+            </a:r>
+          </a:p>
+        </p:txBody>
+      </p:sp>
+      <p:sp>
+        <p:nvSpPr>
+          <p:cNvPr id="6" name="文字方塊 5"/>
+          <p:cNvSpPr txBox="1"/>
+          <p:nvPr/>
+        </p:nvSpPr>
+        <p:spPr>
+          <a:xfrm>
+            <a:off x="1517900" y="2665475"/>
+            <a:ext cx="7329840" cy="1569660"/>
+          </a:xfrm>
+          <a:prstGeom prst="rect">
+            <a:avLst/>
+          </a:prstGeom>
+          <a:solidFill>
+            <a:schemeClr val="accent2">
+              <a:lumMod val="60000"/>
+              <a:lumOff val="40000"/>
+            </a:schemeClr>
+          </a:solidFill>
+        </p:spPr>
+        <p:txBody>
+          <a:bodyPr wrap="square" rtlCol="0">
+            <a:spAutoFit/>
+          </a:bodyPr>
+          <a:lstStyle/>
+          <a:p>
+            <a:pPr algn="ctr"/>
+            <a:r>
+              <a:rPr lang="en-US" altLang="zh-TW" sz="4800" b="1" dirty="0" smtClean="0">
+                <a:solidFill>
+                  <a:srgbClr val="FFFF00"/>
+                </a:solidFill>
+              </a:rPr>
+              <a:t>Therefore</a:t>
+            </a:r>
+            <a:r>
+              <a:rPr lang="zh-TW" altLang="en-US" sz="4800" b="1" dirty="0" smtClean="0">
+                <a:solidFill>
+                  <a:srgbClr val="FFFF00"/>
+                </a:solidFill>
+              </a:rPr>
+              <a:t> </a:t>
+            </a:r>
+            <a:r>
+              <a:rPr lang="en-US" altLang="zh-TW" sz="4800" b="1" dirty="0" smtClean="0">
+                <a:solidFill>
+                  <a:srgbClr val="FFFF00"/>
+                </a:solidFill>
+              </a:rPr>
+              <a:t>,</a:t>
+            </a:r>
+            <a:r>
+              <a:rPr lang="zh-TW" altLang="en-US" sz="4800" b="1" dirty="0" smtClean="0">
+                <a:solidFill>
+                  <a:srgbClr val="FFFF00"/>
+                </a:solidFill>
+              </a:rPr>
+              <a:t> </a:t>
+            </a:r>
+            <a:r>
+              <a:rPr lang="en-US" altLang="zh-TW" sz="4800" b="1" dirty="0" smtClean="0">
+                <a:solidFill>
+                  <a:srgbClr val="FFFF00"/>
+                </a:solidFill>
+              </a:rPr>
+              <a:t>they</a:t>
+            </a:r>
+            <a:r>
+              <a:rPr lang="zh-TW" altLang="en-US" sz="4800" b="1" dirty="0" smtClean="0">
+                <a:solidFill>
+                  <a:srgbClr val="FFFF00"/>
+                </a:solidFill>
+              </a:rPr>
+              <a:t>  </a:t>
+            </a:r>
+            <a:r>
+              <a:rPr lang="en-US" altLang="zh-TW" sz="4800" b="1" dirty="0" smtClean="0">
+                <a:solidFill>
+                  <a:srgbClr val="FFFF00"/>
+                </a:solidFill>
+              </a:rPr>
+              <a:t>should</a:t>
+            </a:r>
+            <a:r>
+              <a:rPr lang="zh-TW" altLang="en-US" sz="4800" b="1" dirty="0" smtClean="0">
+                <a:solidFill>
+                  <a:srgbClr val="FFFF00"/>
+                </a:solidFill>
+              </a:rPr>
+              <a:t>  </a:t>
+            </a:r>
+            <a:r>
+              <a:rPr lang="en-US" altLang="zh-TW" sz="4800" b="1" dirty="0" smtClean="0">
+                <a:solidFill>
+                  <a:srgbClr val="FFFF00"/>
+                </a:solidFill>
+              </a:rPr>
+              <a:t>not</a:t>
+            </a:r>
+            <a:r>
+              <a:rPr lang="zh-TW" altLang="en-US" sz="4800" b="1" dirty="0" smtClean="0">
+                <a:solidFill>
+                  <a:srgbClr val="FFFF00"/>
+                </a:solidFill>
+              </a:rPr>
+              <a:t>  </a:t>
+            </a:r>
+            <a:r>
+              <a:rPr lang="en-US" altLang="zh-TW" sz="4800" b="1" dirty="0" smtClean="0">
+                <a:solidFill>
+                  <a:srgbClr val="FFFF00"/>
+                </a:solidFill>
+              </a:rPr>
+              <a:t>be</a:t>
+            </a:r>
+            <a:r>
+              <a:rPr lang="zh-TW" altLang="en-US" sz="4800" b="1" dirty="0" smtClean="0">
+                <a:solidFill>
+                  <a:srgbClr val="FFFF00"/>
+                </a:solidFill>
+              </a:rPr>
+              <a:t>  </a:t>
+            </a:r>
+            <a:r>
+              <a:rPr lang="en-US" altLang="zh-TW" sz="4800" b="1" dirty="0" smtClean="0">
+                <a:solidFill>
+                  <a:srgbClr val="FFFF00"/>
+                </a:solidFill>
+              </a:rPr>
+              <a:t>ignored</a:t>
+            </a:r>
+            <a:r>
+              <a:rPr lang="zh-TW" altLang="en-US" sz="4800" b="1" dirty="0" smtClean="0">
+                <a:solidFill>
+                  <a:srgbClr val="FFFF00"/>
+                </a:solidFill>
+              </a:rPr>
+              <a:t>  </a:t>
+            </a:r>
+            <a:r>
+              <a:rPr lang="en-US" altLang="zh-TW" sz="4800" b="1" dirty="0" smtClean="0">
+                <a:solidFill>
+                  <a:srgbClr val="FFFF00"/>
+                </a:solidFill>
+              </a:rPr>
+              <a:t>!!</a:t>
+            </a:r>
+            <a:endParaRPr lang="zh-TW" altLang="en-US" sz="4800" b="1" dirty="0">
+              <a:solidFill>
+                <a:srgbClr val="FFFF00"/>
+              </a:solidFill>
+            </a:endParaRPr>
+          </a:p>
+        </p:txBody>
+      </p:sp>
+    </p:spTree>
+    <p:extLst>
+      <p:ext uri="{BB962C8B-B14F-4D97-AF65-F5344CB8AC3E}">
+        <p14:creationId xmlns:p14="http://schemas.microsoft.com/office/powerpoint/2010/main" xmlns="" val="1101633878"/>
+      </p:ext>
+    </p:extLst>
+  </p:cSld>
+  <p:clrMapOvr>
+    <a:masterClrMapping/>
+  </p:clrMapOvr>
+  <p:timing>
+    <p:tnLst>
+      <p:par>
+        <p:cTn id="1" dur="indefinite" restart="never" nodeType="tmRoot">
+          <p:childTnLst>
+            <p:seq concurrent="1" nextAc="seek">
+              <p:cTn id="2" dur="indefinite" nodeType="mainSeq">
+                <p:childTnLst>
+                  <p:par>
+                    <p:cTn id="3" fill="hold">
+                      <p:stCondLst>
+                        <p:cond delay="indefinite"/>
+                      </p:stCondLst>
+                      <p:childTnLst>
+                        <p:par>
+                          <p:cTn id="4" fill="hold">
+                            <p:stCondLst>
+                              <p:cond delay="0"/>
+                            </p:stCondLst>
+                            <p:childTnLst>
+                              <p:par>
+                                <p:cTn id="5" presetID="10" presetClass="entr" presetSubtype="0" fill="hold" grpId="0" nodeType="clickEffect">
+                                  <p:stCondLst>
+                                    <p:cond delay="0"/>
+                                  </p:stCondLst>
+                                  <p:childTnLst>
+                                    <p:set>
+                                      <p:cBhvr>
+                                        <p:cTn id="6" dur="1" fill="hold">
+                                          <p:stCondLst>
+                                            <p:cond delay="0"/>
+                                          </p:stCondLst>
+                                        </p:cTn>
+                                        <p:tgtEl>
+                                          <p:spTgt spid="6">
+                                            <p:bg/>
+                                          </p:spTgt>
+                                        </p:tgtEl>
+                                        <p:attrNameLst>
+                                          <p:attrName>style.visibility</p:attrName>
+                                        </p:attrNameLst>
+                                      </p:cBhvr>
+                                      <p:to>
+                                        <p:strVal val="visible"/>
+                                      </p:to>
+                                    </p:set>
+                                    <p:animEffect transition="in" filter="fade">
+                                      <p:cBhvr>
+                                        <p:cTn id="7" dur="2000"/>
+                                        <p:tgtEl>
+                                          <p:spTgt spid="6">
+                                            <p:bg/>
+                                          </p:spTgt>
+                                        </p:tgtEl>
+                                      </p:cBhvr>
+                                    </p:animEffect>
+                                  </p:childTnLst>
+                                </p:cTn>
+                              </p:par>
+                              <p:par>
+                                <p:cTn id="8" presetID="10" presetClass="entr" presetSubtype="0" fill="hold" grpId="0" nodeType="withEffect">
+                                  <p:stCondLst>
+                                    <p:cond delay="0"/>
+                                  </p:stCondLst>
+                                  <p:childTnLst>
+                                    <p:set>
+                                      <p:cBhvr>
+                                        <p:cTn id="9" dur="1" fill="hold">
+                                          <p:stCondLst>
+                                            <p:cond delay="0"/>
+                                          </p:stCondLst>
+                                        </p:cTn>
+                                        <p:tgtEl>
+                                          <p:spTgt spid="6">
+                                            <p:txEl>
+                                              <p:pRg st="0" end="0"/>
+                                            </p:txEl>
+                                          </p:spTgt>
+                                        </p:tgtEl>
+                                        <p:attrNameLst>
+                                          <p:attrName>style.visibility</p:attrName>
+                                        </p:attrNameLst>
+                                      </p:cBhvr>
+                                      <p:to>
+                                        <p:strVal val="visible"/>
+                                      </p:to>
+                                    </p:set>
+                                    <p:animEffect transition="in" filter="fade">
+                                      <p:cBhvr>
+                                        <p:cTn id="10" dur="2000"/>
+                                        <p:tgtEl>
+                                          <p:spTgt spid="6">
+                                            <p:txEl>
+                                              <p:pRg st="0" end="0"/>
+                                            </p:txEl>
+                                          </p:spTgt>
+                                        </p:tgtEl>
+                                      </p:cBhvr>
+                                    </p:animEffect>
+                                  </p:childTnLst>
+                                </p:cTn>
+                              </p:par>
+                            </p:childTnLst>
+                          </p:cTn>
+                        </p:par>
+                      </p:childTnLst>
+                    </p:cTn>
+                  </p:par>
+                </p:childTnLst>
+              </p:cTn>
+              <p:prevCondLst>
+                <p:cond evt="onPrev" delay="0">
+                  <p:tgtEl>
+                    <p:sldTgt/>
+                  </p:tgtEl>
+                </p:cond>
+              </p:prevCondLst>
+              <p:nextCondLst>
+                <p:cond evt="onNext" delay="0">
+                  <p:tgtEl>
+                    <p:sldTgt/>
+                  </p:tgtEl>
+                </p:cond>
+              </p:nextCondLst>
+            </p:seq>
+          </p:childTnLst>
+        </p:cTn>
+      </p:par>
+    </p:tnLst>
+    <p:bldLst>
+      <p:bldP spid="6" grpId="0" build="allAtOnce" animBg="1"/>
+    </p:bldLst>
+  </p:timing>
+</p:sld>
+</file>
+
+<file path=ppt/slides/slide12.xml><?xml version="1.0" encoding="utf-8"?>
+<p:sld xmlns:a="http://schemas.openxmlformats.org/drawingml/2006/main" xmlns:r="http://schemas.openxmlformats.org/officeDocument/2006/relationships" xmlns:p="http://schemas.openxmlformats.org/presentationml/2006/main">
+  <p:cSld>
+    <p:bg>
+      <p:bgPr>
+        <a:blipFill dpi="0" rotWithShape="1">
+          <a:blip r:embed="rId2" cstate="print">
+            <a:lum/>
+          </a:blip>
+          <a:srcRect/>
+          <a:stretch>
+            <a:fillRect/>
+          </a:stretch>
+        </a:blipFill>
+        <a:effectLst/>
+      </p:bgPr>
+    </p:bg>
+    <p:spTree>
+      <p:nvGrpSpPr>
+        <p:cNvPr id="1" name=""/>
+        <p:cNvGrpSpPr/>
+        <p:nvPr/>
+      </p:nvGrpSpPr>
+      <p:grpSpPr>
+        <a:xfrm>
+          <a:off x="0" y="0"/>
+          <a:ext cx="0" cy="0"/>
+          <a:chOff x="0" y="0"/>
+          <a:chExt cx="0" cy="0"/>
+        </a:xfrm>
+      </p:grpSpPr>
+      <p:sp>
+        <p:nvSpPr>
+          <p:cNvPr id="4" name="Title 3"/>
+          <p:cNvSpPr>
+            <a:spLocks noGrp="1"/>
+          </p:cNvSpPr>
+          <p:nvPr>
+            <p:ph type="title"/>
+          </p:nvPr>
+        </p:nvSpPr>
+        <p:spPr/>
+        <p:txBody>
+          <a:bodyPr>
+            <a:normAutofit/>
+          </a:bodyPr>
+          <a:lstStyle/>
+          <a:p>
+            <a:pPr algn="l"/>
+            <a:r>
+              <a:rPr lang="en-US" altLang="zh-TW" dirty="0" smtClean="0"/>
+              <a:t>Overview</a:t>
+            </a:r>
+            <a:r>
+              <a:rPr lang="zh-TW" altLang="en-US" dirty="0" smtClean="0"/>
+              <a:t> </a:t>
+            </a:r>
+            <a:r>
+              <a:rPr lang="en-US" altLang="zh-TW" dirty="0" smtClean="0"/>
+              <a:t>–</a:t>
+            </a:r>
+            <a:r>
+              <a:rPr lang="zh-TW" altLang="en-US" dirty="0" smtClean="0"/>
+              <a:t> </a:t>
+            </a:r>
+            <a:r>
+              <a:rPr lang="en-US" altLang="zh-TW" dirty="0" smtClean="0"/>
+              <a:t>the</a:t>
+            </a:r>
+            <a:r>
+              <a:rPr lang="zh-TW" altLang="en-US" dirty="0" smtClean="0"/>
+              <a:t> </a:t>
+            </a:r>
+            <a:r>
+              <a:rPr lang="en-US" altLang="zh-TW" dirty="0" smtClean="0"/>
+              <a:t>Symptom</a:t>
+            </a:r>
+            <a:endParaRPr lang="en-US" dirty="0"/>
+          </a:p>
+        </p:txBody>
+      </p:sp>
+      <p:sp>
+        <p:nvSpPr>
+          <p:cNvPr id="5" name="Content Placeholder 4"/>
+          <p:cNvSpPr>
+            <a:spLocks noGrp="1"/>
+          </p:cNvSpPr>
+          <p:nvPr>
+            <p:ph idx="1"/>
+          </p:nvPr>
+        </p:nvSpPr>
+        <p:spPr/>
+        <p:txBody>
+          <a:bodyPr>
+            <a:normAutofit lnSpcReduction="10000"/>
+          </a:bodyPr>
+          <a:lstStyle/>
+          <a:p>
+            <a:r>
+              <a:rPr lang="en-US" altLang="zh-TW" dirty="0" smtClean="0"/>
+              <a:t>It’s</a:t>
+            </a:r>
+            <a:r>
+              <a:rPr lang="zh-TW" altLang="en-US" dirty="0" smtClean="0"/>
+              <a:t>  </a:t>
+            </a:r>
+            <a:r>
+              <a:rPr lang="en-US" altLang="zh-TW" dirty="0" smtClean="0">
+                <a:solidFill>
+                  <a:srgbClr val="017BA1"/>
+                </a:solidFill>
+              </a:rPr>
+              <a:t>a</a:t>
+            </a:r>
+            <a:r>
+              <a:rPr lang="zh-TW" altLang="en-US" dirty="0" smtClean="0">
+                <a:solidFill>
+                  <a:srgbClr val="017BA1"/>
+                </a:solidFill>
+              </a:rPr>
+              <a:t>  </a:t>
+            </a:r>
+            <a:r>
+              <a:rPr lang="en-US" altLang="zh-TW" dirty="0" smtClean="0">
+                <a:solidFill>
+                  <a:srgbClr val="017BA1"/>
+                </a:solidFill>
+              </a:rPr>
+              <a:t>symptom</a:t>
+            </a:r>
+            <a:r>
+              <a:rPr lang="zh-TW" altLang="en-US" dirty="0" smtClean="0">
+                <a:solidFill>
+                  <a:srgbClr val="017BA1"/>
+                </a:solidFill>
+              </a:rPr>
+              <a:t>  </a:t>
+            </a:r>
+            <a:r>
+              <a:rPr lang="en-US" altLang="zh-TW" dirty="0" smtClean="0"/>
+              <a:t>rather</a:t>
+            </a:r>
+            <a:r>
+              <a:rPr lang="zh-TW" altLang="en-US" dirty="0" smtClean="0"/>
+              <a:t>  </a:t>
+            </a:r>
+            <a:r>
+              <a:rPr lang="en-US" altLang="zh-TW" dirty="0" smtClean="0"/>
+              <a:t>than</a:t>
+            </a:r>
+            <a:r>
+              <a:rPr lang="zh-TW" altLang="en-US" dirty="0" smtClean="0"/>
+              <a:t>  </a:t>
+            </a:r>
+            <a:r>
+              <a:rPr lang="en-US" altLang="zh-TW" dirty="0" smtClean="0"/>
+              <a:t>a</a:t>
+            </a:r>
+            <a:r>
+              <a:rPr lang="zh-TW" altLang="en-US" dirty="0" smtClean="0"/>
+              <a:t>  </a:t>
+            </a:r>
+            <a:r>
+              <a:rPr lang="en-US" altLang="zh-TW" dirty="0" smtClean="0"/>
+              <a:t>disease</a:t>
+            </a:r>
+          </a:p>
+          <a:p>
+            <a:r>
+              <a:rPr lang="en-US" altLang="zh-TW" dirty="0" smtClean="0"/>
+              <a:t>Relate</a:t>
+            </a:r>
+            <a:r>
+              <a:rPr lang="zh-TW" altLang="en-US" dirty="0" smtClean="0"/>
+              <a:t>  </a:t>
+            </a:r>
+            <a:r>
+              <a:rPr lang="en-US" altLang="zh-TW" dirty="0" smtClean="0"/>
+              <a:t>to</a:t>
+            </a:r>
+            <a:r>
+              <a:rPr lang="zh-TW" altLang="en-US" dirty="0" smtClean="0"/>
+              <a:t>  </a:t>
+            </a:r>
+            <a:r>
+              <a:rPr lang="en-US" altLang="zh-TW" dirty="0" smtClean="0">
+                <a:solidFill>
+                  <a:srgbClr val="017BA1"/>
+                </a:solidFill>
+              </a:rPr>
+              <a:t>Urologic</a:t>
+            </a:r>
+            <a:r>
+              <a:rPr lang="zh-TW" altLang="en-US" dirty="0" smtClean="0">
+                <a:solidFill>
+                  <a:srgbClr val="017BA1"/>
+                </a:solidFill>
+              </a:rPr>
+              <a:t> </a:t>
+            </a:r>
+            <a:r>
+              <a:rPr lang="en-US" altLang="zh-TW" dirty="0" smtClean="0">
+                <a:solidFill>
+                  <a:srgbClr val="017BA1"/>
+                </a:solidFill>
+              </a:rPr>
+              <a:t>&amp;</a:t>
+            </a:r>
+            <a:r>
+              <a:rPr lang="zh-TW" altLang="en-US" dirty="0" smtClean="0">
+                <a:solidFill>
+                  <a:srgbClr val="017BA1"/>
+                </a:solidFill>
+              </a:rPr>
+              <a:t> </a:t>
+            </a:r>
+            <a:r>
+              <a:rPr lang="en-US" altLang="zh-TW" dirty="0" smtClean="0">
+                <a:solidFill>
+                  <a:srgbClr val="017BA1"/>
+                </a:solidFill>
+              </a:rPr>
+              <a:t>Neurological</a:t>
+            </a:r>
+            <a:r>
+              <a:rPr lang="zh-TW" altLang="en-US" dirty="0" smtClean="0">
+                <a:solidFill>
+                  <a:srgbClr val="017BA1"/>
+                </a:solidFill>
+              </a:rPr>
+              <a:t>  </a:t>
+            </a:r>
+            <a:r>
+              <a:rPr lang="en-US" altLang="zh-TW" dirty="0" smtClean="0">
+                <a:solidFill>
+                  <a:srgbClr val="017BA1"/>
+                </a:solidFill>
+              </a:rPr>
+              <a:t>system</a:t>
+            </a:r>
+          </a:p>
+          <a:p>
+            <a:r>
+              <a:rPr lang="en-US" altLang="zh-TW" dirty="0" smtClean="0"/>
+              <a:t>Causes</a:t>
+            </a:r>
+            <a:r>
+              <a:rPr lang="zh-TW" altLang="en-US" dirty="0" smtClean="0"/>
+              <a:t>  </a:t>
+            </a:r>
+            <a:r>
+              <a:rPr lang="en-US" altLang="zh-TW" dirty="0" smtClean="0"/>
+              <a:t>for</a:t>
+            </a:r>
+            <a:r>
+              <a:rPr lang="zh-TW" altLang="en-US" dirty="0" smtClean="0"/>
+              <a:t>  </a:t>
+            </a:r>
+            <a:r>
+              <a:rPr lang="en-US" altLang="zh-TW" dirty="0" smtClean="0"/>
+              <a:t>temporary</a:t>
+            </a:r>
+            <a:r>
+              <a:rPr lang="zh-TW" altLang="en-US" dirty="0" smtClean="0"/>
+              <a:t>  </a:t>
+            </a:r>
+            <a:r>
+              <a:rPr lang="en-US" altLang="zh-TW" dirty="0" smtClean="0"/>
+              <a:t>incontinence</a:t>
+            </a:r>
+            <a:r>
+              <a:rPr lang="zh-TW" altLang="en-US" dirty="0" smtClean="0"/>
+              <a:t>  </a:t>
+            </a:r>
+            <a:r>
+              <a:rPr lang="en-US" altLang="zh-TW" dirty="0" smtClean="0"/>
+              <a:t>:</a:t>
+            </a:r>
+          </a:p>
+          <a:p>
+            <a:pPr>
+              <a:buNone/>
+            </a:pPr>
+            <a:r>
+              <a:rPr lang="zh-TW" altLang="en-US" dirty="0" smtClean="0"/>
+              <a:t>        </a:t>
+            </a:r>
+            <a:r>
+              <a:rPr lang="en-US" altLang="zh-TW" dirty="0" smtClean="0"/>
+              <a:t>urinary</a:t>
+            </a:r>
+            <a:r>
+              <a:rPr lang="zh-TW" altLang="en-US" dirty="0" smtClean="0"/>
+              <a:t>  </a:t>
+            </a:r>
+            <a:r>
+              <a:rPr lang="en-US" altLang="zh-TW" dirty="0" smtClean="0"/>
+              <a:t>tract</a:t>
+            </a:r>
+            <a:r>
+              <a:rPr lang="zh-TW" altLang="en-US" dirty="0" smtClean="0"/>
+              <a:t>  </a:t>
+            </a:r>
+            <a:r>
+              <a:rPr lang="en-US" altLang="zh-TW" dirty="0" smtClean="0"/>
+              <a:t>infection</a:t>
+            </a:r>
+            <a:r>
+              <a:rPr lang="zh-TW" altLang="en-US" dirty="0" smtClean="0"/>
+              <a:t> </a:t>
+            </a:r>
+            <a:r>
+              <a:rPr lang="en-US" altLang="zh-TW" dirty="0" smtClean="0"/>
+              <a:t>,</a:t>
+            </a:r>
+            <a:r>
+              <a:rPr lang="zh-TW" altLang="en-US" dirty="0" smtClean="0"/>
+              <a:t> </a:t>
+            </a:r>
+            <a:r>
+              <a:rPr lang="en-US" altLang="zh-TW" dirty="0" smtClean="0"/>
+              <a:t>vaginal</a:t>
+            </a:r>
+          </a:p>
+          <a:p>
+            <a:pPr>
+              <a:buNone/>
+            </a:pPr>
+            <a:r>
+              <a:rPr lang="zh-TW" altLang="en-US" dirty="0" smtClean="0"/>
+              <a:t>        </a:t>
+            </a:r>
+            <a:r>
+              <a:rPr lang="en-US" altLang="zh-TW" dirty="0" smtClean="0"/>
+              <a:t>infection</a:t>
+            </a:r>
+            <a:r>
+              <a:rPr lang="zh-TW" altLang="en-US" dirty="0" smtClean="0"/>
+              <a:t> </a:t>
+            </a:r>
+            <a:r>
+              <a:rPr lang="en-US" altLang="zh-TW" dirty="0" smtClean="0"/>
+              <a:t>,</a:t>
+            </a:r>
+            <a:r>
+              <a:rPr lang="zh-TW" altLang="en-US" dirty="0" smtClean="0"/>
+              <a:t> </a:t>
+            </a:r>
+            <a:r>
+              <a:rPr lang="en-US" altLang="zh-TW" dirty="0" smtClean="0"/>
+              <a:t>constipation</a:t>
+            </a:r>
+            <a:r>
+              <a:rPr lang="zh-TW" altLang="en-US" dirty="0" smtClean="0"/>
+              <a:t> </a:t>
+            </a:r>
+            <a:r>
+              <a:rPr lang="en-US" altLang="zh-TW" dirty="0" smtClean="0"/>
+              <a:t>,</a:t>
+            </a:r>
+            <a:r>
+              <a:rPr lang="zh-TW" altLang="en-US" dirty="0" smtClean="0"/>
+              <a:t> </a:t>
+            </a:r>
+            <a:r>
+              <a:rPr lang="en-US" altLang="zh-TW" dirty="0" smtClean="0"/>
+              <a:t>etc</a:t>
+            </a:r>
+            <a:r>
+              <a:rPr lang="zh-TW" altLang="en-US" dirty="0" smtClean="0"/>
+              <a:t> </a:t>
+            </a:r>
+            <a:r>
+              <a:rPr lang="en-US" altLang="zh-TW" dirty="0" smtClean="0"/>
+              <a:t>.</a:t>
+            </a:r>
+          </a:p>
+          <a:p>
+            <a:r>
+              <a:rPr lang="en-US" altLang="zh-TW" dirty="0" smtClean="0"/>
+              <a:t>Causes</a:t>
+            </a:r>
+            <a:r>
+              <a:rPr lang="zh-TW" altLang="en-US" dirty="0" smtClean="0"/>
+              <a:t>  </a:t>
+            </a:r>
+            <a:r>
+              <a:rPr lang="en-US" altLang="zh-TW" dirty="0" smtClean="0"/>
+              <a:t>for</a:t>
+            </a:r>
+            <a:r>
+              <a:rPr lang="zh-TW" altLang="en-US" dirty="0" smtClean="0"/>
+              <a:t>  </a:t>
+            </a:r>
+            <a:r>
+              <a:rPr lang="en-US" altLang="zh-TW" dirty="0" smtClean="0"/>
+              <a:t>persistent</a:t>
+            </a:r>
+            <a:r>
+              <a:rPr lang="zh-TW" altLang="en-US" dirty="0" smtClean="0"/>
+              <a:t>  </a:t>
+            </a:r>
+            <a:r>
+              <a:rPr lang="en-US" altLang="zh-TW" dirty="0" smtClean="0"/>
+              <a:t>incontinence</a:t>
+            </a:r>
+            <a:r>
+              <a:rPr lang="zh-TW" altLang="en-US" dirty="0" smtClean="0"/>
+              <a:t>  </a:t>
+            </a:r>
+            <a:r>
+              <a:rPr lang="en-US" altLang="zh-TW" dirty="0" smtClean="0"/>
+              <a:t>:</a:t>
+            </a:r>
+          </a:p>
+          <a:p>
+            <a:pPr>
+              <a:buNone/>
+            </a:pPr>
+            <a:r>
+              <a:rPr lang="zh-TW" altLang="en-US" dirty="0" smtClean="0"/>
+              <a:t>        </a:t>
+            </a:r>
+            <a:r>
+              <a:rPr lang="en-US" altLang="zh-TW" dirty="0" smtClean="0"/>
+              <a:t>weakness</a:t>
+            </a:r>
+            <a:r>
+              <a:rPr lang="zh-TW" altLang="en-US" dirty="0" smtClean="0"/>
+              <a:t>  </a:t>
+            </a:r>
+            <a:r>
+              <a:rPr lang="en-US" altLang="zh-TW" dirty="0" smtClean="0"/>
+              <a:t>of</a:t>
+            </a:r>
+            <a:r>
+              <a:rPr lang="zh-TW" altLang="en-US" dirty="0" smtClean="0"/>
+              <a:t>  </a:t>
+            </a:r>
+            <a:r>
+              <a:rPr lang="en-US" altLang="zh-TW" dirty="0" smtClean="0"/>
+              <a:t>the</a:t>
+            </a:r>
+            <a:r>
+              <a:rPr lang="zh-TW" altLang="en-US" dirty="0" smtClean="0"/>
+              <a:t>  </a:t>
+            </a:r>
+            <a:r>
+              <a:rPr lang="en-US" altLang="zh-TW" dirty="0" smtClean="0"/>
+              <a:t>urethral</a:t>
+            </a:r>
+            <a:r>
+              <a:rPr lang="zh-TW" altLang="en-US" dirty="0" smtClean="0"/>
+              <a:t>  </a:t>
+            </a:r>
+            <a:r>
+              <a:rPr lang="en-US" altLang="zh-TW" dirty="0" smtClean="0"/>
+              <a:t>sphincter</a:t>
+            </a:r>
+            <a:r>
+              <a:rPr lang="zh-TW" altLang="en-US" dirty="0" smtClean="0"/>
+              <a:t> </a:t>
+            </a:r>
+            <a:r>
+              <a:rPr lang="en-US" altLang="zh-TW" dirty="0" smtClean="0"/>
+              <a:t>,</a:t>
+            </a:r>
+            <a:endParaRPr lang="en-US" altLang="zh-TW" dirty="0" smtClean="0"/>
+          </a:p>
+          <a:p>
+            <a:pPr>
+              <a:buNone/>
+            </a:pPr>
+            <a:r>
+              <a:rPr lang="zh-TW" altLang="en-US" dirty="0" smtClean="0"/>
+              <a:t>        </a:t>
+            </a:r>
+            <a:r>
+              <a:rPr lang="en-US" altLang="zh-TW" dirty="0" smtClean="0"/>
+              <a:t>overactive</a:t>
+            </a:r>
+            <a:r>
+              <a:rPr lang="zh-TW" altLang="en-US" dirty="0" smtClean="0"/>
+              <a:t>  </a:t>
+            </a:r>
+            <a:r>
+              <a:rPr lang="en-US" altLang="zh-TW" dirty="0" smtClean="0"/>
+              <a:t>bladder</a:t>
+            </a:r>
+            <a:r>
+              <a:rPr lang="zh-TW" altLang="en-US" dirty="0" smtClean="0"/>
+              <a:t> </a:t>
+            </a:r>
+            <a:r>
+              <a:rPr lang="en-US" altLang="zh-TW" dirty="0" smtClean="0"/>
+              <a:t>,</a:t>
+            </a:r>
+            <a:r>
+              <a:rPr lang="zh-TW" altLang="en-US" dirty="0" smtClean="0"/>
+              <a:t> </a:t>
+            </a:r>
+            <a:r>
+              <a:rPr lang="en-US" altLang="zh-TW" dirty="0" smtClean="0"/>
+              <a:t>hormone</a:t>
+            </a:r>
+            <a:endParaRPr lang="en-US" altLang="zh-TW" dirty="0" smtClean="0"/>
+          </a:p>
+          <a:p>
+            <a:pPr>
+              <a:buNone/>
+            </a:pPr>
+            <a:r>
+              <a:rPr lang="zh-TW" altLang="en-US" dirty="0" smtClean="0"/>
+              <a:t>        </a:t>
+            </a:r>
+            <a:r>
+              <a:rPr lang="en-US" altLang="zh-TW" dirty="0" smtClean="0"/>
+              <a:t>imbalance</a:t>
+            </a:r>
+            <a:r>
+              <a:rPr lang="zh-TW" altLang="en-US" dirty="0" smtClean="0"/>
+              <a:t>  </a:t>
+            </a:r>
+            <a:r>
+              <a:rPr lang="en-US" altLang="zh-TW" dirty="0" smtClean="0"/>
+              <a:t>in</a:t>
+            </a:r>
+            <a:r>
+              <a:rPr lang="zh-TW" altLang="en-US" dirty="0" smtClean="0"/>
+              <a:t>  </a:t>
+            </a:r>
+            <a:r>
+              <a:rPr lang="en-US" altLang="zh-TW" dirty="0" smtClean="0"/>
+              <a:t>women</a:t>
+            </a:r>
+            <a:r>
+              <a:rPr lang="zh-TW" altLang="en-US" dirty="0" smtClean="0"/>
+              <a:t> </a:t>
+            </a:r>
+            <a:r>
+              <a:rPr lang="en-US" altLang="zh-TW" dirty="0" smtClean="0"/>
+              <a:t>,</a:t>
+            </a:r>
+            <a:r>
+              <a:rPr lang="zh-TW" altLang="en-US" dirty="0" smtClean="0"/>
+              <a:t> </a:t>
+            </a:r>
+            <a:r>
+              <a:rPr lang="en-US" altLang="zh-TW" dirty="0" smtClean="0"/>
+              <a:t>etc</a:t>
+            </a:r>
+            <a:r>
+              <a:rPr lang="zh-TW" altLang="en-US" dirty="0" smtClean="0"/>
+              <a:t> </a:t>
+            </a:r>
+            <a:r>
+              <a:rPr lang="en-US" altLang="zh-TW" dirty="0" smtClean="0"/>
+              <a:t>.</a:t>
+            </a:r>
+          </a:p>
+          <a:p>
+            <a:endParaRPr lang="en-US" altLang="zh-TW" dirty="0" smtClean="0"/>
+          </a:p>
+          <a:p>
+            <a:endParaRPr lang="en-US" altLang="zh-TW" dirty="0" smtClean="0"/>
+          </a:p>
+          <a:p>
+            <a:endParaRPr lang="en-US" altLang="zh-TW" dirty="0" smtClean="0"/>
+          </a:p>
+          <a:p>
+            <a:endParaRPr lang="en-US" dirty="0" smtClean="0"/>
+          </a:p>
+          <a:p>
+            <a:endParaRPr lang="en-US" dirty="0" smtClean="0"/>
+          </a:p>
+        </p:txBody>
+      </p:sp>
+      <p:sp>
+        <p:nvSpPr>
+          <p:cNvPr id="7" name="文字方塊 6"/>
+          <p:cNvSpPr txBox="1"/>
+          <p:nvPr/>
+        </p:nvSpPr>
+        <p:spPr>
+          <a:xfrm>
+            <a:off x="1517900" y="2665475"/>
+            <a:ext cx="7329840" cy="1569660"/>
+          </a:xfrm>
+          <a:prstGeom prst="rect">
+            <a:avLst/>
+          </a:prstGeom>
+          <a:solidFill>
+            <a:schemeClr val="accent2">
+              <a:lumMod val="60000"/>
+              <a:lumOff val="40000"/>
+            </a:schemeClr>
+          </a:solidFill>
+        </p:spPr>
+        <p:txBody>
+          <a:bodyPr wrap="square" rtlCol="0">
+            <a:spAutoFit/>
+          </a:bodyPr>
+          <a:lstStyle/>
+          <a:p>
+            <a:pPr algn="ctr"/>
+            <a:r>
+              <a:rPr lang="en-US" altLang="zh-TW" sz="4800" b="1" dirty="0" smtClean="0">
+                <a:solidFill>
+                  <a:srgbClr val="FFFF00"/>
+                </a:solidFill>
+              </a:rPr>
+              <a:t>Again</a:t>
+            </a:r>
+            <a:r>
+              <a:rPr lang="zh-TW" altLang="en-US" sz="4800" b="1" dirty="0" smtClean="0">
+                <a:solidFill>
+                  <a:srgbClr val="FFFF00"/>
+                </a:solidFill>
+              </a:rPr>
+              <a:t> </a:t>
+            </a:r>
+            <a:r>
+              <a:rPr lang="en-US" altLang="zh-TW" sz="4800" b="1" dirty="0" smtClean="0">
+                <a:solidFill>
+                  <a:srgbClr val="FFFF00"/>
+                </a:solidFill>
+              </a:rPr>
+              <a:t>,</a:t>
+            </a:r>
+            <a:r>
+              <a:rPr lang="zh-TW" altLang="en-US" sz="4800" b="1" dirty="0" smtClean="0">
+                <a:solidFill>
+                  <a:srgbClr val="FFFF00"/>
+                </a:solidFill>
+              </a:rPr>
+              <a:t> </a:t>
+            </a:r>
+            <a:r>
+              <a:rPr lang="en-US" altLang="zh-TW" sz="4800" b="1" dirty="0" smtClean="0">
+                <a:solidFill>
+                  <a:srgbClr val="FFFF00"/>
+                </a:solidFill>
+              </a:rPr>
+              <a:t>most</a:t>
+            </a:r>
+            <a:r>
+              <a:rPr lang="zh-TW" altLang="en-US" sz="4800" b="1" dirty="0" smtClean="0">
+                <a:solidFill>
+                  <a:srgbClr val="FFFF00"/>
+                </a:solidFill>
+              </a:rPr>
+              <a:t>  </a:t>
+            </a:r>
+            <a:r>
+              <a:rPr lang="en-US" altLang="zh-TW" sz="4800" b="1" dirty="0" smtClean="0">
+                <a:solidFill>
+                  <a:srgbClr val="FFFF00"/>
+                </a:solidFill>
+              </a:rPr>
+              <a:t>of</a:t>
+            </a:r>
+            <a:r>
+              <a:rPr lang="zh-TW" altLang="en-US" sz="4800" b="1" dirty="0" smtClean="0">
+                <a:solidFill>
+                  <a:srgbClr val="FFFF00"/>
+                </a:solidFill>
+              </a:rPr>
+              <a:t>  </a:t>
+            </a:r>
+            <a:r>
+              <a:rPr lang="en-US" altLang="zh-TW" sz="4800" b="1" dirty="0" smtClean="0">
+                <a:solidFill>
+                  <a:srgbClr val="FFFF00"/>
+                </a:solidFill>
+              </a:rPr>
+              <a:t>them</a:t>
+            </a:r>
+            <a:r>
+              <a:rPr lang="zh-TW" altLang="en-US" sz="4800" b="1" dirty="0" smtClean="0">
+                <a:solidFill>
+                  <a:srgbClr val="FFFF00"/>
+                </a:solidFill>
+              </a:rPr>
+              <a:t>  </a:t>
+            </a:r>
+            <a:r>
+              <a:rPr lang="en-US" altLang="zh-TW" sz="4800" b="1" dirty="0" smtClean="0">
+                <a:solidFill>
+                  <a:srgbClr val="FFFF00"/>
+                </a:solidFill>
+              </a:rPr>
+              <a:t>can</a:t>
+            </a:r>
+            <a:r>
+              <a:rPr lang="zh-TW" altLang="en-US" sz="4800" b="1" dirty="0" smtClean="0">
+                <a:solidFill>
+                  <a:srgbClr val="FFFF00"/>
+                </a:solidFill>
+              </a:rPr>
+              <a:t>  </a:t>
+            </a:r>
+            <a:r>
+              <a:rPr lang="en-US" altLang="zh-TW" sz="4800" b="1" dirty="0" smtClean="0">
+                <a:solidFill>
+                  <a:srgbClr val="FFFF00"/>
+                </a:solidFill>
+              </a:rPr>
+              <a:t>be</a:t>
+            </a:r>
+            <a:r>
+              <a:rPr lang="zh-TW" altLang="en-US" sz="4800" b="1" dirty="0" smtClean="0">
+                <a:solidFill>
+                  <a:srgbClr val="FFFF00"/>
+                </a:solidFill>
+              </a:rPr>
+              <a:t>  </a:t>
+            </a:r>
+            <a:r>
+              <a:rPr lang="en-US" altLang="zh-TW" sz="4800" b="1" dirty="0" smtClean="0">
+                <a:solidFill>
+                  <a:srgbClr val="FFFF00"/>
+                </a:solidFill>
+              </a:rPr>
+              <a:t>easily</a:t>
+            </a:r>
+            <a:r>
+              <a:rPr lang="zh-TW" altLang="en-US" sz="4800" b="1" dirty="0" smtClean="0">
+                <a:solidFill>
+                  <a:srgbClr val="FFFF00"/>
+                </a:solidFill>
+              </a:rPr>
+              <a:t>  </a:t>
+            </a:r>
+            <a:r>
+              <a:rPr lang="en-US" altLang="zh-TW" sz="4800" b="1" dirty="0" smtClean="0">
+                <a:solidFill>
+                  <a:srgbClr val="FFFF00"/>
+                </a:solidFill>
+              </a:rPr>
+              <a:t>treated</a:t>
+            </a:r>
+            <a:r>
+              <a:rPr lang="zh-TW" altLang="en-US" sz="4800" b="1" dirty="0" smtClean="0">
+                <a:solidFill>
+                  <a:srgbClr val="FFFF00"/>
+                </a:solidFill>
+              </a:rPr>
+              <a:t>    </a:t>
+            </a:r>
+            <a:r>
+              <a:rPr lang="en-US" altLang="zh-TW" sz="4800" b="1" dirty="0" smtClean="0">
+                <a:solidFill>
+                  <a:srgbClr val="FFFF00"/>
+                </a:solidFill>
+              </a:rPr>
+              <a:t>!!</a:t>
+            </a:r>
+            <a:endParaRPr lang="zh-TW" altLang="en-US" sz="4800" b="1" dirty="0">
+              <a:solidFill>
+                <a:srgbClr val="FFFF00"/>
+              </a:solidFill>
+            </a:endParaRPr>
+          </a:p>
+        </p:txBody>
+      </p:sp>
+    </p:spTree>
+    <p:extLst>
+      <p:ext uri="{BB962C8B-B14F-4D97-AF65-F5344CB8AC3E}">
+        <p14:creationId xmlns:p14="http://schemas.microsoft.com/office/powerpoint/2010/main" xmlns="" val="1101633878"/>
+      </p:ext>
+    </p:extLst>
+  </p:cSld>
+  <p:clrMapOvr>
+    <a:masterClrMapping/>
+  </p:clrMapOvr>
+  <p:timing>
+    <p:tnLst>
+      <p:par>
+        <p:cTn id="1" dur="indefinite" restart="never" nodeType="tmRoot">
+          <p:childTnLst>
+            <p:seq concurrent="1" nextAc="seek">
+              <p:cTn id="2" dur="indefinite" nodeType="mainSeq">
+                <p:childTnLst>
+                  <p:par>
+                    <p:cTn id="3" fill="hold">
+                      <p:stCondLst>
+                        <p:cond delay="indefinite"/>
+                      </p:stCondLst>
+                      <p:childTnLst>
+                        <p:par>
+                          <p:cTn id="4" fill="hold">
+                            <p:stCondLst>
+                              <p:cond delay="0"/>
+                            </p:stCondLst>
+                            <p:childTnLst>
+                              <p:par>
+                                <p:cTn id="5" presetID="10" presetClass="entr" presetSubtype="0" fill="hold" grpId="0" nodeType="clickEffect">
+                                  <p:stCondLst>
+                                    <p:cond delay="0"/>
+                                  </p:stCondLst>
+                                  <p:childTnLst>
+                                    <p:set>
+                                      <p:cBhvr>
+                                        <p:cTn id="6" dur="1" fill="hold">
+                                          <p:stCondLst>
+                                            <p:cond delay="0"/>
+                                          </p:stCondLst>
+                                        </p:cTn>
+                                        <p:tgtEl>
+                                          <p:spTgt spid="7">
+                                            <p:bg/>
+                                          </p:spTgt>
+                                        </p:tgtEl>
+                                        <p:attrNameLst>
+                                          <p:attrName>style.visibility</p:attrName>
+                                        </p:attrNameLst>
+                                      </p:cBhvr>
+                                      <p:to>
+                                        <p:strVal val="visible"/>
+                                      </p:to>
+                                    </p:set>
+                                    <p:animEffect transition="in" filter="fade">
+                                      <p:cBhvr>
+                                        <p:cTn id="7" dur="2000"/>
+                                        <p:tgtEl>
+                                          <p:spTgt spid="7">
+                                            <p:bg/>
+                                          </p:spTgt>
+                                        </p:tgtEl>
+                                      </p:cBhvr>
+                                    </p:animEffect>
+                                  </p:childTnLst>
+                                </p:cTn>
+                              </p:par>
+                              <p:par>
+                                <p:cTn id="8" presetID="10" presetClass="entr" presetSubtype="0" fill="hold" grpId="0" nodeType="withEffect">
+                                  <p:stCondLst>
+                                    <p:cond delay="0"/>
+                                  </p:stCondLst>
+                                  <p:childTnLst>
+                                    <p:set>
+                                      <p:cBhvr>
+                                        <p:cTn id="9" dur="1" fill="hold">
+                                          <p:stCondLst>
+                                            <p:cond delay="0"/>
+                                          </p:stCondLst>
+                                        </p:cTn>
+                                        <p:tgtEl>
+                                          <p:spTgt spid="7">
+                                            <p:txEl>
+                                              <p:pRg st="0" end="0"/>
+                                            </p:txEl>
+                                          </p:spTgt>
+                                        </p:tgtEl>
+                                        <p:attrNameLst>
+                                          <p:attrName>style.visibility</p:attrName>
+                                        </p:attrNameLst>
+                                      </p:cBhvr>
+                                      <p:to>
+                                        <p:strVal val="visible"/>
+                                      </p:to>
+                                    </p:set>
+                                    <p:animEffect transition="in" filter="fade">
+                                      <p:cBhvr>
+                                        <p:cTn id="10" dur="2000"/>
+                                        <p:tgtEl>
+                                          <p:spTgt spid="7">
+                                            <p:txEl>
+                                              <p:pRg st="0" end="0"/>
+                                            </p:txEl>
+                                          </p:spTgt>
+                                        </p:tgtEl>
+                                      </p:cBhvr>
+                                    </p:animEffect>
+                                  </p:childTnLst>
+                                </p:cTn>
+                              </p:par>
+                            </p:childTnLst>
+                          </p:cTn>
+                        </p:par>
+                      </p:childTnLst>
+                    </p:cTn>
+                  </p:par>
+                </p:childTnLst>
+              </p:cTn>
+              <p:prevCondLst>
+                <p:cond evt="onPrev" delay="0">
+                  <p:tgtEl>
+                    <p:sldTgt/>
+                  </p:tgtEl>
+                </p:cond>
+              </p:prevCondLst>
+              <p:nextCondLst>
+                <p:cond evt="onNext" delay="0">
+                  <p:tgtEl>
+                    <p:sldTgt/>
+                  </p:tgtEl>
+                </p:cond>
+              </p:nextCondLst>
+            </p:seq>
+          </p:childTnLst>
+        </p:cTn>
+      </p:par>
+    </p:tnLst>
+    <p:bldLst>
+      <p:bldP spid="7" grpId="0" build="allAtOnce" animBg="1"/>
+    </p:bldLst>
+  </p:timing>
+</p:sld>
+</file>
+
+<file path=ppt/slides/slide13.xml><?xml version="1.0" encoding="utf-8"?>
+<p:sld xmlns:a="http://schemas.openxmlformats.org/drawingml/2006/main" xmlns:r="http://schemas.openxmlformats.org/officeDocument/2006/relationships" xmlns:p="http://schemas.openxmlformats.org/presentationml/2006/main">
+  <p:cSld>
+    <p:bg>
+      <p:bgPr>
+        <a:blipFill dpi="0" rotWithShape="1">
+          <a:blip r:embed="rId2" cstate="print">
+            <a:lum/>
+          </a:blip>
+          <a:srcRect/>
+          <a:stretch>
+            <a:fillRect/>
+          </a:stretch>
+        </a:blipFill>
+        <a:effectLst/>
+      </p:bgPr>
+    </p:bg>
+    <p:spTree>
+      <p:nvGrpSpPr>
+        <p:cNvPr id="1" name=""/>
+        <p:cNvGrpSpPr/>
+        <p:nvPr/>
+      </p:nvGrpSpPr>
+      <p:grpSpPr>
+        <a:xfrm>
+          <a:off x="0" y="0"/>
+          <a:ext cx="0" cy="0"/>
+          <a:chOff x="0" y="0"/>
+          <a:chExt cx="0" cy="0"/>
+        </a:xfrm>
+      </p:grpSpPr>
+      <p:sp>
+        <p:nvSpPr>
+          <p:cNvPr id="7" name="內容版面配置區 6"/>
+          <p:cNvSpPr>
+            <a:spLocks noGrp="1"/>
+          </p:cNvSpPr>
+          <p:nvPr>
+            <p:ph idx="1"/>
+          </p:nvPr>
+        </p:nvSpPr>
+        <p:spPr>
+          <a:xfrm>
+            <a:off x="1203340" y="4039820"/>
+            <a:ext cx="7940660" cy="1985165"/>
+          </a:xfrm>
+        </p:spPr>
+        <p:txBody>
+          <a:bodyPr>
+            <a:noAutofit/>
+          </a:bodyPr>
+          <a:lstStyle/>
+          <a:p>
+            <a:pPr>
+              <a:buNone/>
+            </a:pPr>
+            <a:r>
+              <a:rPr lang="en-US" altLang="zh-TW" sz="3900" dirty="0" smtClean="0">
+                <a:solidFill>
+                  <a:srgbClr val="00B0F0"/>
+                </a:solidFill>
+              </a:rPr>
+              <a:t>More</a:t>
+            </a:r>
+            <a:r>
+              <a:rPr lang="zh-TW" altLang="en-US" sz="3900" dirty="0" smtClean="0">
+                <a:solidFill>
+                  <a:srgbClr val="00B0F0"/>
+                </a:solidFill>
+              </a:rPr>
+              <a:t>  </a:t>
+            </a:r>
+            <a:r>
+              <a:rPr lang="en-US" altLang="zh-TW" sz="3900" dirty="0" smtClean="0">
+                <a:solidFill>
+                  <a:srgbClr val="00B0F0"/>
+                </a:solidFill>
+              </a:rPr>
+              <a:t>deeper</a:t>
+            </a:r>
+            <a:r>
+              <a:rPr lang="zh-TW" altLang="en-US" sz="3900" dirty="0" smtClean="0">
+                <a:solidFill>
+                  <a:srgbClr val="00B0F0"/>
+                </a:solidFill>
+              </a:rPr>
+              <a:t> </a:t>
+            </a:r>
+            <a:r>
+              <a:rPr lang="en-US" altLang="zh-TW" sz="3900" dirty="0" smtClean="0">
+                <a:solidFill>
+                  <a:srgbClr val="00B0F0"/>
+                </a:solidFill>
+              </a:rPr>
+              <a:t>:</a:t>
+            </a:r>
+            <a:r>
+              <a:rPr lang="zh-TW" altLang="en-US" sz="3900" dirty="0" smtClean="0">
+                <a:solidFill>
+                  <a:srgbClr val="00B0F0"/>
+                </a:solidFill>
+              </a:rPr>
+              <a:t> </a:t>
+            </a:r>
+            <a:endParaRPr lang="en-US" altLang="zh-TW" sz="3900" dirty="0" smtClean="0">
+              <a:solidFill>
+                <a:srgbClr val="00B0F0"/>
+              </a:solidFill>
+            </a:endParaRPr>
+          </a:p>
+          <a:p>
+            <a:pPr>
+              <a:buNone/>
+            </a:pPr>
+            <a:r>
+              <a:rPr lang="zh-TW" altLang="en-US" sz="3900" dirty="0" smtClean="0">
+                <a:solidFill>
+                  <a:srgbClr val="00B0F0"/>
+                </a:solidFill>
+              </a:rPr>
+              <a:t> </a:t>
+            </a:r>
+            <a:r>
+              <a:rPr lang="zh-TW" altLang="en-US" sz="3900" dirty="0" smtClean="0">
+                <a:solidFill>
+                  <a:srgbClr val="00B0F0"/>
+                </a:solidFill>
+              </a:rPr>
+              <a:t>   </a:t>
+            </a:r>
+            <a:r>
+              <a:rPr lang="en-US" altLang="zh-TW" sz="3900" dirty="0" smtClean="0">
+                <a:solidFill>
+                  <a:srgbClr val="00B0F0"/>
+                </a:solidFill>
+              </a:rPr>
+              <a:t>H</a:t>
+            </a:r>
+            <a:r>
+              <a:rPr lang="en-US" altLang="zh-TW" sz="3900" dirty="0" smtClean="0">
+                <a:solidFill>
+                  <a:srgbClr val="00B0F0"/>
+                </a:solidFill>
+              </a:rPr>
+              <a:t>ow</a:t>
+            </a:r>
+            <a:r>
+              <a:rPr lang="zh-TW" altLang="en-US" sz="3900" dirty="0" smtClean="0">
+                <a:solidFill>
+                  <a:srgbClr val="00B0F0"/>
+                </a:solidFill>
+              </a:rPr>
+              <a:t>  </a:t>
+            </a:r>
+            <a:r>
+              <a:rPr lang="en-US" altLang="zh-TW" sz="3900" dirty="0" smtClean="0">
+                <a:solidFill>
+                  <a:srgbClr val="00B0F0"/>
+                </a:solidFill>
+              </a:rPr>
+              <a:t>many</a:t>
+            </a:r>
+            <a:r>
+              <a:rPr lang="zh-TW" altLang="en-US" sz="3900" dirty="0" smtClean="0">
+                <a:solidFill>
+                  <a:srgbClr val="00B0F0"/>
+                </a:solidFill>
+              </a:rPr>
+              <a:t>  </a:t>
+            </a:r>
+            <a:r>
+              <a:rPr lang="en-US" altLang="zh-TW" sz="3900" dirty="0" smtClean="0">
+                <a:solidFill>
+                  <a:srgbClr val="00B0F0"/>
+                </a:solidFill>
+              </a:rPr>
+              <a:t>kinds</a:t>
+            </a:r>
+            <a:r>
+              <a:rPr lang="zh-TW" altLang="en-US" sz="3900" dirty="0" smtClean="0">
+                <a:solidFill>
+                  <a:srgbClr val="00B0F0"/>
+                </a:solidFill>
+              </a:rPr>
+              <a:t>  </a:t>
+            </a:r>
+            <a:r>
+              <a:rPr lang="en-US" altLang="zh-TW" sz="3900" dirty="0" smtClean="0">
+                <a:solidFill>
+                  <a:srgbClr val="00B0F0"/>
+                </a:solidFill>
+              </a:rPr>
+              <a:t>of</a:t>
+            </a:r>
+            <a:r>
+              <a:rPr lang="zh-TW" altLang="en-US" sz="3900" dirty="0" smtClean="0">
+                <a:solidFill>
+                  <a:srgbClr val="00B0F0"/>
+                </a:solidFill>
+              </a:rPr>
+              <a:t>  </a:t>
+            </a:r>
+            <a:r>
+              <a:rPr lang="en-US" altLang="zh-TW" sz="3900" dirty="0" smtClean="0">
+                <a:solidFill>
+                  <a:srgbClr val="00B0F0"/>
+                </a:solidFill>
+              </a:rPr>
+              <a:t>incontinences</a:t>
+            </a:r>
+            <a:endParaRPr lang="en-US" altLang="zh-TW" sz="3900" dirty="0" smtClean="0">
+              <a:solidFill>
+                <a:srgbClr val="00B0F0"/>
+              </a:solidFill>
+            </a:endParaRPr>
+          </a:p>
+          <a:p>
+            <a:pPr>
+              <a:buNone/>
+            </a:pPr>
+            <a:r>
+              <a:rPr lang="zh-TW" altLang="en-US" sz="3900" dirty="0" smtClean="0">
+                <a:solidFill>
+                  <a:srgbClr val="00B0F0"/>
+                </a:solidFill>
+              </a:rPr>
+              <a:t>    </a:t>
+            </a:r>
+            <a:r>
+              <a:rPr lang="en-US" altLang="zh-TW" sz="3900" dirty="0" smtClean="0">
+                <a:solidFill>
+                  <a:srgbClr val="00B0F0"/>
+                </a:solidFill>
+              </a:rPr>
+              <a:t>are</a:t>
+            </a:r>
+            <a:r>
+              <a:rPr lang="zh-TW" altLang="en-US" sz="3900" dirty="0" smtClean="0">
+                <a:solidFill>
+                  <a:srgbClr val="00B0F0"/>
+                </a:solidFill>
+              </a:rPr>
+              <a:t>  </a:t>
+            </a:r>
+            <a:r>
+              <a:rPr lang="en-US" altLang="zh-TW" sz="3900" dirty="0" smtClean="0">
+                <a:solidFill>
+                  <a:srgbClr val="00B0F0"/>
+                </a:solidFill>
+              </a:rPr>
+              <a:t>there</a:t>
+            </a:r>
+            <a:r>
+              <a:rPr lang="zh-TW" altLang="en-US" sz="3900" dirty="0" smtClean="0">
+                <a:solidFill>
+                  <a:srgbClr val="00B0F0"/>
+                </a:solidFill>
+              </a:rPr>
+              <a:t>  </a:t>
+            </a:r>
+            <a:r>
+              <a:rPr lang="en-US" altLang="zh-TW" sz="3900" dirty="0" smtClean="0">
+                <a:solidFill>
+                  <a:srgbClr val="00B0F0"/>
+                </a:solidFill>
+              </a:rPr>
+              <a:t>around</a:t>
+            </a:r>
+            <a:r>
+              <a:rPr lang="zh-TW" altLang="en-US" sz="3900" dirty="0" smtClean="0">
+                <a:solidFill>
+                  <a:srgbClr val="00B0F0"/>
+                </a:solidFill>
+              </a:rPr>
+              <a:t>  </a:t>
+            </a:r>
+            <a:r>
+              <a:rPr lang="en-US" altLang="zh-TW" sz="3900" dirty="0" smtClean="0">
+                <a:solidFill>
+                  <a:srgbClr val="00B0F0"/>
+                </a:solidFill>
+              </a:rPr>
+              <a:t>our</a:t>
+            </a:r>
+            <a:r>
+              <a:rPr lang="zh-TW" altLang="en-US" sz="3900" dirty="0" smtClean="0">
+                <a:solidFill>
+                  <a:srgbClr val="00B0F0"/>
+                </a:solidFill>
+              </a:rPr>
+              <a:t>  </a:t>
+            </a:r>
+            <a:r>
+              <a:rPr lang="en-US" altLang="zh-TW" sz="3900" dirty="0" smtClean="0">
+                <a:solidFill>
+                  <a:srgbClr val="00B0F0"/>
+                </a:solidFill>
+              </a:rPr>
+              <a:t>lives</a:t>
+            </a:r>
+            <a:r>
+              <a:rPr lang="zh-TW" altLang="en-US" sz="3900" dirty="0" smtClean="0">
+                <a:solidFill>
+                  <a:srgbClr val="00B0F0"/>
+                </a:solidFill>
+              </a:rPr>
+              <a:t> </a:t>
+            </a:r>
+            <a:r>
+              <a:rPr lang="en-US" altLang="zh-TW" sz="3900" dirty="0" smtClean="0">
+                <a:solidFill>
+                  <a:srgbClr val="00B0F0"/>
+                </a:solidFill>
+              </a:rPr>
+              <a:t>?</a:t>
+            </a:r>
+            <a:endParaRPr lang="zh-TW" altLang="en-US" sz="3900" dirty="0">
+              <a:solidFill>
+                <a:srgbClr val="00B0F0"/>
+              </a:solidFill>
+            </a:endParaRPr>
+          </a:p>
+        </p:txBody>
+      </p:sp>
+      <p:pic>
+        <p:nvPicPr>
+          <p:cNvPr id="29698" name="Picture 2" descr="bladder leakage and urinary incontinence in women urinary incontinence ..."/>
+          <p:cNvPicPr>
+            <a:picLocks noChangeAspect="1" noChangeArrowheads="1"/>
+          </p:cNvPicPr>
+          <p:nvPr/>
+        </p:nvPicPr>
+        <p:blipFill>
+          <a:blip r:embed="rId3" cstate="print"/>
+          <a:srcRect/>
+          <a:stretch>
+            <a:fillRect/>
+          </a:stretch>
+        </p:blipFill>
+        <p:spPr bwMode="auto">
+          <a:xfrm>
+            <a:off x="5182820" y="527605"/>
+            <a:ext cx="2595985" cy="3893978"/>
+          </a:xfrm>
+          <a:prstGeom prst="rect">
+            <a:avLst/>
+          </a:prstGeom>
+          <a:noFill/>
+        </p:spPr>
+      </p:pic>
+    </p:spTree>
+    <p:extLst>
+      <p:ext uri="{BB962C8B-B14F-4D97-AF65-F5344CB8AC3E}">
+        <p14:creationId xmlns:p14="http://schemas.microsoft.com/office/powerpoint/2010/main" xmlns="" val="1101633878"/>
+      </p:ext>
+    </p:extLst>
+  </p:cSld>
+  <p:clrMapOvr>
+    <a:masterClrMapping/>
+  </p:clrMapOvr>
+  <p:timing>
+    <p:tnLst>
+      <p:par>
+        <p:cTn id="1" dur="indefinite" restart="never" nodeType="tmRoot"/>
+      </p:par>
+    </p:tnLst>
+  </p:timing>
+</p:sld>
+</file>
+
+<file path=ppt/slides/slide14.xml><?xml version="1.0" encoding="utf-8"?>
+<p:sld xmlns:a="http://schemas.openxmlformats.org/drawingml/2006/main" xmlns:r="http://schemas.openxmlformats.org/officeDocument/2006/relationships" xmlns:p="http://schemas.openxmlformats.org/presentationml/2006/main">
+  <p:cSld>
+    <p:bg>
+      <p:bgPr>
+        <a:blipFill dpi="0" rotWithShape="1">
+          <a:blip r:embed="rId2" cstate="print">
+            <a:lum/>
+          </a:blip>
+          <a:srcRect/>
+          <a:stretch>
+            <a:fillRect/>
+          </a:stretch>
+        </a:blipFill>
+        <a:effectLst/>
+      </p:bgPr>
+    </p:bg>
+    <p:spTree>
+      <p:nvGrpSpPr>
+        <p:cNvPr id="1" name=""/>
+        <p:cNvGrpSpPr/>
+        <p:nvPr/>
+      </p:nvGrpSpPr>
+      <p:grpSpPr>
+        <a:xfrm>
+          <a:off x="0" y="0"/>
+          <a:ext cx="0" cy="0"/>
+          <a:chOff x="0" y="0"/>
+          <a:chExt cx="0" cy="0"/>
+        </a:xfrm>
+      </p:grpSpPr>
+      <p:sp>
+        <p:nvSpPr>
+          <p:cNvPr id="4" name="Title 3"/>
+          <p:cNvSpPr>
+            <a:spLocks noGrp="1"/>
+          </p:cNvSpPr>
+          <p:nvPr>
+            <p:ph type="title"/>
+          </p:nvPr>
+        </p:nvSpPr>
+        <p:spPr/>
+        <p:txBody>
+          <a:bodyPr>
+            <a:normAutofit/>
+          </a:bodyPr>
+          <a:lstStyle/>
+          <a:p>
+            <a:pPr algn="l"/>
+            <a:r>
+              <a:rPr lang="en-US" altLang="zh-TW" dirty="0" smtClean="0"/>
+              <a:t>More</a:t>
+            </a:r>
+            <a:r>
+              <a:rPr lang="zh-TW" altLang="en-US" dirty="0" smtClean="0"/>
+              <a:t>  </a:t>
+            </a:r>
+            <a:r>
+              <a:rPr lang="en-US" altLang="zh-TW" dirty="0" smtClean="0"/>
+              <a:t>deeper</a:t>
+            </a:r>
+            <a:r>
+              <a:rPr lang="zh-TW" altLang="en-US" dirty="0" smtClean="0"/>
+              <a:t> </a:t>
+            </a:r>
+            <a:r>
+              <a:rPr lang="en-US" altLang="zh-TW" dirty="0" smtClean="0"/>
+              <a:t>–</a:t>
+            </a:r>
+            <a:r>
+              <a:rPr lang="zh-TW" altLang="en-US" dirty="0" smtClean="0"/>
+              <a:t> </a:t>
+            </a:r>
+            <a:r>
+              <a:rPr lang="en-US" altLang="zh-TW" dirty="0" smtClean="0"/>
+              <a:t>Urge</a:t>
+            </a:r>
+            <a:r>
+              <a:rPr lang="zh-TW" altLang="en-US" dirty="0" smtClean="0"/>
+              <a:t>  </a:t>
+            </a:r>
+            <a:r>
+              <a:rPr lang="en-US" altLang="zh-TW" dirty="0" smtClean="0"/>
+              <a:t>incontinence</a:t>
+            </a:r>
+            <a:endParaRPr lang="en-US" dirty="0"/>
+          </a:p>
+        </p:txBody>
+      </p:sp>
+      <p:sp>
+        <p:nvSpPr>
+          <p:cNvPr id="5" name="Content Placeholder 4"/>
+          <p:cNvSpPr>
+            <a:spLocks noGrp="1"/>
+          </p:cNvSpPr>
+          <p:nvPr>
+            <p:ph idx="1"/>
+          </p:nvPr>
+        </p:nvSpPr>
+        <p:spPr/>
+        <p:txBody>
+          <a:bodyPr>
+            <a:normAutofit/>
+          </a:bodyPr>
+          <a:lstStyle/>
+          <a:p>
+            <a:r>
+              <a:rPr lang="en-US" altLang="zh-TW" dirty="0" smtClean="0"/>
+              <a:t>It</a:t>
+            </a:r>
+            <a:r>
+              <a:rPr lang="zh-TW" altLang="en-US" dirty="0" smtClean="0"/>
+              <a:t>  </a:t>
+            </a:r>
+            <a:r>
+              <a:rPr lang="en-US" altLang="zh-TW" dirty="0" smtClean="0"/>
+              <a:t>usually</a:t>
+            </a:r>
+            <a:r>
+              <a:rPr lang="zh-TW" altLang="en-US" dirty="0" smtClean="0"/>
+              <a:t>  </a:t>
+            </a:r>
+            <a:r>
+              <a:rPr lang="en-US" altLang="zh-TW" dirty="0" smtClean="0"/>
+              <a:t>makes</a:t>
+            </a:r>
+            <a:r>
+              <a:rPr lang="zh-TW" altLang="en-US" dirty="0" smtClean="0"/>
+              <a:t>  </a:t>
+            </a:r>
+            <a:r>
+              <a:rPr lang="en-US" altLang="zh-TW" dirty="0" smtClean="0"/>
+              <a:t>people</a:t>
+            </a:r>
+            <a:r>
+              <a:rPr lang="zh-TW" altLang="en-US" dirty="0" smtClean="0"/>
+              <a:t>  </a:t>
+            </a:r>
+            <a:r>
+              <a:rPr lang="en-US" altLang="zh-TW" dirty="0" smtClean="0"/>
+              <a:t>involuntary</a:t>
+            </a:r>
+            <a:r>
+              <a:rPr lang="zh-TW" altLang="en-US" dirty="0" smtClean="0"/>
+              <a:t>  </a:t>
+            </a:r>
+            <a:r>
+              <a:rPr lang="en-US" altLang="zh-TW" dirty="0" smtClean="0"/>
+              <a:t>loss</a:t>
+            </a:r>
+            <a:r>
+              <a:rPr lang="zh-TW" altLang="en-US" dirty="0" smtClean="0"/>
+              <a:t>  </a:t>
+            </a:r>
+            <a:r>
+              <a:rPr lang="en-US" altLang="zh-TW" dirty="0" smtClean="0"/>
+              <a:t>of</a:t>
+            </a:r>
+            <a:r>
+              <a:rPr lang="zh-TW" altLang="en-US" dirty="0" smtClean="0"/>
+              <a:t>  </a:t>
+            </a:r>
+            <a:r>
+              <a:rPr lang="en-US" altLang="zh-TW" dirty="0" smtClean="0"/>
+              <a:t>urine</a:t>
+            </a:r>
+            <a:r>
+              <a:rPr lang="zh-TW" altLang="en-US" dirty="0" smtClean="0"/>
+              <a:t>  </a:t>
+            </a:r>
+            <a:r>
+              <a:rPr lang="en-US" altLang="zh-TW" dirty="0" smtClean="0"/>
+              <a:t>especially</a:t>
+            </a:r>
+            <a:r>
+              <a:rPr lang="zh-TW" altLang="en-US" dirty="0" smtClean="0"/>
+              <a:t>  </a:t>
+            </a:r>
+            <a:r>
+              <a:rPr lang="en-US" altLang="zh-TW" dirty="0" smtClean="0"/>
+              <a:t>when</a:t>
+            </a:r>
+            <a:r>
+              <a:rPr lang="zh-TW" altLang="en-US" dirty="0" smtClean="0"/>
+              <a:t>  </a:t>
+            </a:r>
+            <a:r>
+              <a:rPr lang="en-US" altLang="zh-TW" dirty="0" smtClean="0"/>
+              <a:t>people</a:t>
+            </a:r>
+            <a:r>
+              <a:rPr lang="zh-TW" altLang="en-US" dirty="0" smtClean="0"/>
+              <a:t> </a:t>
+            </a:r>
+            <a:r>
+              <a:rPr lang="en-US" altLang="zh-TW" dirty="0" smtClean="0">
+                <a:solidFill>
+                  <a:srgbClr val="017BA1"/>
+                </a:solidFill>
+              </a:rPr>
+              <a:t>want</a:t>
+            </a:r>
+            <a:r>
+              <a:rPr lang="zh-TW" altLang="en-US" dirty="0" smtClean="0">
+                <a:solidFill>
+                  <a:srgbClr val="017BA1"/>
+                </a:solidFill>
+              </a:rPr>
+              <a:t>  </a:t>
+            </a:r>
+            <a:r>
+              <a:rPr lang="en-US" altLang="zh-TW" dirty="0" smtClean="0">
+                <a:solidFill>
+                  <a:srgbClr val="017BA1"/>
+                </a:solidFill>
+              </a:rPr>
+              <a:t>to</a:t>
+            </a:r>
+            <a:r>
+              <a:rPr lang="zh-TW" altLang="en-US" dirty="0" smtClean="0">
+                <a:solidFill>
+                  <a:srgbClr val="017BA1"/>
+                </a:solidFill>
+              </a:rPr>
+              <a:t>  </a:t>
+            </a:r>
+            <a:r>
+              <a:rPr lang="en-US" altLang="zh-TW" dirty="0" smtClean="0">
+                <a:solidFill>
+                  <a:srgbClr val="017BA1"/>
+                </a:solidFill>
+              </a:rPr>
+              <a:t>go</a:t>
+            </a:r>
+            <a:r>
+              <a:rPr lang="zh-TW" altLang="en-US" dirty="0" smtClean="0">
+                <a:solidFill>
+                  <a:srgbClr val="017BA1"/>
+                </a:solidFill>
+              </a:rPr>
+              <a:t>  </a:t>
+            </a:r>
+            <a:r>
+              <a:rPr lang="en-US" altLang="zh-TW" dirty="0" smtClean="0">
+                <a:solidFill>
+                  <a:srgbClr val="017BA1"/>
+                </a:solidFill>
+              </a:rPr>
+              <a:t>to</a:t>
+            </a:r>
+            <a:r>
+              <a:rPr lang="zh-TW" altLang="en-US" dirty="0" smtClean="0">
+                <a:solidFill>
+                  <a:srgbClr val="017BA1"/>
+                </a:solidFill>
+              </a:rPr>
+              <a:t>  </a:t>
+            </a:r>
+            <a:r>
+              <a:rPr lang="en-US" altLang="zh-TW" dirty="0" smtClean="0">
+                <a:solidFill>
+                  <a:srgbClr val="017BA1"/>
+                </a:solidFill>
+              </a:rPr>
+              <a:t>the</a:t>
+            </a:r>
+            <a:r>
+              <a:rPr lang="zh-TW" altLang="en-US" dirty="0" smtClean="0">
+                <a:solidFill>
+                  <a:srgbClr val="017BA1"/>
+                </a:solidFill>
+              </a:rPr>
+              <a:t>  </a:t>
+            </a:r>
+            <a:r>
+              <a:rPr lang="en-US" altLang="zh-TW" dirty="0" smtClean="0">
+                <a:solidFill>
+                  <a:srgbClr val="017BA1"/>
+                </a:solidFill>
+              </a:rPr>
+              <a:t>bathroom</a:t>
+            </a:r>
+          </a:p>
+          <a:p>
+            <a:r>
+              <a:rPr lang="en-US" altLang="zh-TW" dirty="0" smtClean="0"/>
+              <a:t>Caused</a:t>
+            </a:r>
+            <a:r>
+              <a:rPr lang="zh-TW" altLang="en-US" dirty="0" smtClean="0"/>
+              <a:t>  </a:t>
+            </a:r>
+            <a:r>
+              <a:rPr lang="en-US" altLang="zh-TW" dirty="0" smtClean="0"/>
+              <a:t>by</a:t>
+            </a:r>
+            <a:r>
+              <a:rPr lang="zh-TW" altLang="en-US" dirty="0" smtClean="0"/>
+              <a:t>  </a:t>
+            </a:r>
+            <a:r>
+              <a:rPr lang="en-US" altLang="zh-TW" dirty="0" err="1" smtClean="0">
+                <a:solidFill>
+                  <a:srgbClr val="017BA1"/>
+                </a:solidFill>
+              </a:rPr>
+              <a:t>detrusor</a:t>
+            </a:r>
+            <a:r>
+              <a:rPr lang="zh-TW" altLang="en-US" dirty="0" smtClean="0">
+                <a:solidFill>
+                  <a:srgbClr val="017BA1"/>
+                </a:solidFill>
+              </a:rPr>
+              <a:t>  </a:t>
+            </a:r>
+            <a:r>
+              <a:rPr lang="en-US" altLang="zh-TW" dirty="0" smtClean="0">
+                <a:solidFill>
+                  <a:srgbClr val="017BA1"/>
+                </a:solidFill>
+              </a:rPr>
+              <a:t>muscle</a:t>
+            </a:r>
+            <a:r>
+              <a:rPr lang="zh-TW" altLang="en-US" dirty="0" smtClean="0">
+                <a:solidFill>
+                  <a:srgbClr val="017BA1"/>
+                </a:solidFill>
+              </a:rPr>
+              <a:t>  </a:t>
+            </a:r>
+            <a:r>
+              <a:rPr lang="en-US" altLang="zh-TW" dirty="0" smtClean="0">
+                <a:solidFill>
+                  <a:srgbClr val="017BA1"/>
+                </a:solidFill>
+              </a:rPr>
+              <a:t>contractions</a:t>
+            </a:r>
+          </a:p>
+          <a:p>
+            <a:pPr>
+              <a:buNone/>
+            </a:pPr>
+            <a:r>
+              <a:rPr lang="zh-TW" altLang="en-US" dirty="0" smtClean="0">
+                <a:solidFill>
+                  <a:srgbClr val="017BA1"/>
+                </a:solidFill>
+              </a:rPr>
+              <a:t> </a:t>
+            </a:r>
+            <a:r>
+              <a:rPr lang="zh-TW" altLang="en-US" dirty="0" smtClean="0">
+                <a:solidFill>
+                  <a:srgbClr val="017BA1"/>
+                </a:solidFill>
+              </a:rPr>
+              <a:t>   </a:t>
+            </a:r>
+            <a:r>
+              <a:rPr lang="en-US" altLang="zh-TW" dirty="0" smtClean="0">
+                <a:solidFill>
+                  <a:srgbClr val="017BA1"/>
+                </a:solidFill>
+              </a:rPr>
+              <a:t>(</a:t>
+            </a:r>
+            <a:r>
+              <a:rPr lang="zh-TW" altLang="en-US" dirty="0" smtClean="0">
+                <a:solidFill>
+                  <a:srgbClr val="017BA1"/>
+                </a:solidFill>
+                <a:latin typeface="微軟正黑體" pitchFamily="34" charset="-120"/>
+                <a:ea typeface="微軟正黑體" pitchFamily="34" charset="-120"/>
+              </a:rPr>
+              <a:t>迫尿肌收縮</a:t>
+            </a:r>
+            <a:r>
+              <a:rPr lang="en-US" altLang="zh-TW" dirty="0" smtClean="0">
+                <a:solidFill>
+                  <a:srgbClr val="017BA1"/>
+                </a:solidFill>
+              </a:rPr>
+              <a:t>)</a:t>
+            </a:r>
+          </a:p>
+          <a:p>
+            <a:endParaRPr lang="en-US" altLang="zh-TW" dirty="0" smtClean="0"/>
+          </a:p>
+          <a:p>
+            <a:endParaRPr lang="en-US" altLang="zh-TW" dirty="0" smtClean="0"/>
+          </a:p>
+          <a:p>
+            <a:endParaRPr lang="en-US" dirty="0" smtClean="0"/>
+          </a:p>
+          <a:p>
+            <a:endParaRPr lang="en-US" dirty="0" smtClean="0"/>
+          </a:p>
+        </p:txBody>
+      </p:sp>
+      <p:pic>
+        <p:nvPicPr>
+          <p:cNvPr id="30724" name="Picture 4" descr="https://sp.yimg.com/ib/th?id=HN.608054940100135649&amp;pid=15.1&amp;P=0"/>
+          <p:cNvPicPr>
+            <a:picLocks noChangeAspect="1" noChangeArrowheads="1"/>
+          </p:cNvPicPr>
+          <p:nvPr/>
+        </p:nvPicPr>
+        <p:blipFill>
+          <a:blip r:embed="rId3" cstate="print"/>
+          <a:srcRect/>
+          <a:stretch>
+            <a:fillRect/>
+          </a:stretch>
+        </p:blipFill>
+        <p:spPr bwMode="auto">
+          <a:xfrm>
+            <a:off x="5030115" y="3581705"/>
+            <a:ext cx="3926435" cy="2840121"/>
+          </a:xfrm>
+          <a:prstGeom prst="rect">
+            <a:avLst/>
+          </a:prstGeom>
+          <a:noFill/>
+        </p:spPr>
+      </p:pic>
+    </p:spTree>
+    <p:extLst>
+      <p:ext uri="{BB962C8B-B14F-4D97-AF65-F5344CB8AC3E}">
+        <p14:creationId xmlns:p14="http://schemas.microsoft.com/office/powerpoint/2010/main" xmlns="" val="1101633878"/>
+      </p:ext>
+    </p:extLst>
+  </p:cSld>
+  <p:clrMapOvr>
+    <a:masterClrMapping/>
+  </p:clrMapOvr>
+  <p:timing>
+    <p:tnLst>
+      <p:par>
+        <p:cTn id="1" dur="indefinite" restart="never" nodeType="tmRoot"/>
+      </p:par>
+    </p:tnLst>
+  </p:timing>
+</p:sld>
+</file>
+
+<file path=ppt/slides/slide15.xml><?xml version="1.0" encoding="utf-8"?>
+<p:sld xmlns:a="http://schemas.openxmlformats.org/drawingml/2006/main" xmlns:r="http://schemas.openxmlformats.org/officeDocument/2006/relationships" xmlns:p="http://schemas.openxmlformats.org/presentationml/2006/main">
+  <p:cSld>
+    <p:bg>
+      <p:bgPr>
+        <a:blipFill dpi="0" rotWithShape="1">
+          <a:blip r:embed="rId2" cstate="print">
+            <a:lum/>
+          </a:blip>
+          <a:srcRect/>
+          <a:stretch>
+            <a:fillRect/>
+          </a:stretch>
+        </a:blipFill>
+        <a:effectLst/>
+      </p:bgPr>
+    </p:bg>
+    <p:spTree>
+      <p:nvGrpSpPr>
+        <p:cNvPr id="1" name=""/>
+        <p:cNvGrpSpPr/>
+        <p:nvPr/>
+      </p:nvGrpSpPr>
+      <p:grpSpPr>
+        <a:xfrm>
+          <a:off x="0" y="0"/>
+          <a:ext cx="0" cy="0"/>
+          <a:chOff x="0" y="0"/>
+          <a:chExt cx="0" cy="0"/>
+        </a:xfrm>
+      </p:grpSpPr>
+      <p:sp>
+        <p:nvSpPr>
+          <p:cNvPr id="4" name="Title 3"/>
+          <p:cNvSpPr>
+            <a:spLocks noGrp="1"/>
+          </p:cNvSpPr>
+          <p:nvPr>
+            <p:ph type="title"/>
+          </p:nvPr>
+        </p:nvSpPr>
+        <p:spPr/>
+        <p:txBody>
+          <a:bodyPr>
+            <a:normAutofit/>
+          </a:bodyPr>
+          <a:lstStyle/>
+          <a:p>
+            <a:pPr algn="l"/>
+            <a:r>
+              <a:rPr lang="en-US" altLang="zh-TW" dirty="0" smtClean="0"/>
+              <a:t>More</a:t>
+            </a:r>
+            <a:r>
+              <a:rPr lang="zh-TW" altLang="en-US" dirty="0" smtClean="0"/>
+              <a:t>  </a:t>
+            </a:r>
+            <a:r>
+              <a:rPr lang="en-US" altLang="zh-TW" dirty="0" smtClean="0"/>
+              <a:t>deeper</a:t>
+            </a:r>
+            <a:r>
+              <a:rPr lang="zh-TW" altLang="en-US" dirty="0" smtClean="0"/>
+              <a:t> </a:t>
+            </a:r>
+            <a:r>
+              <a:rPr lang="en-US" altLang="zh-TW" dirty="0" smtClean="0"/>
+              <a:t>–</a:t>
+            </a:r>
+            <a:r>
+              <a:rPr lang="zh-TW" altLang="en-US" dirty="0" smtClean="0"/>
+              <a:t> </a:t>
+            </a:r>
+            <a:r>
+              <a:rPr lang="en-US" altLang="zh-TW" dirty="0" smtClean="0"/>
+              <a:t>Urge</a:t>
+            </a:r>
+            <a:r>
+              <a:rPr lang="zh-TW" altLang="en-US" dirty="0" smtClean="0"/>
+              <a:t>  </a:t>
+            </a:r>
+            <a:r>
+              <a:rPr lang="en-US" altLang="zh-TW" dirty="0" smtClean="0"/>
+              <a:t>incontinence</a:t>
+            </a:r>
+            <a:endParaRPr lang="en-US" dirty="0"/>
+          </a:p>
+        </p:txBody>
+      </p:sp>
+      <p:sp>
+        <p:nvSpPr>
+          <p:cNvPr id="5" name="Content Placeholder 4"/>
+          <p:cNvSpPr>
+            <a:spLocks noGrp="1"/>
+          </p:cNvSpPr>
+          <p:nvPr>
+            <p:ph idx="1"/>
+          </p:nvPr>
+        </p:nvSpPr>
+        <p:spPr/>
+        <p:txBody>
+          <a:bodyPr>
+            <a:normAutofit/>
+          </a:bodyPr>
+          <a:lstStyle/>
+          <a:p>
+            <a:r>
+              <a:rPr lang="en-US" altLang="zh-TW" dirty="0" smtClean="0"/>
+              <a:t>Those</a:t>
+            </a:r>
+            <a:r>
+              <a:rPr lang="zh-TW" altLang="en-US" dirty="0" smtClean="0"/>
+              <a:t>  </a:t>
+            </a:r>
+            <a:r>
+              <a:rPr lang="en-US" altLang="zh-TW" dirty="0" smtClean="0"/>
+              <a:t>who</a:t>
+            </a:r>
+            <a:r>
+              <a:rPr lang="zh-TW" altLang="en-US" dirty="0" smtClean="0"/>
+              <a:t>  </a:t>
+            </a:r>
+            <a:r>
+              <a:rPr lang="en-US" altLang="zh-TW" dirty="0" smtClean="0"/>
+              <a:t>get</a:t>
+            </a:r>
+            <a:r>
+              <a:rPr lang="zh-TW" altLang="en-US" dirty="0" smtClean="0"/>
+              <a:t>  </a:t>
+            </a:r>
+            <a:r>
+              <a:rPr lang="en-US" altLang="zh-TW" dirty="0" smtClean="0"/>
+              <a:t>it</a:t>
+            </a:r>
+            <a:r>
+              <a:rPr lang="zh-TW" altLang="en-US" dirty="0" smtClean="0"/>
+              <a:t>  </a:t>
+            </a:r>
+            <a:r>
+              <a:rPr lang="en-US" altLang="zh-TW" dirty="0" smtClean="0"/>
+              <a:t>will</a:t>
+            </a:r>
+            <a:r>
+              <a:rPr lang="zh-TW" altLang="en-US" dirty="0" smtClean="0"/>
+              <a:t>  </a:t>
+            </a:r>
+            <a:r>
+              <a:rPr lang="en-US" altLang="zh-TW" dirty="0" smtClean="0"/>
+              <a:t>leak</a:t>
+            </a:r>
+            <a:r>
+              <a:rPr lang="zh-TW" altLang="en-US" dirty="0" smtClean="0"/>
+              <a:t>  </a:t>
+            </a:r>
+            <a:r>
+              <a:rPr lang="en-US" altLang="zh-TW" dirty="0" smtClean="0"/>
+              <a:t>urine</a:t>
+            </a:r>
+            <a:r>
+              <a:rPr lang="zh-TW" altLang="en-US" dirty="0" smtClean="0"/>
+              <a:t>  </a:t>
+            </a:r>
+            <a:r>
+              <a:rPr lang="en-US" altLang="zh-TW" dirty="0" smtClean="0"/>
+              <a:t>when</a:t>
+            </a:r>
+            <a:r>
+              <a:rPr lang="zh-TW" altLang="en-US" dirty="0" smtClean="0"/>
+              <a:t>  </a:t>
+            </a:r>
+            <a:r>
+              <a:rPr lang="en-US" altLang="zh-TW" dirty="0" smtClean="0"/>
+              <a:t>:</a:t>
+            </a:r>
+          </a:p>
+          <a:p>
+            <a:pPr marL="514350" indent="-514350">
+              <a:buNone/>
+            </a:pPr>
+            <a:r>
+              <a:rPr lang="zh-TW" altLang="en-US" dirty="0" smtClean="0"/>
+              <a:t>    </a:t>
+            </a:r>
+            <a:r>
+              <a:rPr lang="en-US" altLang="zh-TW" dirty="0" smtClean="0"/>
+              <a:t>1.</a:t>
+            </a:r>
+            <a:r>
+              <a:rPr lang="zh-TW" altLang="en-US" dirty="0" smtClean="0"/>
+              <a:t>  </a:t>
+            </a:r>
+            <a:r>
+              <a:rPr lang="en-US" altLang="zh-TW" dirty="0" smtClean="0"/>
+              <a:t>can’t</a:t>
+            </a:r>
+            <a:r>
+              <a:rPr lang="zh-TW" altLang="en-US" dirty="0" smtClean="0"/>
+              <a:t>  </a:t>
+            </a:r>
+            <a:r>
+              <a:rPr lang="en-US" altLang="zh-TW" dirty="0" smtClean="0"/>
+              <a:t>arrive</a:t>
+            </a:r>
+            <a:r>
+              <a:rPr lang="zh-TW" altLang="en-US" dirty="0" smtClean="0"/>
+              <a:t>  </a:t>
+            </a:r>
+            <a:r>
+              <a:rPr lang="en-US" altLang="zh-TW" dirty="0" smtClean="0"/>
+              <a:t>bathroom</a:t>
+            </a:r>
+            <a:r>
+              <a:rPr lang="zh-TW" altLang="en-US" dirty="0" smtClean="0"/>
+              <a:t>  </a:t>
+            </a:r>
+            <a:r>
+              <a:rPr lang="en-US" altLang="zh-TW" dirty="0" smtClean="0"/>
+              <a:t>in</a:t>
+            </a:r>
+            <a:r>
+              <a:rPr lang="zh-TW" altLang="en-US" dirty="0" smtClean="0"/>
+              <a:t>  </a:t>
+            </a:r>
+            <a:r>
+              <a:rPr lang="en-US" altLang="zh-TW" dirty="0" smtClean="0"/>
+              <a:t>time</a:t>
+            </a:r>
+          </a:p>
+          <a:p>
+            <a:pPr marL="514350" indent="-514350">
+              <a:buNone/>
+            </a:pPr>
+            <a:r>
+              <a:rPr lang="zh-TW" altLang="en-US" dirty="0" smtClean="0"/>
+              <a:t> </a:t>
+            </a:r>
+            <a:r>
+              <a:rPr lang="zh-TW" altLang="en-US" dirty="0" smtClean="0"/>
+              <a:t>   </a:t>
+            </a:r>
+            <a:r>
+              <a:rPr lang="en-US" altLang="zh-TW" dirty="0" smtClean="0"/>
+              <a:t>2.</a:t>
+            </a:r>
+            <a:r>
+              <a:rPr lang="zh-TW" altLang="en-US" dirty="0" smtClean="0"/>
+              <a:t>  </a:t>
+            </a:r>
+            <a:r>
+              <a:rPr lang="en-US" altLang="zh-TW" dirty="0" smtClean="0"/>
+              <a:t>drink</a:t>
+            </a:r>
+            <a:r>
+              <a:rPr lang="zh-TW" altLang="en-US" dirty="0" smtClean="0"/>
+              <a:t>  </a:t>
+            </a:r>
+            <a:r>
+              <a:rPr lang="en-US" altLang="zh-TW" dirty="0" smtClean="0"/>
+              <a:t>a</a:t>
+            </a:r>
+            <a:r>
+              <a:rPr lang="zh-TW" altLang="en-US" dirty="0" smtClean="0"/>
+              <a:t>  </a:t>
+            </a:r>
+            <a:r>
+              <a:rPr lang="en-US" altLang="zh-TW" dirty="0" smtClean="0"/>
+              <a:t>small</a:t>
+            </a:r>
+            <a:r>
+              <a:rPr lang="zh-TW" altLang="en-US" dirty="0" smtClean="0"/>
+              <a:t>  </a:t>
+            </a:r>
+            <a:r>
+              <a:rPr lang="en-US" altLang="zh-TW" dirty="0" smtClean="0"/>
+              <a:t>amount</a:t>
+            </a:r>
+            <a:r>
+              <a:rPr lang="zh-TW" altLang="en-US" dirty="0" smtClean="0"/>
+              <a:t>  </a:t>
+            </a:r>
+            <a:r>
+              <a:rPr lang="en-US" altLang="zh-TW" dirty="0" smtClean="0"/>
+              <a:t>of</a:t>
+            </a:r>
+            <a:r>
+              <a:rPr lang="zh-TW" altLang="en-US" dirty="0" smtClean="0"/>
+              <a:t>  </a:t>
+            </a:r>
+            <a:r>
+              <a:rPr lang="en-US" altLang="zh-TW" dirty="0" smtClean="0"/>
+              <a:t>liquid</a:t>
+            </a:r>
+          </a:p>
+          <a:p>
+            <a:pPr marL="514350" indent="-514350">
+              <a:buNone/>
+            </a:pPr>
+            <a:r>
+              <a:rPr lang="zh-TW" altLang="en-US" dirty="0" smtClean="0"/>
+              <a:t> </a:t>
+            </a:r>
+            <a:r>
+              <a:rPr lang="zh-TW" altLang="en-US" dirty="0" smtClean="0"/>
+              <a:t>   </a:t>
+            </a:r>
+            <a:r>
+              <a:rPr lang="en-US" altLang="zh-TW" dirty="0" smtClean="0"/>
+              <a:t>3.</a:t>
+            </a:r>
+            <a:r>
+              <a:rPr lang="zh-TW" altLang="en-US" dirty="0" smtClean="0"/>
+              <a:t>  </a:t>
+            </a:r>
+            <a:r>
+              <a:rPr lang="en-US" altLang="zh-TW" dirty="0" smtClean="0"/>
+              <a:t>hear</a:t>
+            </a:r>
+            <a:r>
+              <a:rPr lang="zh-TW" altLang="en-US" dirty="0" smtClean="0"/>
+              <a:t>  </a:t>
+            </a:r>
+            <a:r>
+              <a:rPr lang="en-US" altLang="zh-TW" dirty="0" smtClean="0"/>
+              <a:t>or</a:t>
+            </a:r>
+            <a:r>
+              <a:rPr lang="zh-TW" altLang="en-US" dirty="0" smtClean="0"/>
+              <a:t>  </a:t>
+            </a:r>
+            <a:r>
+              <a:rPr lang="en-US" altLang="zh-TW" dirty="0" smtClean="0"/>
+              <a:t>touch</a:t>
+            </a:r>
+            <a:r>
+              <a:rPr lang="zh-TW" altLang="en-US" dirty="0" smtClean="0"/>
+              <a:t>  </a:t>
+            </a:r>
+            <a:r>
+              <a:rPr lang="en-US" altLang="zh-TW" dirty="0" smtClean="0"/>
+              <a:t>running</a:t>
+            </a:r>
+            <a:r>
+              <a:rPr lang="zh-TW" altLang="en-US" dirty="0" smtClean="0"/>
+              <a:t>  </a:t>
+            </a:r>
+            <a:r>
+              <a:rPr lang="en-US" altLang="zh-TW" dirty="0" smtClean="0"/>
+              <a:t>water</a:t>
+            </a:r>
+            <a:endParaRPr lang="en-US" dirty="0" smtClean="0"/>
+          </a:p>
+        </p:txBody>
+      </p:sp>
+      <p:pic>
+        <p:nvPicPr>
+          <p:cNvPr id="6" name="Picture 2" descr="Understanding Urinary Incontinence"/>
+          <p:cNvPicPr>
+            <a:picLocks noChangeAspect="1" noChangeArrowheads="1"/>
+          </p:cNvPicPr>
+          <p:nvPr/>
+        </p:nvPicPr>
+        <p:blipFill>
+          <a:blip r:embed="rId3" cstate="print"/>
+          <a:srcRect/>
+          <a:stretch>
+            <a:fillRect/>
+          </a:stretch>
+        </p:blipFill>
+        <p:spPr bwMode="auto">
+          <a:xfrm>
+            <a:off x="2892244" y="3655846"/>
+            <a:ext cx="5829347" cy="2830309"/>
+          </a:xfrm>
+          <a:prstGeom prst="rect">
+            <a:avLst/>
+          </a:prstGeom>
+          <a:noFill/>
+        </p:spPr>
+      </p:pic>
+    </p:spTree>
+    <p:extLst>
+      <p:ext uri="{BB962C8B-B14F-4D97-AF65-F5344CB8AC3E}">
+        <p14:creationId xmlns:p14="http://schemas.microsoft.com/office/powerpoint/2010/main" xmlns="" val="1101633878"/>
+      </p:ext>
+    </p:extLst>
+  </p:cSld>
+  <p:clrMapOvr>
+    <a:masterClrMapping/>
+  </p:clrMapOvr>
+  <p:timing>
+    <p:tnLst>
+      <p:par>
+        <p:cTn id="1" dur="indefinite" restart="never" nodeType="tmRoot"/>
+      </p:par>
+    </p:tnLst>
+  </p:timing>
+</p:sld>
+</file>
+
+<file path=ppt/slides/slide16.xml><?xml version="1.0" encoding="utf-8"?>
+<p:sld xmlns:a="http://schemas.openxmlformats.org/drawingml/2006/main" xmlns:r="http://schemas.openxmlformats.org/officeDocument/2006/relationships" xmlns:p="http://schemas.openxmlformats.org/presentationml/2006/main">
+  <p:cSld>
+    <p:bg>
+      <p:bgPr>
+        <a:blipFill dpi="0" rotWithShape="1">
+          <a:blip r:embed="rId2" cstate="print">
+            <a:lum/>
+          </a:blip>
+          <a:srcRect/>
+          <a:stretch>
+            <a:fillRect/>
+          </a:stretch>
+        </a:blipFill>
+        <a:effectLst/>
+      </p:bgPr>
+    </p:bg>
+    <p:spTree>
+      <p:nvGrpSpPr>
+        <p:cNvPr id="1" name=""/>
+        <p:cNvGrpSpPr/>
+        <p:nvPr/>
+      </p:nvGrpSpPr>
+      <p:grpSpPr>
+        <a:xfrm>
+          <a:off x="0" y="0"/>
+          <a:ext cx="0" cy="0"/>
+          <a:chOff x="0" y="0"/>
+          <a:chExt cx="0" cy="0"/>
+        </a:xfrm>
+      </p:grpSpPr>
+      <p:sp>
+        <p:nvSpPr>
+          <p:cNvPr id="4" name="Title 3"/>
+          <p:cNvSpPr>
+            <a:spLocks noGrp="1"/>
+          </p:cNvSpPr>
+          <p:nvPr>
+            <p:ph type="title"/>
+          </p:nvPr>
+        </p:nvSpPr>
+        <p:spPr/>
+        <p:txBody>
+          <a:bodyPr>
+            <a:normAutofit fontScale="90000"/>
+          </a:bodyPr>
+          <a:lstStyle/>
+          <a:p>
+            <a:pPr algn="l"/>
+            <a:r>
+              <a:rPr lang="en-US" altLang="zh-TW" dirty="0" smtClean="0"/>
+              <a:t>More</a:t>
+            </a:r>
+            <a:r>
+              <a:rPr lang="zh-TW" altLang="en-US" dirty="0" smtClean="0"/>
+              <a:t>  </a:t>
+            </a:r>
+            <a:r>
+              <a:rPr lang="en-US" altLang="zh-TW" dirty="0" smtClean="0"/>
+              <a:t>deeper</a:t>
+            </a:r>
+            <a:r>
+              <a:rPr lang="zh-TW" altLang="en-US" dirty="0" smtClean="0"/>
+              <a:t> </a:t>
+            </a:r>
+            <a:r>
+              <a:rPr lang="en-US" altLang="zh-TW" dirty="0" smtClean="0"/>
+              <a:t>–</a:t>
+            </a:r>
+            <a:r>
+              <a:rPr lang="zh-TW" altLang="en-US" dirty="0" smtClean="0"/>
+              <a:t> </a:t>
+            </a:r>
+            <a:r>
+              <a:rPr lang="en-US" altLang="zh-TW" dirty="0" smtClean="0"/>
+              <a:t>Stress</a:t>
+            </a:r>
+            <a:r>
+              <a:rPr lang="zh-TW" altLang="en-US" dirty="0" smtClean="0"/>
+              <a:t>  </a:t>
+            </a:r>
+            <a:r>
+              <a:rPr lang="en-US" altLang="zh-TW" dirty="0" smtClean="0"/>
+              <a:t>incontinence</a:t>
+            </a:r>
+            <a:endParaRPr lang="en-US" dirty="0"/>
+          </a:p>
+        </p:txBody>
+      </p:sp>
+      <p:sp>
+        <p:nvSpPr>
+          <p:cNvPr id="5" name="Content Placeholder 4"/>
+          <p:cNvSpPr>
+            <a:spLocks noGrp="1"/>
+          </p:cNvSpPr>
+          <p:nvPr>
+            <p:ph idx="1"/>
+          </p:nvPr>
+        </p:nvSpPr>
+        <p:spPr/>
+        <p:txBody>
+          <a:bodyPr>
+            <a:normAutofit/>
+          </a:bodyPr>
+          <a:lstStyle/>
+          <a:p>
+            <a:r>
+              <a:rPr lang="en-US" altLang="zh-TW" dirty="0" smtClean="0"/>
+              <a:t>It</a:t>
+            </a:r>
+            <a:r>
+              <a:rPr lang="zh-TW" altLang="en-US" dirty="0" smtClean="0"/>
+              <a:t>  </a:t>
+            </a:r>
+            <a:r>
+              <a:rPr lang="en-US" altLang="zh-TW" dirty="0" smtClean="0"/>
+              <a:t>usually</a:t>
+            </a:r>
+            <a:r>
+              <a:rPr lang="zh-TW" altLang="en-US" dirty="0" smtClean="0"/>
+              <a:t>  </a:t>
+            </a:r>
+            <a:r>
+              <a:rPr lang="en-US" altLang="zh-TW" dirty="0" smtClean="0"/>
+              <a:t>makes</a:t>
+            </a:r>
+            <a:r>
+              <a:rPr lang="zh-TW" altLang="en-US" dirty="0" smtClean="0"/>
+              <a:t>  </a:t>
+            </a:r>
+            <a:r>
+              <a:rPr lang="en-US" altLang="zh-TW" dirty="0" smtClean="0"/>
+              <a:t>people</a:t>
+            </a:r>
+            <a:r>
+              <a:rPr lang="zh-TW" altLang="en-US" dirty="0" smtClean="0"/>
+              <a:t>  </a:t>
+            </a:r>
+            <a:r>
+              <a:rPr lang="en-US" altLang="zh-TW" dirty="0" smtClean="0"/>
+              <a:t>loss</a:t>
+            </a:r>
+            <a:r>
+              <a:rPr lang="zh-TW" altLang="en-US" dirty="0" smtClean="0"/>
+              <a:t>  </a:t>
+            </a:r>
+            <a:r>
+              <a:rPr lang="en-US" altLang="zh-TW" dirty="0" smtClean="0"/>
+              <a:t>small</a:t>
+            </a:r>
+            <a:r>
+              <a:rPr lang="zh-TW" altLang="en-US" dirty="0" smtClean="0"/>
+              <a:t>  </a:t>
+            </a:r>
+            <a:r>
+              <a:rPr lang="en-US" altLang="zh-TW" dirty="0" smtClean="0"/>
+              <a:t>amount</a:t>
+            </a:r>
+            <a:r>
+              <a:rPr lang="zh-TW" altLang="en-US" dirty="0" smtClean="0"/>
+              <a:t>  </a:t>
+            </a:r>
+            <a:r>
+              <a:rPr lang="en-US" altLang="zh-TW" dirty="0" smtClean="0"/>
+              <a:t>of</a:t>
+            </a:r>
+            <a:r>
+              <a:rPr lang="zh-TW" altLang="en-US" dirty="0" smtClean="0"/>
+              <a:t>  </a:t>
+            </a:r>
+            <a:r>
+              <a:rPr lang="en-US" altLang="zh-TW" dirty="0" smtClean="0"/>
+              <a:t>urine</a:t>
+            </a:r>
+            <a:r>
+              <a:rPr lang="zh-TW" altLang="en-US" dirty="0" smtClean="0"/>
+              <a:t>  </a:t>
+            </a:r>
+            <a:r>
+              <a:rPr lang="en-US" altLang="zh-TW" dirty="0" smtClean="0"/>
+              <a:t>when</a:t>
+            </a:r>
+            <a:r>
+              <a:rPr lang="zh-TW" altLang="en-US" dirty="0" smtClean="0"/>
+              <a:t>  </a:t>
+            </a:r>
+            <a:r>
+              <a:rPr lang="en-US" altLang="zh-TW" dirty="0" smtClean="0">
+                <a:solidFill>
+                  <a:srgbClr val="017BA1"/>
+                </a:solidFill>
+              </a:rPr>
+              <a:t>intra</a:t>
+            </a:r>
+            <a:r>
+              <a:rPr lang="zh-TW" altLang="en-US" dirty="0" smtClean="0">
+                <a:solidFill>
+                  <a:srgbClr val="017BA1"/>
+                </a:solidFill>
+              </a:rPr>
+              <a:t> </a:t>
+            </a:r>
+            <a:r>
+              <a:rPr lang="en-US" altLang="zh-TW" dirty="0" smtClean="0">
+                <a:solidFill>
+                  <a:srgbClr val="017BA1"/>
+                </a:solidFill>
+              </a:rPr>
+              <a:t>–</a:t>
+            </a:r>
+            <a:r>
+              <a:rPr lang="zh-TW" altLang="en-US" dirty="0" smtClean="0">
+                <a:solidFill>
+                  <a:srgbClr val="017BA1"/>
+                </a:solidFill>
+              </a:rPr>
+              <a:t> </a:t>
+            </a:r>
+            <a:r>
+              <a:rPr lang="en-US" altLang="zh-TW" dirty="0" smtClean="0">
+                <a:solidFill>
+                  <a:srgbClr val="017BA1"/>
+                </a:solidFill>
+              </a:rPr>
+              <a:t>abdominal</a:t>
+            </a:r>
+            <a:r>
+              <a:rPr lang="zh-TW" altLang="en-US" dirty="0" smtClean="0">
+                <a:solidFill>
+                  <a:srgbClr val="017BA1"/>
+                </a:solidFill>
+              </a:rPr>
+              <a:t>  </a:t>
+            </a:r>
+            <a:r>
+              <a:rPr lang="en-US" altLang="zh-TW" dirty="0" smtClean="0">
+                <a:solidFill>
+                  <a:srgbClr val="017BA1"/>
+                </a:solidFill>
+              </a:rPr>
+              <a:t>pressure</a:t>
+            </a:r>
+            <a:r>
+              <a:rPr lang="zh-TW" altLang="en-US" dirty="0" smtClean="0">
+                <a:solidFill>
+                  <a:srgbClr val="017BA1"/>
+                </a:solidFill>
+              </a:rPr>
+              <a:t>  </a:t>
+            </a:r>
+            <a:r>
+              <a:rPr lang="en-US" altLang="zh-TW" dirty="0" smtClean="0">
+                <a:solidFill>
+                  <a:srgbClr val="017BA1"/>
+                </a:solidFill>
+              </a:rPr>
+              <a:t>(</a:t>
+            </a:r>
+            <a:r>
+              <a:rPr lang="zh-TW" altLang="en-US" dirty="0" smtClean="0">
+                <a:solidFill>
+                  <a:srgbClr val="017BA1"/>
+                </a:solidFill>
+                <a:latin typeface="微軟正黑體" pitchFamily="34" charset="-120"/>
+                <a:ea typeface="微軟正黑體" pitchFamily="34" charset="-120"/>
+              </a:rPr>
+              <a:t>腹部內的壓力</a:t>
+            </a:r>
+            <a:r>
+              <a:rPr lang="en-US" altLang="zh-TW" dirty="0" smtClean="0">
+                <a:solidFill>
+                  <a:srgbClr val="017BA1"/>
+                </a:solidFill>
+              </a:rPr>
+              <a:t>)</a:t>
+            </a:r>
+            <a:r>
+              <a:rPr lang="zh-TW" altLang="en-US" dirty="0" smtClean="0"/>
+              <a:t>  </a:t>
+            </a:r>
+            <a:r>
+              <a:rPr lang="en-US" altLang="zh-TW" dirty="0" smtClean="0"/>
+              <a:t>increases</a:t>
+            </a:r>
+          </a:p>
+          <a:p>
+            <a:r>
+              <a:rPr lang="en-US" altLang="zh-TW" dirty="0" smtClean="0"/>
+              <a:t>Caused</a:t>
+            </a:r>
+            <a:r>
+              <a:rPr lang="zh-TW" altLang="en-US" dirty="0" smtClean="0"/>
+              <a:t>  </a:t>
+            </a:r>
+            <a:r>
+              <a:rPr lang="en-US" altLang="zh-TW" dirty="0" smtClean="0"/>
+              <a:t>when</a:t>
+            </a:r>
+            <a:r>
+              <a:rPr lang="zh-TW" altLang="en-US" dirty="0" smtClean="0"/>
+              <a:t>  </a:t>
+            </a:r>
+            <a:r>
+              <a:rPr lang="en-US" altLang="zh-TW" dirty="0" smtClean="0">
+                <a:solidFill>
+                  <a:srgbClr val="017BA1"/>
+                </a:solidFill>
+              </a:rPr>
+              <a:t>pelvic</a:t>
+            </a:r>
+            <a:r>
+              <a:rPr lang="zh-TW" altLang="en-US" dirty="0" smtClean="0">
+                <a:solidFill>
+                  <a:srgbClr val="017BA1"/>
+                </a:solidFill>
+              </a:rPr>
+              <a:t>  </a:t>
+            </a:r>
+            <a:r>
+              <a:rPr lang="en-US" altLang="zh-TW" dirty="0" smtClean="0">
+                <a:solidFill>
+                  <a:srgbClr val="017BA1"/>
+                </a:solidFill>
+              </a:rPr>
+              <a:t>floor</a:t>
+            </a:r>
+            <a:r>
+              <a:rPr lang="zh-TW" altLang="en-US" dirty="0" smtClean="0">
+                <a:solidFill>
+                  <a:srgbClr val="017BA1"/>
+                </a:solidFill>
+              </a:rPr>
+              <a:t>  </a:t>
+            </a:r>
+            <a:r>
+              <a:rPr lang="en-US" altLang="zh-TW" dirty="0" smtClean="0">
+                <a:solidFill>
+                  <a:srgbClr val="017BA1"/>
+                </a:solidFill>
+              </a:rPr>
+              <a:t>muscle</a:t>
+            </a:r>
+            <a:r>
+              <a:rPr lang="zh-TW" altLang="en-US" dirty="0" smtClean="0">
+                <a:solidFill>
+                  <a:srgbClr val="017BA1"/>
+                </a:solidFill>
+              </a:rPr>
+              <a:t>  </a:t>
+            </a:r>
+            <a:r>
+              <a:rPr lang="en-US" altLang="zh-TW" dirty="0" smtClean="0">
+                <a:solidFill>
+                  <a:srgbClr val="017BA1"/>
+                </a:solidFill>
+              </a:rPr>
+              <a:t>(</a:t>
+            </a:r>
+            <a:r>
+              <a:rPr lang="zh-TW" altLang="en-US" dirty="0" smtClean="0">
+                <a:solidFill>
+                  <a:srgbClr val="017BA1"/>
+                </a:solidFill>
+                <a:latin typeface="微軟正黑體" pitchFamily="34" charset="-120"/>
+                <a:ea typeface="微軟正黑體" pitchFamily="34" charset="-120"/>
+              </a:rPr>
+              <a:t>骨盆底肌</a:t>
+            </a:r>
+            <a:r>
+              <a:rPr lang="en-US" altLang="zh-TW" dirty="0" smtClean="0">
+                <a:solidFill>
+                  <a:srgbClr val="017BA1"/>
+                </a:solidFill>
+              </a:rPr>
+              <a:t>)</a:t>
+            </a:r>
+            <a:r>
+              <a:rPr lang="zh-TW" altLang="en-US" dirty="0" smtClean="0">
+                <a:solidFill>
+                  <a:srgbClr val="017BA1"/>
+                </a:solidFill>
+              </a:rPr>
+              <a:t>  </a:t>
+            </a:r>
+            <a:r>
+              <a:rPr lang="en-US" altLang="zh-TW" dirty="0" smtClean="0"/>
+              <a:t>is</a:t>
+            </a:r>
+            <a:r>
+              <a:rPr lang="zh-TW" altLang="en-US" dirty="0" smtClean="0"/>
+              <a:t>  </a:t>
+            </a:r>
+            <a:r>
+              <a:rPr lang="en-US" altLang="zh-TW" dirty="0" smtClean="0"/>
+              <a:t>weak</a:t>
+            </a:r>
+            <a:endParaRPr lang="en-US" altLang="zh-TW" dirty="0" smtClean="0"/>
+          </a:p>
+        </p:txBody>
+      </p:sp>
+      <p:pic>
+        <p:nvPicPr>
+          <p:cNvPr id="31746" name="Picture 2" descr="... for one of the active Pelvic Floor Muscle Spasms research studies"/>
+          <p:cNvPicPr>
+            <a:picLocks noChangeAspect="1" noChangeArrowheads="1"/>
+          </p:cNvPicPr>
+          <p:nvPr/>
+        </p:nvPicPr>
+        <p:blipFill>
+          <a:blip r:embed="rId3" cstate="print"/>
+          <a:srcRect b="10262"/>
+          <a:stretch>
+            <a:fillRect/>
+          </a:stretch>
+        </p:blipFill>
+        <p:spPr bwMode="auto">
+          <a:xfrm>
+            <a:off x="5030115" y="3734410"/>
+            <a:ext cx="3621025" cy="2794502"/>
+          </a:xfrm>
+          <a:prstGeom prst="rect">
+            <a:avLst/>
+          </a:prstGeom>
+          <a:noFill/>
+        </p:spPr>
+      </p:pic>
+    </p:spTree>
+    <p:extLst>
+      <p:ext uri="{BB962C8B-B14F-4D97-AF65-F5344CB8AC3E}">
+        <p14:creationId xmlns:p14="http://schemas.microsoft.com/office/powerpoint/2010/main" xmlns="" val="1101633878"/>
+      </p:ext>
+    </p:extLst>
+  </p:cSld>
+  <p:clrMapOvr>
+    <a:masterClrMapping/>
+  </p:clrMapOvr>
+  <p:timing>
+    <p:tnLst>
+      <p:par>
+        <p:cTn id="1" dur="indefinite" restart="never" nodeType="tmRoot"/>
+      </p:par>
+    </p:tnLst>
+  </p:timing>
+</p:sld>
+</file>
+
+<file path=ppt/slides/slide17.xml><?xml version="1.0" encoding="utf-8"?>
+<p:sld xmlns:a="http://schemas.openxmlformats.org/drawingml/2006/main" xmlns:r="http://schemas.openxmlformats.org/officeDocument/2006/relationships" xmlns:p="http://schemas.openxmlformats.org/presentationml/2006/main">
+  <p:cSld>
+    <p:bg>
+      <p:bgPr>
+        <a:blipFill dpi="0" rotWithShape="1">
+          <a:blip r:embed="rId2" cstate="print">
+            <a:lum/>
+          </a:blip>
+          <a:srcRect/>
+          <a:stretch>
+            <a:fillRect/>
+          </a:stretch>
+        </a:blipFill>
+        <a:effectLst/>
+      </p:bgPr>
+    </p:bg>
+    <p:spTree>
+      <p:nvGrpSpPr>
+        <p:cNvPr id="1" name=""/>
+        <p:cNvGrpSpPr/>
+        <p:nvPr/>
+      </p:nvGrpSpPr>
+      <p:grpSpPr>
+        <a:xfrm>
+          <a:off x="0" y="0"/>
+          <a:ext cx="0" cy="0"/>
+          <a:chOff x="0" y="0"/>
+          <a:chExt cx="0" cy="0"/>
+        </a:xfrm>
+      </p:grpSpPr>
+      <p:sp>
+        <p:nvSpPr>
+          <p:cNvPr id="4" name="Title 3"/>
+          <p:cNvSpPr>
+            <a:spLocks noGrp="1"/>
+          </p:cNvSpPr>
+          <p:nvPr>
+            <p:ph type="title"/>
+          </p:nvPr>
+        </p:nvSpPr>
+        <p:spPr/>
+        <p:txBody>
+          <a:bodyPr>
+            <a:normAutofit fontScale="90000"/>
+          </a:bodyPr>
+          <a:lstStyle/>
+          <a:p>
+            <a:pPr algn="l"/>
+            <a:r>
+              <a:rPr lang="en-US" altLang="zh-TW" dirty="0" smtClean="0"/>
+              <a:t>More</a:t>
+            </a:r>
+            <a:r>
+              <a:rPr lang="zh-TW" altLang="en-US" dirty="0" smtClean="0"/>
+              <a:t>  </a:t>
+            </a:r>
+            <a:r>
+              <a:rPr lang="en-US" altLang="zh-TW" dirty="0" smtClean="0"/>
+              <a:t>deeper</a:t>
+            </a:r>
+            <a:r>
+              <a:rPr lang="zh-TW" altLang="en-US" dirty="0" smtClean="0"/>
+              <a:t> </a:t>
+            </a:r>
+            <a:r>
+              <a:rPr lang="en-US" altLang="zh-TW" dirty="0" smtClean="0"/>
+              <a:t>–</a:t>
+            </a:r>
+            <a:r>
+              <a:rPr lang="zh-TW" altLang="en-US" dirty="0" smtClean="0"/>
+              <a:t> </a:t>
+            </a:r>
+            <a:r>
+              <a:rPr lang="en-US" altLang="zh-TW" dirty="0" smtClean="0"/>
+              <a:t>Stress</a:t>
+            </a:r>
+            <a:r>
+              <a:rPr lang="zh-TW" altLang="en-US" dirty="0" smtClean="0"/>
+              <a:t>  </a:t>
+            </a:r>
+            <a:r>
+              <a:rPr lang="en-US" altLang="zh-TW" dirty="0" smtClean="0"/>
+              <a:t>incontinence</a:t>
+            </a:r>
+            <a:endParaRPr lang="en-US" dirty="0"/>
+          </a:p>
+        </p:txBody>
+      </p:sp>
+      <p:sp>
+        <p:nvSpPr>
+          <p:cNvPr id="5" name="Content Placeholder 4"/>
+          <p:cNvSpPr>
+            <a:spLocks noGrp="1"/>
+          </p:cNvSpPr>
+          <p:nvPr>
+            <p:ph idx="1"/>
+          </p:nvPr>
+        </p:nvSpPr>
+        <p:spPr/>
+        <p:txBody>
+          <a:bodyPr>
+            <a:normAutofit/>
+          </a:bodyPr>
+          <a:lstStyle/>
+          <a:p>
+            <a:r>
+              <a:rPr lang="en-US" altLang="zh-TW" dirty="0" smtClean="0"/>
+              <a:t>Those</a:t>
+            </a:r>
+            <a:r>
+              <a:rPr lang="zh-TW" altLang="en-US" dirty="0" smtClean="0"/>
+              <a:t>  </a:t>
+            </a:r>
+            <a:r>
+              <a:rPr lang="en-US" altLang="zh-TW" dirty="0" smtClean="0"/>
+              <a:t>who</a:t>
+            </a:r>
+            <a:r>
+              <a:rPr lang="zh-TW" altLang="en-US" dirty="0" smtClean="0"/>
+              <a:t>  </a:t>
+            </a:r>
+            <a:r>
+              <a:rPr lang="en-US" altLang="zh-TW" dirty="0" smtClean="0"/>
+              <a:t>get</a:t>
+            </a:r>
+            <a:r>
+              <a:rPr lang="zh-TW" altLang="en-US" dirty="0" smtClean="0"/>
+              <a:t>  </a:t>
+            </a:r>
+            <a:r>
+              <a:rPr lang="en-US" altLang="zh-TW" dirty="0" smtClean="0"/>
+              <a:t>it</a:t>
+            </a:r>
+            <a:r>
+              <a:rPr lang="zh-TW" altLang="en-US" dirty="0" smtClean="0"/>
+              <a:t>  </a:t>
+            </a:r>
+            <a:r>
+              <a:rPr lang="en-US" altLang="zh-TW" dirty="0" smtClean="0"/>
+              <a:t>will</a:t>
+            </a:r>
+            <a:r>
+              <a:rPr lang="zh-TW" altLang="en-US" dirty="0" smtClean="0"/>
+              <a:t>  </a:t>
+            </a:r>
+            <a:r>
+              <a:rPr lang="en-US" altLang="zh-TW" dirty="0" smtClean="0"/>
+              <a:t>leak</a:t>
+            </a:r>
+            <a:r>
+              <a:rPr lang="zh-TW" altLang="en-US" dirty="0" smtClean="0"/>
+              <a:t>  </a:t>
+            </a:r>
+            <a:r>
+              <a:rPr lang="en-US" altLang="zh-TW" dirty="0" smtClean="0"/>
+              <a:t>urine</a:t>
+            </a:r>
+            <a:r>
+              <a:rPr lang="zh-TW" altLang="en-US" dirty="0" smtClean="0"/>
+              <a:t>  </a:t>
+            </a:r>
+            <a:r>
+              <a:rPr lang="en-US" altLang="zh-TW" dirty="0" smtClean="0"/>
+              <a:t>when</a:t>
+            </a:r>
+            <a:r>
+              <a:rPr lang="zh-TW" altLang="en-US" dirty="0" smtClean="0"/>
+              <a:t>  </a:t>
+            </a:r>
+            <a:r>
+              <a:rPr lang="en-US" altLang="zh-TW" dirty="0" smtClean="0"/>
+              <a:t>:</a:t>
+            </a:r>
+          </a:p>
+          <a:p>
+            <a:pPr marL="514350" indent="-514350">
+              <a:buNone/>
+            </a:pPr>
+            <a:r>
+              <a:rPr lang="zh-TW" altLang="en-US" dirty="0" smtClean="0"/>
+              <a:t>    </a:t>
+            </a:r>
+            <a:r>
+              <a:rPr lang="en-US" altLang="zh-TW" dirty="0" smtClean="0"/>
+              <a:t>1.</a:t>
+            </a:r>
+            <a:r>
+              <a:rPr lang="zh-TW" altLang="en-US" dirty="0" smtClean="0"/>
+              <a:t>  </a:t>
+            </a:r>
+            <a:r>
+              <a:rPr lang="en-US" altLang="zh-TW" dirty="0" smtClean="0"/>
+              <a:t>sneeze</a:t>
+            </a:r>
+            <a:r>
+              <a:rPr lang="zh-TW" altLang="en-US" dirty="0" smtClean="0"/>
+              <a:t> </a:t>
+            </a:r>
+            <a:r>
+              <a:rPr lang="en-US" altLang="zh-TW" dirty="0" smtClean="0"/>
+              <a:t>,</a:t>
+            </a:r>
+            <a:r>
+              <a:rPr lang="zh-TW" altLang="en-US" dirty="0" smtClean="0"/>
+              <a:t> </a:t>
+            </a:r>
+            <a:r>
+              <a:rPr lang="en-US" altLang="zh-TW" dirty="0" smtClean="0"/>
+              <a:t>cough</a:t>
+            </a:r>
+            <a:r>
+              <a:rPr lang="zh-TW" altLang="en-US" dirty="0" smtClean="0"/>
+              <a:t> </a:t>
+            </a:r>
+            <a:r>
+              <a:rPr lang="en-US" altLang="zh-TW" dirty="0" smtClean="0"/>
+              <a:t>,</a:t>
+            </a:r>
+            <a:r>
+              <a:rPr lang="zh-TW" altLang="en-US" dirty="0" smtClean="0"/>
+              <a:t> </a:t>
+            </a:r>
+            <a:r>
+              <a:rPr lang="en-US" altLang="zh-TW" dirty="0" smtClean="0"/>
+              <a:t>or</a:t>
+            </a:r>
+            <a:r>
+              <a:rPr lang="zh-TW" altLang="en-US" dirty="0" smtClean="0"/>
+              <a:t>  </a:t>
+            </a:r>
+            <a:r>
+              <a:rPr lang="en-US" altLang="zh-TW" dirty="0" smtClean="0"/>
+              <a:t>laugh</a:t>
+            </a:r>
+          </a:p>
+          <a:p>
+            <a:pPr marL="514350" indent="-514350">
+              <a:buNone/>
+            </a:pPr>
+            <a:r>
+              <a:rPr lang="zh-TW" altLang="en-US" dirty="0" smtClean="0"/>
+              <a:t> </a:t>
+            </a:r>
+            <a:r>
+              <a:rPr lang="zh-TW" altLang="en-US" dirty="0" smtClean="0"/>
+              <a:t>   </a:t>
+            </a:r>
+            <a:r>
+              <a:rPr lang="en-US" altLang="zh-TW" dirty="0" smtClean="0"/>
+              <a:t>2.</a:t>
+            </a:r>
+            <a:r>
+              <a:rPr lang="zh-TW" altLang="en-US" dirty="0" smtClean="0"/>
+              <a:t>  </a:t>
+            </a:r>
+            <a:r>
+              <a:rPr lang="en-US" altLang="zh-TW" dirty="0" smtClean="0"/>
+              <a:t>get</a:t>
+            </a:r>
+            <a:r>
+              <a:rPr lang="zh-TW" altLang="en-US" dirty="0" smtClean="0"/>
+              <a:t>  </a:t>
+            </a:r>
+            <a:r>
+              <a:rPr lang="en-US" altLang="zh-TW" dirty="0" smtClean="0"/>
+              <a:t>up</a:t>
+            </a:r>
+            <a:r>
+              <a:rPr lang="zh-TW" altLang="en-US" dirty="0" smtClean="0"/>
+              <a:t>  </a:t>
+            </a:r>
+            <a:r>
+              <a:rPr lang="en-US" altLang="zh-TW" dirty="0" smtClean="0"/>
+              <a:t>from</a:t>
+            </a:r>
+            <a:r>
+              <a:rPr lang="zh-TW" altLang="en-US" dirty="0" smtClean="0"/>
+              <a:t>  </a:t>
+            </a:r>
+            <a:r>
+              <a:rPr lang="en-US" altLang="zh-TW" dirty="0" smtClean="0"/>
+              <a:t>chair</a:t>
+            </a:r>
+            <a:r>
+              <a:rPr lang="zh-TW" altLang="en-US" dirty="0" smtClean="0"/>
+              <a:t>  </a:t>
+            </a:r>
+            <a:r>
+              <a:rPr lang="en-US" altLang="zh-TW" dirty="0" smtClean="0"/>
+              <a:t>or</a:t>
+            </a:r>
+            <a:r>
+              <a:rPr lang="zh-TW" altLang="en-US" dirty="0" smtClean="0"/>
+              <a:t>  </a:t>
+            </a:r>
+            <a:r>
+              <a:rPr lang="en-US" altLang="zh-TW" dirty="0" smtClean="0"/>
+              <a:t>get</a:t>
+            </a:r>
+            <a:r>
+              <a:rPr lang="zh-TW" altLang="en-US" dirty="0" smtClean="0"/>
+              <a:t>  </a:t>
+            </a:r>
+            <a:r>
+              <a:rPr lang="en-US" altLang="zh-TW" dirty="0" smtClean="0"/>
+              <a:t>out</a:t>
+            </a:r>
+            <a:r>
+              <a:rPr lang="zh-TW" altLang="en-US" dirty="0" smtClean="0"/>
+              <a:t>  </a:t>
+            </a:r>
+            <a:r>
+              <a:rPr lang="en-US" altLang="zh-TW" dirty="0" smtClean="0"/>
+              <a:t>of</a:t>
+            </a:r>
+            <a:r>
+              <a:rPr lang="zh-TW" altLang="en-US" dirty="0" smtClean="0"/>
+              <a:t>  </a:t>
+            </a:r>
+            <a:r>
+              <a:rPr lang="en-US" altLang="zh-TW" dirty="0" smtClean="0"/>
+              <a:t>bed</a:t>
+            </a:r>
+          </a:p>
+          <a:p>
+            <a:pPr marL="514350" indent="-514350">
+              <a:buNone/>
+            </a:pPr>
+            <a:r>
+              <a:rPr lang="zh-TW" altLang="en-US" dirty="0" smtClean="0"/>
+              <a:t> </a:t>
+            </a:r>
+            <a:r>
+              <a:rPr lang="zh-TW" altLang="en-US" dirty="0" smtClean="0"/>
+              <a:t>   </a:t>
+            </a:r>
+            <a:r>
+              <a:rPr lang="en-US" altLang="zh-TW" dirty="0" smtClean="0"/>
+              <a:t>3.</a:t>
+            </a:r>
+            <a:r>
+              <a:rPr lang="zh-TW" altLang="en-US" dirty="0" smtClean="0"/>
+              <a:t>  </a:t>
+            </a:r>
+            <a:r>
+              <a:rPr lang="en-US" altLang="zh-TW" dirty="0" smtClean="0"/>
+              <a:t>walks</a:t>
+            </a:r>
+            <a:r>
+              <a:rPr lang="zh-TW" altLang="en-US" dirty="0" smtClean="0"/>
+              <a:t>  </a:t>
+            </a:r>
+            <a:r>
+              <a:rPr lang="en-US" altLang="zh-TW" dirty="0" smtClean="0"/>
+              <a:t>or</a:t>
+            </a:r>
+            <a:r>
+              <a:rPr lang="zh-TW" altLang="en-US" dirty="0" smtClean="0"/>
+              <a:t>  </a:t>
+            </a:r>
+            <a:r>
+              <a:rPr lang="en-US" altLang="zh-TW" dirty="0" smtClean="0"/>
+              <a:t>does</a:t>
+            </a:r>
+            <a:r>
+              <a:rPr lang="zh-TW" altLang="en-US" dirty="0" smtClean="0"/>
+              <a:t>  </a:t>
+            </a:r>
+            <a:r>
+              <a:rPr lang="en-US" altLang="zh-TW" dirty="0" smtClean="0"/>
+              <a:t>other</a:t>
+            </a:r>
+            <a:r>
+              <a:rPr lang="zh-TW" altLang="en-US" dirty="0" smtClean="0"/>
+              <a:t>  </a:t>
+            </a:r>
+            <a:r>
+              <a:rPr lang="en-US" altLang="zh-TW" dirty="0" smtClean="0"/>
+              <a:t>kinds</a:t>
+            </a:r>
+            <a:r>
+              <a:rPr lang="zh-TW" altLang="en-US" dirty="0" smtClean="0"/>
+              <a:t>  </a:t>
+            </a:r>
+            <a:r>
+              <a:rPr lang="en-US" altLang="zh-TW" dirty="0" smtClean="0"/>
+              <a:t>of</a:t>
+            </a:r>
+            <a:r>
+              <a:rPr lang="zh-TW" altLang="en-US" dirty="0" smtClean="0"/>
+              <a:t>  </a:t>
+            </a:r>
+            <a:r>
+              <a:rPr lang="en-US" altLang="zh-TW" dirty="0" smtClean="0"/>
+              <a:t>activity</a:t>
+            </a:r>
+            <a:endParaRPr lang="en-US" dirty="0" smtClean="0"/>
+          </a:p>
+        </p:txBody>
+      </p:sp>
+      <p:pic>
+        <p:nvPicPr>
+          <p:cNvPr id="33794" name="Picture 2" descr="Sneeze1"/>
+          <p:cNvPicPr>
+            <a:picLocks noChangeAspect="1" noChangeArrowheads="1"/>
+          </p:cNvPicPr>
+          <p:nvPr/>
+        </p:nvPicPr>
+        <p:blipFill>
+          <a:blip r:embed="rId3" cstate="print"/>
+          <a:srcRect/>
+          <a:stretch>
+            <a:fillRect/>
+          </a:stretch>
+        </p:blipFill>
+        <p:spPr bwMode="auto">
+          <a:xfrm>
+            <a:off x="5335525" y="3581705"/>
+            <a:ext cx="3206805" cy="2847976"/>
+          </a:xfrm>
+          <a:prstGeom prst="rect">
+            <a:avLst/>
+          </a:prstGeom>
+          <a:noFill/>
+        </p:spPr>
+      </p:pic>
+    </p:spTree>
+    <p:extLst>
+      <p:ext uri="{BB962C8B-B14F-4D97-AF65-F5344CB8AC3E}">
+        <p14:creationId xmlns:p14="http://schemas.microsoft.com/office/powerpoint/2010/main" xmlns="" val="1101633878"/>
+      </p:ext>
+    </p:extLst>
+  </p:cSld>
+  <p:clrMapOvr>
+    <a:masterClrMapping/>
+  </p:clrMapOvr>
+  <p:timing>
+    <p:tnLst>
+      <p:par>
+        <p:cTn id="1" dur="indefinite" restart="never" nodeType="tmRoot"/>
+      </p:par>
+    </p:tnLst>
+  </p:timing>
+</p:sld>
+</file>
+
+<file path=ppt/slides/slide18.xml><?xml version="1.0" encoding="utf-8"?>
+<p:sld xmlns:a="http://schemas.openxmlformats.org/drawingml/2006/main" xmlns:r="http://schemas.openxmlformats.org/officeDocument/2006/relationships" xmlns:p="http://schemas.openxmlformats.org/presentationml/2006/main">
+  <p:cSld>
+    <p:bg>
+      <p:bgPr>
+        <a:blipFill dpi="0" rotWithShape="1">
+          <a:blip r:embed="rId2" cstate="print">
+            <a:lum/>
+          </a:blip>
+          <a:srcRect/>
+          <a:stretch>
+            <a:fillRect/>
+          </a:stretch>
+        </a:blipFill>
+        <a:effectLst/>
+      </p:bgPr>
+    </p:bg>
+    <p:spTree>
+      <p:nvGrpSpPr>
+        <p:cNvPr id="1" name=""/>
+        <p:cNvGrpSpPr/>
+        <p:nvPr/>
+      </p:nvGrpSpPr>
+      <p:grpSpPr>
+        <a:xfrm>
+          <a:off x="0" y="0"/>
+          <a:ext cx="0" cy="0"/>
+          <a:chOff x="0" y="0"/>
+          <a:chExt cx="0" cy="0"/>
+        </a:xfrm>
+      </p:grpSpPr>
+      <p:sp>
+        <p:nvSpPr>
+          <p:cNvPr id="4" name="Title 3"/>
+          <p:cNvSpPr>
+            <a:spLocks noGrp="1"/>
+          </p:cNvSpPr>
+          <p:nvPr>
+            <p:ph type="title"/>
+          </p:nvPr>
+        </p:nvSpPr>
+        <p:spPr/>
+        <p:txBody>
+          <a:bodyPr>
+            <a:normAutofit fontScale="90000"/>
+          </a:bodyPr>
+          <a:lstStyle/>
+          <a:p>
+            <a:pPr algn="l"/>
+            <a:r>
+              <a:rPr lang="en-US" altLang="zh-TW" dirty="0" smtClean="0"/>
+              <a:t>More</a:t>
+            </a:r>
+            <a:r>
+              <a:rPr lang="zh-TW" altLang="en-US" dirty="0" smtClean="0"/>
+              <a:t>  </a:t>
+            </a:r>
+            <a:r>
+              <a:rPr lang="en-US" altLang="zh-TW" dirty="0" smtClean="0"/>
+              <a:t>deeper</a:t>
+            </a:r>
+            <a:r>
+              <a:rPr lang="zh-TW" altLang="en-US" dirty="0" smtClean="0"/>
+              <a:t> </a:t>
+            </a:r>
+            <a:r>
+              <a:rPr lang="en-US" altLang="zh-TW" dirty="0" smtClean="0"/>
+              <a:t>–</a:t>
+            </a:r>
+            <a:r>
+              <a:rPr lang="zh-TW" altLang="en-US" dirty="0" smtClean="0"/>
+              <a:t> </a:t>
+            </a:r>
+            <a:r>
+              <a:rPr lang="en-US" altLang="zh-TW" dirty="0" smtClean="0"/>
+              <a:t>Overflow</a:t>
+            </a:r>
+            <a:r>
+              <a:rPr lang="zh-TW" altLang="en-US" dirty="0" smtClean="0"/>
+              <a:t>  </a:t>
+            </a:r>
+            <a:r>
+              <a:rPr lang="en-US" altLang="zh-TW" dirty="0" smtClean="0"/>
+              <a:t>incontinence</a:t>
+            </a:r>
+            <a:endParaRPr lang="en-US" dirty="0"/>
+          </a:p>
+        </p:txBody>
+      </p:sp>
+      <p:sp>
+        <p:nvSpPr>
+          <p:cNvPr id="5" name="Content Placeholder 4"/>
+          <p:cNvSpPr>
+            <a:spLocks noGrp="1"/>
+          </p:cNvSpPr>
+          <p:nvPr>
+            <p:ph idx="1"/>
+          </p:nvPr>
+        </p:nvSpPr>
+        <p:spPr>
+          <a:xfrm>
+            <a:off x="1823309" y="1443835"/>
+            <a:ext cx="7177136" cy="4733855"/>
+          </a:xfrm>
+        </p:spPr>
+        <p:txBody>
+          <a:bodyPr>
+            <a:noAutofit/>
+          </a:bodyPr>
+          <a:lstStyle/>
+          <a:p>
+            <a:r>
+              <a:rPr lang="en-US" altLang="zh-TW" sz="2600" dirty="0" smtClean="0"/>
+              <a:t>It</a:t>
+            </a:r>
+            <a:r>
+              <a:rPr lang="zh-TW" altLang="en-US" sz="2600" dirty="0" smtClean="0"/>
+              <a:t>  </a:t>
+            </a:r>
+            <a:r>
+              <a:rPr lang="en-US" altLang="zh-TW" sz="2600" dirty="0" smtClean="0"/>
+              <a:t>usually</a:t>
+            </a:r>
+            <a:r>
+              <a:rPr lang="zh-TW" altLang="en-US" sz="2600" dirty="0" smtClean="0"/>
+              <a:t>  </a:t>
+            </a:r>
+            <a:r>
+              <a:rPr lang="en-US" altLang="zh-TW" sz="2600" dirty="0" smtClean="0"/>
+              <a:t>makes</a:t>
+            </a:r>
+            <a:r>
+              <a:rPr lang="zh-TW" altLang="en-US" sz="2600" dirty="0" smtClean="0"/>
+              <a:t>  </a:t>
+            </a:r>
+            <a:r>
+              <a:rPr lang="en-US" altLang="zh-TW" sz="2600" dirty="0" smtClean="0"/>
+              <a:t>people</a:t>
+            </a:r>
+            <a:r>
+              <a:rPr lang="zh-TW" altLang="en-US" sz="2600" dirty="0" smtClean="0"/>
+              <a:t>  </a:t>
+            </a:r>
+            <a:r>
+              <a:rPr lang="en-US" altLang="zh-TW" sz="2600" dirty="0" smtClean="0"/>
+              <a:t>feel</a:t>
+            </a:r>
+            <a:r>
+              <a:rPr lang="zh-TW" altLang="en-US" sz="2600" dirty="0" smtClean="0"/>
+              <a:t>  </a:t>
+            </a:r>
+            <a:r>
+              <a:rPr lang="en-US" altLang="zh-TW" sz="2600" dirty="0" smtClean="0"/>
+              <a:t>that</a:t>
+            </a:r>
+            <a:r>
+              <a:rPr lang="zh-TW" altLang="en-US" sz="2600" dirty="0" smtClean="0"/>
+              <a:t>  </a:t>
+            </a:r>
+            <a:r>
+              <a:rPr lang="en-US" altLang="zh-TW" sz="2600" dirty="0" smtClean="0"/>
+              <a:t>they</a:t>
+            </a:r>
+            <a:r>
+              <a:rPr lang="zh-TW" altLang="en-US" sz="2600" dirty="0" smtClean="0"/>
+              <a:t>  </a:t>
+            </a:r>
+            <a:r>
+              <a:rPr lang="en-US" altLang="zh-TW" sz="2600" dirty="0" smtClean="0">
+                <a:solidFill>
+                  <a:srgbClr val="017BA1"/>
+                </a:solidFill>
+              </a:rPr>
+              <a:t>never</a:t>
+            </a:r>
+            <a:r>
+              <a:rPr lang="zh-TW" altLang="en-US" sz="2600" dirty="0" smtClean="0">
+                <a:solidFill>
+                  <a:srgbClr val="017BA1"/>
+                </a:solidFill>
+              </a:rPr>
+              <a:t>  </a:t>
+            </a:r>
+            <a:r>
+              <a:rPr lang="en-US" altLang="zh-TW" sz="2600" dirty="0" smtClean="0">
+                <a:solidFill>
+                  <a:srgbClr val="017BA1"/>
+                </a:solidFill>
+              </a:rPr>
+              <a:t>completely</a:t>
+            </a:r>
+            <a:r>
+              <a:rPr lang="zh-TW" altLang="en-US" sz="2600" dirty="0" smtClean="0">
+                <a:solidFill>
+                  <a:srgbClr val="017BA1"/>
+                </a:solidFill>
+              </a:rPr>
+              <a:t>  </a:t>
+            </a:r>
+            <a:r>
+              <a:rPr lang="en-US" altLang="zh-TW" sz="2600" dirty="0" smtClean="0">
+                <a:solidFill>
+                  <a:srgbClr val="017BA1"/>
+                </a:solidFill>
+              </a:rPr>
+              <a:t>empty</a:t>
+            </a:r>
+            <a:r>
+              <a:rPr lang="zh-TW" altLang="en-US" sz="2600" dirty="0" smtClean="0">
+                <a:solidFill>
+                  <a:srgbClr val="017BA1"/>
+                </a:solidFill>
+              </a:rPr>
+              <a:t>  </a:t>
+            </a:r>
+            <a:r>
+              <a:rPr lang="en-US" altLang="zh-TW" sz="2600" dirty="0" smtClean="0">
+                <a:solidFill>
+                  <a:srgbClr val="017BA1"/>
+                </a:solidFill>
+              </a:rPr>
+              <a:t>their</a:t>
+            </a:r>
+            <a:r>
+              <a:rPr lang="zh-TW" altLang="en-US" sz="2600" dirty="0" smtClean="0">
+                <a:solidFill>
+                  <a:srgbClr val="017BA1"/>
+                </a:solidFill>
+              </a:rPr>
+              <a:t>  </a:t>
+            </a:r>
+            <a:r>
+              <a:rPr lang="en-US" altLang="zh-TW" sz="2600" dirty="0" smtClean="0">
+                <a:solidFill>
+                  <a:srgbClr val="017BA1"/>
+                </a:solidFill>
+              </a:rPr>
+              <a:t>bladder</a:t>
+            </a:r>
+            <a:r>
+              <a:rPr lang="zh-TW" altLang="en-US" sz="2600" dirty="0" smtClean="0">
+                <a:solidFill>
+                  <a:srgbClr val="017BA1"/>
+                </a:solidFill>
+              </a:rPr>
+              <a:t> </a:t>
+            </a:r>
+            <a:r>
+              <a:rPr lang="en-US" altLang="zh-TW" sz="2600" dirty="0" smtClean="0">
+                <a:solidFill>
+                  <a:srgbClr val="017BA1"/>
+                </a:solidFill>
+              </a:rPr>
+              <a:t>(</a:t>
+            </a:r>
+            <a:r>
+              <a:rPr lang="zh-TW" altLang="en-US" sz="2600" dirty="0" smtClean="0">
+                <a:solidFill>
+                  <a:srgbClr val="017BA1"/>
+                </a:solidFill>
+                <a:latin typeface="微軟正黑體" pitchFamily="34" charset="-120"/>
+                <a:ea typeface="微軟正黑體" pitchFamily="34" charset="-120"/>
+              </a:rPr>
+              <a:t>膀胱</a:t>
+            </a:r>
+            <a:r>
+              <a:rPr lang="en-US" altLang="zh-TW" sz="2600" dirty="0" smtClean="0">
+                <a:solidFill>
+                  <a:srgbClr val="017BA1"/>
+                </a:solidFill>
+              </a:rPr>
+              <a:t>)</a:t>
+            </a:r>
+          </a:p>
+          <a:p>
+            <a:r>
+              <a:rPr lang="en-US" altLang="zh-TW" sz="2600" dirty="0" smtClean="0"/>
+              <a:t>People</a:t>
+            </a:r>
+            <a:r>
+              <a:rPr lang="zh-TW" altLang="en-US" sz="2600" dirty="0" smtClean="0"/>
+              <a:t>  </a:t>
+            </a:r>
+            <a:r>
+              <a:rPr lang="en-US" altLang="zh-TW" sz="2600" dirty="0" smtClean="0"/>
+              <a:t>may</a:t>
+            </a:r>
+            <a:r>
+              <a:rPr lang="zh-TW" altLang="en-US" sz="2600" dirty="0" smtClean="0"/>
+              <a:t>  </a:t>
+            </a:r>
+            <a:r>
+              <a:rPr lang="en-US" altLang="zh-TW" sz="2600" dirty="0" smtClean="0"/>
+              <a:t>experience</a:t>
+            </a:r>
+            <a:r>
+              <a:rPr lang="zh-TW" altLang="en-US" sz="2600" dirty="0" smtClean="0"/>
+              <a:t>  </a:t>
+            </a:r>
+            <a:r>
+              <a:rPr lang="en-US" altLang="zh-TW" sz="2600" dirty="0" smtClean="0">
+                <a:solidFill>
+                  <a:srgbClr val="017BA1"/>
+                </a:solidFill>
+              </a:rPr>
+              <a:t>constant</a:t>
+            </a:r>
+            <a:r>
+              <a:rPr lang="zh-TW" altLang="en-US" sz="2600" dirty="0" smtClean="0">
+                <a:solidFill>
+                  <a:srgbClr val="017BA1"/>
+                </a:solidFill>
+              </a:rPr>
+              <a:t>  </a:t>
+            </a:r>
+            <a:r>
+              <a:rPr lang="en-US" altLang="zh-TW" sz="2600" dirty="0" smtClean="0">
+                <a:solidFill>
+                  <a:srgbClr val="017BA1"/>
+                </a:solidFill>
+              </a:rPr>
+              <a:t>dribbling(</a:t>
+            </a:r>
+            <a:r>
+              <a:rPr lang="zh-TW" altLang="en-US" sz="2600" dirty="0" smtClean="0">
+                <a:solidFill>
+                  <a:srgbClr val="017BA1"/>
+                </a:solidFill>
+                <a:latin typeface="微軟正黑體" pitchFamily="34" charset="-120"/>
+                <a:ea typeface="微軟正黑體" pitchFamily="34" charset="-120"/>
+              </a:rPr>
+              <a:t>流口水</a:t>
+            </a:r>
+            <a:r>
+              <a:rPr lang="en-US" altLang="zh-TW" sz="2600" dirty="0" smtClean="0">
+                <a:solidFill>
+                  <a:srgbClr val="017BA1"/>
+                </a:solidFill>
+              </a:rPr>
+              <a:t>)</a:t>
+            </a:r>
+            <a:r>
+              <a:rPr lang="zh-TW" altLang="en-US" sz="2600" dirty="0" smtClean="0">
+                <a:solidFill>
+                  <a:srgbClr val="017BA1"/>
+                </a:solidFill>
+              </a:rPr>
+              <a:t>  </a:t>
+            </a:r>
+            <a:r>
+              <a:rPr lang="en-US" altLang="zh-TW" sz="2600" dirty="0" smtClean="0"/>
+              <a:t>when</a:t>
+            </a:r>
+            <a:r>
+              <a:rPr lang="zh-TW" altLang="en-US" sz="2600" dirty="0" smtClean="0"/>
+              <a:t>  </a:t>
+            </a:r>
+            <a:r>
+              <a:rPr lang="en-US" altLang="zh-TW" sz="2600" dirty="0" smtClean="0"/>
+              <a:t>passing</a:t>
+            </a:r>
+            <a:r>
+              <a:rPr lang="zh-TW" altLang="en-US" sz="2600" dirty="0" smtClean="0"/>
+              <a:t>  </a:t>
+            </a:r>
+            <a:r>
+              <a:rPr lang="en-US" altLang="zh-TW" sz="2600" dirty="0" smtClean="0"/>
+              <a:t>urine</a:t>
+            </a:r>
+          </a:p>
+          <a:p>
+            <a:r>
+              <a:rPr lang="en-US" altLang="zh-TW" sz="2600" dirty="0" smtClean="0">
+                <a:solidFill>
+                  <a:srgbClr val="017BA1"/>
+                </a:solidFill>
+              </a:rPr>
+              <a:t>Decreased</a:t>
+            </a:r>
+            <a:r>
+              <a:rPr lang="zh-TW" altLang="en-US" sz="2600" dirty="0" smtClean="0">
+                <a:solidFill>
+                  <a:srgbClr val="017BA1"/>
+                </a:solidFill>
+              </a:rPr>
+              <a:t>  </a:t>
+            </a:r>
+            <a:r>
+              <a:rPr lang="en-US" altLang="zh-TW" sz="2600" dirty="0" smtClean="0">
+                <a:solidFill>
+                  <a:srgbClr val="017BA1"/>
+                </a:solidFill>
+              </a:rPr>
+              <a:t>detection</a:t>
+            </a:r>
+            <a:r>
+              <a:rPr lang="zh-TW" altLang="en-US" sz="2600" dirty="0" smtClean="0">
+                <a:solidFill>
+                  <a:srgbClr val="017BA1"/>
+                </a:solidFill>
+              </a:rPr>
+              <a:t>  </a:t>
+            </a:r>
+            <a:r>
+              <a:rPr lang="en-US" altLang="zh-TW" sz="2600" dirty="0" smtClean="0">
+                <a:solidFill>
+                  <a:srgbClr val="017BA1"/>
+                </a:solidFill>
+              </a:rPr>
+              <a:t>of</a:t>
+            </a:r>
+            <a:r>
+              <a:rPr lang="zh-TW" altLang="en-US" sz="2600" dirty="0" smtClean="0">
+                <a:solidFill>
+                  <a:srgbClr val="017BA1"/>
+                </a:solidFill>
+              </a:rPr>
+              <a:t>  </a:t>
+            </a:r>
+            <a:r>
+              <a:rPr lang="en-US" altLang="zh-TW" sz="2600" dirty="0" smtClean="0">
+                <a:solidFill>
+                  <a:srgbClr val="017BA1"/>
+                </a:solidFill>
+              </a:rPr>
+              <a:t>overfilling</a:t>
+            </a:r>
+            <a:r>
+              <a:rPr lang="zh-TW" altLang="en-US" sz="2600" dirty="0" smtClean="0"/>
+              <a:t>  </a:t>
+            </a:r>
+            <a:r>
+              <a:rPr lang="en-US" altLang="zh-TW" sz="2600" dirty="0" smtClean="0"/>
+              <a:t>and</a:t>
+            </a:r>
+            <a:r>
+              <a:rPr lang="zh-TW" altLang="en-US" sz="2600" dirty="0" smtClean="0"/>
+              <a:t>  </a:t>
+            </a:r>
+            <a:r>
+              <a:rPr lang="en-US" altLang="zh-TW" sz="2600" dirty="0" smtClean="0">
+                <a:solidFill>
+                  <a:srgbClr val="017BA1"/>
+                </a:solidFill>
+              </a:rPr>
+              <a:t>weakened</a:t>
+            </a:r>
+            <a:r>
+              <a:rPr lang="zh-TW" altLang="en-US" sz="2600" dirty="0" smtClean="0">
+                <a:solidFill>
+                  <a:srgbClr val="017BA1"/>
+                </a:solidFill>
+              </a:rPr>
+              <a:t>  </a:t>
+            </a:r>
+            <a:r>
+              <a:rPr lang="en-US" altLang="zh-TW" sz="2600" dirty="0" err="1" smtClean="0">
+                <a:solidFill>
+                  <a:srgbClr val="017BA1"/>
+                </a:solidFill>
+              </a:rPr>
+              <a:t>detrusor</a:t>
+            </a:r>
+            <a:r>
+              <a:rPr lang="zh-TW" altLang="en-US" sz="2600" dirty="0" smtClean="0">
+                <a:solidFill>
+                  <a:srgbClr val="017BA1"/>
+                </a:solidFill>
+              </a:rPr>
+              <a:t>  </a:t>
+            </a:r>
+            <a:r>
+              <a:rPr lang="en-US" altLang="zh-TW" sz="2600" dirty="0" smtClean="0">
+                <a:solidFill>
+                  <a:srgbClr val="017BA1"/>
+                </a:solidFill>
+              </a:rPr>
+              <a:t>muscle</a:t>
+            </a:r>
+            <a:r>
+              <a:rPr lang="en-US" altLang="zh-TW" sz="2600" dirty="0" smtClean="0"/>
+              <a:t>:</a:t>
+            </a:r>
+          </a:p>
+          <a:p>
+            <a:pPr>
+              <a:buNone/>
+            </a:pPr>
+            <a:r>
+              <a:rPr lang="zh-TW" altLang="en-US" sz="2600" dirty="0" smtClean="0"/>
+              <a:t>     </a:t>
+            </a:r>
+            <a:r>
+              <a:rPr lang="en-US" altLang="zh-TW" sz="2600" dirty="0" smtClean="0"/>
+              <a:t>-&gt;</a:t>
+            </a:r>
+            <a:r>
+              <a:rPr lang="zh-TW" altLang="en-US" sz="2600" dirty="0" smtClean="0"/>
+              <a:t>  </a:t>
+            </a:r>
+            <a:r>
+              <a:rPr lang="en-US" altLang="zh-TW" sz="2600" dirty="0" smtClean="0"/>
+              <a:t>caused</a:t>
+            </a:r>
+            <a:r>
+              <a:rPr lang="zh-TW" altLang="en-US" sz="2600" dirty="0" smtClean="0"/>
+              <a:t>  </a:t>
+            </a:r>
+            <a:r>
+              <a:rPr lang="en-US" altLang="zh-TW" sz="2600" dirty="0" smtClean="0"/>
+              <a:t>by</a:t>
+            </a:r>
+            <a:r>
+              <a:rPr lang="zh-TW" altLang="en-US" sz="2600" dirty="0" smtClean="0"/>
+              <a:t>  </a:t>
+            </a:r>
+            <a:r>
+              <a:rPr lang="en-US" altLang="zh-TW" sz="2600" dirty="0" err="1" smtClean="0"/>
+              <a:t>automonic</a:t>
+            </a:r>
+            <a:r>
+              <a:rPr lang="zh-TW" altLang="en-US" sz="2600" dirty="0" smtClean="0"/>
+              <a:t>  </a:t>
+            </a:r>
+            <a:r>
+              <a:rPr lang="en-US" altLang="zh-TW" sz="2600" dirty="0" smtClean="0"/>
+              <a:t>neuropathy</a:t>
+            </a:r>
+            <a:r>
+              <a:rPr lang="zh-TW" altLang="en-US" sz="2600" dirty="0" smtClean="0"/>
+              <a:t>  </a:t>
+            </a:r>
+            <a:r>
+              <a:rPr lang="en-US" altLang="zh-TW" sz="2600" dirty="0" smtClean="0"/>
+              <a:t>or</a:t>
+            </a:r>
+            <a:r>
+              <a:rPr lang="zh-TW" altLang="en-US" sz="2600" dirty="0" smtClean="0"/>
+              <a:t>  </a:t>
+            </a:r>
+            <a:r>
+              <a:rPr lang="en-US" altLang="zh-TW" sz="2600" dirty="0" smtClean="0"/>
+              <a:t>spinal</a:t>
+            </a:r>
+            <a:r>
+              <a:rPr lang="zh-TW" altLang="en-US" sz="2600" dirty="0" smtClean="0"/>
+              <a:t>  </a:t>
+            </a:r>
+            <a:r>
+              <a:rPr lang="en-US" altLang="zh-TW" sz="2600" dirty="0" smtClean="0"/>
+              <a:t>cord</a:t>
+            </a:r>
+            <a:r>
+              <a:rPr lang="zh-TW" altLang="en-US" sz="2600" dirty="0" smtClean="0"/>
+              <a:t>  </a:t>
+            </a:r>
+            <a:r>
+              <a:rPr lang="en-US" altLang="zh-TW" sz="2600" dirty="0" smtClean="0"/>
+              <a:t>injury</a:t>
+            </a:r>
+            <a:endParaRPr lang="en-US" altLang="zh-TW" sz="2600" dirty="0" smtClean="0"/>
+          </a:p>
+          <a:p>
+            <a:r>
+              <a:rPr lang="en-US" altLang="zh-TW" sz="2600" dirty="0" smtClean="0">
+                <a:solidFill>
+                  <a:srgbClr val="017BA1"/>
+                </a:solidFill>
+              </a:rPr>
+              <a:t>Increase</a:t>
+            </a:r>
+            <a:r>
+              <a:rPr lang="zh-TW" altLang="en-US" sz="2600" dirty="0" smtClean="0">
+                <a:solidFill>
+                  <a:srgbClr val="017BA1"/>
+                </a:solidFill>
+              </a:rPr>
+              <a:t>  </a:t>
+            </a:r>
+            <a:r>
+              <a:rPr lang="en-US" altLang="zh-TW" sz="2600" dirty="0" smtClean="0">
+                <a:solidFill>
+                  <a:srgbClr val="017BA1"/>
+                </a:solidFill>
+              </a:rPr>
+              <a:t>outlet</a:t>
+            </a:r>
+            <a:r>
+              <a:rPr lang="zh-TW" altLang="en-US" sz="2600" dirty="0" smtClean="0">
+                <a:solidFill>
+                  <a:srgbClr val="017BA1"/>
+                </a:solidFill>
+              </a:rPr>
+              <a:t>  </a:t>
+            </a:r>
+            <a:r>
+              <a:rPr lang="en-US" altLang="zh-TW" sz="2600" dirty="0" smtClean="0">
+                <a:solidFill>
+                  <a:srgbClr val="017BA1"/>
+                </a:solidFill>
+              </a:rPr>
+              <a:t>resistance</a:t>
+            </a:r>
+            <a:r>
+              <a:rPr lang="zh-TW" altLang="en-US" sz="2600" dirty="0" smtClean="0">
+                <a:solidFill>
+                  <a:srgbClr val="017BA1"/>
+                </a:solidFill>
+              </a:rPr>
+              <a:t>  </a:t>
+            </a:r>
+            <a:r>
+              <a:rPr lang="en-US" altLang="zh-TW" sz="2600" dirty="0" smtClean="0">
+                <a:solidFill>
+                  <a:srgbClr val="017BA1"/>
+                </a:solidFill>
+              </a:rPr>
+              <a:t>and</a:t>
+            </a:r>
+            <a:r>
+              <a:rPr lang="zh-TW" altLang="en-US" sz="2600" dirty="0" smtClean="0">
+                <a:solidFill>
+                  <a:srgbClr val="017BA1"/>
+                </a:solidFill>
+              </a:rPr>
+              <a:t>  </a:t>
+            </a:r>
+            <a:r>
+              <a:rPr lang="en-US" altLang="zh-TW" sz="2600" dirty="0" smtClean="0">
+                <a:solidFill>
+                  <a:srgbClr val="017BA1"/>
+                </a:solidFill>
+              </a:rPr>
+              <a:t>blocked</a:t>
+            </a:r>
+            <a:r>
+              <a:rPr lang="zh-TW" altLang="en-US" sz="2600" dirty="0" smtClean="0">
+                <a:solidFill>
+                  <a:srgbClr val="017BA1"/>
+                </a:solidFill>
+              </a:rPr>
+              <a:t>  </a:t>
+            </a:r>
+            <a:r>
+              <a:rPr lang="en-US" altLang="zh-TW" sz="2600" dirty="0" smtClean="0">
+                <a:solidFill>
+                  <a:srgbClr val="017BA1"/>
+                </a:solidFill>
+              </a:rPr>
+              <a:t>urethra</a:t>
+            </a:r>
+          </a:p>
+          <a:p>
+            <a:pPr>
+              <a:buNone/>
+            </a:pPr>
+            <a:r>
+              <a:rPr lang="zh-TW" altLang="en-US" sz="2600" dirty="0" smtClean="0"/>
+              <a:t> </a:t>
+            </a:r>
+            <a:r>
+              <a:rPr lang="zh-TW" altLang="en-US" sz="2600" dirty="0" smtClean="0"/>
+              <a:t>    </a:t>
+            </a:r>
+            <a:r>
+              <a:rPr lang="en-US" altLang="zh-TW" sz="2600" dirty="0" smtClean="0"/>
+              <a:t>-&gt;</a:t>
+            </a:r>
+            <a:r>
+              <a:rPr lang="zh-TW" altLang="en-US" sz="2600" dirty="0" smtClean="0"/>
+              <a:t>  </a:t>
+            </a:r>
+            <a:r>
+              <a:rPr lang="en-US" altLang="zh-TW" sz="2600" dirty="0" smtClean="0"/>
+              <a:t>caused</a:t>
+            </a:r>
+            <a:r>
+              <a:rPr lang="zh-TW" altLang="en-US" sz="2600" dirty="0" smtClean="0"/>
+              <a:t>  </a:t>
+            </a:r>
+            <a:r>
+              <a:rPr lang="en-US" altLang="zh-TW" sz="2600" dirty="0" smtClean="0"/>
+              <a:t>by</a:t>
+            </a:r>
+            <a:r>
+              <a:rPr lang="zh-TW" altLang="en-US" sz="2600" dirty="0" smtClean="0"/>
+              <a:t>  </a:t>
+            </a:r>
+            <a:r>
+              <a:rPr lang="en-US" altLang="zh-TW" sz="2600" dirty="0" smtClean="0"/>
+              <a:t>tumors</a:t>
+            </a:r>
+            <a:r>
+              <a:rPr lang="zh-TW" altLang="en-US" sz="2600" dirty="0" smtClean="0"/>
+              <a:t> </a:t>
+            </a:r>
+            <a:r>
+              <a:rPr lang="en-US" altLang="zh-TW" sz="2600" dirty="0" smtClean="0"/>
+              <a:t>,</a:t>
+            </a:r>
+            <a:r>
+              <a:rPr lang="zh-TW" altLang="en-US" sz="2600" dirty="0" smtClean="0"/>
+              <a:t> </a:t>
+            </a:r>
+            <a:r>
+              <a:rPr lang="en-US" altLang="zh-TW" sz="2600" dirty="0" smtClean="0"/>
+              <a:t>kidney</a:t>
+            </a:r>
+            <a:r>
+              <a:rPr lang="zh-TW" altLang="en-US" sz="2600" dirty="0" smtClean="0"/>
+              <a:t>  </a:t>
+            </a:r>
+            <a:r>
+              <a:rPr lang="en-US" altLang="zh-TW" sz="2600" dirty="0" smtClean="0"/>
+              <a:t>stones</a:t>
+            </a:r>
+            <a:r>
+              <a:rPr lang="zh-TW" altLang="en-US" sz="2600" dirty="0" smtClean="0"/>
+              <a:t> </a:t>
+            </a:r>
+            <a:r>
+              <a:rPr lang="en-US" altLang="zh-TW" sz="2600" dirty="0" smtClean="0"/>
+              <a:t>,</a:t>
+            </a:r>
+            <a:r>
+              <a:rPr lang="zh-TW" altLang="en-US" sz="2600" dirty="0" smtClean="0"/>
+              <a:t> </a:t>
+            </a:r>
+            <a:r>
+              <a:rPr lang="en-US" altLang="zh-TW" sz="2600" dirty="0" smtClean="0"/>
+              <a:t>and</a:t>
+            </a:r>
+            <a:r>
+              <a:rPr lang="zh-TW" altLang="en-US" sz="2600" dirty="0" smtClean="0"/>
+              <a:t>  </a:t>
+            </a:r>
+            <a:r>
+              <a:rPr lang="en-US" altLang="zh-TW" sz="2600" dirty="0" smtClean="0"/>
+              <a:t>benign</a:t>
+            </a:r>
+            <a:r>
+              <a:rPr lang="zh-TW" altLang="en-US" sz="2600" dirty="0" smtClean="0"/>
+              <a:t>  </a:t>
+            </a:r>
+            <a:r>
+              <a:rPr lang="en-US" altLang="zh-TW" sz="2600" dirty="0" smtClean="0"/>
+              <a:t>prostatic</a:t>
+            </a:r>
+            <a:r>
+              <a:rPr lang="zh-TW" altLang="en-US" sz="2600" dirty="0" smtClean="0"/>
+              <a:t>  </a:t>
+            </a:r>
+            <a:r>
+              <a:rPr lang="en-US" altLang="zh-TW" sz="2600" dirty="0" smtClean="0"/>
+              <a:t>hyperplasia</a:t>
+            </a:r>
+            <a:r>
+              <a:rPr lang="zh-TW" altLang="en-US" sz="2600" dirty="0" smtClean="0"/>
+              <a:t> </a:t>
+            </a:r>
+            <a:r>
+              <a:rPr lang="en-US" altLang="zh-TW" sz="2600" dirty="0" smtClean="0"/>
+              <a:t>(</a:t>
+            </a:r>
+            <a:r>
+              <a:rPr lang="zh-TW" altLang="en-US" sz="2600" dirty="0" smtClean="0">
+                <a:latin typeface="微軟正黑體" pitchFamily="34" charset="-120"/>
+                <a:ea typeface="微軟正黑體" pitchFamily="34" charset="-120"/>
+              </a:rPr>
+              <a:t>良性前列腺增生</a:t>
+            </a:r>
+            <a:r>
+              <a:rPr lang="en-US" altLang="zh-TW" sz="2600" dirty="0" smtClean="0"/>
+              <a:t>)</a:t>
+            </a:r>
+          </a:p>
+        </p:txBody>
+      </p:sp>
+    </p:spTree>
+    <p:extLst>
+      <p:ext uri="{BB962C8B-B14F-4D97-AF65-F5344CB8AC3E}">
+        <p14:creationId xmlns:p14="http://schemas.microsoft.com/office/powerpoint/2010/main" xmlns="" val="1101633878"/>
+      </p:ext>
+    </p:extLst>
+  </p:cSld>
+  <p:clrMapOvr>
+    <a:masterClrMapping/>
+  </p:clrMapOvr>
+  <p:timing>
+    <p:tnLst>
+      <p:par>
+        <p:cTn id="1" dur="indefinite" restart="never" nodeType="tmRoot"/>
+      </p:par>
+    </p:tnLst>
+  </p:timing>
+</p:sld>
+</file>
+
+<file path=ppt/slides/slide19.xml><?xml version="1.0" encoding="utf-8"?>
+<p:sld xmlns:a="http://schemas.openxmlformats.org/drawingml/2006/main" xmlns:r="http://schemas.openxmlformats.org/officeDocument/2006/relationships" xmlns:p="http://schemas.openxmlformats.org/presentationml/2006/main">
+  <p:cSld>
+    <p:bg>
+      <p:bgPr>
+        <a:blipFill dpi="0" rotWithShape="1">
+          <a:blip r:embed="rId2" cstate="print">
+            <a:lum/>
+          </a:blip>
+          <a:srcRect/>
+          <a:stretch>
+            <a:fillRect/>
+          </a:stretch>
+        </a:blipFill>
+        <a:effectLst/>
+      </p:bgPr>
+    </p:bg>
+    <p:spTree>
+      <p:nvGrpSpPr>
+        <p:cNvPr id="1" name=""/>
+        <p:cNvGrpSpPr/>
+        <p:nvPr/>
+      </p:nvGrpSpPr>
+      <p:grpSpPr>
+        <a:xfrm>
+          <a:off x="0" y="0"/>
+          <a:ext cx="0" cy="0"/>
+          <a:chOff x="0" y="0"/>
+          <a:chExt cx="0" cy="0"/>
+        </a:xfrm>
+      </p:grpSpPr>
+      <p:sp>
+        <p:nvSpPr>
+          <p:cNvPr id="4" name="Title 3"/>
+          <p:cNvSpPr>
+            <a:spLocks noGrp="1"/>
+          </p:cNvSpPr>
+          <p:nvPr>
+            <p:ph type="title"/>
+          </p:nvPr>
+        </p:nvSpPr>
+        <p:spPr/>
+        <p:txBody>
+          <a:bodyPr>
+            <a:normAutofit fontScale="90000"/>
+          </a:bodyPr>
+          <a:lstStyle/>
+          <a:p>
+            <a:pPr algn="l"/>
+            <a:r>
+              <a:rPr lang="en-US" altLang="zh-TW" dirty="0" smtClean="0"/>
+              <a:t>More</a:t>
+            </a:r>
+            <a:r>
+              <a:rPr lang="zh-TW" altLang="en-US" dirty="0" smtClean="0"/>
+              <a:t>  </a:t>
+            </a:r>
+            <a:r>
+              <a:rPr lang="en-US" altLang="zh-TW" dirty="0" smtClean="0"/>
+              <a:t>deeper</a:t>
+            </a:r>
+            <a:r>
+              <a:rPr lang="zh-TW" altLang="en-US" dirty="0" smtClean="0"/>
+              <a:t> </a:t>
+            </a:r>
+            <a:r>
+              <a:rPr lang="en-US" altLang="zh-TW" dirty="0" smtClean="0"/>
+              <a:t>–</a:t>
+            </a:r>
+            <a:r>
+              <a:rPr lang="zh-TW" altLang="en-US" dirty="0" smtClean="0"/>
+              <a:t> </a:t>
+            </a:r>
+            <a:r>
+              <a:rPr lang="en-US" altLang="zh-TW" dirty="0" smtClean="0"/>
+              <a:t>Overflow</a:t>
+            </a:r>
+            <a:r>
+              <a:rPr lang="zh-TW" altLang="en-US" dirty="0" smtClean="0"/>
+              <a:t>  </a:t>
+            </a:r>
+            <a:r>
+              <a:rPr lang="en-US" altLang="zh-TW" dirty="0" smtClean="0"/>
+              <a:t>incontinence</a:t>
+            </a:r>
+            <a:endParaRPr lang="en-US" dirty="0"/>
+          </a:p>
+        </p:txBody>
+      </p:sp>
+      <p:sp>
+        <p:nvSpPr>
+          <p:cNvPr id="5" name="Content Placeholder 4"/>
+          <p:cNvSpPr>
+            <a:spLocks noGrp="1"/>
+          </p:cNvSpPr>
+          <p:nvPr>
+            <p:ph idx="1"/>
+          </p:nvPr>
+        </p:nvSpPr>
+        <p:spPr>
+          <a:xfrm>
+            <a:off x="1823310" y="1443835"/>
+            <a:ext cx="6710784" cy="4581149"/>
+          </a:xfrm>
+        </p:spPr>
+        <p:txBody>
+          <a:bodyPr>
+            <a:normAutofit/>
+          </a:bodyPr>
+          <a:lstStyle/>
+          <a:p>
+            <a:r>
+              <a:rPr lang="en-US" altLang="zh-TW" dirty="0" smtClean="0"/>
+              <a:t>Those</a:t>
+            </a:r>
+            <a:r>
+              <a:rPr lang="zh-TW" altLang="en-US" dirty="0" smtClean="0"/>
+              <a:t>  </a:t>
+            </a:r>
+            <a:r>
+              <a:rPr lang="en-US" altLang="zh-TW" dirty="0" smtClean="0"/>
+              <a:t>who</a:t>
+            </a:r>
+            <a:r>
+              <a:rPr lang="zh-TW" altLang="en-US" dirty="0" smtClean="0"/>
+              <a:t>  </a:t>
+            </a:r>
+            <a:r>
+              <a:rPr lang="en-US" altLang="zh-TW" dirty="0" smtClean="0"/>
+              <a:t>get</a:t>
+            </a:r>
+            <a:r>
+              <a:rPr lang="zh-TW" altLang="en-US" dirty="0" smtClean="0"/>
+              <a:t>  </a:t>
+            </a:r>
+            <a:r>
+              <a:rPr lang="en-US" altLang="zh-TW" dirty="0" smtClean="0"/>
+              <a:t>it</a:t>
+            </a:r>
+            <a:r>
+              <a:rPr lang="zh-TW" altLang="en-US" dirty="0" smtClean="0"/>
+              <a:t>  </a:t>
+            </a:r>
+            <a:r>
+              <a:rPr lang="en-US" altLang="zh-TW" dirty="0" smtClean="0"/>
+              <a:t>will</a:t>
+            </a:r>
+            <a:r>
+              <a:rPr lang="zh-TW" altLang="en-US" dirty="0" smtClean="0"/>
+              <a:t>  </a:t>
+            </a:r>
+            <a:r>
+              <a:rPr lang="en-US" altLang="zh-TW" dirty="0" smtClean="0"/>
+              <a:t>:</a:t>
+            </a:r>
+          </a:p>
+          <a:p>
+            <a:pPr marL="514350" indent="-514350">
+              <a:buNone/>
+            </a:pPr>
+            <a:r>
+              <a:rPr lang="zh-TW" altLang="en-US" dirty="0" smtClean="0"/>
+              <a:t>    </a:t>
+            </a:r>
+            <a:r>
+              <a:rPr lang="en-US" altLang="zh-TW" dirty="0" smtClean="0"/>
+              <a:t>1.</a:t>
+            </a:r>
+            <a:r>
+              <a:rPr lang="zh-TW" altLang="en-US" dirty="0" smtClean="0"/>
+              <a:t>  </a:t>
+            </a:r>
+            <a:r>
+              <a:rPr lang="en-US" altLang="zh-TW" dirty="0" smtClean="0"/>
+              <a:t>lose</a:t>
+            </a:r>
+            <a:r>
+              <a:rPr lang="zh-TW" altLang="en-US" dirty="0" smtClean="0"/>
+              <a:t>  </a:t>
+            </a:r>
+            <a:r>
+              <a:rPr lang="en-US" altLang="zh-TW" dirty="0" smtClean="0"/>
+              <a:t>small</a:t>
+            </a:r>
+            <a:r>
+              <a:rPr lang="zh-TW" altLang="en-US" dirty="0" smtClean="0"/>
+              <a:t>  </a:t>
+            </a:r>
+            <a:r>
+              <a:rPr lang="en-US" altLang="zh-TW" dirty="0" smtClean="0"/>
+              <a:t>amount</a:t>
+            </a:r>
+            <a:r>
+              <a:rPr lang="zh-TW" altLang="en-US" dirty="0" smtClean="0"/>
+              <a:t>  </a:t>
+            </a:r>
+            <a:r>
+              <a:rPr lang="en-US" altLang="zh-TW" dirty="0" smtClean="0"/>
+              <a:t>of</a:t>
+            </a:r>
+            <a:r>
+              <a:rPr lang="zh-TW" altLang="en-US" dirty="0" smtClean="0"/>
+              <a:t>  </a:t>
+            </a:r>
+            <a:r>
+              <a:rPr lang="en-US" altLang="zh-TW" dirty="0" smtClean="0"/>
+              <a:t>urine</a:t>
+            </a:r>
+            <a:r>
+              <a:rPr lang="zh-TW" altLang="en-US" dirty="0" smtClean="0"/>
+              <a:t>  </a:t>
+            </a:r>
+            <a:r>
+              <a:rPr lang="en-US" altLang="zh-TW" dirty="0" smtClean="0"/>
+              <a:t>often</a:t>
+            </a:r>
+          </a:p>
+          <a:p>
+            <a:pPr marL="514350" indent="-514350">
+              <a:buNone/>
+            </a:pPr>
+            <a:r>
+              <a:rPr lang="zh-TW" altLang="en-US" dirty="0" smtClean="0"/>
+              <a:t> </a:t>
+            </a:r>
+            <a:r>
+              <a:rPr lang="zh-TW" altLang="en-US" dirty="0" smtClean="0"/>
+              <a:t>   </a:t>
+            </a:r>
+            <a:r>
+              <a:rPr lang="en-US" altLang="zh-TW" dirty="0" smtClean="0"/>
+              <a:t>2.</a:t>
+            </a:r>
+            <a:r>
+              <a:rPr lang="zh-TW" altLang="en-US" dirty="0" smtClean="0"/>
+              <a:t>  </a:t>
+            </a:r>
+            <a:r>
+              <a:rPr lang="en-US" altLang="zh-TW" dirty="0" smtClean="0"/>
+              <a:t>get</a:t>
+            </a:r>
+            <a:r>
+              <a:rPr lang="zh-TW" altLang="en-US" dirty="0" smtClean="0"/>
+              <a:t>  </a:t>
+            </a:r>
+            <a:r>
+              <a:rPr lang="en-US" altLang="zh-TW" dirty="0" smtClean="0"/>
+              <a:t>up</a:t>
+            </a:r>
+            <a:r>
+              <a:rPr lang="zh-TW" altLang="en-US" dirty="0" smtClean="0"/>
+              <a:t>  </a:t>
+            </a:r>
+            <a:r>
+              <a:rPr lang="en-US" altLang="zh-TW" dirty="0" smtClean="0"/>
+              <a:t>often</a:t>
+            </a:r>
+            <a:r>
+              <a:rPr lang="zh-TW" altLang="en-US" dirty="0" smtClean="0"/>
+              <a:t>  </a:t>
+            </a:r>
+            <a:r>
+              <a:rPr lang="en-US" altLang="zh-TW" dirty="0" smtClean="0"/>
+              <a:t>to</a:t>
+            </a:r>
+            <a:r>
+              <a:rPr lang="zh-TW" altLang="en-US" dirty="0" smtClean="0"/>
+              <a:t>  </a:t>
+            </a:r>
+            <a:r>
+              <a:rPr lang="en-US" altLang="zh-TW" dirty="0" smtClean="0"/>
+              <a:t>go</a:t>
+            </a:r>
+            <a:r>
+              <a:rPr lang="zh-TW" altLang="en-US" dirty="0" smtClean="0"/>
+              <a:t>  </a:t>
+            </a:r>
+            <a:r>
+              <a:rPr lang="en-US" altLang="zh-TW" dirty="0" smtClean="0"/>
+              <a:t>to</a:t>
+            </a:r>
+            <a:r>
+              <a:rPr lang="zh-TW" altLang="en-US" dirty="0" smtClean="0"/>
+              <a:t>  </a:t>
+            </a:r>
+            <a:r>
+              <a:rPr lang="en-US" altLang="zh-TW" dirty="0" smtClean="0"/>
+              <a:t>bathroom</a:t>
+            </a:r>
+          </a:p>
+          <a:p>
+            <a:pPr marL="514350" indent="-514350">
+              <a:buNone/>
+            </a:pPr>
+            <a:r>
+              <a:rPr lang="zh-TW" altLang="en-US" dirty="0" smtClean="0"/>
+              <a:t> </a:t>
+            </a:r>
+            <a:r>
+              <a:rPr lang="zh-TW" altLang="en-US" dirty="0" smtClean="0"/>
+              <a:t>   </a:t>
+            </a:r>
+            <a:r>
+              <a:rPr lang="en-US" altLang="zh-TW" dirty="0" smtClean="0"/>
+              <a:t>3.</a:t>
+            </a:r>
+            <a:r>
+              <a:rPr lang="zh-TW" altLang="en-US" dirty="0" smtClean="0"/>
+              <a:t>  </a:t>
+            </a:r>
+            <a:r>
+              <a:rPr lang="en-US" altLang="zh-TW" dirty="0" smtClean="0"/>
+              <a:t>feel</a:t>
+            </a:r>
+            <a:r>
+              <a:rPr lang="zh-TW" altLang="en-US" dirty="0" smtClean="0"/>
+              <a:t>  </a:t>
+            </a:r>
+            <a:r>
+              <a:rPr lang="en-US" altLang="zh-TW" dirty="0" smtClean="0"/>
+              <a:t>the</a:t>
+            </a:r>
+            <a:r>
+              <a:rPr lang="zh-TW" altLang="en-US" dirty="0" smtClean="0"/>
+              <a:t>  </a:t>
+            </a:r>
+            <a:r>
+              <a:rPr lang="en-US" altLang="zh-TW" dirty="0" smtClean="0"/>
+              <a:t>need</a:t>
+            </a:r>
+            <a:r>
+              <a:rPr lang="zh-TW" altLang="en-US" dirty="0" smtClean="0"/>
+              <a:t>  </a:t>
+            </a:r>
+            <a:r>
+              <a:rPr lang="en-US" altLang="zh-TW" dirty="0" smtClean="0"/>
+              <a:t>to</a:t>
+            </a:r>
+            <a:r>
+              <a:rPr lang="zh-TW" altLang="en-US" dirty="0" smtClean="0"/>
+              <a:t>  </a:t>
+            </a:r>
+            <a:r>
+              <a:rPr lang="en-US" altLang="zh-TW" dirty="0" smtClean="0"/>
+              <a:t>empty</a:t>
+            </a:r>
+            <a:r>
+              <a:rPr lang="zh-TW" altLang="en-US" dirty="0" smtClean="0"/>
+              <a:t>  </a:t>
+            </a:r>
+            <a:r>
+              <a:rPr lang="en-US" altLang="zh-TW" dirty="0" smtClean="0"/>
+              <a:t>the</a:t>
+            </a:r>
+            <a:r>
+              <a:rPr lang="zh-TW" altLang="en-US" dirty="0" smtClean="0"/>
+              <a:t>  </a:t>
+            </a:r>
+            <a:r>
+              <a:rPr lang="en-US" altLang="zh-TW" dirty="0" smtClean="0"/>
+              <a:t>bladder</a:t>
+            </a:r>
+            <a:r>
+              <a:rPr lang="zh-TW" altLang="en-US" dirty="0" smtClean="0"/>
+              <a:t>  </a:t>
+            </a:r>
+            <a:r>
+              <a:rPr lang="en-US" altLang="zh-TW" dirty="0" smtClean="0"/>
+              <a:t>often</a:t>
+            </a:r>
+          </a:p>
+          <a:p>
+            <a:pPr marL="514350" indent="-514350">
+              <a:buNone/>
+            </a:pPr>
+            <a:r>
+              <a:rPr lang="zh-TW" altLang="en-US" dirty="0" smtClean="0"/>
+              <a:t> </a:t>
+            </a:r>
+            <a:r>
+              <a:rPr lang="zh-TW" altLang="en-US" dirty="0" smtClean="0"/>
+              <a:t>   </a:t>
+            </a:r>
+            <a:r>
+              <a:rPr lang="en-US" altLang="zh-TW" dirty="0" smtClean="0"/>
+              <a:t>4.</a:t>
+            </a:r>
+            <a:r>
+              <a:rPr lang="zh-TW" altLang="en-US" dirty="0" smtClean="0"/>
+              <a:t>  </a:t>
+            </a:r>
+            <a:r>
+              <a:rPr lang="en-US" altLang="zh-TW" dirty="0" smtClean="0"/>
+              <a:t>have</a:t>
+            </a:r>
+            <a:r>
+              <a:rPr lang="zh-TW" altLang="en-US" dirty="0" smtClean="0"/>
+              <a:t>  </a:t>
+            </a:r>
+            <a:r>
+              <a:rPr lang="en-US" altLang="zh-TW" dirty="0" smtClean="0"/>
+              <a:t>difficulty</a:t>
+            </a:r>
+            <a:r>
+              <a:rPr lang="zh-TW" altLang="en-US" dirty="0" smtClean="0"/>
+              <a:t>  </a:t>
+            </a:r>
+            <a:r>
+              <a:rPr lang="en-US" altLang="zh-TW" dirty="0" smtClean="0"/>
+              <a:t>emptying</a:t>
+            </a:r>
+            <a:r>
+              <a:rPr lang="zh-TW" altLang="en-US" dirty="0" smtClean="0"/>
+              <a:t>  </a:t>
+            </a:r>
+            <a:r>
+              <a:rPr lang="en-US" altLang="zh-TW" dirty="0" smtClean="0"/>
+              <a:t>the</a:t>
+            </a:r>
+            <a:r>
+              <a:rPr lang="zh-TW" altLang="en-US" dirty="0" smtClean="0"/>
+              <a:t>  </a:t>
+            </a:r>
+            <a:r>
+              <a:rPr lang="en-US" altLang="zh-TW" dirty="0" smtClean="0"/>
+              <a:t>bladder</a:t>
+            </a:r>
+          </a:p>
+          <a:p>
+            <a:pPr marL="514350" indent="-514350">
+              <a:buNone/>
+            </a:pPr>
+            <a:r>
+              <a:rPr lang="zh-TW" altLang="en-US" dirty="0" smtClean="0"/>
+              <a:t> </a:t>
+            </a:r>
+            <a:r>
+              <a:rPr lang="zh-TW" altLang="en-US" dirty="0" smtClean="0"/>
+              <a:t>   </a:t>
+            </a:r>
+            <a:r>
+              <a:rPr lang="en-US" altLang="zh-TW" dirty="0" smtClean="0"/>
+              <a:t>5.</a:t>
+            </a:r>
+            <a:r>
+              <a:rPr lang="zh-TW" altLang="en-US" dirty="0" smtClean="0"/>
+              <a:t>  </a:t>
+            </a:r>
+            <a:r>
+              <a:rPr lang="en-US" altLang="zh-TW" dirty="0" smtClean="0"/>
+              <a:t>spend</a:t>
+            </a:r>
+            <a:r>
+              <a:rPr lang="zh-TW" altLang="en-US" dirty="0" smtClean="0"/>
+              <a:t>  </a:t>
+            </a:r>
+            <a:r>
+              <a:rPr lang="en-US" altLang="zh-TW" dirty="0" smtClean="0"/>
+              <a:t>a</a:t>
+            </a:r>
+            <a:r>
+              <a:rPr lang="zh-TW" altLang="en-US" dirty="0" smtClean="0"/>
+              <a:t>  </a:t>
+            </a:r>
+            <a:r>
+              <a:rPr lang="en-US" altLang="zh-TW" dirty="0" smtClean="0"/>
+              <a:t>long</a:t>
+            </a:r>
+            <a:r>
+              <a:rPr lang="zh-TW" altLang="en-US" dirty="0" smtClean="0"/>
+              <a:t>  </a:t>
+            </a:r>
+            <a:r>
+              <a:rPr lang="en-US" altLang="zh-TW" dirty="0" smtClean="0"/>
+              <a:t>time</a:t>
+            </a:r>
+            <a:r>
+              <a:rPr lang="zh-TW" altLang="en-US" dirty="0" smtClean="0"/>
+              <a:t>  </a:t>
+            </a:r>
+            <a:r>
+              <a:rPr lang="en-US" altLang="zh-TW" dirty="0" smtClean="0"/>
+              <a:t>on</a:t>
+            </a:r>
+            <a:r>
+              <a:rPr lang="zh-TW" altLang="en-US" dirty="0" smtClean="0"/>
+              <a:t>  </a:t>
+            </a:r>
+            <a:r>
+              <a:rPr lang="en-US" altLang="zh-TW" dirty="0" smtClean="0"/>
+              <a:t>the</a:t>
+            </a:r>
+            <a:r>
+              <a:rPr lang="zh-TW" altLang="en-US" dirty="0" smtClean="0"/>
+              <a:t>  </a:t>
+            </a:r>
+            <a:r>
+              <a:rPr lang="en-US" altLang="zh-TW" dirty="0" smtClean="0"/>
+              <a:t>toilet</a:t>
+            </a:r>
+          </a:p>
+          <a:p>
+            <a:pPr marL="514350" indent="-514350">
+              <a:buNone/>
+            </a:pPr>
+            <a:r>
+              <a:rPr lang="zh-TW" altLang="en-US" dirty="0" smtClean="0"/>
+              <a:t> </a:t>
+            </a:r>
+            <a:r>
+              <a:rPr lang="zh-TW" altLang="en-US" dirty="0" smtClean="0"/>
+              <a:t>   </a:t>
+            </a:r>
+            <a:r>
+              <a:rPr lang="en-US" altLang="zh-TW" dirty="0" smtClean="0"/>
+              <a:t>6.</a:t>
+            </a:r>
+            <a:r>
+              <a:rPr lang="zh-TW" altLang="en-US" dirty="0" smtClean="0"/>
+              <a:t>  </a:t>
+            </a:r>
+            <a:r>
+              <a:rPr lang="en-US" altLang="zh-TW" dirty="0" smtClean="0"/>
+              <a:t>produce</a:t>
+            </a:r>
+            <a:r>
+              <a:rPr lang="zh-TW" altLang="en-US" dirty="0" smtClean="0"/>
+              <a:t>  </a:t>
+            </a:r>
+            <a:r>
+              <a:rPr lang="en-US" altLang="zh-TW" dirty="0" smtClean="0"/>
+              <a:t>a</a:t>
+            </a:r>
+            <a:r>
+              <a:rPr lang="zh-TW" altLang="en-US" dirty="0" smtClean="0"/>
+              <a:t>  </a:t>
+            </a:r>
+            <a:r>
+              <a:rPr lang="en-US" altLang="zh-TW" dirty="0" smtClean="0"/>
+              <a:t>weak</a:t>
+            </a:r>
+            <a:r>
+              <a:rPr lang="zh-TW" altLang="en-US" dirty="0" smtClean="0"/>
+              <a:t> </a:t>
+            </a:r>
+            <a:r>
+              <a:rPr lang="en-US" altLang="zh-TW" dirty="0" smtClean="0"/>
+              <a:t>,</a:t>
+            </a:r>
+            <a:r>
+              <a:rPr lang="zh-TW" altLang="en-US" dirty="0" smtClean="0"/>
+              <a:t> </a:t>
+            </a:r>
+            <a:r>
+              <a:rPr lang="en-US" altLang="zh-TW" dirty="0" smtClean="0"/>
+              <a:t>dribbling</a:t>
+            </a:r>
+            <a:r>
+              <a:rPr lang="zh-TW" altLang="en-US" dirty="0" smtClean="0"/>
+              <a:t>  </a:t>
+            </a:r>
+            <a:r>
+              <a:rPr lang="en-US" altLang="zh-TW" dirty="0" smtClean="0"/>
+              <a:t>stream</a:t>
+            </a:r>
+            <a:r>
+              <a:rPr lang="zh-TW" altLang="en-US" dirty="0" smtClean="0"/>
+              <a:t>  </a:t>
+            </a:r>
+            <a:r>
+              <a:rPr lang="en-US" altLang="zh-TW" dirty="0" smtClean="0"/>
+              <a:t>of</a:t>
+            </a:r>
+            <a:r>
+              <a:rPr lang="zh-TW" altLang="en-US" dirty="0" smtClean="0"/>
+              <a:t>  </a:t>
+            </a:r>
+            <a:r>
+              <a:rPr lang="en-US" altLang="zh-TW" dirty="0" smtClean="0"/>
+              <a:t>urine</a:t>
+            </a:r>
+            <a:endParaRPr lang="en-US" dirty="0" smtClean="0"/>
+          </a:p>
+        </p:txBody>
+      </p:sp>
+    </p:spTree>
+    <p:extLst>
+      <p:ext uri="{BB962C8B-B14F-4D97-AF65-F5344CB8AC3E}">
+        <p14:creationId xmlns:p14="http://schemas.microsoft.com/office/powerpoint/2010/main" xmlns="" val="1101633878"/>
+      </p:ext>
+    </p:extLst>
+  </p:cSld>
+  <p:clrMapOvr>
+    <a:masterClrMapping/>
+  </p:clrMapOvr>
+  <p:timing>
+    <p:tnLst>
+      <p:par>
+        <p:cTn id="1" dur="indefinite" restart="never" nodeType="tmRoot"/>
+      </p:par>
+    </p:tnLst>
+  </p:timing>
+</p:sld>
+</file>
+
+<file path=ppt/slides/slide2.xml><?xml version="1.0" encoding="utf-8"?>
+<p:sld xmlns:a="http://schemas.openxmlformats.org/drawingml/2006/main" xmlns:r="http://schemas.openxmlformats.org/officeDocument/2006/relationships" xmlns:p="http://schemas.openxmlformats.org/presentationml/2006/main">
+  <p:cSld>
+    <p:spTree>
+      <p:nvGrpSpPr>
+        <p:cNvPr id="1" name=""/>
+        <p:cNvGrpSpPr/>
+        <p:nvPr/>
+      </p:nvGrpSpPr>
+      <p:grpSpPr>
+        <a:xfrm>
+          <a:off x="0" y="0"/>
+          <a:ext cx="0" cy="0"/>
+          <a:chOff x="0" y="0"/>
+          <a:chExt cx="0" cy="0"/>
+        </a:xfrm>
+      </p:grpSpPr>
+      <p:sp>
+        <p:nvSpPr>
+          <p:cNvPr id="2" name="Title 1"/>
+          <p:cNvSpPr>
+            <a:spLocks noGrp="1"/>
+          </p:cNvSpPr>
+          <p:nvPr>
+            <p:ph type="title"/>
+          </p:nvPr>
+        </p:nvSpPr>
+        <p:spPr/>
+        <p:txBody>
+          <a:bodyPr/>
+          <a:lstStyle/>
+          <a:p>
+            <a:pPr algn="l"/>
+            <a:r>
+              <a:rPr lang="en-US" altLang="zh-TW" dirty="0" smtClean="0"/>
+              <a:t>Vocabulary</a:t>
+            </a:r>
+            <a:endParaRPr lang="en-US" dirty="0"/>
+          </a:p>
+        </p:txBody>
+      </p:sp>
+      <p:sp>
+        <p:nvSpPr>
+          <p:cNvPr id="3" name="Content Placeholder 2"/>
+          <p:cNvSpPr>
+            <a:spLocks noGrp="1"/>
+          </p:cNvSpPr>
+          <p:nvPr>
+            <p:ph idx="1"/>
+          </p:nvPr>
+        </p:nvSpPr>
+        <p:spPr/>
+        <p:txBody>
+          <a:bodyPr/>
+          <a:lstStyle/>
+          <a:p>
+            <a:r>
+              <a:rPr lang="en-US" altLang="zh-TW" dirty="0" smtClean="0"/>
+              <a:t>Urinary</a:t>
+            </a:r>
+            <a:r>
+              <a:rPr lang="zh-TW" altLang="en-US" dirty="0" smtClean="0"/>
+              <a:t> </a:t>
+            </a:r>
+            <a:r>
+              <a:rPr lang="en-US" altLang="zh-TW" dirty="0" smtClean="0"/>
+              <a:t>incontinence</a:t>
+            </a:r>
+            <a:r>
+              <a:rPr lang="zh-TW" altLang="en-US" dirty="0" smtClean="0"/>
+              <a:t>  </a:t>
+            </a:r>
+            <a:r>
+              <a:rPr lang="zh-TW" altLang="en-US" dirty="0" smtClean="0">
+                <a:latin typeface="微軟正黑體" pitchFamily="34" charset="-120"/>
+                <a:ea typeface="微軟正黑體" pitchFamily="34" charset="-120"/>
+              </a:rPr>
+              <a:t>尿失禁</a:t>
+            </a:r>
+            <a:endParaRPr lang="en-US" altLang="zh-TW" dirty="0" smtClean="0">
+              <a:latin typeface="微軟正黑體" pitchFamily="34" charset="-120"/>
+              <a:ea typeface="微軟正黑體" pitchFamily="34" charset="-120"/>
+            </a:endParaRPr>
+          </a:p>
+          <a:p>
+            <a:pPr>
+              <a:buNone/>
+            </a:pPr>
+            <a:r>
+              <a:rPr lang="zh-TW" altLang="en-US" dirty="0" smtClean="0"/>
+              <a:t> </a:t>
+            </a:r>
+            <a:r>
+              <a:rPr lang="zh-TW" altLang="en-US" dirty="0" smtClean="0"/>
+              <a:t>   </a:t>
+            </a:r>
+            <a:endParaRPr lang="en-US" dirty="0" smtClean="0"/>
+          </a:p>
+          <a:p>
+            <a:r>
+              <a:rPr lang="en-US" altLang="zh-TW" dirty="0" smtClean="0"/>
+              <a:t>Vaginal</a:t>
+            </a:r>
+            <a:r>
+              <a:rPr lang="zh-TW" altLang="en-US" dirty="0" smtClean="0"/>
+              <a:t>  </a:t>
+            </a:r>
+            <a:r>
+              <a:rPr lang="zh-TW" altLang="en-US" dirty="0" smtClean="0">
+                <a:latin typeface="微軟正黑體" pitchFamily="34" charset="-120"/>
+                <a:ea typeface="微軟正黑體" pitchFamily="34" charset="-120"/>
+              </a:rPr>
+              <a:t>陰道的</a:t>
+            </a:r>
+            <a:endParaRPr lang="en-US" altLang="zh-TW" dirty="0" smtClean="0">
+              <a:latin typeface="微軟正黑體" pitchFamily="34" charset="-120"/>
+              <a:ea typeface="微軟正黑體" pitchFamily="34" charset="-120"/>
+            </a:endParaRPr>
+          </a:p>
+          <a:p>
+            <a:pPr>
+              <a:buNone/>
+            </a:pPr>
+            <a:r>
+              <a:rPr lang="zh-TW" altLang="en-US" dirty="0" smtClean="0">
+                <a:latin typeface="微軟正黑體" pitchFamily="34" charset="-120"/>
+                <a:ea typeface="微軟正黑體" pitchFamily="34" charset="-120"/>
+              </a:rPr>
+              <a:t> </a:t>
+            </a:r>
+            <a:r>
+              <a:rPr lang="zh-TW" altLang="en-US" dirty="0" smtClean="0">
+                <a:latin typeface="微軟正黑體" pitchFamily="34" charset="-120"/>
+                <a:ea typeface="微軟正黑體" pitchFamily="34" charset="-120"/>
+              </a:rPr>
+              <a:t>   </a:t>
+            </a:r>
+            <a:endParaRPr lang="en-US" altLang="zh-TW" dirty="0" smtClean="0">
+              <a:latin typeface="微軟正黑體" pitchFamily="34" charset="-120"/>
+              <a:ea typeface="微軟正黑體" pitchFamily="34" charset="-120"/>
+            </a:endParaRPr>
+          </a:p>
+          <a:p>
+            <a:r>
+              <a:rPr lang="en-US" altLang="zh-TW" dirty="0" smtClean="0"/>
+              <a:t>Urologic</a:t>
+            </a:r>
+            <a:r>
+              <a:rPr lang="zh-TW" altLang="en-US" dirty="0" smtClean="0"/>
+              <a:t>  </a:t>
+            </a:r>
+            <a:r>
+              <a:rPr lang="zh-TW" altLang="en-US" dirty="0" smtClean="0">
+                <a:latin typeface="微軟正黑體" pitchFamily="34" charset="-120"/>
+                <a:ea typeface="微軟正黑體" pitchFamily="34" charset="-120"/>
+              </a:rPr>
+              <a:t>泌尿科的</a:t>
+            </a:r>
+            <a:endParaRPr lang="en-US" altLang="zh-TW" dirty="0" smtClean="0">
+              <a:latin typeface="微軟正黑體" pitchFamily="34" charset="-120"/>
+              <a:ea typeface="微軟正黑體" pitchFamily="34" charset="-120"/>
+            </a:endParaRPr>
+          </a:p>
+          <a:p>
+            <a:pPr>
+              <a:buNone/>
+            </a:pPr>
+            <a:r>
+              <a:rPr lang="zh-TW" altLang="en-US" dirty="0" smtClean="0">
+                <a:latin typeface="微軟正黑體" pitchFamily="34" charset="-120"/>
+                <a:ea typeface="微軟正黑體" pitchFamily="34" charset="-120"/>
+              </a:rPr>
+              <a:t> </a:t>
+            </a:r>
+            <a:r>
+              <a:rPr lang="zh-TW" altLang="en-US" dirty="0" smtClean="0">
+                <a:latin typeface="微軟正黑體" pitchFamily="34" charset="-120"/>
+                <a:ea typeface="微軟正黑體" pitchFamily="34" charset="-120"/>
+              </a:rPr>
+              <a:t>   </a:t>
+            </a:r>
+            <a:endParaRPr lang="en-US" dirty="0" smtClean="0">
+              <a:latin typeface="微軟正黑體" pitchFamily="34" charset="-120"/>
+              <a:ea typeface="微軟正黑體" pitchFamily="34" charset="-120"/>
+            </a:endParaRPr>
+          </a:p>
+          <a:p>
+            <a:endParaRPr lang="en-US" dirty="0"/>
+          </a:p>
+        </p:txBody>
+      </p:sp>
+    </p:spTree>
+    <p:extLst>
+      <p:ext uri="{BB962C8B-B14F-4D97-AF65-F5344CB8AC3E}">
+        <p14:creationId xmlns:p14="http://schemas.microsoft.com/office/powerpoint/2010/main" xmlns="" val="4103309497"/>
+      </p:ext>
+    </p:extLst>
+  </p:cSld>
+  <p:clrMapOvr>
+    <a:masterClrMapping/>
+  </p:clrMapOvr>
+  <p:timing>
+    <p:tnLst>
+      <p:par>
+        <p:cTn id="1" dur="indefinite" restart="never" nodeType="tmRoot"/>
+      </p:par>
+    </p:tnLst>
+  </p:timing>
+</p:sld>
+</file>
+
+<file path=ppt/slides/slide20.xml><?xml version="1.0" encoding="utf-8"?>
+<p:sld xmlns:a="http://schemas.openxmlformats.org/drawingml/2006/main" xmlns:r="http://schemas.openxmlformats.org/officeDocument/2006/relationships" xmlns:p="http://schemas.openxmlformats.org/presentationml/2006/main">
+  <p:cSld>
+    <p:bg>
+      <p:bgPr>
+        <a:blipFill dpi="0" rotWithShape="1">
+          <a:blip r:embed="rId2" cstate="print">
+            <a:lum/>
+          </a:blip>
+          <a:srcRect/>
+          <a:stretch>
+            <a:fillRect/>
+          </a:stretch>
+        </a:blipFill>
+        <a:effectLst/>
+      </p:bgPr>
+    </p:bg>
+    <p:spTree>
+      <p:nvGrpSpPr>
+        <p:cNvPr id="1" name=""/>
+        <p:cNvGrpSpPr/>
+        <p:nvPr/>
+      </p:nvGrpSpPr>
+      <p:grpSpPr>
+        <a:xfrm>
+          <a:off x="0" y="0"/>
+          <a:ext cx="0" cy="0"/>
+          <a:chOff x="0" y="0"/>
+          <a:chExt cx="0" cy="0"/>
+        </a:xfrm>
+      </p:grpSpPr>
+      <p:sp>
+        <p:nvSpPr>
+          <p:cNvPr id="4" name="Title 3"/>
+          <p:cNvSpPr>
+            <a:spLocks noGrp="1"/>
+          </p:cNvSpPr>
+          <p:nvPr>
+            <p:ph type="title"/>
+          </p:nvPr>
+        </p:nvSpPr>
+        <p:spPr/>
+        <p:txBody>
+          <a:bodyPr>
+            <a:normAutofit/>
+          </a:bodyPr>
+          <a:lstStyle/>
+          <a:p>
+            <a:pPr algn="l"/>
+            <a:r>
+              <a:rPr lang="en-US" altLang="zh-TW" dirty="0" smtClean="0"/>
+              <a:t>Conclusion</a:t>
+            </a:r>
+            <a:endParaRPr lang="en-US" dirty="0"/>
+          </a:p>
+        </p:txBody>
+      </p:sp>
+      <p:sp>
+        <p:nvSpPr>
+          <p:cNvPr id="5" name="Content Placeholder 4"/>
+          <p:cNvSpPr>
+            <a:spLocks noGrp="1"/>
+          </p:cNvSpPr>
+          <p:nvPr>
+            <p:ph idx="1"/>
+          </p:nvPr>
+        </p:nvSpPr>
+        <p:spPr>
+          <a:xfrm>
+            <a:off x="1517900" y="2054655"/>
+            <a:ext cx="7177135" cy="3664920"/>
+          </a:xfrm>
+        </p:spPr>
+        <p:txBody>
+          <a:bodyPr>
+            <a:normAutofit/>
+          </a:bodyPr>
+          <a:lstStyle/>
+          <a:p>
+            <a:pPr algn="ctr">
+              <a:buNone/>
+            </a:pPr>
+            <a:r>
+              <a:rPr lang="zh-TW" altLang="en-US" dirty="0" smtClean="0"/>
+              <a:t>        </a:t>
+            </a:r>
+            <a:r>
+              <a:rPr lang="en-US" altLang="zh-TW" sz="4800" b="1" dirty="0" smtClean="0">
+                <a:solidFill>
+                  <a:srgbClr val="00B050"/>
+                </a:solidFill>
+              </a:rPr>
+              <a:t>Urinary</a:t>
+            </a:r>
+            <a:r>
+              <a:rPr lang="zh-TW" altLang="en-US" sz="4800" b="1" dirty="0" smtClean="0">
+                <a:solidFill>
+                  <a:srgbClr val="00B050"/>
+                </a:solidFill>
+              </a:rPr>
+              <a:t>  </a:t>
+            </a:r>
+            <a:r>
+              <a:rPr lang="en-US" altLang="zh-TW" sz="4800" b="1" dirty="0" smtClean="0">
+                <a:solidFill>
+                  <a:srgbClr val="00B050"/>
+                </a:solidFill>
+              </a:rPr>
+              <a:t>Incontinence</a:t>
+            </a:r>
+            <a:r>
+              <a:rPr lang="zh-TW" altLang="en-US" sz="4800" b="1" dirty="0" smtClean="0">
+                <a:solidFill>
+                  <a:srgbClr val="00B050"/>
+                </a:solidFill>
+              </a:rPr>
+              <a:t>  </a:t>
+            </a:r>
+            <a:r>
+              <a:rPr lang="en-US" altLang="zh-TW" sz="4800" b="1" dirty="0" smtClean="0">
+                <a:solidFill>
+                  <a:srgbClr val="00B050"/>
+                </a:solidFill>
+              </a:rPr>
+              <a:t>shouldn’t</a:t>
+            </a:r>
+            <a:r>
+              <a:rPr lang="zh-TW" altLang="en-US" sz="4800" b="1" dirty="0" smtClean="0">
+                <a:solidFill>
+                  <a:srgbClr val="00B050"/>
+                </a:solidFill>
+              </a:rPr>
+              <a:t>  </a:t>
+            </a:r>
+            <a:r>
+              <a:rPr lang="en-US" altLang="zh-TW" sz="4800" b="1" dirty="0" smtClean="0">
+                <a:solidFill>
+                  <a:srgbClr val="00B050"/>
+                </a:solidFill>
+              </a:rPr>
+              <a:t>be</a:t>
+            </a:r>
+            <a:r>
+              <a:rPr lang="zh-TW" altLang="en-US" sz="4800" b="1" dirty="0" smtClean="0">
+                <a:solidFill>
+                  <a:srgbClr val="00B050"/>
+                </a:solidFill>
+              </a:rPr>
+              <a:t>  </a:t>
+            </a:r>
+            <a:r>
+              <a:rPr lang="en-US" altLang="zh-TW" sz="4800" b="1" dirty="0" smtClean="0">
+                <a:solidFill>
+                  <a:srgbClr val="00B050"/>
+                </a:solidFill>
+              </a:rPr>
+              <a:t>ignored</a:t>
+            </a:r>
+            <a:r>
+              <a:rPr lang="zh-TW" altLang="en-US" sz="4800" b="1" dirty="0" smtClean="0">
+                <a:solidFill>
+                  <a:srgbClr val="00B050"/>
+                </a:solidFill>
+              </a:rPr>
+              <a:t>  </a:t>
+            </a:r>
+            <a:r>
+              <a:rPr lang="en-US" altLang="zh-TW" sz="4800" b="1" dirty="0" smtClean="0">
+                <a:solidFill>
+                  <a:srgbClr val="00B050"/>
+                </a:solidFill>
+              </a:rPr>
+              <a:t>by</a:t>
+            </a:r>
+            <a:r>
+              <a:rPr lang="zh-TW" altLang="en-US" sz="4800" b="1" dirty="0" smtClean="0">
+                <a:solidFill>
+                  <a:srgbClr val="00B050"/>
+                </a:solidFill>
+              </a:rPr>
+              <a:t>  </a:t>
+            </a:r>
+            <a:r>
+              <a:rPr lang="en-US" altLang="zh-TW" sz="4800" b="1" dirty="0" smtClean="0">
+                <a:solidFill>
+                  <a:srgbClr val="00B050"/>
+                </a:solidFill>
+              </a:rPr>
+              <a:t>people</a:t>
+            </a:r>
+            <a:r>
+              <a:rPr lang="zh-TW" altLang="en-US" sz="4800" b="1" dirty="0" smtClean="0">
+                <a:solidFill>
+                  <a:srgbClr val="00B050"/>
+                </a:solidFill>
+              </a:rPr>
+              <a:t> </a:t>
+            </a:r>
+            <a:r>
+              <a:rPr lang="en-US" altLang="zh-TW" sz="4800" b="1" dirty="0" smtClean="0">
+                <a:solidFill>
+                  <a:srgbClr val="00B050"/>
+                </a:solidFill>
+              </a:rPr>
+              <a:t>!</a:t>
+            </a:r>
+            <a:endParaRPr lang="en-US" sz="4800" b="1" dirty="0" smtClean="0">
+              <a:solidFill>
+                <a:srgbClr val="00B050"/>
+              </a:solidFill>
+            </a:endParaRPr>
+          </a:p>
+        </p:txBody>
+      </p:sp>
+    </p:spTree>
+    <p:extLst>
+      <p:ext uri="{BB962C8B-B14F-4D97-AF65-F5344CB8AC3E}">
+        <p14:creationId xmlns:p14="http://schemas.microsoft.com/office/powerpoint/2010/main" xmlns="" val="1101633878"/>
+      </p:ext>
+    </p:extLst>
+  </p:cSld>
+  <p:clrMapOvr>
+    <a:masterClrMapping/>
+  </p:clrMapOvr>
+  <p:timing>
+    <p:tnLst>
+      <p:par>
+        <p:cTn id="1" dur="indefinite" restart="never" nodeType="tmRoot"/>
+      </p:par>
+    </p:tnLst>
+  </p:timing>
+</p:sld>
+</file>
+
+<file path=ppt/slides/slide21.xml><?xml version="1.0" encoding="utf-8"?>
+<p:sld xmlns:a="http://schemas.openxmlformats.org/drawingml/2006/main" xmlns:r="http://schemas.openxmlformats.org/officeDocument/2006/relationships" xmlns:p="http://schemas.openxmlformats.org/presentationml/2006/main">
+  <p:cSld>
+    <p:spTree>
+      <p:nvGrpSpPr>
+        <p:cNvPr id="1" name=""/>
+        <p:cNvGrpSpPr/>
+        <p:nvPr/>
+      </p:nvGrpSpPr>
+      <p:grpSpPr>
+        <a:xfrm>
+          <a:off x="0" y="0"/>
+          <a:ext cx="0" cy="0"/>
+          <a:chOff x="0" y="0"/>
+          <a:chExt cx="0" cy="0"/>
+        </a:xfrm>
+      </p:grpSpPr>
+      <p:sp>
+        <p:nvSpPr>
+          <p:cNvPr id="2" name="Title 1"/>
+          <p:cNvSpPr>
+            <a:spLocks noGrp="1"/>
+          </p:cNvSpPr>
+          <p:nvPr>
+            <p:ph type="title"/>
+          </p:nvPr>
+        </p:nvSpPr>
+        <p:spPr/>
+        <p:txBody>
+          <a:bodyPr/>
+          <a:lstStyle/>
+          <a:p>
+            <a:pPr algn="l"/>
+            <a:r>
+              <a:rPr lang="en-US" altLang="zh-TW" dirty="0" smtClean="0"/>
+              <a:t>Discussion</a:t>
+            </a:r>
+            <a:endParaRPr lang="en-US" dirty="0"/>
+          </a:p>
+        </p:txBody>
+      </p:sp>
+      <p:sp>
+        <p:nvSpPr>
+          <p:cNvPr id="3" name="Content Placeholder 2"/>
+          <p:cNvSpPr>
+            <a:spLocks noGrp="1"/>
+          </p:cNvSpPr>
+          <p:nvPr>
+            <p:ph idx="1"/>
+          </p:nvPr>
+        </p:nvSpPr>
+        <p:spPr/>
+        <p:txBody>
+          <a:bodyPr/>
+          <a:lstStyle/>
+          <a:p>
+            <a:r>
+              <a:rPr lang="en-US" dirty="0" smtClean="0"/>
+              <a:t>Engage your Audience</a:t>
+            </a:r>
+          </a:p>
+          <a:p>
+            <a:pPr>
+              <a:buNone/>
+            </a:pPr>
+            <a:r>
+              <a:rPr lang="zh-TW" altLang="en-US" dirty="0" smtClean="0"/>
+              <a:t>    </a:t>
+            </a:r>
+            <a:endParaRPr lang="en-US" dirty="0" smtClean="0"/>
+          </a:p>
+          <a:p>
+            <a:r>
+              <a:rPr lang="en-US" dirty="0" smtClean="0"/>
+              <a:t>Capture Audience Attention</a:t>
+            </a:r>
+          </a:p>
+          <a:p>
+            <a:pPr>
+              <a:buNone/>
+            </a:pPr>
+            <a:r>
+              <a:rPr lang="zh-TW" altLang="en-US" dirty="0" smtClean="0"/>
+              <a:t>    </a:t>
+            </a:r>
+            <a:endParaRPr lang="en-US" dirty="0" smtClean="0"/>
+          </a:p>
+        </p:txBody>
+      </p:sp>
+    </p:spTree>
+    <p:extLst>
+      <p:ext uri="{BB962C8B-B14F-4D97-AF65-F5344CB8AC3E}">
+        <p14:creationId xmlns:p14="http://schemas.microsoft.com/office/powerpoint/2010/main" xmlns="" val="4103309497"/>
+      </p:ext>
+    </p:extLst>
+  </p:cSld>
+  <p:clrMapOvr>
+    <a:masterClrMapping/>
+  </p:clrMapOvr>
+  <p:timing>
+    <p:tnLst>
+      <p:par>
+        <p:cTn id="1" dur="indefinite" restart="never" nodeType="tmRoot"/>
+      </p:par>
+    </p:tnLst>
+  </p:timing>
+</p:sld>
+</file>
+
+<file path=ppt/slides/slide22.xml><?xml version="1.0" encoding="utf-8"?>
 <p:sld xmlns:a="http://schemas.openxmlformats.org/drawingml/2006/main" xmlns:r="http://schemas.openxmlformats.org/officeDocument/2006/relationships" xmlns:p="http://schemas.openxmlformats.org/presentationml/2006/main">
   <p:cSld>
     <p:spTree>
@@ -3793,8 +9829,8 @@
           <a:p>
             <a:pPr algn="l"/>
             <a:r>
-              <a:rPr lang="en-US" dirty="0" smtClean="0"/>
-              <a:t>Slide Title</a:t>
+              <a:rPr lang="en-US" altLang="zh-TW" dirty="0" smtClean="0"/>
+              <a:t>Discussion</a:t>
             </a:r>
             <a:endParaRPr lang="en-US" dirty="0"/>
           </a:p>
@@ -3816,10 +9852,58 @@
           <a:lstStyle/>
           <a:p>
             <a:r>
-              <a:rPr lang="en-US" smtClean="0"/>
-              <a:t>Product A</a:t>
-            </a:r>
-            <a:endParaRPr lang="en-US"/>
+              <a:rPr lang="en-US" altLang="zh-TW" dirty="0" smtClean="0"/>
+              <a:t>For</a:t>
+            </a:r>
+            <a:r>
+              <a:rPr lang="zh-TW" altLang="en-US" dirty="0" smtClean="0"/>
+              <a:t>  </a:t>
+            </a:r>
+            <a:r>
+              <a:rPr lang="en-US" altLang="zh-TW" dirty="0" smtClean="0"/>
+              <a:t>problem</a:t>
+            </a:r>
+            <a:r>
+              <a:rPr lang="zh-TW" altLang="en-US" dirty="0" smtClean="0"/>
+              <a:t>  </a:t>
+            </a:r>
+            <a:r>
+              <a:rPr lang="en-US" altLang="zh-TW" dirty="0" smtClean="0"/>
+              <a:t>1</a:t>
+            </a:r>
+            <a:r>
+              <a:rPr lang="zh-TW" altLang="en-US" dirty="0" smtClean="0"/>
+              <a:t> </a:t>
+            </a:r>
+            <a:r>
+              <a:rPr lang="en-US" altLang="zh-TW" dirty="0" smtClean="0"/>
+              <a:t>,</a:t>
+            </a:r>
+            <a:r>
+              <a:rPr lang="zh-TW" altLang="en-US" dirty="0" smtClean="0"/>
+              <a:t> </a:t>
+            </a:r>
+            <a:r>
+              <a:rPr lang="en-US" altLang="zh-TW" dirty="0" smtClean="0"/>
+              <a:t>we</a:t>
+            </a:r>
+            <a:r>
+              <a:rPr lang="zh-TW" altLang="en-US" dirty="0" smtClean="0"/>
+              <a:t>  </a:t>
+            </a:r>
+            <a:r>
+              <a:rPr lang="en-US" altLang="zh-TW" dirty="0" smtClean="0"/>
+              <a:t>could</a:t>
+            </a:r>
+            <a:r>
+              <a:rPr lang="zh-TW" altLang="en-US" dirty="0" smtClean="0"/>
+              <a:t>  </a:t>
+            </a:r>
+            <a:r>
+              <a:rPr lang="en-US" altLang="zh-TW" dirty="0" smtClean="0"/>
+              <a:t>:</a:t>
+            </a:r>
+            <a:endParaRPr lang="en-US" dirty="0"/>
           </a:p>
         </p:txBody>
       </p:sp>
@@ -3839,22 +9923,22 @@
           <a:lstStyle/>
           <a:p>
             <a:r>
-              <a:rPr lang="en-US" smtClean="0"/>
+              <a:rPr lang="en-US" dirty="0" smtClean="0"/>
               <a:t>Feature 1</a:t>
             </a:r>
           </a:p>
           <a:p>
             <a:r>
-              <a:rPr lang="en-US" smtClean="0"/>
+              <a:rPr lang="en-US" dirty="0" smtClean="0"/>
               <a:t>Feature 2</a:t>
             </a:r>
           </a:p>
           <a:p>
             <a:r>
-              <a:rPr lang="en-US" smtClean="0"/>
+              <a:rPr lang="en-US" dirty="0" smtClean="0"/>
               <a:t>Feature 3</a:t>
             </a:r>
-            <a:endParaRPr lang="en-US"/>
+            <a:endParaRPr lang="en-US" dirty="0"/>
           </a:p>
         </p:txBody>
       </p:sp>
@@ -3874,10 +9958,50 @@
           <a:lstStyle/>
           <a:p>
             <a:r>
-              <a:rPr lang="en-US" smtClean="0"/>
-              <a:t>Product B</a:t>
-            </a:r>
-            <a:endParaRPr lang="en-US"/>
+              <a:rPr lang="en-US" altLang="zh-TW" dirty="0" smtClean="0"/>
+              <a:t>For</a:t>
+            </a:r>
+            <a:r>
+              <a:rPr lang="zh-TW" altLang="en-US" dirty="0" smtClean="0"/>
+              <a:t>  </a:t>
+            </a:r>
+            <a:r>
+              <a:rPr lang="en-US" altLang="zh-TW" dirty="0" smtClean="0"/>
+              <a:t>problem</a:t>
+            </a:r>
+            <a:r>
+              <a:rPr lang="zh-TW" altLang="en-US" dirty="0" smtClean="0"/>
+              <a:t>  </a:t>
+            </a:r>
+            <a:r>
+              <a:rPr lang="en-US" altLang="zh-TW" dirty="0" smtClean="0"/>
+              <a:t>2</a:t>
+            </a:r>
+            <a:r>
+              <a:rPr lang="zh-TW" altLang="en-US" dirty="0" smtClean="0"/>
+              <a:t> </a:t>
+            </a:r>
+            <a:r>
+              <a:rPr lang="en-US" altLang="zh-TW" dirty="0" smtClean="0"/>
+              <a:t>,</a:t>
+            </a:r>
+            <a:r>
+              <a:rPr lang="zh-TW" altLang="en-US" dirty="0" smtClean="0"/>
+              <a:t> </a:t>
+            </a:r>
+            <a:r>
+              <a:rPr lang="en-US" altLang="zh-TW" dirty="0" smtClean="0"/>
+              <a:t>we</a:t>
+            </a:r>
+            <a:r>
+              <a:rPr lang="zh-TW" altLang="en-US" dirty="0" smtClean="0"/>
+              <a:t>  </a:t>
+            </a:r>
+            <a:r>
+              <a:rPr lang="en-US" altLang="zh-TW" dirty="0" smtClean="0"/>
+              <a:t>could:</a:t>
+            </a:r>
+            <a:endParaRPr lang="en-US" dirty="0"/>
           </a:p>
         </p:txBody>
       </p:sp>
@@ -3897,35 +10021,1561 @@
           <a:lstStyle/>
           <a:p>
             <a:r>
-              <a:rPr lang="en-US" smtClean="0"/>
+              <a:rPr lang="en-US" dirty="0" smtClean="0"/>
               <a:t>Feature 1</a:t>
             </a:r>
           </a:p>
           <a:p>
             <a:r>
-              <a:rPr lang="en-US" smtClean="0"/>
+              <a:rPr lang="en-US" dirty="0" smtClean="0"/>
               <a:t>Feature 2</a:t>
             </a:r>
           </a:p>
           <a:p>
             <a:r>
-              <a:rPr lang="en-US" smtClean="0"/>
+              <a:rPr lang="en-US" dirty="0" smtClean="0"/>
               <a:t>Feature 3</a:t>
             </a:r>
-            <a:endParaRPr lang="en-US"/>
+            <a:endParaRPr lang="en-US" dirty="0"/>
           </a:p>
         </p:txBody>
       </p:sp>
     </p:spTree>
     <p:extLst>
       <p:ext uri="{BB962C8B-B14F-4D97-AF65-F5344CB8AC3E}">
-        <p14:creationId xmlns:p14="http://schemas.microsoft.com/office/powerpoint/2010/main" val="4170783713"/>
+        <p14:creationId xmlns:p14="http://schemas.microsoft.com/office/powerpoint/2010/main" xmlns="" val="4170783713"/>
       </p:ext>
     </p:extLst>
   </p:cSld>
   <p:clrMapOvr>
     <a:masterClrMapping/>
   </p:clrMapOvr>
+  <p:timing>
+    <p:tnLst>
+      <p:par>
+        <p:cTn id="1" dur="indefinite" restart="never" nodeType="tmRoot"/>
+      </p:par>
+    </p:tnLst>
+  </p:timing>
+</p:sld>
+</file>
+
+<file path=ppt/slides/slide3.xml><?xml version="1.0" encoding="utf-8"?>
+<p:sld xmlns:a="http://schemas.openxmlformats.org/drawingml/2006/main" xmlns:r="http://schemas.openxmlformats.org/officeDocument/2006/relationships" xmlns:p="http://schemas.openxmlformats.org/presentationml/2006/main">
+  <p:cSld>
+    <p:spTree>
+      <p:nvGrpSpPr>
+        <p:cNvPr id="1" name=""/>
+        <p:cNvGrpSpPr/>
+        <p:nvPr/>
+      </p:nvGrpSpPr>
+      <p:grpSpPr>
+        <a:xfrm>
+          <a:off x="0" y="0"/>
+          <a:ext cx="0" cy="0"/>
+          <a:chOff x="0" y="0"/>
+          <a:chExt cx="0" cy="0"/>
+        </a:xfrm>
+      </p:grpSpPr>
+      <p:sp>
+        <p:nvSpPr>
+          <p:cNvPr id="2" name="Title 1"/>
+          <p:cNvSpPr>
+            <a:spLocks noGrp="1"/>
+          </p:cNvSpPr>
+          <p:nvPr>
+            <p:ph type="title"/>
+          </p:nvPr>
+        </p:nvSpPr>
+        <p:spPr/>
+        <p:txBody>
+          <a:bodyPr/>
+          <a:lstStyle/>
+          <a:p>
+            <a:pPr algn="l"/>
+            <a:r>
+              <a:rPr lang="en-US" altLang="zh-TW" dirty="0" smtClean="0"/>
+              <a:t>Vocabulary</a:t>
+            </a:r>
+            <a:endParaRPr lang="en-US" dirty="0"/>
+          </a:p>
+        </p:txBody>
+      </p:sp>
+      <p:sp>
+        <p:nvSpPr>
+          <p:cNvPr id="3" name="Content Placeholder 2"/>
+          <p:cNvSpPr>
+            <a:spLocks noGrp="1"/>
+          </p:cNvSpPr>
+          <p:nvPr>
+            <p:ph idx="1"/>
+          </p:nvPr>
+        </p:nvSpPr>
+        <p:spPr/>
+        <p:txBody>
+          <a:bodyPr/>
+          <a:lstStyle/>
+          <a:p>
+            <a:r>
+              <a:rPr lang="en-US" altLang="zh-TW" dirty="0" smtClean="0"/>
+              <a:t>Urethral</a:t>
+            </a:r>
+            <a:r>
+              <a:rPr lang="zh-TW" altLang="en-US" dirty="0" smtClean="0"/>
+              <a:t> </a:t>
+            </a:r>
+            <a:r>
+              <a:rPr lang="en-US" altLang="zh-TW" dirty="0" smtClean="0"/>
+              <a:t>sphincter</a:t>
+            </a:r>
+            <a:r>
+              <a:rPr lang="zh-TW" altLang="en-US" dirty="0" smtClean="0"/>
+              <a:t> </a:t>
+            </a:r>
+            <a:r>
+              <a:rPr lang="zh-TW" altLang="en-US" dirty="0" smtClean="0">
+                <a:latin typeface="微軟正黑體" pitchFamily="34" charset="-120"/>
+                <a:ea typeface="微軟正黑體" pitchFamily="34" charset="-120"/>
+              </a:rPr>
+              <a:t>尿道括約肌</a:t>
+            </a:r>
+            <a:endParaRPr lang="en-US" altLang="zh-TW" dirty="0" smtClean="0">
+              <a:latin typeface="微軟正黑體" pitchFamily="34" charset="-120"/>
+              <a:ea typeface="微軟正黑體" pitchFamily="34" charset="-120"/>
+            </a:endParaRPr>
+          </a:p>
+          <a:p>
+            <a:pPr>
+              <a:buNone/>
+            </a:pPr>
+            <a:r>
+              <a:rPr lang="zh-TW" altLang="en-US" dirty="0" smtClean="0"/>
+              <a:t> </a:t>
+            </a:r>
+            <a:r>
+              <a:rPr lang="zh-TW" altLang="en-US" dirty="0" smtClean="0"/>
+              <a:t>   </a:t>
+            </a:r>
+            <a:endParaRPr lang="en-US" dirty="0" smtClean="0"/>
+          </a:p>
+          <a:p>
+            <a:r>
+              <a:rPr lang="en-US" altLang="zh-TW" dirty="0" smtClean="0"/>
+              <a:t>Urge</a:t>
+            </a:r>
+            <a:r>
+              <a:rPr lang="zh-TW" altLang="en-US" dirty="0" smtClean="0"/>
+              <a:t> </a:t>
+            </a:r>
+            <a:r>
+              <a:rPr lang="en-US" altLang="zh-TW" dirty="0" smtClean="0"/>
+              <a:t>incontinence</a:t>
+            </a:r>
+            <a:r>
+              <a:rPr lang="zh-TW" altLang="en-US" dirty="0" smtClean="0"/>
+              <a:t>  </a:t>
+            </a:r>
+            <a:r>
+              <a:rPr lang="zh-TW" altLang="en-US" dirty="0" smtClean="0">
+                <a:latin typeface="微軟正黑體" pitchFamily="34" charset="-120"/>
+                <a:ea typeface="微軟正黑體" pitchFamily="34" charset="-120"/>
+              </a:rPr>
+              <a:t>急迫性尿失禁</a:t>
+            </a:r>
+            <a:endParaRPr lang="en-US" altLang="zh-TW" dirty="0" smtClean="0">
+              <a:latin typeface="微軟正黑體" pitchFamily="34" charset="-120"/>
+              <a:ea typeface="微軟正黑體" pitchFamily="34" charset="-120"/>
+            </a:endParaRPr>
+          </a:p>
+          <a:p>
+            <a:pPr>
+              <a:buNone/>
+            </a:pPr>
+            <a:r>
+              <a:rPr lang="zh-TW" altLang="en-US" dirty="0" smtClean="0">
+                <a:latin typeface="微軟正黑體" pitchFamily="34" charset="-120"/>
+                <a:ea typeface="微軟正黑體" pitchFamily="34" charset="-120"/>
+              </a:rPr>
+              <a:t> </a:t>
+            </a:r>
+            <a:r>
+              <a:rPr lang="zh-TW" altLang="en-US" dirty="0" smtClean="0">
+                <a:latin typeface="微軟正黑體" pitchFamily="34" charset="-120"/>
+                <a:ea typeface="微軟正黑體" pitchFamily="34" charset="-120"/>
+              </a:rPr>
+              <a:t>   </a:t>
+            </a:r>
+            <a:endParaRPr lang="en-US" altLang="zh-TW" dirty="0" smtClean="0">
+              <a:latin typeface="微軟正黑體" pitchFamily="34" charset="-120"/>
+              <a:ea typeface="微軟正黑體" pitchFamily="34" charset="-120"/>
+            </a:endParaRPr>
+          </a:p>
+          <a:p>
+            <a:r>
+              <a:rPr lang="en-US" altLang="zh-TW" dirty="0" smtClean="0"/>
+              <a:t>Contraction</a:t>
+            </a:r>
+            <a:r>
+              <a:rPr lang="zh-TW" altLang="en-US" dirty="0" smtClean="0"/>
+              <a:t>  </a:t>
+            </a:r>
+            <a:r>
+              <a:rPr lang="zh-TW" altLang="en-US" dirty="0" smtClean="0">
+                <a:latin typeface="微軟正黑體" pitchFamily="34" charset="-120"/>
+                <a:ea typeface="微軟正黑體" pitchFamily="34" charset="-120"/>
+              </a:rPr>
+              <a:t>收縮</a:t>
+            </a:r>
+            <a:endParaRPr lang="en-US" altLang="zh-TW" dirty="0" smtClean="0">
+              <a:latin typeface="微軟正黑體" pitchFamily="34" charset="-120"/>
+              <a:ea typeface="微軟正黑體" pitchFamily="34" charset="-120"/>
+            </a:endParaRPr>
+          </a:p>
+          <a:p>
+            <a:pPr>
+              <a:buNone/>
+            </a:pPr>
+            <a:r>
+              <a:rPr lang="zh-TW" altLang="en-US" dirty="0" smtClean="0">
+                <a:latin typeface="微軟正黑體" pitchFamily="34" charset="-120"/>
+                <a:ea typeface="微軟正黑體" pitchFamily="34" charset="-120"/>
+              </a:rPr>
+              <a:t> </a:t>
+            </a:r>
+            <a:r>
+              <a:rPr lang="zh-TW" altLang="en-US" dirty="0" smtClean="0">
+                <a:latin typeface="微軟正黑體" pitchFamily="34" charset="-120"/>
+                <a:ea typeface="微軟正黑體" pitchFamily="34" charset="-120"/>
+              </a:rPr>
+              <a:t>   </a:t>
+            </a:r>
+            <a:endParaRPr lang="en-US" dirty="0" smtClean="0">
+              <a:latin typeface="微軟正黑體" pitchFamily="34" charset="-120"/>
+              <a:ea typeface="微軟正黑體" pitchFamily="34" charset="-120"/>
+            </a:endParaRPr>
+          </a:p>
+          <a:p>
+            <a:endParaRPr lang="en-US" dirty="0"/>
+          </a:p>
+        </p:txBody>
+      </p:sp>
+    </p:spTree>
+    <p:extLst>
+      <p:ext uri="{BB962C8B-B14F-4D97-AF65-F5344CB8AC3E}">
+        <p14:creationId xmlns:p14="http://schemas.microsoft.com/office/powerpoint/2010/main" xmlns="" val="4103309497"/>
+      </p:ext>
+    </p:extLst>
+  </p:cSld>
+  <p:clrMapOvr>
+    <a:masterClrMapping/>
+  </p:clrMapOvr>
+  <p:timing>
+    <p:tnLst>
+      <p:par>
+        <p:cTn id="1" dur="indefinite" restart="never" nodeType="tmRoot"/>
+      </p:par>
+    </p:tnLst>
+  </p:timing>
+</p:sld>
+</file>
+
+<file path=ppt/slides/slide4.xml><?xml version="1.0" encoding="utf-8"?>
+<p:sld xmlns:a="http://schemas.openxmlformats.org/drawingml/2006/main" xmlns:r="http://schemas.openxmlformats.org/officeDocument/2006/relationships" xmlns:p="http://schemas.openxmlformats.org/presentationml/2006/main">
+  <p:cSld>
+    <p:spTree>
+      <p:nvGrpSpPr>
+        <p:cNvPr id="1" name=""/>
+        <p:cNvGrpSpPr/>
+        <p:nvPr/>
+      </p:nvGrpSpPr>
+      <p:grpSpPr>
+        <a:xfrm>
+          <a:off x="0" y="0"/>
+          <a:ext cx="0" cy="0"/>
+          <a:chOff x="0" y="0"/>
+          <a:chExt cx="0" cy="0"/>
+        </a:xfrm>
+      </p:grpSpPr>
+      <p:sp>
+        <p:nvSpPr>
+          <p:cNvPr id="2" name="Title 1"/>
+          <p:cNvSpPr>
+            <a:spLocks noGrp="1"/>
+          </p:cNvSpPr>
+          <p:nvPr>
+            <p:ph type="title"/>
+          </p:nvPr>
+        </p:nvSpPr>
+        <p:spPr/>
+        <p:txBody>
+          <a:bodyPr/>
+          <a:lstStyle/>
+          <a:p>
+            <a:pPr algn="l"/>
+            <a:r>
+              <a:rPr lang="en-US" altLang="zh-TW" dirty="0" smtClean="0"/>
+              <a:t>Vocabulary</a:t>
+            </a:r>
+            <a:endParaRPr lang="en-US" dirty="0"/>
+          </a:p>
+        </p:txBody>
+      </p:sp>
+      <p:sp>
+        <p:nvSpPr>
+          <p:cNvPr id="3" name="Content Placeholder 2"/>
+          <p:cNvSpPr>
+            <a:spLocks noGrp="1"/>
+          </p:cNvSpPr>
+          <p:nvPr>
+            <p:ph idx="1"/>
+          </p:nvPr>
+        </p:nvSpPr>
+        <p:spPr/>
+        <p:txBody>
+          <a:bodyPr/>
+          <a:lstStyle/>
+          <a:p>
+            <a:r>
+              <a:rPr lang="en-US" altLang="zh-TW" dirty="0" err="1" smtClean="0"/>
+              <a:t>Detrusor</a:t>
+            </a:r>
+            <a:r>
+              <a:rPr lang="zh-TW" altLang="en-US" dirty="0" smtClean="0"/>
+              <a:t> </a:t>
+            </a:r>
+            <a:r>
+              <a:rPr lang="en-US" altLang="zh-TW" dirty="0" smtClean="0"/>
+              <a:t>muscle</a:t>
+            </a:r>
+            <a:r>
+              <a:rPr lang="zh-TW" altLang="en-US" dirty="0" smtClean="0"/>
+              <a:t>  迫尿肌</a:t>
+            </a:r>
+            <a:endParaRPr lang="en-US" altLang="zh-TW" dirty="0" smtClean="0">
+              <a:latin typeface="微軟正黑體" pitchFamily="34" charset="-120"/>
+              <a:ea typeface="微軟正黑體" pitchFamily="34" charset="-120"/>
+            </a:endParaRPr>
+          </a:p>
+          <a:p>
+            <a:pPr>
+              <a:buNone/>
+            </a:pPr>
+            <a:r>
+              <a:rPr lang="zh-TW" altLang="en-US" dirty="0" smtClean="0"/>
+              <a:t> </a:t>
+            </a:r>
+            <a:r>
+              <a:rPr lang="zh-TW" altLang="en-US" dirty="0" smtClean="0"/>
+              <a:t>   </a:t>
+            </a:r>
+            <a:endParaRPr lang="en-US" dirty="0" smtClean="0"/>
+          </a:p>
+          <a:p>
+            <a:r>
+              <a:rPr lang="en-US" altLang="zh-TW" dirty="0" smtClean="0"/>
+              <a:t>Pelvic</a:t>
+            </a:r>
+            <a:r>
+              <a:rPr lang="zh-TW" altLang="en-US" dirty="0" smtClean="0"/>
+              <a:t> </a:t>
+            </a:r>
+            <a:r>
+              <a:rPr lang="en-US" altLang="zh-TW" dirty="0" smtClean="0"/>
+              <a:t>floor</a:t>
+            </a:r>
+            <a:r>
+              <a:rPr lang="zh-TW" altLang="en-US" dirty="0" smtClean="0"/>
+              <a:t> </a:t>
+            </a:r>
+            <a:r>
+              <a:rPr lang="en-US" altLang="zh-TW" dirty="0" smtClean="0"/>
+              <a:t>muscle</a:t>
+            </a:r>
+            <a:r>
+              <a:rPr lang="zh-TW" altLang="en-US" dirty="0" smtClean="0"/>
+              <a:t>  </a:t>
+            </a:r>
+            <a:r>
+              <a:rPr lang="zh-TW" altLang="en-US" dirty="0" smtClean="0">
+                <a:latin typeface="微軟正黑體" pitchFamily="34" charset="-120"/>
+                <a:ea typeface="微軟正黑體" pitchFamily="34" charset="-120"/>
+              </a:rPr>
+              <a:t>骨盆底肌</a:t>
+            </a:r>
+            <a:endParaRPr lang="en-US" altLang="zh-TW" dirty="0" smtClean="0">
+              <a:latin typeface="微軟正黑體" pitchFamily="34" charset="-120"/>
+              <a:ea typeface="微軟正黑體" pitchFamily="34" charset="-120"/>
+            </a:endParaRPr>
+          </a:p>
+          <a:p>
+            <a:pPr>
+              <a:buNone/>
+            </a:pPr>
+            <a:r>
+              <a:rPr lang="zh-TW" altLang="en-US" dirty="0" smtClean="0">
+                <a:latin typeface="微軟正黑體" pitchFamily="34" charset="-120"/>
+                <a:ea typeface="微軟正黑體" pitchFamily="34" charset="-120"/>
+              </a:rPr>
+              <a:t> </a:t>
+            </a:r>
+            <a:r>
+              <a:rPr lang="zh-TW" altLang="en-US" dirty="0" smtClean="0">
+                <a:latin typeface="微軟正黑體" pitchFamily="34" charset="-120"/>
+                <a:ea typeface="微軟正黑體" pitchFamily="34" charset="-120"/>
+              </a:rPr>
+              <a:t>   </a:t>
+            </a:r>
+            <a:endParaRPr lang="en-US" altLang="zh-TW" dirty="0" smtClean="0">
+              <a:latin typeface="微軟正黑體" pitchFamily="34" charset="-120"/>
+              <a:ea typeface="微軟正黑體" pitchFamily="34" charset="-120"/>
+            </a:endParaRPr>
+          </a:p>
+          <a:p>
+            <a:r>
+              <a:rPr lang="en-US" altLang="zh-TW" dirty="0" smtClean="0"/>
+              <a:t>Intra</a:t>
+            </a:r>
+            <a:r>
+              <a:rPr lang="zh-TW" altLang="en-US" dirty="0" smtClean="0"/>
+              <a:t> </a:t>
+            </a:r>
+            <a:r>
+              <a:rPr lang="en-US" altLang="zh-TW" dirty="0" smtClean="0"/>
+              <a:t>-</a:t>
+            </a:r>
+            <a:r>
+              <a:rPr lang="zh-TW" altLang="en-US" dirty="0" smtClean="0"/>
+              <a:t> </a:t>
+            </a:r>
+            <a:r>
+              <a:rPr lang="en-US" altLang="zh-TW" dirty="0" smtClean="0"/>
+              <a:t>abdominal</a:t>
+            </a:r>
+            <a:r>
+              <a:rPr lang="zh-TW" altLang="en-US" dirty="0" smtClean="0"/>
+              <a:t>  </a:t>
+            </a:r>
+            <a:r>
+              <a:rPr lang="zh-TW" altLang="en-US" dirty="0" smtClean="0">
+                <a:latin typeface="微軟正黑體" pitchFamily="34" charset="-120"/>
+                <a:ea typeface="微軟正黑體" pitchFamily="34" charset="-120"/>
+              </a:rPr>
+              <a:t>腹部內的</a:t>
+            </a:r>
+            <a:endParaRPr lang="en-US" altLang="zh-TW" dirty="0" smtClean="0">
+              <a:latin typeface="微軟正黑體" pitchFamily="34" charset="-120"/>
+              <a:ea typeface="微軟正黑體" pitchFamily="34" charset="-120"/>
+            </a:endParaRPr>
+          </a:p>
+          <a:p>
+            <a:pPr>
+              <a:buNone/>
+            </a:pPr>
+            <a:r>
+              <a:rPr lang="zh-TW" altLang="en-US" dirty="0" smtClean="0">
+                <a:latin typeface="微軟正黑體" pitchFamily="34" charset="-120"/>
+                <a:ea typeface="微軟正黑體" pitchFamily="34" charset="-120"/>
+              </a:rPr>
+              <a:t> </a:t>
+            </a:r>
+            <a:r>
+              <a:rPr lang="zh-TW" altLang="en-US" dirty="0" smtClean="0">
+                <a:latin typeface="微軟正黑體" pitchFamily="34" charset="-120"/>
+                <a:ea typeface="微軟正黑體" pitchFamily="34" charset="-120"/>
+              </a:rPr>
+              <a:t>   </a:t>
+            </a:r>
+            <a:endParaRPr lang="en-US" dirty="0" smtClean="0">
+              <a:latin typeface="微軟正黑體" pitchFamily="34" charset="-120"/>
+              <a:ea typeface="微軟正黑體" pitchFamily="34" charset="-120"/>
+            </a:endParaRPr>
+          </a:p>
+          <a:p>
+            <a:endParaRPr lang="en-US" dirty="0"/>
+          </a:p>
+        </p:txBody>
+      </p:sp>
+    </p:spTree>
+    <p:extLst>
+      <p:ext uri="{BB962C8B-B14F-4D97-AF65-F5344CB8AC3E}">
+        <p14:creationId xmlns:p14="http://schemas.microsoft.com/office/powerpoint/2010/main" xmlns="" val="4103309497"/>
+      </p:ext>
+    </p:extLst>
+  </p:cSld>
+  <p:clrMapOvr>
+    <a:masterClrMapping/>
+  </p:clrMapOvr>
+  <p:timing>
+    <p:tnLst>
+      <p:par>
+        <p:cTn id="1" dur="indefinite" restart="never" nodeType="tmRoot"/>
+      </p:par>
+    </p:tnLst>
+  </p:timing>
+</p:sld>
+</file>
+
+<file path=ppt/slides/slide5.xml><?xml version="1.0" encoding="utf-8"?>
+<p:sld xmlns:a="http://schemas.openxmlformats.org/drawingml/2006/main" xmlns:r="http://schemas.openxmlformats.org/officeDocument/2006/relationships" xmlns:p="http://schemas.openxmlformats.org/presentationml/2006/main">
+  <p:cSld>
+    <p:spTree>
+      <p:nvGrpSpPr>
+        <p:cNvPr id="1" name=""/>
+        <p:cNvGrpSpPr/>
+        <p:nvPr/>
+      </p:nvGrpSpPr>
+      <p:grpSpPr>
+        <a:xfrm>
+          <a:off x="0" y="0"/>
+          <a:ext cx="0" cy="0"/>
+          <a:chOff x="0" y="0"/>
+          <a:chExt cx="0" cy="0"/>
+        </a:xfrm>
+      </p:grpSpPr>
+      <p:sp>
+        <p:nvSpPr>
+          <p:cNvPr id="2" name="Title 1"/>
+          <p:cNvSpPr>
+            <a:spLocks noGrp="1"/>
+          </p:cNvSpPr>
+          <p:nvPr>
+            <p:ph type="title"/>
+          </p:nvPr>
+        </p:nvSpPr>
+        <p:spPr/>
+        <p:txBody>
+          <a:bodyPr/>
+          <a:lstStyle/>
+          <a:p>
+            <a:pPr algn="l"/>
+            <a:r>
+              <a:rPr lang="en-US" altLang="zh-TW" dirty="0" smtClean="0"/>
+              <a:t>Vocabulary</a:t>
+            </a:r>
+            <a:endParaRPr lang="en-US" dirty="0"/>
+          </a:p>
+        </p:txBody>
+      </p:sp>
+      <p:sp>
+        <p:nvSpPr>
+          <p:cNvPr id="3" name="Content Placeholder 2"/>
+          <p:cNvSpPr>
+            <a:spLocks noGrp="1"/>
+          </p:cNvSpPr>
+          <p:nvPr>
+            <p:ph idx="1"/>
+          </p:nvPr>
+        </p:nvSpPr>
+        <p:spPr/>
+        <p:txBody>
+          <a:bodyPr/>
+          <a:lstStyle/>
+          <a:p>
+            <a:r>
+              <a:rPr lang="en-US" altLang="zh-TW" dirty="0" smtClean="0"/>
+              <a:t>Urinary</a:t>
+            </a:r>
+            <a:r>
+              <a:rPr lang="zh-TW" altLang="en-US" dirty="0" smtClean="0"/>
+              <a:t> </a:t>
+            </a:r>
+            <a:r>
+              <a:rPr lang="en-US" altLang="zh-TW" dirty="0" smtClean="0"/>
+              <a:t>incontinence</a:t>
+            </a:r>
+            <a:r>
+              <a:rPr lang="zh-TW" altLang="en-US" dirty="0" smtClean="0"/>
+              <a:t>  </a:t>
+            </a:r>
+            <a:r>
+              <a:rPr lang="zh-TW" altLang="en-US" dirty="0" smtClean="0">
+                <a:latin typeface="微軟正黑體" pitchFamily="34" charset="-120"/>
+                <a:ea typeface="微軟正黑體" pitchFamily="34" charset="-120"/>
+              </a:rPr>
+              <a:t>溢漏性尿失禁</a:t>
+            </a:r>
+            <a:endParaRPr lang="en-US" altLang="zh-TW" dirty="0" smtClean="0">
+              <a:latin typeface="微軟正黑體" pitchFamily="34" charset="-120"/>
+              <a:ea typeface="微軟正黑體" pitchFamily="34" charset="-120"/>
+            </a:endParaRPr>
+          </a:p>
+          <a:p>
+            <a:pPr>
+              <a:buNone/>
+            </a:pPr>
+            <a:r>
+              <a:rPr lang="zh-TW" altLang="en-US" dirty="0" smtClean="0"/>
+              <a:t> </a:t>
+            </a:r>
+            <a:r>
+              <a:rPr lang="zh-TW" altLang="en-US" dirty="0" smtClean="0"/>
+              <a:t>   </a:t>
+            </a:r>
+            <a:endParaRPr lang="en-US" dirty="0" smtClean="0"/>
+          </a:p>
+          <a:p>
+            <a:r>
+              <a:rPr lang="en-US" altLang="zh-TW" dirty="0" smtClean="0"/>
+              <a:t>Benign</a:t>
+            </a:r>
+            <a:r>
+              <a:rPr lang="zh-TW" altLang="en-US" dirty="0" smtClean="0"/>
+              <a:t>  </a:t>
+            </a:r>
+            <a:r>
+              <a:rPr lang="zh-TW" altLang="en-US" dirty="0" smtClean="0">
+                <a:latin typeface="微軟正黑體" pitchFamily="34" charset="-120"/>
+                <a:ea typeface="微軟正黑體" pitchFamily="34" charset="-120"/>
+              </a:rPr>
+              <a:t>良性的</a:t>
+            </a:r>
+            <a:endParaRPr lang="en-US" altLang="zh-TW" dirty="0" smtClean="0">
+              <a:latin typeface="微軟正黑體" pitchFamily="34" charset="-120"/>
+              <a:ea typeface="微軟正黑體" pitchFamily="34" charset="-120"/>
+            </a:endParaRPr>
+          </a:p>
+          <a:p>
+            <a:pPr>
+              <a:buNone/>
+            </a:pPr>
+            <a:r>
+              <a:rPr lang="zh-TW" altLang="en-US" dirty="0" smtClean="0">
+                <a:latin typeface="微軟正黑體" pitchFamily="34" charset="-120"/>
+                <a:ea typeface="微軟正黑體" pitchFamily="34" charset="-120"/>
+              </a:rPr>
+              <a:t> </a:t>
+            </a:r>
+            <a:r>
+              <a:rPr lang="zh-TW" altLang="en-US" dirty="0" smtClean="0">
+                <a:latin typeface="微軟正黑體" pitchFamily="34" charset="-120"/>
+                <a:ea typeface="微軟正黑體" pitchFamily="34" charset="-120"/>
+              </a:rPr>
+              <a:t>   </a:t>
+            </a:r>
+            <a:endParaRPr lang="en-US" altLang="zh-TW" dirty="0" smtClean="0">
+              <a:latin typeface="微軟正黑體" pitchFamily="34" charset="-120"/>
+              <a:ea typeface="微軟正黑體" pitchFamily="34" charset="-120"/>
+            </a:endParaRPr>
+          </a:p>
+          <a:p>
+            <a:r>
+              <a:rPr lang="en-US" altLang="zh-TW" dirty="0" smtClean="0"/>
+              <a:t>Autonomic</a:t>
+            </a:r>
+            <a:r>
+              <a:rPr lang="zh-TW" altLang="en-US" dirty="0" smtClean="0"/>
+              <a:t>  </a:t>
+            </a:r>
+            <a:r>
+              <a:rPr lang="en-US" altLang="zh-TW" dirty="0" smtClean="0"/>
+              <a:t>neuropathy</a:t>
+            </a:r>
+            <a:r>
+              <a:rPr lang="zh-TW" altLang="en-US" dirty="0" smtClean="0"/>
+              <a:t>  自主神經病變</a:t>
+            </a:r>
+            <a:endParaRPr lang="en-US" altLang="zh-TW" dirty="0" smtClean="0">
+              <a:latin typeface="微軟正黑體" pitchFamily="34" charset="-120"/>
+              <a:ea typeface="微軟正黑體" pitchFamily="34" charset="-120"/>
+            </a:endParaRPr>
+          </a:p>
+          <a:p>
+            <a:pPr>
+              <a:buNone/>
+            </a:pPr>
+            <a:r>
+              <a:rPr lang="zh-TW" altLang="en-US" dirty="0" smtClean="0">
+                <a:latin typeface="微軟正黑體" pitchFamily="34" charset="-120"/>
+                <a:ea typeface="微軟正黑體" pitchFamily="34" charset="-120"/>
+              </a:rPr>
+              <a:t> </a:t>
+            </a:r>
+            <a:r>
+              <a:rPr lang="zh-TW" altLang="en-US" dirty="0" smtClean="0">
+                <a:latin typeface="微軟正黑體" pitchFamily="34" charset="-120"/>
+                <a:ea typeface="微軟正黑體" pitchFamily="34" charset="-120"/>
+              </a:rPr>
+              <a:t>   </a:t>
+            </a:r>
+            <a:endParaRPr lang="en-US" dirty="0" smtClean="0">
+              <a:latin typeface="微軟正黑體" pitchFamily="34" charset="-120"/>
+              <a:ea typeface="微軟正黑體" pitchFamily="34" charset="-120"/>
+            </a:endParaRPr>
+          </a:p>
+          <a:p>
+            <a:endParaRPr lang="en-US" dirty="0"/>
+          </a:p>
+        </p:txBody>
+      </p:sp>
+    </p:spTree>
+    <p:extLst>
+      <p:ext uri="{BB962C8B-B14F-4D97-AF65-F5344CB8AC3E}">
+        <p14:creationId xmlns:p14="http://schemas.microsoft.com/office/powerpoint/2010/main" xmlns="" val="4103309497"/>
+      </p:ext>
+    </p:extLst>
+  </p:cSld>
+  <p:clrMapOvr>
+    <a:masterClrMapping/>
+  </p:clrMapOvr>
+  <p:timing>
+    <p:tnLst>
+      <p:par>
+        <p:cTn id="1" dur="indefinite" restart="never" nodeType="tmRoot"/>
+      </p:par>
+    </p:tnLst>
+  </p:timing>
+</p:sld>
+</file>
+
+<file path=ppt/slides/slide6.xml><?xml version="1.0" encoding="utf-8"?>
+<p:sld xmlns:a="http://schemas.openxmlformats.org/drawingml/2006/main" xmlns:r="http://schemas.openxmlformats.org/officeDocument/2006/relationships" xmlns:p="http://schemas.openxmlformats.org/presentationml/2006/main">
+  <p:cSld>
+    <p:spTree>
+      <p:nvGrpSpPr>
+        <p:cNvPr id="1" name=""/>
+        <p:cNvGrpSpPr/>
+        <p:nvPr/>
+      </p:nvGrpSpPr>
+      <p:grpSpPr>
+        <a:xfrm>
+          <a:off x="0" y="0"/>
+          <a:ext cx="0" cy="0"/>
+          <a:chOff x="0" y="0"/>
+          <a:chExt cx="0" cy="0"/>
+        </a:xfrm>
+      </p:grpSpPr>
+      <p:sp>
+        <p:nvSpPr>
+          <p:cNvPr id="2" name="Title 1"/>
+          <p:cNvSpPr>
+            <a:spLocks noGrp="1"/>
+          </p:cNvSpPr>
+          <p:nvPr>
+            <p:ph type="title"/>
+          </p:nvPr>
+        </p:nvSpPr>
+        <p:spPr/>
+        <p:txBody>
+          <a:bodyPr/>
+          <a:lstStyle/>
+          <a:p>
+            <a:pPr algn="l"/>
+            <a:r>
+              <a:rPr lang="en-US" altLang="zh-TW" dirty="0" smtClean="0"/>
+              <a:t>Vocabulary</a:t>
+            </a:r>
+            <a:endParaRPr lang="en-US" dirty="0"/>
+          </a:p>
+        </p:txBody>
+      </p:sp>
+      <p:sp>
+        <p:nvSpPr>
+          <p:cNvPr id="3" name="Content Placeholder 2"/>
+          <p:cNvSpPr>
+            <a:spLocks noGrp="1"/>
+          </p:cNvSpPr>
+          <p:nvPr>
+            <p:ph idx="1"/>
+          </p:nvPr>
+        </p:nvSpPr>
+        <p:spPr/>
+        <p:txBody>
+          <a:bodyPr/>
+          <a:lstStyle/>
+          <a:p>
+            <a:r>
+              <a:rPr lang="en-US" altLang="zh-TW" dirty="0" smtClean="0"/>
+              <a:t>Prostatic</a:t>
+            </a:r>
+            <a:r>
+              <a:rPr lang="zh-TW" altLang="en-US" dirty="0" smtClean="0"/>
+              <a:t>  </a:t>
+            </a:r>
+            <a:r>
+              <a:rPr lang="en-US" altLang="zh-TW" dirty="0" smtClean="0"/>
+              <a:t>hyperplasia</a:t>
+            </a:r>
+            <a:r>
+              <a:rPr lang="zh-TW" altLang="en-US" dirty="0" smtClean="0"/>
+              <a:t>  前列腺增生</a:t>
+            </a:r>
+            <a:endParaRPr lang="en-US" altLang="zh-TW" dirty="0" smtClean="0">
+              <a:latin typeface="微軟正黑體" pitchFamily="34" charset="-120"/>
+              <a:ea typeface="微軟正黑體" pitchFamily="34" charset="-120"/>
+            </a:endParaRPr>
+          </a:p>
+          <a:p>
+            <a:pPr>
+              <a:buNone/>
+            </a:pPr>
+            <a:r>
+              <a:rPr lang="zh-TW" altLang="en-US" dirty="0" smtClean="0"/>
+              <a:t> </a:t>
+            </a:r>
+            <a:r>
+              <a:rPr lang="zh-TW" altLang="en-US" dirty="0" smtClean="0"/>
+              <a:t>   </a:t>
+            </a:r>
+            <a:endParaRPr lang="en-US" dirty="0" smtClean="0"/>
+          </a:p>
+          <a:p>
+            <a:r>
+              <a:rPr lang="en-US" altLang="zh-TW" dirty="0" smtClean="0"/>
+              <a:t>Spinal</a:t>
+            </a:r>
+            <a:r>
+              <a:rPr lang="zh-TW" altLang="en-US" dirty="0" smtClean="0"/>
+              <a:t> </a:t>
+            </a:r>
+            <a:r>
+              <a:rPr lang="en-US" altLang="zh-TW" dirty="0" smtClean="0"/>
+              <a:t>cord</a:t>
+            </a:r>
+            <a:r>
+              <a:rPr lang="zh-TW" altLang="en-US" dirty="0" smtClean="0"/>
+              <a:t>  </a:t>
+            </a:r>
+            <a:r>
+              <a:rPr lang="zh-TW" altLang="en-US" dirty="0" smtClean="0">
+                <a:latin typeface="微軟正黑體" pitchFamily="34" charset="-120"/>
+                <a:ea typeface="微軟正黑體" pitchFamily="34" charset="-120"/>
+              </a:rPr>
+              <a:t>脊髓</a:t>
+            </a:r>
+            <a:endParaRPr lang="en-US" altLang="zh-TW" dirty="0" smtClean="0">
+              <a:latin typeface="微軟正黑體" pitchFamily="34" charset="-120"/>
+              <a:ea typeface="微軟正黑體" pitchFamily="34" charset="-120"/>
+            </a:endParaRPr>
+          </a:p>
+          <a:p>
+            <a:pPr>
+              <a:buNone/>
+            </a:pPr>
+            <a:r>
+              <a:rPr lang="zh-TW" altLang="en-US" dirty="0" smtClean="0">
+                <a:latin typeface="微軟正黑體" pitchFamily="34" charset="-120"/>
+                <a:ea typeface="微軟正黑體" pitchFamily="34" charset="-120"/>
+              </a:rPr>
+              <a:t> </a:t>
+            </a:r>
+            <a:r>
+              <a:rPr lang="zh-TW" altLang="en-US" dirty="0" smtClean="0">
+                <a:latin typeface="微軟正黑體" pitchFamily="34" charset="-120"/>
+                <a:ea typeface="微軟正黑體" pitchFamily="34" charset="-120"/>
+              </a:rPr>
+              <a:t>       </a:t>
+            </a:r>
+            <a:endParaRPr lang="en-US" dirty="0" smtClean="0">
+              <a:latin typeface="微軟正黑體" pitchFamily="34" charset="-120"/>
+              <a:ea typeface="微軟正黑體" pitchFamily="34" charset="-120"/>
+            </a:endParaRPr>
+          </a:p>
+        </p:txBody>
+      </p:sp>
+    </p:spTree>
+    <p:extLst>
+      <p:ext uri="{BB962C8B-B14F-4D97-AF65-F5344CB8AC3E}">
+        <p14:creationId xmlns:p14="http://schemas.microsoft.com/office/powerpoint/2010/main" xmlns="" val="4103309497"/>
+      </p:ext>
+    </p:extLst>
+  </p:cSld>
+  <p:clrMapOvr>
+    <a:masterClrMapping/>
+  </p:clrMapOvr>
+  <p:timing>
+    <p:tnLst>
+      <p:par>
+        <p:cTn id="1" dur="indefinite" restart="never" nodeType="tmRoot"/>
+      </p:par>
+    </p:tnLst>
+  </p:timing>
+</p:sld>
+</file>
+
+<file path=ppt/slides/slide7.xml><?xml version="1.0" encoding="utf-8"?>
+<p:sld xmlns:a="http://schemas.openxmlformats.org/drawingml/2006/main" xmlns:r="http://schemas.openxmlformats.org/officeDocument/2006/relationships" xmlns:p="http://schemas.openxmlformats.org/presentationml/2006/main">
+  <p:cSld>
+    <p:spTree>
+      <p:nvGrpSpPr>
+        <p:cNvPr id="1" name=""/>
+        <p:cNvGrpSpPr/>
+        <p:nvPr/>
+      </p:nvGrpSpPr>
+      <p:grpSpPr>
+        <a:xfrm>
+          <a:off x="0" y="0"/>
+          <a:ext cx="0" cy="0"/>
+          <a:chOff x="0" y="0"/>
+          <a:chExt cx="0" cy="0"/>
+        </a:xfrm>
+      </p:grpSpPr>
+      <p:sp>
+        <p:nvSpPr>
+          <p:cNvPr id="2" name="Title 1"/>
+          <p:cNvSpPr>
+            <a:spLocks noGrp="1"/>
+          </p:cNvSpPr>
+          <p:nvPr>
+            <p:ph type="title"/>
+          </p:nvPr>
+        </p:nvSpPr>
+        <p:spPr/>
+        <p:txBody>
+          <a:bodyPr/>
+          <a:lstStyle/>
+          <a:p>
+            <a:pPr algn="l"/>
+            <a:r>
+              <a:rPr lang="en-US" altLang="zh-TW" dirty="0" smtClean="0"/>
+              <a:t>Vocabulary</a:t>
+            </a:r>
+            <a:endParaRPr lang="en-US" dirty="0"/>
+          </a:p>
+        </p:txBody>
+      </p:sp>
+      <p:sp>
+        <p:nvSpPr>
+          <p:cNvPr id="3" name="Content Placeholder 2"/>
+          <p:cNvSpPr>
+            <a:spLocks noGrp="1"/>
+          </p:cNvSpPr>
+          <p:nvPr>
+            <p:ph idx="1"/>
+          </p:nvPr>
+        </p:nvSpPr>
+        <p:spPr/>
+        <p:txBody>
+          <a:bodyPr/>
+          <a:lstStyle/>
+          <a:p>
+            <a:r>
+              <a:rPr lang="en-US" altLang="zh-TW" dirty="0" smtClean="0"/>
+              <a:t>Absorbent</a:t>
+            </a:r>
+            <a:r>
+              <a:rPr lang="zh-TW" altLang="en-US" dirty="0" smtClean="0"/>
+              <a:t>  能吸收的</a:t>
+            </a:r>
+            <a:endParaRPr lang="en-US" altLang="zh-TW" dirty="0" smtClean="0">
+              <a:latin typeface="微軟正黑體" pitchFamily="34" charset="-120"/>
+              <a:ea typeface="微軟正黑體" pitchFamily="34" charset="-120"/>
+            </a:endParaRPr>
+          </a:p>
+          <a:p>
+            <a:pPr>
+              <a:buNone/>
+            </a:pPr>
+            <a:r>
+              <a:rPr lang="zh-TW" altLang="en-US" dirty="0" smtClean="0"/>
+              <a:t> </a:t>
+            </a:r>
+            <a:r>
+              <a:rPr lang="zh-TW" altLang="en-US" dirty="0" smtClean="0"/>
+              <a:t>   </a:t>
+            </a:r>
+            <a:endParaRPr lang="en-US" dirty="0" smtClean="0"/>
+          </a:p>
+          <a:p>
+            <a:r>
+              <a:rPr lang="en-US" altLang="zh-TW" dirty="0" smtClean="0"/>
+              <a:t>M</a:t>
+            </a:r>
+            <a:r>
+              <a:rPr lang="en-US" altLang="zh-TW" dirty="0" smtClean="0"/>
+              <a:t>orbidity</a:t>
+            </a:r>
+            <a:r>
+              <a:rPr lang="zh-TW" altLang="en-US" dirty="0" smtClean="0"/>
+              <a:t>  </a:t>
+            </a:r>
+            <a:r>
+              <a:rPr lang="zh-TW" altLang="en-US" dirty="0" smtClean="0">
+                <a:latin typeface="微軟正黑體" pitchFamily="34" charset="-120"/>
+                <a:ea typeface="微軟正黑體" pitchFamily="34" charset="-120"/>
+              </a:rPr>
+              <a:t>發病 </a:t>
+            </a:r>
+            <a:r>
+              <a:rPr lang="en-US" altLang="zh-TW" dirty="0" smtClean="0">
+                <a:latin typeface="微軟正黑體" pitchFamily="34" charset="-120"/>
+                <a:ea typeface="微軟正黑體" pitchFamily="34" charset="-120"/>
+              </a:rPr>
+              <a:t>; </a:t>
+            </a:r>
+            <a:r>
+              <a:rPr lang="zh-TW" altLang="en-US" dirty="0" smtClean="0">
+                <a:latin typeface="微軟正黑體" pitchFamily="34" charset="-120"/>
+                <a:ea typeface="微軟正黑體" pitchFamily="34" charset="-120"/>
+              </a:rPr>
+              <a:t>罹病率</a:t>
+            </a:r>
+            <a:endParaRPr lang="en-US" altLang="zh-TW" dirty="0" smtClean="0">
+              <a:latin typeface="微軟正黑體" pitchFamily="34" charset="-120"/>
+              <a:ea typeface="微軟正黑體" pitchFamily="34" charset="-120"/>
+            </a:endParaRPr>
+          </a:p>
+          <a:p>
+            <a:pPr>
+              <a:buNone/>
+            </a:pPr>
+            <a:r>
+              <a:rPr lang="zh-TW" altLang="en-US" dirty="0" smtClean="0">
+                <a:latin typeface="微軟正黑體" pitchFamily="34" charset="-120"/>
+                <a:ea typeface="微軟正黑體" pitchFamily="34" charset="-120"/>
+              </a:rPr>
+              <a:t> </a:t>
+            </a:r>
+            <a:r>
+              <a:rPr lang="zh-TW" altLang="en-US" dirty="0" smtClean="0">
+                <a:latin typeface="微軟正黑體" pitchFamily="34" charset="-120"/>
+                <a:ea typeface="微軟正黑體" pitchFamily="34" charset="-120"/>
+              </a:rPr>
+              <a:t>   </a:t>
+            </a:r>
+            <a:endParaRPr lang="en-US" altLang="zh-TW" dirty="0" smtClean="0">
+              <a:latin typeface="微軟正黑體" pitchFamily="34" charset="-120"/>
+              <a:ea typeface="微軟正黑體" pitchFamily="34" charset="-120"/>
+            </a:endParaRPr>
+          </a:p>
+          <a:p>
+            <a:r>
+              <a:rPr lang="en-US" altLang="zh-TW" dirty="0" smtClean="0"/>
+              <a:t>Mortality</a:t>
+            </a:r>
+            <a:r>
+              <a:rPr lang="zh-TW" altLang="en-US" dirty="0" smtClean="0"/>
+              <a:t>  死亡率</a:t>
+            </a:r>
+            <a:endParaRPr lang="en-US" altLang="zh-TW" dirty="0" smtClean="0">
+              <a:latin typeface="微軟正黑體" pitchFamily="34" charset="-120"/>
+              <a:ea typeface="微軟正黑體" pitchFamily="34" charset="-120"/>
+            </a:endParaRPr>
+          </a:p>
+          <a:p>
+            <a:pPr>
+              <a:buNone/>
+            </a:pPr>
+            <a:r>
+              <a:rPr lang="zh-TW" altLang="en-US" dirty="0" smtClean="0">
+                <a:latin typeface="微軟正黑體" pitchFamily="34" charset="-120"/>
+                <a:ea typeface="微軟正黑體" pitchFamily="34" charset="-120"/>
+              </a:rPr>
+              <a:t> </a:t>
+            </a:r>
+            <a:r>
+              <a:rPr lang="zh-TW" altLang="en-US" dirty="0" smtClean="0">
+                <a:latin typeface="微軟正黑體" pitchFamily="34" charset="-120"/>
+                <a:ea typeface="微軟正黑體" pitchFamily="34" charset="-120"/>
+              </a:rPr>
+              <a:t>   </a:t>
+            </a:r>
+            <a:endParaRPr lang="en-US" dirty="0" smtClean="0">
+              <a:latin typeface="微軟正黑體" pitchFamily="34" charset="-120"/>
+              <a:ea typeface="微軟正黑體" pitchFamily="34" charset="-120"/>
+            </a:endParaRPr>
+          </a:p>
+          <a:p>
+            <a:endParaRPr lang="en-US" dirty="0"/>
+          </a:p>
+        </p:txBody>
+      </p:sp>
+    </p:spTree>
+    <p:extLst>
+      <p:ext uri="{BB962C8B-B14F-4D97-AF65-F5344CB8AC3E}">
+        <p14:creationId xmlns:p14="http://schemas.microsoft.com/office/powerpoint/2010/main" xmlns="" val="4103309497"/>
+      </p:ext>
+    </p:extLst>
+  </p:cSld>
+  <p:clrMapOvr>
+    <a:masterClrMapping/>
+  </p:clrMapOvr>
+  <p:timing>
+    <p:tnLst>
+      <p:par>
+        <p:cTn id="1" dur="indefinite" restart="never" nodeType="tmRoot"/>
+      </p:par>
+    </p:tnLst>
+  </p:timing>
+</p:sld>
+</file>
+
+<file path=ppt/slides/slide8.xml><?xml version="1.0" encoding="utf-8"?>
+<p:sld xmlns:a="http://schemas.openxmlformats.org/drawingml/2006/main" xmlns:r="http://schemas.openxmlformats.org/officeDocument/2006/relationships" xmlns:p="http://schemas.openxmlformats.org/presentationml/2006/main">
+  <p:cSld>
+    <p:spTree>
+      <p:nvGrpSpPr>
+        <p:cNvPr id="1" name=""/>
+        <p:cNvGrpSpPr/>
+        <p:nvPr/>
+      </p:nvGrpSpPr>
+      <p:grpSpPr>
+        <a:xfrm>
+          <a:off x="0" y="0"/>
+          <a:ext cx="0" cy="0"/>
+          <a:chOff x="0" y="0"/>
+          <a:chExt cx="0" cy="0"/>
+        </a:xfrm>
+      </p:grpSpPr>
+      <p:sp>
+        <p:nvSpPr>
+          <p:cNvPr id="2" name="Title 1"/>
+          <p:cNvSpPr>
+            <a:spLocks noGrp="1"/>
+          </p:cNvSpPr>
+          <p:nvPr>
+            <p:ph type="title"/>
+          </p:nvPr>
+        </p:nvSpPr>
+        <p:spPr/>
+        <p:txBody>
+          <a:bodyPr/>
+          <a:lstStyle/>
+          <a:p>
+            <a:pPr algn="l"/>
+            <a:r>
+              <a:rPr lang="en-US" altLang="zh-TW" dirty="0" smtClean="0"/>
+              <a:t>Vocabulary</a:t>
+            </a:r>
+            <a:endParaRPr lang="en-US" dirty="0"/>
+          </a:p>
+        </p:txBody>
+      </p:sp>
+      <p:sp>
+        <p:nvSpPr>
+          <p:cNvPr id="3" name="Content Placeholder 2"/>
+          <p:cNvSpPr>
+            <a:spLocks noGrp="1"/>
+          </p:cNvSpPr>
+          <p:nvPr>
+            <p:ph idx="1"/>
+          </p:nvPr>
+        </p:nvSpPr>
+        <p:spPr/>
+        <p:txBody>
+          <a:bodyPr/>
+          <a:lstStyle/>
+          <a:p>
+            <a:r>
+              <a:rPr lang="en-US" altLang="zh-TW" dirty="0" smtClean="0"/>
+              <a:t>Urinary</a:t>
+            </a:r>
+            <a:r>
+              <a:rPr lang="zh-TW" altLang="en-US" dirty="0" smtClean="0"/>
+              <a:t> </a:t>
+            </a:r>
+            <a:r>
+              <a:rPr lang="en-US" altLang="zh-TW" dirty="0" smtClean="0"/>
+              <a:t>retention</a:t>
+            </a:r>
+            <a:r>
+              <a:rPr lang="zh-TW" altLang="en-US" dirty="0" smtClean="0"/>
+              <a:t>  </a:t>
+            </a:r>
+            <a:r>
+              <a:rPr lang="zh-TW" altLang="en-US" dirty="0" smtClean="0">
+                <a:latin typeface="微軟正黑體" pitchFamily="34" charset="-120"/>
+                <a:ea typeface="微軟正黑體" pitchFamily="34" charset="-120"/>
+              </a:rPr>
+              <a:t>尿滯留</a:t>
+            </a:r>
+            <a:endParaRPr lang="en-US" altLang="zh-TW" dirty="0" smtClean="0">
+              <a:latin typeface="微軟正黑體" pitchFamily="34" charset="-120"/>
+              <a:ea typeface="微軟正黑體" pitchFamily="34" charset="-120"/>
+            </a:endParaRPr>
+          </a:p>
+          <a:p>
+            <a:pPr>
+              <a:buNone/>
+            </a:pPr>
+            <a:r>
+              <a:rPr lang="zh-TW" altLang="en-US" dirty="0" smtClean="0"/>
+              <a:t> </a:t>
+            </a:r>
+            <a:r>
+              <a:rPr lang="zh-TW" altLang="en-US" dirty="0" smtClean="0"/>
+              <a:t>   </a:t>
+            </a:r>
+            <a:endParaRPr lang="en-US" altLang="zh-TW" dirty="0" smtClean="0"/>
+          </a:p>
+          <a:p>
+            <a:r>
+              <a:rPr lang="en-US" altLang="zh-TW" dirty="0" smtClean="0"/>
+              <a:t>Foley</a:t>
+            </a:r>
+            <a:r>
+              <a:rPr lang="zh-TW" altLang="en-US" dirty="0" smtClean="0"/>
+              <a:t> </a:t>
+            </a:r>
+            <a:r>
+              <a:rPr lang="en-US" altLang="zh-TW" dirty="0" smtClean="0"/>
+              <a:t>catheter</a:t>
+            </a:r>
+            <a:r>
+              <a:rPr lang="zh-TW" altLang="en-US" dirty="0" smtClean="0"/>
+              <a:t>  </a:t>
+            </a:r>
+            <a:r>
+              <a:rPr lang="zh-TW" altLang="en-US" dirty="0" smtClean="0">
+                <a:latin typeface="微軟正黑體" pitchFamily="34" charset="-120"/>
+                <a:ea typeface="微軟正黑體" pitchFamily="34" charset="-120"/>
+              </a:rPr>
+              <a:t>導尿管</a:t>
+            </a:r>
+            <a:endParaRPr lang="en-US" altLang="zh-TW" dirty="0" smtClean="0">
+              <a:latin typeface="微軟正黑體" pitchFamily="34" charset="-120"/>
+              <a:ea typeface="微軟正黑體" pitchFamily="34" charset="-120"/>
+            </a:endParaRPr>
+          </a:p>
+          <a:p>
+            <a:pPr>
+              <a:buNone/>
+            </a:pPr>
+            <a:r>
+              <a:rPr lang="zh-TW" altLang="en-US" dirty="0" smtClean="0">
+                <a:latin typeface="微軟正黑體" pitchFamily="34" charset="-120"/>
+                <a:ea typeface="微軟正黑體" pitchFamily="34" charset="-120"/>
+              </a:rPr>
+              <a:t> </a:t>
+            </a:r>
+            <a:r>
+              <a:rPr lang="zh-TW" altLang="en-US" dirty="0" smtClean="0">
+                <a:latin typeface="微軟正黑體" pitchFamily="34" charset="-120"/>
+                <a:ea typeface="微軟正黑體" pitchFamily="34" charset="-120"/>
+              </a:rPr>
+              <a:t>   </a:t>
+            </a:r>
+            <a:endParaRPr lang="en-US" altLang="zh-TW" dirty="0" smtClean="0">
+              <a:latin typeface="微軟正黑體" pitchFamily="34" charset="-120"/>
+              <a:ea typeface="微軟正黑體" pitchFamily="34" charset="-120"/>
+            </a:endParaRPr>
+          </a:p>
+          <a:p>
+            <a:r>
+              <a:rPr lang="en-US" altLang="zh-TW" dirty="0" smtClean="0"/>
+              <a:t>Intermittent</a:t>
+            </a:r>
+            <a:r>
+              <a:rPr lang="zh-TW" altLang="en-US" dirty="0" smtClean="0"/>
+              <a:t> </a:t>
+            </a:r>
+            <a:r>
+              <a:rPr lang="en-US" altLang="zh-TW" dirty="0" smtClean="0"/>
+              <a:t>catheterization</a:t>
+            </a:r>
+            <a:r>
+              <a:rPr lang="zh-TW" altLang="en-US" dirty="0" smtClean="0"/>
+              <a:t>  間歇性導尿</a:t>
+            </a:r>
+            <a:r>
+              <a:rPr lang="zh-TW" altLang="en-US" dirty="0" smtClean="0">
+                <a:latin typeface="微軟正黑體" pitchFamily="34" charset="-120"/>
+                <a:ea typeface="微軟正黑體" pitchFamily="34" charset="-120"/>
+              </a:rPr>
+              <a:t>    </a:t>
+            </a:r>
+            <a:endParaRPr lang="en-US" dirty="0" smtClean="0">
+              <a:latin typeface="微軟正黑體" pitchFamily="34" charset="-120"/>
+              <a:ea typeface="微軟正黑體" pitchFamily="34" charset="-120"/>
+            </a:endParaRPr>
+          </a:p>
+          <a:p>
+            <a:endParaRPr lang="en-US" dirty="0"/>
+          </a:p>
+        </p:txBody>
+      </p:sp>
+    </p:spTree>
+    <p:extLst>
+      <p:ext uri="{BB962C8B-B14F-4D97-AF65-F5344CB8AC3E}">
+        <p14:creationId xmlns:p14="http://schemas.microsoft.com/office/powerpoint/2010/main" xmlns="" val="4103309497"/>
+      </p:ext>
+    </p:extLst>
+  </p:cSld>
+  <p:clrMapOvr>
+    <a:masterClrMapping/>
+  </p:clrMapOvr>
+  <p:timing>
+    <p:tnLst>
+      <p:par>
+        <p:cTn id="1" dur="indefinite" restart="never" nodeType="tmRoot"/>
+      </p:par>
+    </p:tnLst>
+  </p:timing>
+</p:sld>
+</file>
+
+<file path=ppt/slides/slide9.xml><?xml version="1.0" encoding="utf-8"?>
+<p:sld xmlns:a="http://schemas.openxmlformats.org/drawingml/2006/main" xmlns:r="http://schemas.openxmlformats.org/officeDocument/2006/relationships" xmlns:p="http://schemas.openxmlformats.org/presentationml/2006/main">
+  <p:cSld>
+    <p:bg>
+      <p:bgPr>
+        <a:blipFill dpi="0" rotWithShape="1">
+          <a:blip r:embed="rId2" cstate="print">
+            <a:lum/>
+          </a:blip>
+          <a:srcRect/>
+          <a:stretch>
+            <a:fillRect/>
+          </a:stretch>
+        </a:blipFill>
+        <a:effectLst/>
+      </p:bgPr>
+    </p:bg>
+    <p:spTree>
+      <p:nvGrpSpPr>
+        <p:cNvPr id="1" name=""/>
+        <p:cNvGrpSpPr/>
+        <p:nvPr/>
+      </p:nvGrpSpPr>
+      <p:grpSpPr>
+        <a:xfrm>
+          <a:off x="0" y="0"/>
+          <a:ext cx="0" cy="0"/>
+          <a:chOff x="0" y="0"/>
+          <a:chExt cx="0" cy="0"/>
+        </a:xfrm>
+      </p:grpSpPr>
+      <p:sp>
+        <p:nvSpPr>
+          <p:cNvPr id="7" name="內容版面配置區 6"/>
+          <p:cNvSpPr>
+            <a:spLocks noGrp="1"/>
+          </p:cNvSpPr>
+          <p:nvPr>
+            <p:ph idx="1"/>
+          </p:nvPr>
+        </p:nvSpPr>
+        <p:spPr>
+          <a:xfrm>
+            <a:off x="1203340" y="5261460"/>
+            <a:ext cx="7940660" cy="1374345"/>
+          </a:xfrm>
+        </p:spPr>
+        <p:txBody>
+          <a:bodyPr>
+            <a:normAutofit lnSpcReduction="10000"/>
+          </a:bodyPr>
+          <a:lstStyle/>
+          <a:p>
+            <a:pPr>
+              <a:buNone/>
+            </a:pPr>
+            <a:r>
+              <a:rPr lang="en-US" altLang="zh-TW" sz="4000" dirty="0" smtClean="0">
+                <a:solidFill>
+                  <a:srgbClr val="00B0F0"/>
+                </a:solidFill>
+              </a:rPr>
+              <a:t>OK</a:t>
+            </a:r>
+            <a:r>
+              <a:rPr lang="zh-TW" altLang="en-US" sz="4000" dirty="0" smtClean="0">
+                <a:solidFill>
+                  <a:srgbClr val="00B0F0"/>
+                </a:solidFill>
+              </a:rPr>
+              <a:t> </a:t>
+            </a:r>
+            <a:r>
+              <a:rPr lang="en-US" altLang="zh-TW" sz="4000" dirty="0" smtClean="0">
+                <a:solidFill>
+                  <a:srgbClr val="00B0F0"/>
+                </a:solidFill>
+              </a:rPr>
+              <a:t>!</a:t>
+            </a:r>
+            <a:r>
+              <a:rPr lang="zh-TW" altLang="en-US" sz="4000" dirty="0" smtClean="0">
+                <a:solidFill>
+                  <a:srgbClr val="00B0F0"/>
+                </a:solidFill>
+              </a:rPr>
+              <a:t> </a:t>
+            </a:r>
+            <a:r>
+              <a:rPr lang="en-US" altLang="zh-TW" sz="4000" dirty="0" smtClean="0">
+                <a:solidFill>
+                  <a:srgbClr val="00B0F0"/>
+                </a:solidFill>
+              </a:rPr>
+              <a:t>So</a:t>
+            </a:r>
+            <a:r>
+              <a:rPr lang="zh-TW" altLang="en-US" sz="4000" dirty="0" smtClean="0">
+                <a:solidFill>
+                  <a:srgbClr val="00B0F0"/>
+                </a:solidFill>
+              </a:rPr>
+              <a:t> </a:t>
+            </a:r>
+            <a:r>
+              <a:rPr lang="en-US" altLang="zh-TW" sz="4000" dirty="0" smtClean="0">
+                <a:solidFill>
+                  <a:srgbClr val="00B0F0"/>
+                </a:solidFill>
+              </a:rPr>
+              <a:t>,</a:t>
+            </a:r>
+            <a:r>
+              <a:rPr lang="zh-TW" altLang="en-US" sz="4000" dirty="0" smtClean="0">
+                <a:solidFill>
+                  <a:srgbClr val="00B0F0"/>
+                </a:solidFill>
+              </a:rPr>
+              <a:t> </a:t>
+            </a:r>
+            <a:endParaRPr lang="en-US" altLang="zh-TW" sz="4000" dirty="0" smtClean="0">
+              <a:solidFill>
+                <a:srgbClr val="00B0F0"/>
+              </a:solidFill>
+            </a:endParaRPr>
+          </a:p>
+          <a:p>
+            <a:pPr>
+              <a:buNone/>
+            </a:pPr>
+            <a:r>
+              <a:rPr lang="zh-TW" altLang="en-US" sz="4000" dirty="0" smtClean="0">
+                <a:solidFill>
+                  <a:srgbClr val="00B0F0"/>
+                </a:solidFill>
+              </a:rPr>
+              <a:t>    </a:t>
+            </a:r>
+            <a:r>
+              <a:rPr lang="en-US" altLang="zh-TW" sz="4000" dirty="0" smtClean="0">
+                <a:solidFill>
+                  <a:srgbClr val="00B0F0"/>
+                </a:solidFill>
+              </a:rPr>
+              <a:t>what</a:t>
+            </a:r>
+            <a:r>
+              <a:rPr lang="zh-TW" altLang="en-US" sz="4000" dirty="0" smtClean="0">
+                <a:solidFill>
+                  <a:srgbClr val="00B0F0"/>
+                </a:solidFill>
+              </a:rPr>
+              <a:t>  </a:t>
+            </a:r>
+            <a:r>
+              <a:rPr lang="en-US" altLang="zh-TW" sz="4000" dirty="0" smtClean="0">
+                <a:solidFill>
+                  <a:srgbClr val="00B0F0"/>
+                </a:solidFill>
+              </a:rPr>
+              <a:t>is</a:t>
+            </a:r>
+            <a:r>
+              <a:rPr lang="zh-TW" altLang="en-US" sz="4000" dirty="0" smtClean="0">
+                <a:solidFill>
+                  <a:srgbClr val="00B0F0"/>
+                </a:solidFill>
+              </a:rPr>
+              <a:t>  </a:t>
+            </a:r>
+            <a:r>
+              <a:rPr lang="en-US" altLang="zh-TW" sz="4000" dirty="0" smtClean="0">
+                <a:solidFill>
+                  <a:schemeClr val="tx2">
+                    <a:lumMod val="60000"/>
+                    <a:lumOff val="40000"/>
+                  </a:schemeClr>
+                </a:solidFill>
+              </a:rPr>
+              <a:t>Urinary</a:t>
+            </a:r>
+            <a:r>
+              <a:rPr lang="zh-TW" altLang="en-US" sz="4000" dirty="0" smtClean="0">
+                <a:solidFill>
+                  <a:schemeClr val="tx2">
+                    <a:lumMod val="60000"/>
+                    <a:lumOff val="40000"/>
+                  </a:schemeClr>
+                </a:solidFill>
+              </a:rPr>
+              <a:t> </a:t>
+            </a:r>
+            <a:r>
+              <a:rPr lang="en-US" altLang="zh-TW" sz="4000" dirty="0" smtClean="0">
+                <a:solidFill>
+                  <a:schemeClr val="tx2">
+                    <a:lumMod val="60000"/>
+                    <a:lumOff val="40000"/>
+                  </a:schemeClr>
+                </a:solidFill>
+              </a:rPr>
+              <a:t>Incontinence</a:t>
+            </a:r>
+            <a:r>
+              <a:rPr lang="zh-TW" altLang="en-US" sz="4000" dirty="0" smtClean="0">
+                <a:solidFill>
+                  <a:schemeClr val="tx2">
+                    <a:lumMod val="60000"/>
+                    <a:lumOff val="40000"/>
+                  </a:schemeClr>
+                </a:solidFill>
+              </a:rPr>
+              <a:t>  </a:t>
+            </a:r>
+            <a:r>
+              <a:rPr lang="en-US" altLang="zh-TW" sz="4000" dirty="0" smtClean="0">
+                <a:solidFill>
+                  <a:srgbClr val="00B0F0"/>
+                </a:solidFill>
+              </a:rPr>
+              <a:t>??</a:t>
+            </a:r>
+            <a:endParaRPr lang="zh-TW" altLang="en-US" sz="4000" dirty="0">
+              <a:solidFill>
+                <a:srgbClr val="00B0F0"/>
+              </a:solidFill>
+            </a:endParaRPr>
+          </a:p>
+        </p:txBody>
+      </p:sp>
+      <p:pic>
+        <p:nvPicPr>
+          <p:cNvPr id="12290" name="Picture 2" descr="What is Urinary Incontinence?"/>
+          <p:cNvPicPr>
+            <a:picLocks noChangeAspect="1" noChangeArrowheads="1"/>
+          </p:cNvPicPr>
+          <p:nvPr/>
+        </p:nvPicPr>
+        <p:blipFill>
+          <a:blip r:embed="rId3" cstate="print"/>
+          <a:srcRect/>
+          <a:stretch>
+            <a:fillRect/>
+          </a:stretch>
+        </p:blipFill>
+        <p:spPr bwMode="auto">
+          <a:xfrm>
+            <a:off x="3001712" y="0"/>
+            <a:ext cx="6142288" cy="5566870"/>
+          </a:xfrm>
+          <a:prstGeom prst="rect">
+            <a:avLst/>
+          </a:prstGeom>
+          <a:noFill/>
+        </p:spPr>
+      </p:pic>
+    </p:spTree>
+    <p:extLst>
+      <p:ext uri="{BB962C8B-B14F-4D97-AF65-F5344CB8AC3E}">
+        <p14:creationId xmlns:p14="http://schemas.microsoft.com/office/powerpoint/2010/main" xmlns="" val="1101633878"/>
+      </p:ext>
+    </p:extLst>
+  </p:cSld>
+  <p:clrMapOvr>
+    <a:masterClrMapping/>
+  </p:clrMapOvr>
+  <p:timing>
+    <p:tnLst>
+      <p:par>
+        <p:cTn id="1" dur="indefinite" restart="never" nodeType="tmRoot"/>
+      </p:par>
+    </p:tnLst>
+  </p:timing>
 </p:sld>
 </file>
 

--- a/Medicine/5855_stethoscope_ppt/5855.pptx
+++ b/Medicine/5855_stethoscope_ppt/5855.pptx
@@ -328,7 +328,7 @@
             <a:fld id="{53074F12-AA26-4AC8-9962-C36BB8F32554}" type="datetimeFigureOut">
               <a:rPr lang="en-US" smtClean="0"/>
               <a:pPr/>
-              <a:t>11/7/2014</a:t>
+              <a:t>11/11/2014</a:t>
             </a:fld>
             <a:endParaRPr lang="en-US"/>
           </a:p>
@@ -380,7 +380,7 @@
     </p:spTree>
     <p:extLst>
       <p:ext uri="{BB962C8B-B14F-4D97-AF65-F5344CB8AC3E}">
-        <p14:creationId xmlns:p14="http://schemas.microsoft.com/office/powerpoint/2010/main" xmlns="" val="3253875174"/>
+        <p14:creationId xmlns="" xmlns:p14="http://schemas.microsoft.com/office/powerpoint/2010/main" val="3253875174"/>
       </p:ext>
     </p:extLst>
   </p:cSld>
@@ -583,7 +583,7 @@
             <a:fld id="{53074F12-AA26-4AC8-9962-C36BB8F32554}" type="datetimeFigureOut">
               <a:rPr lang="en-US" smtClean="0"/>
               <a:pPr/>
-              <a:t>11/7/2014</a:t>
+              <a:t>11/11/2014</a:t>
             </a:fld>
             <a:endParaRPr lang="en-US"/>
           </a:p>
@@ -635,7 +635,7 @@
     </p:spTree>
     <p:extLst>
       <p:ext uri="{BB962C8B-B14F-4D97-AF65-F5344CB8AC3E}">
-        <p14:creationId xmlns:p14="http://schemas.microsoft.com/office/powerpoint/2010/main" xmlns="" val="477607843"/>
+        <p14:creationId xmlns="" xmlns:p14="http://schemas.microsoft.com/office/powerpoint/2010/main" val="477607843"/>
       </p:ext>
     </p:extLst>
   </p:cSld>
@@ -755,7 +755,7 @@
             <a:fld id="{53074F12-AA26-4AC8-9962-C36BB8F32554}" type="datetimeFigureOut">
               <a:rPr lang="en-US" smtClean="0"/>
               <a:pPr/>
-              <a:t>11/7/2014</a:t>
+              <a:t>11/11/2014</a:t>
             </a:fld>
             <a:endParaRPr lang="en-US"/>
           </a:p>
@@ -807,7 +807,7 @@
     </p:spTree>
     <p:extLst>
       <p:ext uri="{BB962C8B-B14F-4D97-AF65-F5344CB8AC3E}">
-        <p14:creationId xmlns:p14="http://schemas.microsoft.com/office/powerpoint/2010/main" xmlns="" val="3428665726"/>
+        <p14:creationId xmlns="" xmlns:p14="http://schemas.microsoft.com/office/powerpoint/2010/main" val="3428665726"/>
       </p:ext>
     </p:extLst>
   </p:cSld>
@@ -937,7 +937,7 @@
             <a:fld id="{53074F12-AA26-4AC8-9962-C36BB8F32554}" type="datetimeFigureOut">
               <a:rPr lang="en-US" smtClean="0"/>
               <a:pPr/>
-              <a:t>11/7/2014</a:t>
+              <a:t>11/11/2014</a:t>
             </a:fld>
             <a:endParaRPr lang="en-US"/>
           </a:p>
@@ -989,7 +989,7 @@
     </p:spTree>
     <p:extLst>
       <p:ext uri="{BB962C8B-B14F-4D97-AF65-F5344CB8AC3E}">
-        <p14:creationId xmlns:p14="http://schemas.microsoft.com/office/powerpoint/2010/main" xmlns="" val="893609949"/>
+        <p14:creationId xmlns="" xmlns:p14="http://schemas.microsoft.com/office/powerpoint/2010/main" val="893609949"/>
       </p:ext>
     </p:extLst>
   </p:cSld>
@@ -1155,7 +1155,7 @@
             <a:fld id="{53074F12-AA26-4AC8-9962-C36BB8F32554}" type="datetimeFigureOut">
               <a:rPr lang="en-US" smtClean="0"/>
               <a:pPr/>
-              <a:t>11/7/2014</a:t>
+              <a:t>11/11/2014</a:t>
             </a:fld>
             <a:endParaRPr lang="en-US"/>
           </a:p>
@@ -1207,7 +1207,7 @@
     </p:spTree>
     <p:extLst>
       <p:ext uri="{BB962C8B-B14F-4D97-AF65-F5344CB8AC3E}">
-        <p14:creationId xmlns:p14="http://schemas.microsoft.com/office/powerpoint/2010/main" xmlns="" val="1664471362"/>
+        <p14:creationId xmlns="" xmlns:p14="http://schemas.microsoft.com/office/powerpoint/2010/main" val="1664471362"/>
       </p:ext>
     </p:extLst>
   </p:cSld>
@@ -1383,7 +1383,7 @@
             <a:fld id="{53074F12-AA26-4AC8-9962-C36BB8F32554}" type="datetimeFigureOut">
               <a:rPr lang="en-US" smtClean="0"/>
               <a:pPr/>
-              <a:t>11/7/2014</a:t>
+              <a:t>11/11/2014</a:t>
             </a:fld>
             <a:endParaRPr lang="en-US"/>
           </a:p>
@@ -1435,7 +1435,7 @@
     </p:spTree>
     <p:extLst>
       <p:ext uri="{BB962C8B-B14F-4D97-AF65-F5344CB8AC3E}">
-        <p14:creationId xmlns:p14="http://schemas.microsoft.com/office/powerpoint/2010/main" xmlns="" val="1629391393"/>
+        <p14:creationId xmlns="" xmlns:p14="http://schemas.microsoft.com/office/powerpoint/2010/main" val="1629391393"/>
       </p:ext>
     </p:extLst>
   </p:cSld>
@@ -1631,7 +1631,7 @@
             <a:fld id="{53074F12-AA26-4AC8-9962-C36BB8F32554}" type="datetimeFigureOut">
               <a:rPr lang="en-US" smtClean="0"/>
               <a:pPr/>
-              <a:t>11/7/2014</a:t>
+              <a:t>11/11/2014</a:t>
             </a:fld>
             <a:endParaRPr lang="en-US"/>
           </a:p>
@@ -1683,7 +1683,7 @@
     </p:spTree>
     <p:extLst>
       <p:ext uri="{BB962C8B-B14F-4D97-AF65-F5344CB8AC3E}">
-        <p14:creationId xmlns:p14="http://schemas.microsoft.com/office/powerpoint/2010/main" xmlns="" val="3863441575"/>
+        <p14:creationId xmlns="" xmlns:p14="http://schemas.microsoft.com/office/powerpoint/2010/main" val="3863441575"/>
       </p:ext>
     </p:extLst>
   </p:cSld>
@@ -1921,7 +1921,7 @@
             <a:fld id="{53074F12-AA26-4AC8-9962-C36BB8F32554}" type="datetimeFigureOut">
               <a:rPr lang="en-US" smtClean="0"/>
               <a:pPr/>
-              <a:t>11/7/2014</a:t>
+              <a:t>11/11/2014</a:t>
             </a:fld>
             <a:endParaRPr lang="en-US"/>
           </a:p>
@@ -1973,7 +1973,7 @@
     </p:spTree>
     <p:extLst>
       <p:ext uri="{BB962C8B-B14F-4D97-AF65-F5344CB8AC3E}">
-        <p14:creationId xmlns:p14="http://schemas.microsoft.com/office/powerpoint/2010/main" xmlns="" val="3556791830"/>
+        <p14:creationId xmlns="" xmlns:p14="http://schemas.microsoft.com/office/powerpoint/2010/main" val="3556791830"/>
       </p:ext>
     </p:extLst>
   </p:cSld>
@@ -2399,7 +2399,7 @@
             <a:fld id="{53074F12-AA26-4AC8-9962-C36BB8F32554}" type="datetimeFigureOut">
               <a:rPr lang="en-US" smtClean="0"/>
               <a:pPr/>
-              <a:t>11/7/2014</a:t>
+              <a:t>11/11/2014</a:t>
             </a:fld>
             <a:endParaRPr lang="en-US"/>
           </a:p>
@@ -2451,7 +2451,7 @@
     </p:spTree>
     <p:extLst>
       <p:ext uri="{BB962C8B-B14F-4D97-AF65-F5344CB8AC3E}">
-        <p14:creationId xmlns:p14="http://schemas.microsoft.com/office/powerpoint/2010/main" xmlns="" val="4122911988"/>
+        <p14:creationId xmlns="" xmlns:p14="http://schemas.microsoft.com/office/powerpoint/2010/main" val="4122911988"/>
       </p:ext>
     </p:extLst>
   </p:cSld>
@@ -2519,7 +2519,7 @@
             <a:fld id="{53074F12-AA26-4AC8-9962-C36BB8F32554}" type="datetimeFigureOut">
               <a:rPr lang="en-US" smtClean="0"/>
               <a:pPr/>
-              <a:t>11/7/2014</a:t>
+              <a:t>11/11/2014</a:t>
             </a:fld>
             <a:endParaRPr lang="en-US"/>
           </a:p>
@@ -2571,7 +2571,7 @@
     </p:spTree>
     <p:extLst>
       <p:ext uri="{BB962C8B-B14F-4D97-AF65-F5344CB8AC3E}">
-        <p14:creationId xmlns:p14="http://schemas.microsoft.com/office/powerpoint/2010/main" xmlns="" val="3029773110"/>
+        <p14:creationId xmlns="" xmlns:p14="http://schemas.microsoft.com/office/powerpoint/2010/main" val="3029773110"/>
       </p:ext>
     </p:extLst>
   </p:cSld>
@@ -2616,7 +2616,7 @@
             <a:fld id="{53074F12-AA26-4AC8-9962-C36BB8F32554}" type="datetimeFigureOut">
               <a:rPr lang="en-US" smtClean="0"/>
               <a:pPr/>
-              <a:t>11/7/2014</a:t>
+              <a:t>11/11/2014</a:t>
             </a:fld>
             <a:endParaRPr lang="en-US"/>
           </a:p>
@@ -2668,7 +2668,7 @@
     </p:spTree>
     <p:extLst>
       <p:ext uri="{BB962C8B-B14F-4D97-AF65-F5344CB8AC3E}">
-        <p14:creationId xmlns:p14="http://schemas.microsoft.com/office/powerpoint/2010/main" xmlns="" val="4251864075"/>
+        <p14:creationId xmlns="" xmlns:p14="http://schemas.microsoft.com/office/powerpoint/2010/main" val="4251864075"/>
       </p:ext>
     </p:extLst>
   </p:cSld>
@@ -2895,7 +2895,7 @@
             <a:fld id="{53074F12-AA26-4AC8-9962-C36BB8F32554}" type="datetimeFigureOut">
               <a:rPr lang="en-US" smtClean="0"/>
               <a:pPr/>
-              <a:t>11/7/2014</a:t>
+              <a:t>11/11/2014</a:t>
             </a:fld>
             <a:endParaRPr lang="en-US"/>
           </a:p>
@@ -2947,7 +2947,7 @@
     </p:spTree>
     <p:extLst>
       <p:ext uri="{BB962C8B-B14F-4D97-AF65-F5344CB8AC3E}">
-        <p14:creationId xmlns:p14="http://schemas.microsoft.com/office/powerpoint/2010/main" xmlns="" val="3174452648"/>
+        <p14:creationId xmlns="" xmlns:p14="http://schemas.microsoft.com/office/powerpoint/2010/main" val="3174452648"/>
       </p:ext>
     </p:extLst>
   </p:cSld>
@@ -3119,7 +3119,7 @@
             <a:fld id="{53074F12-AA26-4AC8-9962-C36BB8F32554}" type="datetimeFigureOut">
               <a:rPr lang="en-US" smtClean="0"/>
               <a:pPr/>
-              <a:t>11/7/2014</a:t>
+              <a:t>11/11/2014</a:t>
             </a:fld>
             <a:endParaRPr lang="en-US"/>
           </a:p>
@@ -3207,7 +3207,7 @@
     </p:spTree>
     <p:extLst>
       <p:ext uri="{BB962C8B-B14F-4D97-AF65-F5344CB8AC3E}">
-        <p14:creationId xmlns:p14="http://schemas.microsoft.com/office/powerpoint/2010/main" xmlns="" val="1944039382"/>
+        <p14:creationId xmlns="" xmlns:p14="http://schemas.microsoft.com/office/powerpoint/2010/main" val="1944039382"/>
       </p:ext>
     </p:extLst>
   </p:cSld>
@@ -3571,7 +3571,7 @@
     </p:spTree>
     <p:extLst>
       <p:ext uri="{BB962C8B-B14F-4D97-AF65-F5344CB8AC3E}">
-        <p14:creationId xmlns:p14="http://schemas.microsoft.com/office/powerpoint/2010/main" xmlns="" val="363920370"/>
+        <p14:creationId xmlns="" xmlns:p14="http://schemas.microsoft.com/office/powerpoint/2010/main" val="363920370"/>
       </p:ext>
     </p:extLst>
   </p:cSld>
@@ -3800,18 +3800,7 @@
                   </a:schemeClr>
                 </a:solidFill>
               </a:rPr>
-              <a:t> </a:t>
-            </a:r>
-            <a:r>
-              <a:rPr lang="zh-TW" altLang="en-US" sz="3200" dirty="0" smtClean="0">
-                <a:solidFill>
-                  <a:schemeClr val="tx2">
-                    <a:lumMod val="60000"/>
-                    <a:lumOff val="40000"/>
-                  </a:schemeClr>
-                </a:solidFill>
-              </a:rPr>
-              <a:t> </a:t>
+              <a:t>  </a:t>
             </a:r>
             <a:r>
               <a:rPr lang="en-US" altLang="zh-TW" sz="3200" dirty="0" smtClean="0">
@@ -3856,7 +3845,7 @@
     </p:spTree>
     <p:extLst>
       <p:ext uri="{BB962C8B-B14F-4D97-AF65-F5344CB8AC3E}">
-        <p14:creationId xmlns:p14="http://schemas.microsoft.com/office/powerpoint/2010/main" xmlns="" val="1101633878"/>
+        <p14:creationId xmlns="" xmlns:p14="http://schemas.microsoft.com/office/powerpoint/2010/main" val="1101633878"/>
       </p:ext>
     </p:extLst>
   </p:cSld>
@@ -4069,7 +4058,6 @@
               <a:rPr lang="en-US" altLang="zh-TW" dirty="0" smtClean="0"/>
               <a:t>:</a:t>
             </a:r>
-            <a:endParaRPr lang="en-US" altLang="zh-TW" dirty="0" smtClean="0"/>
           </a:p>
           <a:p>
             <a:r>
@@ -4253,7 +4241,6 @@
               <a:rPr lang="en-US" altLang="zh-TW" dirty="0" smtClean="0"/>
               <a:t>adults</a:t>
             </a:r>
-            <a:endParaRPr lang="en-US" altLang="zh-TW" dirty="0" smtClean="0"/>
           </a:p>
           <a:p>
             <a:pPr>
@@ -4301,11 +4288,7 @@
             </a:r>
             <a:r>
               <a:rPr lang="zh-TW" altLang="en-US" dirty="0" smtClean="0"/>
-              <a:t> </a:t>
-            </a:r>
-            <a:r>
-              <a:rPr lang="zh-TW" altLang="en-US" dirty="0" smtClean="0"/>
-              <a:t> </a:t>
+              <a:t>  </a:t>
             </a:r>
             <a:r>
               <a:rPr lang="en-US" altLang="zh-TW" dirty="0" smtClean="0"/>
@@ -4674,7 +4657,7 @@
     </p:spTree>
     <p:extLst>
       <p:ext uri="{BB962C8B-B14F-4D97-AF65-F5344CB8AC3E}">
-        <p14:creationId xmlns:p14="http://schemas.microsoft.com/office/powerpoint/2010/main" xmlns="" val="1101633878"/>
+        <p14:creationId xmlns="" xmlns:p14="http://schemas.microsoft.com/office/powerpoint/2010/main" val="1101633878"/>
       </p:ext>
     </p:extLst>
   </p:cSld>
@@ -5284,7 +5267,6 @@
               <a:rPr lang="en-US" altLang="zh-TW" dirty="0" smtClean="0"/>
               <a:t>,</a:t>
             </a:r>
-            <a:endParaRPr lang="en-US" altLang="zh-TW" dirty="0" smtClean="0"/>
           </a:p>
           <a:p>
             <a:pPr>
@@ -5322,7 +5304,6 @@
               <a:rPr lang="en-US" altLang="zh-TW" dirty="0" smtClean="0"/>
               <a:t>hormone</a:t>
             </a:r>
-            <a:endParaRPr lang="en-US" altLang="zh-TW" dirty="0" smtClean="0"/>
           </a:p>
           <a:p>
             <a:pPr>
@@ -5585,7 +5566,7 @@
     </p:spTree>
     <p:extLst>
       <p:ext uri="{BB962C8B-B14F-4D97-AF65-F5344CB8AC3E}">
-        <p14:creationId xmlns:p14="http://schemas.microsoft.com/office/powerpoint/2010/main" xmlns="" val="1101633878"/>
+        <p14:creationId xmlns="" xmlns:p14="http://schemas.microsoft.com/office/powerpoint/2010/main" val="1101633878"/>
       </p:ext>
     </p:extLst>
   </p:cSld>
@@ -5848,7 +5829,15 @@
                   <a:srgbClr val="00B0F0"/>
                 </a:solidFill>
               </a:rPr>
-              <a:t> </a:t>
+              <a:t>    </a:t>
+            </a:r>
+            <a:r>
+              <a:rPr lang="en-US" altLang="zh-TW" sz="3900" dirty="0" smtClean="0">
+                <a:solidFill>
+                  <a:srgbClr val="00B0F0"/>
+                </a:solidFill>
+              </a:rPr>
+              <a:t>How</a:t>
             </a:r>
             <a:r>
               <a:rPr lang="zh-TW" altLang="en-US" sz="3900" dirty="0" smtClean="0">
@@ -5856,7 +5845,7 @@
                   <a:srgbClr val="00B0F0"/>
                 </a:solidFill>
               </a:rPr>
-              <a:t>   </a:t>
+              <a:t>  </a:t>
             </a:r>
             <a:r>
               <a:rPr lang="en-US" altLang="zh-TW" sz="3900" dirty="0" smtClean="0">
@@ -5864,7 +5853,15 @@
                   <a:srgbClr val="00B0F0"/>
                 </a:solidFill>
               </a:rPr>
-              <a:t>H</a:t>
+              <a:t>many</a:t>
+            </a:r>
+            <a:r>
+              <a:rPr lang="zh-TW" altLang="en-US" sz="3900" dirty="0" smtClean="0">
+                <a:solidFill>
+                  <a:srgbClr val="00B0F0"/>
+                </a:solidFill>
+              </a:rPr>
+              <a:t>  </a:t>
             </a:r>
             <a:r>
               <a:rPr lang="en-US" altLang="zh-TW" sz="3900" dirty="0" smtClean="0">
@@ -5872,7 +5869,7 @@
                   <a:srgbClr val="00B0F0"/>
                 </a:solidFill>
               </a:rPr>
-              <a:t>ow</a:t>
+              <a:t>kinds</a:t>
             </a:r>
             <a:r>
               <a:rPr lang="zh-TW" altLang="en-US" sz="3900" dirty="0" smtClean="0">
@@ -5888,7 +5885,7 @@
                   <a:srgbClr val="00B0F0"/>
                 </a:solidFill>
               </a:rPr>
-              <a:t>many</a:t>
+              <a:t>of</a:t>
             </a:r>
             <a:r>
               <a:rPr lang="zh-TW" altLang="en-US" sz="3900" dirty="0" smtClean="0">
@@ -5904,45 +5901,8 @@
                   <a:srgbClr val="00B0F0"/>
                 </a:solidFill>
               </a:rPr>
-              <a:t>kinds</a:t>
-            </a:r>
-            <a:r>
-              <a:rPr lang="zh-TW" altLang="en-US" sz="3900" dirty="0" smtClean="0">
-                <a:solidFill>
-                  <a:srgbClr val="00B0F0"/>
-                </a:solidFill>
-              </a:rPr>
-              <a:t>  </a:t>
-            </a:r>
-            <a:r>
-              <a:rPr lang="en-US" altLang="zh-TW" sz="3900" dirty="0" smtClean="0">
-                <a:solidFill>
-                  <a:srgbClr val="00B0F0"/>
-                </a:solidFill>
-              </a:rPr>
-              <a:t>of</a:t>
-            </a:r>
-            <a:r>
-              <a:rPr lang="zh-TW" altLang="en-US" sz="3900" dirty="0" smtClean="0">
-                <a:solidFill>
-                  <a:srgbClr val="00B0F0"/>
-                </a:solidFill>
-              </a:rPr>
-              <a:t>  </a:t>
-            </a:r>
-            <a:r>
-              <a:rPr lang="en-US" altLang="zh-TW" sz="3900" dirty="0" smtClean="0">
-                <a:solidFill>
-                  <a:srgbClr val="00B0F0"/>
-                </a:solidFill>
-              </a:rPr>
               <a:t>incontinences</a:t>
             </a:r>
-            <a:endParaRPr lang="en-US" altLang="zh-TW" sz="3900" dirty="0" smtClean="0">
-              <a:solidFill>
-                <a:srgbClr val="00B0F0"/>
-              </a:solidFill>
-            </a:endParaRPr>
           </a:p>
           <a:p>
             <a:pPr>
@@ -6081,7 +6041,7 @@
     </p:spTree>
     <p:extLst>
       <p:ext uri="{BB962C8B-B14F-4D97-AF65-F5344CB8AC3E}">
-        <p14:creationId xmlns:p14="http://schemas.microsoft.com/office/powerpoint/2010/main" xmlns="" val="1101633878"/>
+        <p14:creationId xmlns="" xmlns:p14="http://schemas.microsoft.com/office/powerpoint/2010/main" val="1101633878"/>
       </p:ext>
     </p:extLst>
   </p:cSld>
@@ -6449,15 +6409,7 @@
                   <a:srgbClr val="017BA1"/>
                 </a:solidFill>
               </a:rPr>
-              <a:t> </a:t>
-            </a:r>
-            <a:r>
-              <a:rPr lang="zh-TW" altLang="en-US" dirty="0" smtClean="0">
-                <a:solidFill>
-                  <a:srgbClr val="017BA1"/>
-                </a:solidFill>
-              </a:rPr>
-              <a:t>   </a:t>
+              <a:t>    </a:t>
             </a:r>
             <a:r>
               <a:rPr lang="en-US" altLang="zh-TW" dirty="0" smtClean="0">
@@ -6529,7 +6481,7 @@
     </p:spTree>
     <p:extLst>
       <p:ext uri="{BB962C8B-B14F-4D97-AF65-F5344CB8AC3E}">
-        <p14:creationId xmlns:p14="http://schemas.microsoft.com/office/powerpoint/2010/main" xmlns="" val="1101633878"/>
+        <p14:creationId xmlns="" xmlns:p14="http://schemas.microsoft.com/office/powerpoint/2010/main" val="1101633878"/>
       </p:ext>
     </p:extLst>
   </p:cSld>
@@ -6780,11 +6732,7 @@
             </a:pPr>
             <a:r>
               <a:rPr lang="zh-TW" altLang="en-US" dirty="0" smtClean="0"/>
-              <a:t> </a:t>
-            </a:r>
-            <a:r>
-              <a:rPr lang="zh-TW" altLang="en-US" dirty="0" smtClean="0"/>
-              <a:t>   </a:t>
+              <a:t>    </a:t>
             </a:r>
             <a:r>
               <a:rPr lang="en-US" altLang="zh-TW" dirty="0" smtClean="0"/>
@@ -6845,11 +6793,7 @@
             </a:pPr>
             <a:r>
               <a:rPr lang="zh-TW" altLang="en-US" dirty="0" smtClean="0"/>
-              <a:t> </a:t>
-            </a:r>
-            <a:r>
-              <a:rPr lang="zh-TW" altLang="en-US" dirty="0" smtClean="0"/>
-              <a:t>   </a:t>
+              <a:t>    </a:t>
             </a:r>
             <a:r>
               <a:rPr lang="en-US" altLang="zh-TW" dirty="0" smtClean="0"/>
@@ -6928,7 +6872,7 @@
     </p:spTree>
     <p:extLst>
       <p:ext uri="{BB962C8B-B14F-4D97-AF65-F5344CB8AC3E}">
-        <p14:creationId xmlns:p14="http://schemas.microsoft.com/office/powerpoint/2010/main" xmlns="" val="1101633878"/>
+        <p14:creationId xmlns="" xmlns:p14="http://schemas.microsoft.com/office/powerpoint/2010/main" val="1101633878"/>
       </p:ext>
     </p:extLst>
   </p:cSld>
@@ -7341,7 +7285,6 @@
               <a:rPr lang="en-US" altLang="zh-TW" dirty="0" smtClean="0"/>
               <a:t>weak</a:t>
             </a:r>
-            <a:endParaRPr lang="en-US" altLang="zh-TW" dirty="0" smtClean="0"/>
           </a:p>
         </p:txBody>
       </p:sp>
@@ -7374,7 +7317,7 @@
     </p:spTree>
     <p:extLst>
       <p:ext uri="{BB962C8B-B14F-4D97-AF65-F5344CB8AC3E}">
-        <p14:creationId xmlns:p14="http://schemas.microsoft.com/office/powerpoint/2010/main" xmlns="" val="1101633878"/>
+        <p14:creationId xmlns="" xmlns:p14="http://schemas.microsoft.com/office/powerpoint/2010/main" val="1101633878"/>
       </p:ext>
     </p:extLst>
   </p:cSld>
@@ -7633,11 +7576,7 @@
             </a:pPr>
             <a:r>
               <a:rPr lang="zh-TW" altLang="en-US" dirty="0" smtClean="0"/>
-              <a:t> </a:t>
-            </a:r>
-            <a:r>
-              <a:rPr lang="zh-TW" altLang="en-US" dirty="0" smtClean="0"/>
-              <a:t>   </a:t>
+              <a:t>    </a:t>
             </a:r>
             <a:r>
               <a:rPr lang="en-US" altLang="zh-TW" dirty="0" smtClean="0"/>
@@ -7722,11 +7661,7 @@
             </a:pPr>
             <a:r>
               <a:rPr lang="zh-TW" altLang="en-US" dirty="0" smtClean="0"/>
-              <a:t> </a:t>
-            </a:r>
-            <a:r>
-              <a:rPr lang="zh-TW" altLang="en-US" dirty="0" smtClean="0"/>
-              <a:t>   </a:t>
+              <a:t>    </a:t>
             </a:r>
             <a:r>
               <a:rPr lang="en-US" altLang="zh-TW" dirty="0" smtClean="0"/>
@@ -7821,7 +7756,7 @@
     </p:spTree>
     <p:extLst>
       <p:ext uri="{BB962C8B-B14F-4D97-AF65-F5344CB8AC3E}">
-        <p14:creationId xmlns:p14="http://schemas.microsoft.com/office/powerpoint/2010/main" xmlns="" val="1101633878"/>
+        <p14:creationId xmlns="" xmlns:p14="http://schemas.microsoft.com/office/powerpoint/2010/main" val="1101633878"/>
       </p:ext>
     </p:extLst>
   </p:cSld>
@@ -8398,7 +8333,6 @@
               <a:rPr lang="en-US" altLang="zh-TW" sz="2600" dirty="0" smtClean="0"/>
               <a:t>injury</a:t>
             </a:r>
-            <a:endParaRPr lang="en-US" altLang="zh-TW" sz="2600" dirty="0" smtClean="0"/>
           </a:p>
           <a:p>
             <a:r>
@@ -8496,11 +8430,7 @@
             </a:pPr>
             <a:r>
               <a:rPr lang="zh-TW" altLang="en-US" sz="2600" dirty="0" smtClean="0"/>
-              <a:t> </a:t>
-            </a:r>
-            <a:r>
-              <a:rPr lang="zh-TW" altLang="en-US" sz="2600" dirty="0" smtClean="0"/>
-              <a:t>    </a:t>
+              <a:t>     </a:t>
             </a:r>
             <a:r>
               <a:rPr lang="en-US" altLang="zh-TW" sz="2600" dirty="0" smtClean="0"/>
@@ -8619,7 +8549,7 @@
     </p:spTree>
     <p:extLst>
       <p:ext uri="{BB962C8B-B14F-4D97-AF65-F5344CB8AC3E}">
-        <p14:creationId xmlns:p14="http://schemas.microsoft.com/office/powerpoint/2010/main" xmlns="" val="1101633878"/>
+        <p14:creationId xmlns="" xmlns:p14="http://schemas.microsoft.com/office/powerpoint/2010/main" val="1101633878"/>
       </p:ext>
     </p:extLst>
   </p:cSld>
@@ -8859,11 +8789,7 @@
             </a:pPr>
             <a:r>
               <a:rPr lang="zh-TW" altLang="en-US" dirty="0" smtClean="0"/>
-              <a:t> </a:t>
-            </a:r>
-            <a:r>
-              <a:rPr lang="zh-TW" altLang="en-US" dirty="0" smtClean="0"/>
-              <a:t>   </a:t>
+              <a:t>    </a:t>
             </a:r>
             <a:r>
               <a:rPr lang="en-US" altLang="zh-TW" dirty="0" smtClean="0"/>
@@ -8932,11 +8858,7 @@
             </a:pPr>
             <a:r>
               <a:rPr lang="zh-TW" altLang="en-US" dirty="0" smtClean="0"/>
-              <a:t> </a:t>
-            </a:r>
-            <a:r>
-              <a:rPr lang="zh-TW" altLang="en-US" dirty="0" smtClean="0"/>
-              <a:t>   </a:t>
+              <a:t>    </a:t>
             </a:r>
             <a:r>
               <a:rPr lang="en-US" altLang="zh-TW" dirty="0" smtClean="0"/>
@@ -9013,11 +8935,7 @@
             </a:pPr>
             <a:r>
               <a:rPr lang="zh-TW" altLang="en-US" dirty="0" smtClean="0"/>
-              <a:t> </a:t>
-            </a:r>
-            <a:r>
-              <a:rPr lang="zh-TW" altLang="en-US" dirty="0" smtClean="0"/>
-              <a:t>   </a:t>
+              <a:t>    </a:t>
             </a:r>
             <a:r>
               <a:rPr lang="en-US" altLang="zh-TW" dirty="0" smtClean="0"/>
@@ -9070,11 +8988,7 @@
             </a:pPr>
             <a:r>
               <a:rPr lang="zh-TW" altLang="en-US" dirty="0" smtClean="0"/>
-              <a:t> </a:t>
-            </a:r>
-            <a:r>
-              <a:rPr lang="zh-TW" altLang="en-US" dirty="0" smtClean="0"/>
-              <a:t>   </a:t>
+              <a:t>    </a:t>
             </a:r>
             <a:r>
               <a:rPr lang="en-US" altLang="zh-TW" dirty="0" smtClean="0"/>
@@ -9143,11 +9057,7 @@
             </a:pPr>
             <a:r>
               <a:rPr lang="zh-TW" altLang="en-US" dirty="0" smtClean="0"/>
-              <a:t> </a:t>
-            </a:r>
-            <a:r>
-              <a:rPr lang="zh-TW" altLang="en-US" dirty="0" smtClean="0"/>
-              <a:t>   </a:t>
+              <a:t>    </a:t>
             </a:r>
             <a:r>
               <a:rPr lang="en-US" altLang="zh-TW" dirty="0" smtClean="0"/>
@@ -9224,7 +9134,7 @@
     </p:spTree>
     <p:extLst>
       <p:ext uri="{BB962C8B-B14F-4D97-AF65-F5344CB8AC3E}">
-        <p14:creationId xmlns:p14="http://schemas.microsoft.com/office/powerpoint/2010/main" xmlns="" val="1101633878"/>
+        <p14:creationId xmlns="" xmlns:p14="http://schemas.microsoft.com/office/powerpoint/2010/main" val="1101633878"/>
       </p:ext>
     </p:extLst>
   </p:cSld>
@@ -9298,19 +9208,19 @@
           <a:lstStyle/>
           <a:p>
             <a:r>
-              <a:rPr lang="en-US" altLang="zh-TW" dirty="0" smtClean="0"/>
+              <a:rPr lang="en-US" altLang="zh-TW" b="1" dirty="0" smtClean="0"/>
               <a:t>Urinary</a:t>
             </a:r>
             <a:r>
-              <a:rPr lang="zh-TW" altLang="en-US" dirty="0" smtClean="0"/>
-              <a:t> </a:t>
-            </a:r>
-            <a:r>
-              <a:rPr lang="en-US" altLang="zh-TW" dirty="0" smtClean="0"/>
+              <a:rPr lang="zh-TW" altLang="en-US" b="1" dirty="0" smtClean="0"/>
+              <a:t> </a:t>
+            </a:r>
+            <a:r>
+              <a:rPr lang="en-US" altLang="zh-TW" b="1" dirty="0" smtClean="0"/>
               <a:t>incontinence</a:t>
             </a:r>
             <a:r>
-              <a:rPr lang="zh-TW" altLang="en-US" dirty="0" smtClean="0"/>
+              <a:rPr lang="zh-TW" altLang="en-US" b="1" dirty="0" smtClean="0"/>
               <a:t>  </a:t>
             </a:r>
             <a:r>
@@ -9334,19 +9244,39 @@
               <a:t> </a:t>
             </a:r>
             <a:r>
-              <a:rPr lang="zh-TW" altLang="en-US" dirty="0" smtClean="0"/>
-              <a:t>   </a:t>
-            </a:r>
-            <a:endParaRPr lang="en-US" dirty="0" smtClean="0"/>
-          </a:p>
-          <a:p>
-            <a:r>
-              <a:rPr lang="en-US" altLang="zh-TW" dirty="0" smtClean="0"/>
+              <a:rPr lang="en-US" altLang="zh-TW" dirty="0" smtClean="0"/>
+              <a:t> </a:t>
+            </a:r>
+            <a:r>
+              <a:rPr lang="zh-TW" altLang="en-US" dirty="0" smtClean="0"/>
+              <a:t> </a:t>
+            </a:r>
+            <a:r>
+              <a:rPr lang="zh-TW" altLang="en-US" dirty="0" smtClean="0"/>
+              <a:t>    </a:t>
+            </a:r>
+            <a:r>
+              <a:rPr lang="en-US" altLang="zh-TW" i="1" dirty="0" smtClean="0"/>
+              <a:t>any </a:t>
+            </a:r>
+            <a:r>
+              <a:rPr lang="en-US" altLang="zh-TW" i="1" dirty="0" smtClean="0"/>
+              <a:t>leakage of urine or fecal matter</a:t>
+            </a:r>
+            <a:endParaRPr lang="en-US" i="1" dirty="0" smtClean="0"/>
+          </a:p>
+          <a:p>
+            <a:r>
+              <a:rPr lang="en-US" altLang="zh-TW" b="1" dirty="0" smtClean="0"/>
               <a:t>Vaginal</a:t>
             </a:r>
             <a:r>
-              <a:rPr lang="zh-TW" altLang="en-US" dirty="0" smtClean="0"/>
-              <a:t>  </a:t>
+              <a:rPr lang="zh-TW" altLang="en-US" b="1" dirty="0" smtClean="0"/>
+              <a:t> </a:t>
+            </a:r>
+            <a:r>
+              <a:rPr lang="zh-TW" altLang="en-US" dirty="0" smtClean="0"/>
+              <a:t> </a:t>
             </a:r>
             <a:r>
               <a:rPr lang="zh-TW" altLang="en-US" dirty="0" smtClean="0">
@@ -9369,14 +9299,40 @@
                 <a:latin typeface="微軟正黑體" pitchFamily="34" charset="-120"/>
                 <a:ea typeface="微軟正黑體" pitchFamily="34" charset="-120"/>
               </a:rPr>
-              <a:t> </a:t>
+              <a:t>      </a:t>
+            </a:r>
+            <a:r>
+              <a:rPr lang="en-US" altLang="zh-TW" i="1" dirty="0" smtClean="0"/>
+              <a:t>o</a:t>
+            </a:r>
+            <a:r>
+              <a:rPr lang="en-US" altLang="zh-TW" i="1" dirty="0" smtClean="0"/>
+              <a:t>f</a:t>
+            </a:r>
+            <a:r>
+              <a:rPr lang="en-US" altLang="zh-TW" i="1" dirty="0" smtClean="0"/>
+              <a:t> or relating to the vagina</a:t>
+            </a:r>
+            <a:endParaRPr lang="en-US" altLang="zh-TW" i="1" dirty="0" smtClean="0">
+              <a:latin typeface="微軟正黑體" pitchFamily="34" charset="-120"/>
+              <a:ea typeface="微軟正黑體" pitchFamily="34" charset="-120"/>
+            </a:endParaRPr>
+          </a:p>
+          <a:p>
+            <a:r>
+              <a:rPr lang="en-US" altLang="zh-TW" b="1" dirty="0" smtClean="0"/>
+              <a:t>Urologic</a:t>
+            </a:r>
+            <a:r>
+              <a:rPr lang="zh-TW" altLang="en-US" dirty="0" smtClean="0"/>
+              <a:t>  </a:t>
             </a:r>
             <a:r>
               <a:rPr lang="zh-TW" altLang="en-US" dirty="0" smtClean="0">
                 <a:latin typeface="微軟正黑體" pitchFamily="34" charset="-120"/>
                 <a:ea typeface="微軟正黑體" pitchFamily="34" charset="-120"/>
               </a:rPr>
-              <a:t>   </a:t>
+              <a:t>泌尿科的</a:t>
             </a:r>
             <a:endParaRPr lang="en-US" altLang="zh-TW" dirty="0" smtClean="0">
               <a:latin typeface="微軟正黑體" pitchFamily="34" charset="-120"/>
@@ -9384,45 +9340,28 @@
             </a:endParaRPr>
           </a:p>
           <a:p>
-            <a:r>
-              <a:rPr lang="en-US" altLang="zh-TW" dirty="0" smtClean="0"/>
-              <a:t>Urologic</a:t>
-            </a:r>
-            <a:r>
-              <a:rPr lang="zh-TW" altLang="en-US" dirty="0" smtClean="0"/>
-              <a:t>  </a:t>
-            </a:r>
+            <a:pPr>
+              <a:buNone/>
+            </a:pPr>
             <a:r>
               <a:rPr lang="zh-TW" altLang="en-US" dirty="0" smtClean="0">
                 <a:latin typeface="微軟正黑體" pitchFamily="34" charset="-120"/>
                 <a:ea typeface="微軟正黑體" pitchFamily="34" charset="-120"/>
               </a:rPr>
-              <a:t>泌尿科的</a:t>
-            </a:r>
-            <a:endParaRPr lang="en-US" altLang="zh-TW" dirty="0" smtClean="0">
-              <a:latin typeface="微軟正黑體" pitchFamily="34" charset="-120"/>
-              <a:ea typeface="微軟正黑體" pitchFamily="34" charset="-120"/>
-            </a:endParaRPr>
-          </a:p>
-          <a:p>
-            <a:pPr>
-              <a:buNone/>
-            </a:pPr>
-            <a:r>
-              <a:rPr lang="zh-TW" altLang="en-US" dirty="0" smtClean="0">
+              <a:t>     </a:t>
+            </a:r>
+            <a:r>
+              <a:rPr lang="zh-TW" altLang="en-US" i="1" dirty="0" smtClean="0">
                 <a:latin typeface="微軟正黑體" pitchFamily="34" charset="-120"/>
                 <a:ea typeface="微軟正黑體" pitchFamily="34" charset="-120"/>
               </a:rPr>
               <a:t> </a:t>
             </a:r>
             <a:r>
-              <a:rPr lang="zh-TW" altLang="en-US" dirty="0" smtClean="0">
-                <a:latin typeface="微軟正黑體" pitchFamily="34" charset="-120"/>
-                <a:ea typeface="微軟正黑體" pitchFamily="34" charset="-120"/>
-              </a:rPr>
-              <a:t>   </a:t>
-            </a:r>
-            <a:endParaRPr lang="en-US" dirty="0" smtClean="0">
+              <a:rPr lang="en-US" altLang="zh-TW" i="1" dirty="0" smtClean="0"/>
+              <a:t>pertaining to the scientific study of the urinary tract</a:t>
+            </a:r>
+            <a:endParaRPr lang="en-US" i="1" dirty="0" smtClean="0">
               <a:latin typeface="微軟正黑體" pitchFamily="34" charset="-120"/>
               <a:ea typeface="微軟正黑體" pitchFamily="34" charset="-120"/>
             </a:endParaRPr>
@@ -9435,7 +9374,7 @@
     </p:spTree>
     <p:extLst>
       <p:ext uri="{BB962C8B-B14F-4D97-AF65-F5344CB8AC3E}">
-        <p14:creationId xmlns:p14="http://schemas.microsoft.com/office/powerpoint/2010/main" xmlns="" val="4103309497"/>
+        <p14:creationId xmlns="" xmlns:p14="http://schemas.microsoft.com/office/powerpoint/2010/main" val="4103309497"/>
       </p:ext>
     </p:extLst>
   </p:cSld>
@@ -9669,7 +9608,7 @@
     </p:spTree>
     <p:extLst>
       <p:ext uri="{BB962C8B-B14F-4D97-AF65-F5344CB8AC3E}">
-        <p14:creationId xmlns:p14="http://schemas.microsoft.com/office/powerpoint/2010/main" xmlns="" val="1101633878"/>
+        <p14:creationId xmlns="" xmlns:p14="http://schemas.microsoft.com/office/powerpoint/2010/main" val="1101633878"/>
       </p:ext>
     </p:extLst>
   </p:cSld>
@@ -9778,7 +9717,7 @@
     </p:spTree>
     <p:extLst>
       <p:ext uri="{BB962C8B-B14F-4D97-AF65-F5344CB8AC3E}">
-        <p14:creationId xmlns:p14="http://schemas.microsoft.com/office/powerpoint/2010/main" xmlns="" val="4103309497"/>
+        <p14:creationId xmlns="" xmlns:p14="http://schemas.microsoft.com/office/powerpoint/2010/main" val="4103309497"/>
       </p:ext>
     </p:extLst>
   </p:cSld>
@@ -10043,7 +9982,7 @@
     </p:spTree>
     <p:extLst>
       <p:ext uri="{BB962C8B-B14F-4D97-AF65-F5344CB8AC3E}">
-        <p14:creationId xmlns:p14="http://schemas.microsoft.com/office/powerpoint/2010/main" xmlns="" val="4170783713"/>
+        <p14:creationId xmlns="" xmlns:p14="http://schemas.microsoft.com/office/powerpoint/2010/main" val="4170783713"/>
       </p:ext>
     </p:extLst>
   </p:cSld>
@@ -10111,25 +10050,32 @@
             <p:ph idx="1"/>
           </p:nvPr>
         </p:nvSpPr>
-        <p:spPr/>
+        <p:spPr>
+          <a:xfrm>
+            <a:off x="448965" y="1138425"/>
+            <a:ext cx="8229600" cy="4525963"/>
+          </a:xfrm>
+        </p:spPr>
         <p:txBody>
-          <a:bodyPr/>
+          <a:bodyPr>
+            <a:normAutofit lnSpcReduction="10000"/>
+          </a:bodyPr>
           <a:lstStyle/>
           <a:p>
             <a:r>
-              <a:rPr lang="en-US" altLang="zh-TW" dirty="0" smtClean="0"/>
+              <a:rPr lang="en-US" altLang="zh-TW" b="1" dirty="0" smtClean="0"/>
               <a:t>Urethral</a:t>
             </a:r>
             <a:r>
-              <a:rPr lang="zh-TW" altLang="en-US" dirty="0" smtClean="0"/>
-              <a:t> </a:t>
-            </a:r>
-            <a:r>
-              <a:rPr lang="en-US" altLang="zh-TW" dirty="0" smtClean="0"/>
+              <a:rPr lang="zh-TW" altLang="en-US" b="1" dirty="0" smtClean="0"/>
+              <a:t> </a:t>
+            </a:r>
+            <a:r>
+              <a:rPr lang="en-US" altLang="zh-TW" b="1" dirty="0" smtClean="0"/>
               <a:t>sphincter</a:t>
             </a:r>
             <a:r>
-              <a:rPr lang="zh-TW" altLang="en-US" dirty="0" smtClean="0"/>
+              <a:rPr lang="zh-TW" altLang="en-US" b="1" dirty="0" smtClean="0"/>
               <a:t> </a:t>
             </a:r>
             <a:r>
@@ -10154,25 +10100,55 @@
             </a:r>
             <a:r>
               <a:rPr lang="zh-TW" altLang="en-US" dirty="0" smtClean="0"/>
-              <a:t>   </a:t>
-            </a:r>
-            <a:endParaRPr lang="en-US" dirty="0" smtClean="0"/>
-          </a:p>
-          <a:p>
-            <a:r>
-              <a:rPr lang="en-US" altLang="zh-TW" dirty="0" smtClean="0"/>
+              <a:t>      </a:t>
+            </a:r>
+            <a:r>
+              <a:rPr lang="en-US" altLang="zh-TW" i="1" dirty="0" smtClean="0"/>
+              <a:t>one </a:t>
+            </a:r>
+            <a:r>
+              <a:rPr lang="en-US" altLang="zh-TW" i="1" dirty="0" smtClean="0"/>
+              <a:t>of two muscles used to control the exit </a:t>
+            </a:r>
+            <a:endParaRPr lang="en-US" altLang="zh-TW" i="1" dirty="0" smtClean="0"/>
+          </a:p>
+          <a:p>
+            <a:pPr>
+              <a:buNone/>
+            </a:pPr>
+            <a:r>
+              <a:rPr lang="zh-TW" altLang="en-US" i="1" dirty="0" smtClean="0"/>
+              <a:t> </a:t>
+            </a:r>
+            <a:r>
+              <a:rPr lang="zh-TW" altLang="en-US" i="1" dirty="0" smtClean="0"/>
+              <a:t>      </a:t>
+            </a:r>
+            <a:r>
+              <a:rPr lang="en-US" altLang="zh-TW" i="1" dirty="0" smtClean="0"/>
+              <a:t>of</a:t>
+            </a:r>
+            <a:r>
+              <a:rPr lang="en-US" altLang="zh-TW" i="1" dirty="0" smtClean="0"/>
+              <a:t> urine in the urinary bladder through the urethra</a:t>
+            </a:r>
+            <a:endParaRPr lang="en-US" i="1" dirty="0" smtClean="0"/>
+          </a:p>
+          <a:p>
+            <a:r>
+              <a:rPr lang="en-US" altLang="zh-TW" b="1" dirty="0" smtClean="0"/>
               <a:t>Urge</a:t>
             </a:r>
             <a:r>
-              <a:rPr lang="zh-TW" altLang="en-US" dirty="0" smtClean="0"/>
-              <a:t> </a:t>
-            </a:r>
-            <a:r>
-              <a:rPr lang="en-US" altLang="zh-TW" dirty="0" smtClean="0"/>
+              <a:rPr lang="zh-TW" altLang="en-US" b="1" dirty="0" smtClean="0"/>
+              <a:t> </a:t>
+            </a:r>
+            <a:r>
+              <a:rPr lang="en-US" altLang="zh-TW" b="1" dirty="0" smtClean="0"/>
               <a:t>incontinence</a:t>
             </a:r>
             <a:r>
-              <a:rPr lang="zh-TW" altLang="en-US" dirty="0" smtClean="0"/>
+              <a:rPr lang="zh-TW" altLang="en-US" b="1" dirty="0" smtClean="0"/>
               <a:t>  </a:t>
             </a:r>
             <a:r>
@@ -10203,7 +10179,62 @@
                 <a:latin typeface="微軟正黑體" pitchFamily="34" charset="-120"/>
                 <a:ea typeface="微軟正黑體" pitchFamily="34" charset="-120"/>
               </a:rPr>
-              <a:t>   </a:t>
+              <a:t>      </a:t>
+            </a:r>
+            <a:r>
+              <a:rPr lang="en-US" altLang="zh-TW" i="1" dirty="0" smtClean="0"/>
+              <a:t>a </a:t>
+            </a:r>
+            <a:r>
+              <a:rPr lang="en-US" altLang="zh-TW" i="1" dirty="0" smtClean="0"/>
+              <a:t>form of urinary incontinence characterized by the </a:t>
+            </a:r>
+            <a:endParaRPr lang="en-US" altLang="zh-TW" i="1" dirty="0" smtClean="0"/>
+          </a:p>
+          <a:p>
+            <a:pPr>
+              <a:buNone/>
+            </a:pPr>
+            <a:r>
+              <a:rPr lang="zh-TW" altLang="en-US" i="1" dirty="0" smtClean="0"/>
+              <a:t> </a:t>
+            </a:r>
+            <a:r>
+              <a:rPr lang="zh-TW" altLang="en-US" i="1" dirty="0" smtClean="0"/>
+              <a:t>       </a:t>
+            </a:r>
+            <a:r>
+              <a:rPr lang="en-US" altLang="zh-TW" i="1" dirty="0" smtClean="0"/>
+              <a:t>involuntary </a:t>
+            </a:r>
+            <a:r>
+              <a:rPr lang="en-US" altLang="zh-TW" i="1" dirty="0" smtClean="0"/>
+              <a:t>loss of </a:t>
+            </a:r>
+            <a:r>
+              <a:rPr lang="en-US" altLang="zh-TW" i="1" dirty="0" smtClean="0"/>
+              <a:t>urine</a:t>
+            </a:r>
+            <a:endParaRPr lang="en-US" altLang="zh-TW" i="1" dirty="0" smtClean="0">
+              <a:latin typeface="微軟正黑體" pitchFamily="34" charset="-120"/>
+              <a:ea typeface="微軟正黑體" pitchFamily="34" charset="-120"/>
+            </a:endParaRPr>
+          </a:p>
+          <a:p>
+            <a:r>
+              <a:rPr lang="en-US" altLang="zh-TW" b="1" dirty="0" smtClean="0"/>
+              <a:t>Contraction</a:t>
+            </a:r>
+            <a:r>
+              <a:rPr lang="zh-TW" altLang="en-US" dirty="0" smtClean="0"/>
+              <a:t>  </a:t>
+            </a:r>
+            <a:r>
+              <a:rPr lang="zh-TW" altLang="en-US" dirty="0" smtClean="0">
+                <a:latin typeface="微軟正黑體" pitchFamily="34" charset="-120"/>
+                <a:ea typeface="微軟正黑體" pitchFamily="34" charset="-120"/>
+              </a:rPr>
+              <a:t>收縮</a:t>
             </a:r>
             <a:endParaRPr lang="en-US" altLang="zh-TW" dirty="0" smtClean="0">
               <a:latin typeface="微軟正黑體" pitchFamily="34" charset="-120"/>
@@ -10211,45 +10242,50 @@
             </a:endParaRPr>
           </a:p>
           <a:p>
-            <a:r>
-              <a:rPr lang="en-US" altLang="zh-TW" dirty="0" smtClean="0"/>
-              <a:t>Contraction</a:t>
-            </a:r>
-            <a:r>
-              <a:rPr lang="zh-TW" altLang="en-US" dirty="0" smtClean="0"/>
-              <a:t>  </a:t>
-            </a:r>
+            <a:pPr>
+              <a:buNone/>
+            </a:pPr>
             <a:r>
               <a:rPr lang="zh-TW" altLang="en-US" dirty="0" smtClean="0">
                 <a:latin typeface="微軟正黑體" pitchFamily="34" charset="-120"/>
                 <a:ea typeface="微軟正黑體" pitchFamily="34" charset="-120"/>
               </a:rPr>
-              <a:t>收縮</a:t>
-            </a:r>
-            <a:endParaRPr lang="en-US" altLang="zh-TW" dirty="0" smtClean="0">
-              <a:latin typeface="微軟正黑體" pitchFamily="34" charset="-120"/>
-              <a:ea typeface="微軟正黑體" pitchFamily="34" charset="-120"/>
-            </a:endParaRPr>
-          </a:p>
-          <a:p>
-            <a:pPr>
-              <a:buNone/>
-            </a:pPr>
+              <a:t> </a:t>
+            </a:r>
             <a:r>
               <a:rPr lang="zh-TW" altLang="en-US" dirty="0" smtClean="0">
                 <a:latin typeface="微軟正黑體" pitchFamily="34" charset="-120"/>
                 <a:ea typeface="微軟正黑體" pitchFamily="34" charset="-120"/>
               </a:rPr>
-              <a:t> </a:t>
-            </a:r>
-            <a:r>
-              <a:rPr lang="zh-TW" altLang="en-US" dirty="0" smtClean="0">
-                <a:latin typeface="微軟正黑體" pitchFamily="34" charset="-120"/>
-                <a:ea typeface="微軟正黑體" pitchFamily="34" charset="-120"/>
-              </a:rPr>
-              <a:t>   </a:t>
-            </a:r>
-            <a:endParaRPr lang="en-US" dirty="0" smtClean="0">
+              <a:t>       </a:t>
+            </a:r>
+            <a:r>
+              <a:rPr lang="en-US" altLang="zh-TW" i="1" dirty="0" smtClean="0"/>
+              <a:t>a </a:t>
+            </a:r>
+            <a:r>
+              <a:rPr lang="en-US" altLang="zh-TW" i="1" dirty="0" smtClean="0"/>
+              <a:t>movement of a muscle that causes it to become </a:t>
+            </a:r>
+            <a:endParaRPr lang="en-US" altLang="zh-TW" i="1" dirty="0" smtClean="0"/>
+          </a:p>
+          <a:p>
+            <a:pPr>
+              <a:buNone/>
+            </a:pPr>
+            <a:r>
+              <a:rPr lang="zh-TW" altLang="en-US" i="1" dirty="0" smtClean="0"/>
+              <a:t> </a:t>
+            </a:r>
+            <a:r>
+              <a:rPr lang="zh-TW" altLang="en-US" i="1" dirty="0" smtClean="0"/>
+              <a:t>                  </a:t>
+            </a:r>
+            <a:r>
+              <a:rPr lang="en-US" altLang="zh-TW" i="1" dirty="0" smtClean="0"/>
+              <a:t>tight</a:t>
+            </a:r>
+            <a:endParaRPr lang="en-US" i="1" dirty="0" smtClean="0">
               <a:latin typeface="微軟正黑體" pitchFamily="34" charset="-120"/>
               <a:ea typeface="微軟正黑體" pitchFamily="34" charset="-120"/>
             </a:endParaRPr>
@@ -10262,7 +10298,7 @@
     </p:spTree>
     <p:extLst>
       <p:ext uri="{BB962C8B-B14F-4D97-AF65-F5344CB8AC3E}">
-        <p14:creationId xmlns:p14="http://schemas.microsoft.com/office/powerpoint/2010/main" xmlns="" val="4103309497"/>
+        <p14:creationId xmlns="" xmlns:p14="http://schemas.microsoft.com/office/powerpoint/2010/main" val="4103309497"/>
       </p:ext>
     </p:extLst>
   </p:cSld>
@@ -10336,20 +10372,24 @@
           <a:lstStyle/>
           <a:p>
             <a:r>
-              <a:rPr lang="en-US" altLang="zh-TW" dirty="0" err="1" smtClean="0"/>
+              <a:rPr lang="en-US" altLang="zh-TW" b="1" dirty="0" err="1" smtClean="0"/>
               <a:t>Detrusor</a:t>
             </a:r>
             <a:r>
-              <a:rPr lang="zh-TW" altLang="en-US" dirty="0" smtClean="0"/>
-              <a:t> </a:t>
-            </a:r>
-            <a:r>
-              <a:rPr lang="en-US" altLang="zh-TW" dirty="0" smtClean="0"/>
+              <a:rPr lang="zh-TW" altLang="en-US" b="1" dirty="0" smtClean="0"/>
+              <a:t> </a:t>
+            </a:r>
+            <a:r>
+              <a:rPr lang="en-US" altLang="zh-TW" b="1" dirty="0" smtClean="0"/>
               <a:t>muscle</a:t>
             </a:r>
             <a:r>
-              <a:rPr lang="zh-TW" altLang="en-US" dirty="0" smtClean="0"/>
-              <a:t>  迫尿肌</a:t>
+              <a:rPr lang="zh-TW" altLang="en-US" b="1" dirty="0" smtClean="0"/>
+              <a:t>  </a:t>
+            </a:r>
+            <a:r>
+              <a:rPr lang="zh-TW" altLang="en-US" dirty="0" smtClean="0"/>
+              <a:t>迫尿肌</a:t>
             </a:r>
             <a:endParaRPr lang="en-US" altLang="zh-TW" dirty="0" smtClean="0">
               <a:latin typeface="微軟正黑體" pitchFamily="34" charset="-120"/>
@@ -10361,38 +10401,50 @@
               <a:buNone/>
             </a:pPr>
             <a:r>
-              <a:rPr lang="zh-TW" altLang="en-US" dirty="0" smtClean="0"/>
-              <a:t> </a:t>
-            </a:r>
-            <a:r>
-              <a:rPr lang="zh-TW" altLang="en-US" dirty="0" smtClean="0"/>
-              <a:t>   </a:t>
-            </a:r>
-            <a:endParaRPr lang="en-US" dirty="0" smtClean="0"/>
-          </a:p>
-          <a:p>
-            <a:r>
-              <a:rPr lang="en-US" altLang="zh-TW" dirty="0" smtClean="0"/>
+              <a:rPr lang="zh-TW" altLang="en-US" i="1" dirty="0" smtClean="0"/>
+              <a:t>       </a:t>
+            </a:r>
+            <a:r>
+              <a:rPr lang="en-US" altLang="zh-TW" i="1" dirty="0" err="1" smtClean="0"/>
+              <a:t>muscularis</a:t>
+            </a:r>
+            <a:r>
+              <a:rPr lang="en-US" altLang="zh-TW" i="1" dirty="0" smtClean="0"/>
+              <a:t> </a:t>
+            </a:r>
+            <a:r>
+              <a:rPr lang="en-US" altLang="zh-TW" i="1" dirty="0" err="1" smtClean="0"/>
+              <a:t>propria</a:t>
+            </a:r>
+            <a:r>
+              <a:rPr lang="en-US" altLang="zh-TW" i="1" dirty="0" smtClean="0"/>
+              <a:t> of the urinary bladder</a:t>
+            </a:r>
+            <a:endParaRPr lang="en-US" i="1" dirty="0" smtClean="0"/>
+          </a:p>
+          <a:p>
+            <a:r>
+              <a:rPr lang="en-US" altLang="zh-TW" b="1" dirty="0" smtClean="0"/>
               <a:t>Pelvic</a:t>
             </a:r>
             <a:r>
-              <a:rPr lang="zh-TW" altLang="en-US" dirty="0" smtClean="0"/>
-              <a:t> </a:t>
-            </a:r>
-            <a:r>
-              <a:rPr lang="en-US" altLang="zh-TW" dirty="0" smtClean="0"/>
+              <a:rPr lang="zh-TW" altLang="en-US" b="1" dirty="0" smtClean="0"/>
+              <a:t> </a:t>
+            </a:r>
+            <a:r>
+              <a:rPr lang="en-US" altLang="zh-TW" b="1" dirty="0" smtClean="0"/>
               <a:t>floor</a:t>
             </a:r>
             <a:r>
-              <a:rPr lang="zh-TW" altLang="en-US" dirty="0" smtClean="0"/>
-              <a:t> </a:t>
-            </a:r>
-            <a:r>
-              <a:rPr lang="en-US" altLang="zh-TW" dirty="0" smtClean="0"/>
+              <a:rPr lang="zh-TW" altLang="en-US" b="1" dirty="0" smtClean="0"/>
+              <a:t> </a:t>
+            </a:r>
+            <a:r>
+              <a:rPr lang="en-US" altLang="zh-TW" b="1" dirty="0" smtClean="0"/>
               <a:t>muscle</a:t>
             </a:r>
             <a:r>
-              <a:rPr lang="zh-TW" altLang="en-US" dirty="0" smtClean="0"/>
+              <a:rPr lang="zh-TW" altLang="en-US" b="1" dirty="0" smtClean="0"/>
               <a:t>  </a:t>
             </a:r>
             <a:r>
@@ -10423,7 +10475,101 @@
                 <a:latin typeface="微軟正黑體" pitchFamily="34" charset="-120"/>
                 <a:ea typeface="微軟正黑體" pitchFamily="34" charset="-120"/>
               </a:rPr>
-              <a:t>   </a:t>
+              <a:t>     </a:t>
+            </a:r>
+            <a:r>
+              <a:rPr lang="en-US" altLang="zh-TW" i="1" dirty="0" smtClean="0"/>
+              <a:t>a </a:t>
+            </a:r>
+            <a:r>
+              <a:rPr lang="en-US" altLang="zh-TW" i="1" dirty="0" smtClean="0"/>
+              <a:t>muscular partition formed by the </a:t>
+            </a:r>
+            <a:r>
+              <a:rPr lang="en-US" altLang="zh-TW" i="1" dirty="0" err="1" smtClean="0"/>
+              <a:t>levatores</a:t>
+            </a:r>
+            <a:r>
+              <a:rPr lang="en-US" altLang="zh-TW" i="1" dirty="0" smtClean="0"/>
+              <a:t> </a:t>
+            </a:r>
+            <a:r>
+              <a:rPr lang="en-US" altLang="zh-TW" i="1" dirty="0" err="1" smtClean="0"/>
+              <a:t>ani</a:t>
+            </a:r>
+            <a:r>
+              <a:rPr lang="en-US" altLang="zh-TW" i="1" dirty="0" smtClean="0"/>
+              <a:t> </a:t>
+            </a:r>
+            <a:r>
+              <a:rPr lang="zh-TW" altLang="en-US" i="1" dirty="0" smtClean="0"/>
+              <a:t>  </a:t>
+            </a:r>
+            <a:endParaRPr lang="en-US" altLang="zh-TW" i="1" dirty="0" smtClean="0"/>
+          </a:p>
+          <a:p>
+            <a:pPr>
+              <a:buNone/>
+            </a:pPr>
+            <a:r>
+              <a:rPr lang="zh-TW" altLang="en-US" i="1" dirty="0" smtClean="0"/>
+              <a:t> </a:t>
+            </a:r>
+            <a:r>
+              <a:rPr lang="zh-TW" altLang="en-US" i="1" dirty="0" smtClean="0"/>
+              <a:t>      </a:t>
+            </a:r>
+            <a:r>
+              <a:rPr lang="en-US" altLang="zh-TW" i="1" dirty="0" smtClean="0"/>
+              <a:t>and </a:t>
+            </a:r>
+            <a:r>
+              <a:rPr lang="en-US" altLang="zh-TW" i="1" dirty="0" err="1" smtClean="0"/>
+              <a:t>coccygei</a:t>
+            </a:r>
+            <a:endParaRPr lang="en-US" altLang="zh-TW" i="1" dirty="0" smtClean="0">
+              <a:latin typeface="微軟正黑體" pitchFamily="34" charset="-120"/>
+              <a:ea typeface="微軟正黑體" pitchFamily="34" charset="-120"/>
+            </a:endParaRPr>
+          </a:p>
+          <a:p>
+            <a:r>
+              <a:rPr lang="en-US" altLang="zh-TW" b="1" dirty="0" smtClean="0"/>
+              <a:t>Intra</a:t>
+            </a:r>
+            <a:r>
+              <a:rPr lang="zh-TW" altLang="en-US" b="1" dirty="0" smtClean="0"/>
+              <a:t> </a:t>
+            </a:r>
+            <a:r>
+              <a:rPr lang="en-US" altLang="zh-TW" b="1" dirty="0" smtClean="0"/>
+              <a:t>-</a:t>
+            </a:r>
+            <a:r>
+              <a:rPr lang="zh-TW" altLang="en-US" b="1" dirty="0" smtClean="0"/>
+              <a:t> </a:t>
+            </a:r>
+            <a:r>
+              <a:rPr lang="en-US" altLang="zh-TW" b="1" dirty="0" smtClean="0"/>
+              <a:t>abdominal</a:t>
+            </a:r>
+            <a:r>
+              <a:rPr lang="zh-TW" altLang="en-US" b="1" dirty="0" smtClean="0"/>
+              <a:t>  </a:t>
+            </a:r>
+            <a:r>
+              <a:rPr lang="zh-TW" altLang="en-US" dirty="0" smtClean="0">
+                <a:latin typeface="微軟正黑體" pitchFamily="34" charset="-120"/>
+                <a:ea typeface="微軟正黑體" pitchFamily="34" charset="-120"/>
+              </a:rPr>
+              <a:t>腹部內</a:t>
+            </a:r>
+            <a:r>
+              <a:rPr lang="zh-TW" altLang="en-US" dirty="0" smtClean="0">
+                <a:latin typeface="微軟正黑體" pitchFamily="34" charset="-120"/>
+                <a:ea typeface="微軟正黑體" pitchFamily="34" charset="-120"/>
+              </a:rPr>
+              <a:t>的</a:t>
             </a:r>
             <a:endParaRPr lang="en-US" altLang="zh-TW" dirty="0" smtClean="0">
               <a:latin typeface="微軟正黑體" pitchFamily="34" charset="-120"/>
@@ -10431,38 +10577,28 @@
             </a:endParaRPr>
           </a:p>
           <a:p>
-            <a:r>
-              <a:rPr lang="en-US" altLang="zh-TW" dirty="0" smtClean="0"/>
-              <a:t>Intra</a:t>
-            </a:r>
-            <a:r>
-              <a:rPr lang="zh-TW" altLang="en-US" dirty="0" smtClean="0"/>
-              <a:t> </a:t>
-            </a:r>
-            <a:r>
-              <a:rPr lang="en-US" altLang="zh-TW" dirty="0" smtClean="0"/>
-              <a:t>-</a:t>
-            </a:r>
-            <a:r>
-              <a:rPr lang="zh-TW" altLang="en-US" dirty="0" smtClean="0"/>
-              <a:t> </a:t>
-            </a:r>
-            <a:r>
-              <a:rPr lang="en-US" altLang="zh-TW" dirty="0" smtClean="0"/>
-              <a:t>abdominal</a:t>
-            </a:r>
-            <a:r>
-              <a:rPr lang="zh-TW" altLang="en-US" dirty="0" smtClean="0"/>
-              <a:t>  </a:t>
-            </a:r>
+            <a:pPr>
+              <a:buNone/>
+            </a:pPr>
             <a:r>
               <a:rPr lang="zh-TW" altLang="en-US" dirty="0" smtClean="0">
                 <a:latin typeface="微軟正黑體" pitchFamily="34" charset="-120"/>
                 <a:ea typeface="微軟正黑體" pitchFamily="34" charset="-120"/>
               </a:rPr>
-              <a:t>腹部內的</a:t>
-            </a:r>
-            <a:endParaRPr lang="en-US" altLang="zh-TW" dirty="0" smtClean="0">
+              <a:t>     </a:t>
+            </a:r>
+            <a:r>
+              <a:rPr lang="zh-TW" altLang="en-US" i="1" dirty="0" smtClean="0">
+                <a:latin typeface="微軟正黑體" pitchFamily="34" charset="-120"/>
+                <a:ea typeface="微軟正黑體" pitchFamily="34" charset="-120"/>
+              </a:rPr>
+              <a:t> </a:t>
+            </a:r>
+            <a:r>
+              <a:rPr lang="en-US" altLang="zh-TW" i="1" dirty="0" smtClean="0"/>
+              <a:t>being within the abdomen</a:t>
+            </a:r>
+            <a:endParaRPr lang="en-US" altLang="zh-TW" i="1" dirty="0" smtClean="0">
               <a:latin typeface="微軟正黑體" pitchFamily="34" charset="-120"/>
               <a:ea typeface="微軟正黑體" pitchFamily="34" charset="-120"/>
             </a:endParaRPr>
@@ -10476,14 +10612,7 @@
                 <a:latin typeface="微軟正黑體" pitchFamily="34" charset="-120"/>
                 <a:ea typeface="微軟正黑體" pitchFamily="34" charset="-120"/>
               </a:rPr>
-              <a:t> </a:t>
-            </a:r>
-            <a:r>
-              <a:rPr lang="zh-TW" altLang="en-US" dirty="0" smtClean="0">
-                <a:latin typeface="微軟正黑體" pitchFamily="34" charset="-120"/>
-                <a:ea typeface="微軟正黑體" pitchFamily="34" charset="-120"/>
-              </a:rPr>
-              <a:t>   </a:t>
+              <a:t>    </a:t>
             </a:r>
             <a:endParaRPr lang="en-US" dirty="0" smtClean="0">
               <a:latin typeface="微軟正黑體" pitchFamily="34" charset="-120"/>
@@ -10498,7 +10627,7 @@
     </p:spTree>
     <p:extLst>
       <p:ext uri="{BB962C8B-B14F-4D97-AF65-F5344CB8AC3E}">
-        <p14:creationId xmlns:p14="http://schemas.microsoft.com/office/powerpoint/2010/main" xmlns="" val="4103309497"/>
+        <p14:creationId xmlns="" xmlns:p14="http://schemas.microsoft.com/office/powerpoint/2010/main" val="4103309497"/>
       </p:ext>
     </p:extLst>
   </p:cSld>
@@ -10566,25 +10695,32 @@
             <p:ph idx="1"/>
           </p:nvPr>
         </p:nvSpPr>
-        <p:spPr/>
+        <p:spPr>
+          <a:xfrm>
+            <a:off x="448965" y="1443835"/>
+            <a:ext cx="8229600" cy="4525963"/>
+          </a:xfrm>
+        </p:spPr>
         <p:txBody>
-          <a:bodyPr/>
+          <a:bodyPr>
+            <a:normAutofit/>
+          </a:bodyPr>
           <a:lstStyle/>
           <a:p>
             <a:r>
-              <a:rPr lang="en-US" altLang="zh-TW" dirty="0" smtClean="0"/>
-              <a:t>Urinary</a:t>
-            </a:r>
-            <a:r>
-              <a:rPr lang="zh-TW" altLang="en-US" dirty="0" smtClean="0"/>
-              <a:t> </a:t>
-            </a:r>
-            <a:r>
-              <a:rPr lang="en-US" altLang="zh-TW" dirty="0" smtClean="0"/>
+              <a:rPr lang="en-US" altLang="zh-TW" b="1" dirty="0" smtClean="0"/>
+              <a:t>Overflow</a:t>
+            </a:r>
+            <a:r>
+              <a:rPr lang="zh-TW" altLang="en-US" b="1" dirty="0" smtClean="0"/>
+              <a:t> </a:t>
+            </a:r>
+            <a:r>
+              <a:rPr lang="en-US" altLang="zh-TW" b="1" dirty="0" smtClean="0"/>
               <a:t>incontinence</a:t>
             </a:r>
             <a:r>
-              <a:rPr lang="zh-TW" altLang="en-US" dirty="0" smtClean="0"/>
+              <a:rPr lang="zh-TW" altLang="en-US" b="1" dirty="0" smtClean="0"/>
               <a:t>  </a:t>
             </a:r>
             <a:r>
@@ -10608,14 +10744,48 @@
               <a:t> </a:t>
             </a:r>
             <a:r>
-              <a:rPr lang="zh-TW" altLang="en-US" dirty="0" smtClean="0"/>
-              <a:t>   </a:t>
-            </a:r>
-            <a:endParaRPr lang="en-US" dirty="0" smtClean="0"/>
-          </a:p>
-          <a:p>
-            <a:r>
-              <a:rPr lang="en-US" altLang="zh-TW" dirty="0" smtClean="0"/>
+              <a:rPr lang="en-US" altLang="zh-TW" dirty="0" smtClean="0"/>
+              <a:t> </a:t>
+            </a:r>
+            <a:r>
+              <a:rPr lang="zh-TW" altLang="en-US" dirty="0" smtClean="0"/>
+              <a:t>      </a:t>
+            </a:r>
+            <a:r>
+              <a:rPr lang="en-US" altLang="zh-TW" i="1" dirty="0" smtClean="0"/>
+              <a:t>the </a:t>
+            </a:r>
+            <a:r>
+              <a:rPr lang="en-US" altLang="zh-TW" i="1" dirty="0" smtClean="0"/>
+              <a:t>involuntary release of urine from an overly full </a:t>
+            </a:r>
+            <a:endParaRPr lang="en-US" altLang="zh-TW" i="1" dirty="0" smtClean="0"/>
+          </a:p>
+          <a:p>
+            <a:pPr>
+              <a:buNone/>
+            </a:pPr>
+            <a:r>
+              <a:rPr lang="zh-TW" altLang="en-US" i="1" dirty="0" smtClean="0"/>
+              <a:t> </a:t>
+            </a:r>
+            <a:r>
+              <a:rPr lang="zh-TW" altLang="en-US" i="1" dirty="0" smtClean="0"/>
+              <a:t>       </a:t>
+            </a:r>
+            <a:r>
+              <a:rPr lang="en-US" altLang="zh-TW" i="1" dirty="0" smtClean="0"/>
+              <a:t>urinary </a:t>
+            </a:r>
+            <a:r>
+              <a:rPr lang="en-US" altLang="zh-TW" i="1" dirty="0" smtClean="0"/>
+              <a:t>bladder</a:t>
+            </a:r>
+            <a:endParaRPr lang="en-US" i="1" dirty="0" smtClean="0"/>
+          </a:p>
+          <a:p>
+            <a:r>
+              <a:rPr lang="en-US" altLang="zh-TW" b="1" dirty="0" smtClean="0"/>
               <a:t>Benign</a:t>
             </a:r>
             <a:r>
@@ -10643,14 +10813,44 @@
                 <a:latin typeface="微軟正黑體" pitchFamily="34" charset="-120"/>
                 <a:ea typeface="微軟正黑體" pitchFamily="34" charset="-120"/>
               </a:rPr>
-              <a:t> </a:t>
-            </a:r>
-            <a:r>
-              <a:rPr lang="zh-TW" altLang="en-US" dirty="0" smtClean="0">
+              <a:t>      </a:t>
+            </a:r>
+            <a:r>
+              <a:rPr lang="zh-TW" altLang="en-US" i="1" dirty="0" smtClean="0">
                 <a:latin typeface="微軟正黑體" pitchFamily="34" charset="-120"/>
                 <a:ea typeface="微軟正黑體" pitchFamily="34" charset="-120"/>
               </a:rPr>
-              <a:t>   </a:t>
+              <a:t> </a:t>
+            </a:r>
+            <a:r>
+              <a:rPr lang="en-US" altLang="zh-TW" i="1" dirty="0" smtClean="0"/>
+              <a:t>having a kindly disposition</a:t>
+            </a:r>
+            <a:endParaRPr lang="en-US" altLang="zh-TW" i="1" dirty="0" smtClean="0">
+              <a:latin typeface="微軟正黑體" pitchFamily="34" charset="-120"/>
+              <a:ea typeface="微軟正黑體" pitchFamily="34" charset="-120"/>
+            </a:endParaRPr>
+          </a:p>
+          <a:p>
+            <a:r>
+              <a:rPr lang="en-US" altLang="zh-TW" b="1" dirty="0" smtClean="0"/>
+              <a:t>Autonomic</a:t>
+            </a:r>
+            <a:r>
+              <a:rPr lang="zh-TW" altLang="en-US" b="1" dirty="0" smtClean="0"/>
+              <a:t>  </a:t>
+            </a:r>
+            <a:r>
+              <a:rPr lang="en-US" altLang="zh-TW" b="1" dirty="0" smtClean="0"/>
+              <a:t>neuropathy</a:t>
+            </a:r>
+            <a:r>
+              <a:rPr lang="zh-TW" altLang="en-US" b="1" dirty="0" smtClean="0"/>
+              <a:t>  </a:t>
+            </a:r>
+            <a:r>
+              <a:rPr lang="zh-TW" altLang="en-US" dirty="0" smtClean="0"/>
+              <a:t>自主神經病變</a:t>
             </a:r>
             <a:endParaRPr lang="en-US" altLang="zh-TW" dirty="0" smtClean="0">
               <a:latin typeface="微軟正黑體" pitchFamily="34" charset="-120"/>
@@ -10658,46 +10858,70 @@
             </a:endParaRPr>
           </a:p>
           <a:p>
-            <a:r>
-              <a:rPr lang="en-US" altLang="zh-TW" dirty="0" smtClean="0"/>
-              <a:t>Autonomic</a:t>
-            </a:r>
-            <a:r>
-              <a:rPr lang="zh-TW" altLang="en-US" dirty="0" smtClean="0"/>
-              <a:t>  </a:t>
-            </a:r>
-            <a:r>
-              <a:rPr lang="en-US" altLang="zh-TW" dirty="0" smtClean="0"/>
-              <a:t>neuropathy</a:t>
-            </a:r>
-            <a:r>
-              <a:rPr lang="zh-TW" altLang="en-US" dirty="0" smtClean="0"/>
-              <a:t>  自主神經病變</a:t>
-            </a:r>
-            <a:endParaRPr lang="en-US" altLang="zh-TW" dirty="0" smtClean="0">
-              <a:latin typeface="微軟正黑體" pitchFamily="34" charset="-120"/>
-              <a:ea typeface="微軟正黑體" pitchFamily="34" charset="-120"/>
-            </a:endParaRPr>
-          </a:p>
-          <a:p>
             <a:pPr>
               <a:buNone/>
             </a:pPr>
             <a:r>
-              <a:rPr lang="zh-TW" altLang="en-US" dirty="0" smtClean="0">
+              <a:rPr lang="zh-TW" altLang="en-US" i="1" dirty="0" smtClean="0">
                 <a:latin typeface="微軟正黑體" pitchFamily="34" charset="-120"/>
                 <a:ea typeface="微軟正黑體" pitchFamily="34" charset="-120"/>
               </a:rPr>
               <a:t> </a:t>
             </a:r>
             <a:r>
-              <a:rPr lang="zh-TW" altLang="en-US" dirty="0" smtClean="0">
+              <a:rPr lang="zh-TW" altLang="en-US" i="1" dirty="0" smtClean="0">
                 <a:latin typeface="微軟正黑體" pitchFamily="34" charset="-120"/>
                 <a:ea typeface="微軟正黑體" pitchFamily="34" charset="-120"/>
               </a:rPr>
+              <a:t>      </a:t>
+            </a:r>
+            <a:r>
+              <a:rPr lang="en-US" altLang="zh-TW" i="1" dirty="0" smtClean="0"/>
+              <a:t>a </a:t>
+            </a:r>
+            <a:r>
+              <a:rPr lang="en-US" altLang="zh-TW" i="1" dirty="0" smtClean="0"/>
+              <a:t>condition in which the </a:t>
+            </a:r>
+            <a:r>
+              <a:rPr lang="en-US" altLang="zh-TW" i="1" dirty="0" smtClean="0"/>
+              <a:t>autonomic</a:t>
+            </a:r>
+            <a:r>
+              <a:rPr lang="zh-TW" altLang="en-US" i="1" dirty="0" smtClean="0"/>
+              <a:t> </a:t>
+            </a:r>
+            <a:r>
+              <a:rPr lang="en-US" altLang="zh-TW" i="1" dirty="0" smtClean="0"/>
+              <a:t>nervous</a:t>
+            </a:r>
+            <a:r>
+              <a:rPr lang="zh-TW" altLang="en-US" i="1" dirty="0" smtClean="0"/>
               <a:t>   </a:t>
             </a:r>
-            <a:endParaRPr lang="en-US" dirty="0" smtClean="0">
+            <a:endParaRPr lang="en-US" altLang="zh-TW" i="1" dirty="0" smtClean="0"/>
+          </a:p>
+          <a:p>
+            <a:pPr>
+              <a:buNone/>
+            </a:pPr>
+            <a:r>
+              <a:rPr lang="zh-TW" altLang="en-US" i="1" dirty="0" smtClean="0"/>
+              <a:t> </a:t>
+            </a:r>
+            <a:r>
+              <a:rPr lang="zh-TW" altLang="en-US" i="1" dirty="0" smtClean="0"/>
+              <a:t>                    </a:t>
+            </a:r>
+            <a:r>
+              <a:rPr lang="en-US" altLang="zh-TW" i="1" dirty="0" smtClean="0"/>
+              <a:t>system</a:t>
+            </a:r>
+            <a:r>
+              <a:rPr lang="en-US" altLang="zh-TW" i="1" dirty="0" smtClean="0"/>
+              <a:t> (ANS) malfunctions</a:t>
+            </a:r>
+            <a:endParaRPr lang="en-US" i="1" dirty="0" smtClean="0">
               <a:latin typeface="微軟正黑體" pitchFamily="34" charset="-120"/>
               <a:ea typeface="微軟正黑體" pitchFamily="34" charset="-120"/>
             </a:endParaRPr>
@@ -10710,7 +10934,7 @@
     </p:spTree>
     <p:extLst>
       <p:ext uri="{BB962C8B-B14F-4D97-AF65-F5344CB8AC3E}">
-        <p14:creationId xmlns:p14="http://schemas.microsoft.com/office/powerpoint/2010/main" xmlns="" val="4103309497"/>
+        <p14:creationId xmlns="" xmlns:p14="http://schemas.microsoft.com/office/powerpoint/2010/main" val="4103309497"/>
       </p:ext>
     </p:extLst>
   </p:cSld>
@@ -10784,20 +11008,24 @@
           <a:lstStyle/>
           <a:p>
             <a:r>
-              <a:rPr lang="en-US" altLang="zh-TW" dirty="0" smtClean="0"/>
+              <a:rPr lang="en-US" altLang="zh-TW" b="1" dirty="0" smtClean="0"/>
               <a:t>Prostatic</a:t>
             </a:r>
             <a:r>
-              <a:rPr lang="zh-TW" altLang="en-US" dirty="0" smtClean="0"/>
-              <a:t>  </a:t>
-            </a:r>
-            <a:r>
-              <a:rPr lang="en-US" altLang="zh-TW" dirty="0" smtClean="0"/>
+              <a:rPr lang="zh-TW" altLang="en-US" b="1" dirty="0" smtClean="0"/>
+              <a:t>  </a:t>
+            </a:r>
+            <a:r>
+              <a:rPr lang="en-US" altLang="zh-TW" b="1" dirty="0" smtClean="0"/>
               <a:t>hyperplasia</a:t>
             </a:r>
             <a:r>
-              <a:rPr lang="zh-TW" altLang="en-US" dirty="0" smtClean="0"/>
-              <a:t>  前列腺增生</a:t>
+              <a:rPr lang="zh-TW" altLang="en-US" b="1" dirty="0" smtClean="0"/>
+              <a:t>  </a:t>
+            </a:r>
+            <a:r>
+              <a:rPr lang="zh-TW" altLang="en-US" dirty="0" smtClean="0"/>
+              <a:t>前列腺增生</a:t>
             </a:r>
             <a:endParaRPr lang="en-US" altLang="zh-TW" dirty="0" smtClean="0">
               <a:latin typeface="微軟正黑體" pitchFamily="34" charset="-120"/>
@@ -10814,25 +11042,33 @@
             </a:r>
             <a:r>
               <a:rPr lang="zh-TW" altLang="en-US" dirty="0" smtClean="0"/>
-              <a:t>   </a:t>
+              <a:t>      </a:t>
+            </a:r>
+            <a:r>
+              <a:rPr lang="en-US" altLang="zh-TW" dirty="0" smtClean="0"/>
+              <a:t>a increase </a:t>
+            </a:r>
+            <a:r>
+              <a:rPr lang="en-US" altLang="zh-TW" dirty="0" smtClean="0"/>
+              <a:t>in size of the prostate</a:t>
             </a:r>
             <a:endParaRPr lang="en-US" dirty="0" smtClean="0"/>
           </a:p>
           <a:p>
             <a:r>
-              <a:rPr lang="en-US" altLang="zh-TW" dirty="0" smtClean="0"/>
+              <a:rPr lang="en-US" altLang="zh-TW" b="1" dirty="0" smtClean="0"/>
               <a:t>Spinal</a:t>
             </a:r>
             <a:r>
-              <a:rPr lang="zh-TW" altLang="en-US" dirty="0" smtClean="0"/>
-              <a:t> </a:t>
-            </a:r>
-            <a:r>
-              <a:rPr lang="en-US" altLang="zh-TW" dirty="0" smtClean="0"/>
+              <a:rPr lang="zh-TW" altLang="en-US" b="1" dirty="0" smtClean="0"/>
+              <a:t> </a:t>
+            </a:r>
+            <a:r>
+              <a:rPr lang="en-US" altLang="zh-TW" b="1" dirty="0" smtClean="0"/>
               <a:t>cord</a:t>
             </a:r>
             <a:r>
-              <a:rPr lang="zh-TW" altLang="en-US" dirty="0" smtClean="0"/>
+              <a:rPr lang="zh-TW" altLang="en-US" b="1" dirty="0" smtClean="0"/>
               <a:t>  </a:t>
             </a:r>
             <a:r>
@@ -10863,7 +11099,75 @@
                 <a:latin typeface="微軟正黑體" pitchFamily="34" charset="-120"/>
                 <a:ea typeface="微軟正黑體" pitchFamily="34" charset="-120"/>
               </a:rPr>
-              <a:t>       </a:t>
+              <a:t>     </a:t>
+            </a:r>
+            <a:r>
+              <a:rPr lang="en-US" altLang="zh-TW" dirty="0" smtClean="0"/>
+              <a:t>a </a:t>
+            </a:r>
+            <a:r>
+              <a:rPr lang="en-US" altLang="zh-TW" dirty="0" smtClean="0"/>
+              <a:t>long, thin, tubular bundle of nervous </a:t>
+            </a:r>
+            <a:endParaRPr lang="en-US" altLang="zh-TW" dirty="0" smtClean="0"/>
+          </a:p>
+          <a:p>
+            <a:pPr>
+              <a:buNone/>
+            </a:pPr>
+            <a:r>
+              <a:rPr lang="zh-TW" altLang="en-US" dirty="0" smtClean="0"/>
+              <a:t> </a:t>
+            </a:r>
+            <a:r>
+              <a:rPr lang="zh-TW" altLang="en-US" dirty="0" smtClean="0"/>
+              <a:t>      </a:t>
+            </a:r>
+            <a:r>
+              <a:rPr lang="en-US" altLang="zh-TW" dirty="0" smtClean="0"/>
+              <a:t>tissue</a:t>
+            </a:r>
+            <a:r>
+              <a:rPr lang="en-US" altLang="zh-TW" dirty="0" smtClean="0"/>
+              <a:t> and support cells that extends from </a:t>
+            </a:r>
+            <a:r>
+              <a:rPr lang="zh-TW" altLang="en-US" dirty="0" smtClean="0"/>
+              <a:t>  </a:t>
+            </a:r>
+            <a:endParaRPr lang="en-US" altLang="zh-TW" dirty="0" smtClean="0"/>
+          </a:p>
+          <a:p>
+            <a:pPr>
+              <a:buNone/>
+            </a:pPr>
+            <a:r>
+              <a:rPr lang="zh-TW" altLang="en-US" dirty="0" smtClean="0"/>
+              <a:t> </a:t>
+            </a:r>
+            <a:r>
+              <a:rPr lang="zh-TW" altLang="en-US" dirty="0" smtClean="0"/>
+              <a:t>      </a:t>
+            </a:r>
+            <a:r>
+              <a:rPr lang="en-US" altLang="zh-TW" dirty="0" smtClean="0"/>
+              <a:t>the</a:t>
+            </a:r>
+            <a:r>
+              <a:rPr lang="en-US" altLang="zh-TW" dirty="0" smtClean="0"/>
+              <a:t> medulla oblongata in </a:t>
+            </a:r>
+            <a:r>
+              <a:rPr lang="en-US" altLang="zh-TW" dirty="0" smtClean="0"/>
+              <a:t>the</a:t>
+            </a:r>
+            <a:r>
+              <a:rPr lang="zh-TW" altLang="en-US" dirty="0" smtClean="0"/>
+              <a:t> </a:t>
+            </a:r>
+            <a:r>
+              <a:rPr lang="en-US" altLang="zh-TW" dirty="0" smtClean="0"/>
+              <a:t>brainstem</a:t>
             </a:r>
             <a:endParaRPr lang="en-US" dirty="0" smtClean="0">
               <a:latin typeface="微軟正黑體" pitchFamily="34" charset="-120"/>
@@ -10875,7 +11179,7 @@
     </p:spTree>
     <p:extLst>
       <p:ext uri="{BB962C8B-B14F-4D97-AF65-F5344CB8AC3E}">
-        <p14:creationId xmlns:p14="http://schemas.microsoft.com/office/powerpoint/2010/main" xmlns="" val="4103309497"/>
+        <p14:creationId xmlns="" xmlns:p14="http://schemas.microsoft.com/office/powerpoint/2010/main" val="4103309497"/>
       </p:ext>
     </p:extLst>
   </p:cSld>
@@ -10949,12 +11253,16 @@
           <a:lstStyle/>
           <a:p>
             <a:r>
-              <a:rPr lang="en-US" altLang="zh-TW" dirty="0" smtClean="0"/>
+              <a:rPr lang="en-US" altLang="zh-TW" b="1" dirty="0" smtClean="0"/>
               <a:t>Absorbent</a:t>
             </a:r>
             <a:r>
-              <a:rPr lang="zh-TW" altLang="en-US" dirty="0" smtClean="0"/>
-              <a:t>  能吸收的</a:t>
+              <a:rPr lang="zh-TW" altLang="en-US" b="1" dirty="0" smtClean="0"/>
+              <a:t>  </a:t>
+            </a:r>
+            <a:r>
+              <a:rPr lang="zh-TW" altLang="en-US" dirty="0" smtClean="0"/>
+              <a:t>能吸收的</a:t>
             </a:r>
             <a:endParaRPr lang="en-US" altLang="zh-TW" dirty="0" smtClean="0">
               <a:latin typeface="微軟正黑體" pitchFamily="34" charset="-120"/>
@@ -10967,26 +11275,30 @@
             </a:pPr>
             <a:r>
               <a:rPr lang="zh-TW" altLang="en-US" dirty="0" smtClean="0"/>
-              <a:t> </a:t>
-            </a:r>
-            <a:r>
-              <a:rPr lang="zh-TW" altLang="en-US" dirty="0" smtClean="0"/>
-              <a:t>   </a:t>
-            </a:r>
-            <a:endParaRPr lang="en-US" dirty="0" smtClean="0"/>
-          </a:p>
-          <a:p>
-            <a:r>
-              <a:rPr lang="en-US" altLang="zh-TW" dirty="0" smtClean="0"/>
-              <a:t>M</a:t>
-            </a:r>
-            <a:r>
-              <a:rPr lang="en-US" altLang="zh-TW" dirty="0" smtClean="0"/>
-              <a:t>orbidity</a:t>
-            </a:r>
-            <a:r>
-              <a:rPr lang="zh-TW" altLang="en-US" dirty="0" smtClean="0"/>
-              <a:t>  </a:t>
+              <a:t>      </a:t>
+            </a:r>
+            <a:r>
+              <a:rPr lang="zh-TW" altLang="en-US" i="1" dirty="0" smtClean="0"/>
+              <a:t> </a:t>
+            </a:r>
+            <a:r>
+              <a:rPr lang="en-US" altLang="zh-TW" i="1" dirty="0" smtClean="0"/>
+              <a:t>able to take in and hold liquid</a:t>
+            </a:r>
+            <a:endParaRPr lang="en-US" i="1" dirty="0" smtClean="0"/>
+          </a:p>
+          <a:p>
+            <a:r>
+              <a:rPr lang="en-US" altLang="zh-TW" b="1" dirty="0" smtClean="0"/>
+              <a:t>Morbidity</a:t>
+            </a:r>
+            <a:r>
+              <a:rPr lang="zh-TW" altLang="en-US" b="1" dirty="0" smtClean="0"/>
+              <a:t> </a:t>
+            </a:r>
+            <a:r>
+              <a:rPr lang="zh-TW" altLang="en-US" dirty="0" smtClean="0"/>
+              <a:t> </a:t>
             </a:r>
             <a:r>
               <a:rPr lang="zh-TW" altLang="en-US" dirty="0" smtClean="0">
@@ -11023,14 +11335,36 @@
                 <a:latin typeface="微軟正黑體" pitchFamily="34" charset="-120"/>
                 <a:ea typeface="微軟正黑體" pitchFamily="34" charset="-120"/>
               </a:rPr>
-              <a:t> </a:t>
-            </a:r>
-            <a:r>
-              <a:rPr lang="zh-TW" altLang="en-US" dirty="0" smtClean="0">
+              <a:t>     </a:t>
+            </a:r>
+            <a:r>
+              <a:rPr lang="zh-TW" altLang="en-US" i="1" dirty="0" smtClean="0">
                 <a:latin typeface="微軟正黑體" pitchFamily="34" charset="-120"/>
                 <a:ea typeface="微軟正黑體" pitchFamily="34" charset="-120"/>
               </a:rPr>
-              <a:t>   </a:t>
+              <a:t> </a:t>
+            </a:r>
+            <a:r>
+              <a:rPr lang="en-US" altLang="zh-TW" i="1" dirty="0" smtClean="0"/>
+              <a:t>a diseased condition or state</a:t>
+            </a:r>
+            <a:endParaRPr lang="en-US" altLang="zh-TW" i="1" dirty="0" smtClean="0">
+              <a:latin typeface="微軟正黑體" pitchFamily="34" charset="-120"/>
+              <a:ea typeface="微軟正黑體" pitchFamily="34" charset="-120"/>
+            </a:endParaRPr>
+          </a:p>
+          <a:p>
+            <a:r>
+              <a:rPr lang="en-US" altLang="zh-TW" b="1" dirty="0" smtClean="0"/>
+              <a:t>Mortality</a:t>
+            </a:r>
+            <a:r>
+              <a:rPr lang="zh-TW" altLang="en-US" b="1" dirty="0" smtClean="0"/>
+              <a:t>  </a:t>
+            </a:r>
+            <a:r>
+              <a:rPr lang="zh-TW" altLang="en-US" dirty="0" smtClean="0"/>
+              <a:t>死亡率</a:t>
             </a:r>
             <a:endParaRPr lang="en-US" altLang="zh-TW" dirty="0" smtClean="0">
               <a:latin typeface="微軟正黑體" pitchFamily="34" charset="-120"/>
@@ -11038,20 +11372,6 @@
             </a:endParaRPr>
           </a:p>
           <a:p>
-            <a:r>
-              <a:rPr lang="en-US" altLang="zh-TW" dirty="0" smtClean="0"/>
-              <a:t>Mortality</a:t>
-            </a:r>
-            <a:r>
-              <a:rPr lang="zh-TW" altLang="en-US" dirty="0" smtClean="0"/>
-              <a:t>  死亡率</a:t>
-            </a:r>
-            <a:endParaRPr lang="en-US" altLang="zh-TW" dirty="0" smtClean="0">
-              <a:latin typeface="微軟正黑體" pitchFamily="34" charset="-120"/>
-              <a:ea typeface="微軟正黑體" pitchFamily="34" charset="-120"/>
-            </a:endParaRPr>
-          </a:p>
-          <a:p>
             <a:pPr>
               <a:buNone/>
             </a:pPr>
@@ -11060,16 +11380,20 @@
                 <a:latin typeface="微軟正黑體" pitchFamily="34" charset="-120"/>
                 <a:ea typeface="微軟正黑體" pitchFamily="34" charset="-120"/>
               </a:rPr>
-              <a:t> </a:t>
-            </a:r>
-            <a:r>
-              <a:rPr lang="zh-TW" altLang="en-US" dirty="0" smtClean="0">
+              <a:t>    </a:t>
+            </a:r>
+            <a:r>
+              <a:rPr lang="zh-TW" altLang="en-US" i="1" dirty="0" smtClean="0">
                 <a:latin typeface="微軟正黑體" pitchFamily="34" charset="-120"/>
                 <a:ea typeface="微軟正黑體" pitchFamily="34" charset="-120"/>
               </a:rPr>
-              <a:t>   </a:t>
-            </a:r>
-            <a:endParaRPr lang="en-US" dirty="0" smtClean="0">
+              <a:t> </a:t>
+            </a:r>
+            <a:r>
+              <a:rPr lang="en-US" altLang="zh-TW" i="1" dirty="0" smtClean="0"/>
+              <a:t> the state of being mortal, or susceptible to death</a:t>
+            </a:r>
+            <a:endParaRPr lang="en-US" i="1" dirty="0" smtClean="0">
               <a:latin typeface="微軟正黑體" pitchFamily="34" charset="-120"/>
               <a:ea typeface="微軟正黑體" pitchFamily="34" charset="-120"/>
             </a:endParaRPr>
@@ -11082,7 +11406,7 @@
     </p:spTree>
     <p:extLst>
       <p:ext uri="{BB962C8B-B14F-4D97-AF65-F5344CB8AC3E}">
-        <p14:creationId xmlns:p14="http://schemas.microsoft.com/office/powerpoint/2010/main" xmlns="" val="4103309497"/>
+        <p14:creationId xmlns="" xmlns:p14="http://schemas.microsoft.com/office/powerpoint/2010/main" val="4103309497"/>
       </p:ext>
     </p:extLst>
   </p:cSld>
@@ -11152,19 +11476,21 @@
         </p:nvSpPr>
         <p:spPr/>
         <p:txBody>
-          <a:bodyPr/>
+          <a:bodyPr>
+            <a:normAutofit lnSpcReduction="10000"/>
+          </a:bodyPr>
           <a:lstStyle/>
           <a:p>
             <a:r>
-              <a:rPr lang="en-US" altLang="zh-TW" dirty="0" smtClean="0"/>
+              <a:rPr lang="en-US" altLang="zh-TW" b="1" dirty="0" smtClean="0"/>
               <a:t>Urinary</a:t>
             </a:r>
             <a:r>
-              <a:rPr lang="zh-TW" altLang="en-US" dirty="0" smtClean="0"/>
-              <a:t> </a:t>
-            </a:r>
-            <a:r>
-              <a:rPr lang="en-US" altLang="zh-TW" dirty="0" smtClean="0"/>
+              <a:rPr lang="zh-TW" altLang="en-US" b="1" dirty="0" smtClean="0"/>
+              <a:t> </a:t>
+            </a:r>
+            <a:r>
+              <a:rPr lang="en-US" altLang="zh-TW" b="1" dirty="0" smtClean="0"/>
               <a:t>retention</a:t>
             </a:r>
             <a:r>
@@ -11189,29 +11515,33 @@
             </a:pPr>
             <a:r>
               <a:rPr lang="zh-TW" altLang="en-US" dirty="0" smtClean="0"/>
-              <a:t> </a:t>
-            </a:r>
-            <a:r>
-              <a:rPr lang="zh-TW" altLang="en-US" dirty="0" smtClean="0"/>
-              <a:t>   </a:t>
-            </a:r>
-            <a:endParaRPr lang="en-US" altLang="zh-TW" dirty="0" smtClean="0"/>
-          </a:p>
-          <a:p>
-            <a:r>
-              <a:rPr lang="en-US" altLang="zh-TW" dirty="0" smtClean="0"/>
+              <a:t>      </a:t>
+            </a:r>
+            <a:r>
+              <a:rPr lang="zh-TW" altLang="en-US" i="1" dirty="0" smtClean="0"/>
+              <a:t> </a:t>
+            </a:r>
+            <a:r>
+              <a:rPr lang="en-US" altLang="zh-TW" i="1" dirty="0" smtClean="0"/>
+              <a:t>a lack of ability to urinate</a:t>
+            </a:r>
+            <a:endParaRPr lang="en-US" altLang="zh-TW" i="1" dirty="0" smtClean="0"/>
+          </a:p>
+          <a:p>
+            <a:r>
+              <a:rPr lang="en-US" altLang="zh-TW" b="1" dirty="0" smtClean="0"/>
               <a:t>Foley</a:t>
             </a:r>
             <a:r>
-              <a:rPr lang="zh-TW" altLang="en-US" dirty="0" smtClean="0"/>
-              <a:t> </a:t>
-            </a:r>
-            <a:r>
-              <a:rPr lang="en-US" altLang="zh-TW" dirty="0" smtClean="0"/>
+              <a:rPr lang="zh-TW" altLang="en-US" b="1" dirty="0" smtClean="0"/>
+              <a:t> </a:t>
+            </a:r>
+            <a:r>
+              <a:rPr lang="en-US" altLang="zh-TW" b="1" dirty="0" smtClean="0"/>
               <a:t>catheter</a:t>
             </a:r>
             <a:r>
-              <a:rPr lang="zh-TW" altLang="en-US" dirty="0" smtClean="0"/>
+              <a:rPr lang="zh-TW" altLang="en-US" b="1" dirty="0" smtClean="0"/>
               <a:t>  </a:t>
             </a:r>
             <a:r>
@@ -11242,29 +11572,63 @@
                 <a:latin typeface="微軟正黑體" pitchFamily="34" charset="-120"/>
                 <a:ea typeface="微軟正黑體" pitchFamily="34" charset="-120"/>
               </a:rPr>
-              <a:t>   </a:t>
-            </a:r>
-            <a:endParaRPr lang="en-US" altLang="zh-TW" dirty="0" smtClean="0">
+              <a:t>     </a:t>
+            </a:r>
+            <a:r>
+              <a:rPr lang="en-US" altLang="zh-TW" i="1" dirty="0" smtClean="0"/>
+              <a:t>a </a:t>
+            </a:r>
+            <a:r>
+              <a:rPr lang="en-US" altLang="zh-TW" i="1" dirty="0" smtClean="0"/>
+              <a:t>flexible tube that is often passed through </a:t>
+            </a:r>
+            <a:endParaRPr lang="en-US" altLang="zh-TW" i="1" dirty="0" smtClean="0"/>
+          </a:p>
+          <a:p>
+            <a:pPr>
+              <a:buNone/>
+            </a:pPr>
+            <a:r>
+              <a:rPr lang="zh-TW" altLang="en-US" i="1" dirty="0" smtClean="0"/>
+              <a:t> </a:t>
+            </a:r>
+            <a:r>
+              <a:rPr lang="zh-TW" altLang="en-US" i="1" dirty="0" smtClean="0"/>
+              <a:t>      </a:t>
+            </a:r>
+            <a:r>
+              <a:rPr lang="en-US" altLang="zh-TW" i="1" dirty="0" smtClean="0"/>
+              <a:t>the</a:t>
+            </a:r>
+            <a:r>
+              <a:rPr lang="en-US" altLang="zh-TW" i="1" dirty="0" smtClean="0"/>
+              <a:t> urethra and into the bladder</a:t>
+            </a:r>
+            <a:endParaRPr lang="en-US" altLang="zh-TW" i="1" dirty="0" smtClean="0">
               <a:latin typeface="微軟正黑體" pitchFamily="34" charset="-120"/>
               <a:ea typeface="微軟正黑體" pitchFamily="34" charset="-120"/>
             </a:endParaRPr>
           </a:p>
           <a:p>
             <a:r>
-              <a:rPr lang="en-US" altLang="zh-TW" dirty="0" smtClean="0"/>
+              <a:rPr lang="en-US" altLang="zh-TW" b="1" dirty="0" smtClean="0"/>
               <a:t>Intermittent</a:t>
             </a:r>
             <a:r>
-              <a:rPr lang="zh-TW" altLang="en-US" dirty="0" smtClean="0"/>
-              <a:t> </a:t>
-            </a:r>
-            <a:r>
-              <a:rPr lang="en-US" altLang="zh-TW" dirty="0" smtClean="0"/>
+              <a:rPr lang="zh-TW" altLang="en-US" b="1" dirty="0" smtClean="0"/>
+              <a:t> </a:t>
+            </a:r>
+            <a:r>
+              <a:rPr lang="en-US" altLang="zh-TW" b="1" dirty="0" smtClean="0"/>
               <a:t>catheterization</a:t>
             </a:r>
             <a:r>
-              <a:rPr lang="zh-TW" altLang="en-US" dirty="0" smtClean="0"/>
-              <a:t>  間歇性導尿</a:t>
+              <a:rPr lang="zh-TW" altLang="en-US" b="1" dirty="0" smtClean="0"/>
+              <a:t> </a:t>
+            </a:r>
+            <a:r>
+              <a:rPr lang="zh-TW" altLang="en-US" dirty="0" smtClean="0"/>
+              <a:t> 間歇性導尿</a:t>
             </a:r>
             <a:r>
               <a:rPr lang="zh-TW" altLang="en-US" dirty="0" smtClean="0">
@@ -11273,20 +11637,87 @@
               </a:rPr>
               <a:t>    </a:t>
             </a:r>
-            <a:endParaRPr lang="en-US" dirty="0" smtClean="0">
+            <a:endParaRPr lang="en-US" i="1" dirty="0" smtClean="0">
               <a:latin typeface="微軟正黑體" pitchFamily="34" charset="-120"/>
               <a:ea typeface="微軟正黑體" pitchFamily="34" charset="-120"/>
             </a:endParaRPr>
           </a:p>
           <a:p>
-            <a:endParaRPr lang="en-US" dirty="0"/>
+            <a:pPr>
+              <a:buNone/>
+            </a:pPr>
+            <a:r>
+              <a:rPr lang="zh-TW" altLang="en-US" i="1" dirty="0" smtClean="0"/>
+              <a:t>       </a:t>
+            </a:r>
+            <a:r>
+              <a:rPr lang="en-US" altLang="zh-TW" i="1" dirty="0" smtClean="0"/>
+              <a:t>a </a:t>
+            </a:r>
+            <a:r>
+              <a:rPr lang="en-US" altLang="zh-TW" i="1" dirty="0" smtClean="0"/>
+              <a:t>medical technique used in conditions where </a:t>
+            </a:r>
+            <a:r>
+              <a:rPr lang="zh-TW" altLang="en-US" i="1" dirty="0" smtClean="0"/>
+              <a:t> </a:t>
+            </a:r>
+            <a:endParaRPr lang="en-US" altLang="zh-TW" i="1" dirty="0" smtClean="0"/>
+          </a:p>
+          <a:p>
+            <a:pPr>
+              <a:buNone/>
+            </a:pPr>
+            <a:r>
+              <a:rPr lang="zh-TW" altLang="en-US" i="1" dirty="0" smtClean="0"/>
+              <a:t> </a:t>
+            </a:r>
+            <a:r>
+              <a:rPr lang="zh-TW" altLang="en-US" i="1" dirty="0" smtClean="0"/>
+              <a:t>                   </a:t>
+            </a:r>
+            <a:r>
+              <a:rPr lang="en-US" altLang="zh-TW" i="1" dirty="0" smtClean="0"/>
+              <a:t>patients </a:t>
+            </a:r>
+            <a:r>
+              <a:rPr lang="en-US" altLang="zh-TW" i="1" dirty="0" smtClean="0"/>
+              <a:t>need short term catheter-based </a:t>
+            </a:r>
+            <a:r>
+              <a:rPr lang="zh-TW" altLang="en-US" i="1" dirty="0" smtClean="0"/>
+              <a:t> </a:t>
+            </a:r>
+            <a:endParaRPr lang="en-US" altLang="zh-TW" i="1" dirty="0" smtClean="0"/>
+          </a:p>
+          <a:p>
+            <a:pPr>
+              <a:buNone/>
+            </a:pPr>
+            <a:r>
+              <a:rPr lang="zh-TW" altLang="en-US" i="1" dirty="0" smtClean="0"/>
+              <a:t> </a:t>
+            </a:r>
+            <a:r>
+              <a:rPr lang="zh-TW" altLang="en-US" i="1" dirty="0" smtClean="0"/>
+              <a:t>                      </a:t>
+            </a:r>
+            <a:r>
+              <a:rPr lang="en-US" altLang="zh-TW" i="1" dirty="0" smtClean="0"/>
+              <a:t>management </a:t>
+            </a:r>
+            <a:r>
+              <a:rPr lang="en-US" altLang="zh-TW" i="1" dirty="0" smtClean="0"/>
+              <a:t>of the urinary bladder</a:t>
+            </a:r>
+            <a:endParaRPr lang="en-US" i="1" dirty="0"/>
           </a:p>
         </p:txBody>
       </p:sp>
     </p:spTree>
     <p:extLst>
       <p:ext uri="{BB962C8B-B14F-4D97-AF65-F5344CB8AC3E}">
-        <p14:creationId xmlns:p14="http://schemas.microsoft.com/office/powerpoint/2010/main" xmlns="" val="4103309497"/>
+        <p14:creationId xmlns="" xmlns:p14="http://schemas.microsoft.com/office/powerpoint/2010/main" val="4103309497"/>
       </p:ext>
     </p:extLst>
   </p:cSld>
@@ -11562,7 +11993,7 @@
     </p:spTree>
     <p:extLst>
       <p:ext uri="{BB962C8B-B14F-4D97-AF65-F5344CB8AC3E}">
-        <p14:creationId xmlns:p14="http://schemas.microsoft.com/office/powerpoint/2010/main" xmlns="" val="1101633878"/>
+        <p14:creationId xmlns="" xmlns:p14="http://schemas.microsoft.com/office/powerpoint/2010/main" val="1101633878"/>
       </p:ext>
     </p:extLst>
   </p:cSld>

--- a/Medicine/5855_stethoscope_ppt/5855.pptx
+++ b/Medicine/5855_stethoscope_ppt/5855.pptx
@@ -26,7 +26,8 @@
     <p:sldId id="278" r:id="rId20"/>
     <p:sldId id="279" r:id="rId21"/>
     <p:sldId id="260" r:id="rId22"/>
-    <p:sldId id="258" r:id="rId23"/>
+    <p:sldId id="280" r:id="rId23"/>
+    <p:sldId id="258" r:id="rId24"/>
   </p:sldIdLst>
   <p:sldSz cx="9144000" cy="6858000" type="screen4x3"/>
   <p:notesSz cx="6858000" cy="9144000"/>
@@ -328,7 +329,7 @@
             <a:fld id="{53074F12-AA26-4AC8-9962-C36BB8F32554}" type="datetimeFigureOut">
               <a:rPr lang="en-US" smtClean="0"/>
               <a:pPr/>
-              <a:t>11/11/2014</a:t>
+              <a:t>11/12/2014</a:t>
             </a:fld>
             <a:endParaRPr lang="en-US"/>
           </a:p>
@@ -380,7 +381,7 @@
     </p:spTree>
     <p:extLst>
       <p:ext uri="{BB962C8B-B14F-4D97-AF65-F5344CB8AC3E}">
-        <p14:creationId xmlns="" xmlns:p14="http://schemas.microsoft.com/office/powerpoint/2010/main" val="3253875174"/>
+        <p14:creationId xmlns:p14="http://schemas.microsoft.com/office/powerpoint/2010/main" xmlns="" val="3253875174"/>
       </p:ext>
     </p:extLst>
   </p:cSld>
@@ -583,7 +584,7 @@
             <a:fld id="{53074F12-AA26-4AC8-9962-C36BB8F32554}" type="datetimeFigureOut">
               <a:rPr lang="en-US" smtClean="0"/>
               <a:pPr/>
-              <a:t>11/11/2014</a:t>
+              <a:t>11/12/2014</a:t>
             </a:fld>
             <a:endParaRPr lang="en-US"/>
           </a:p>
@@ -635,7 +636,7 @@
     </p:spTree>
     <p:extLst>
       <p:ext uri="{BB962C8B-B14F-4D97-AF65-F5344CB8AC3E}">
-        <p14:creationId xmlns="" xmlns:p14="http://schemas.microsoft.com/office/powerpoint/2010/main" val="477607843"/>
+        <p14:creationId xmlns:p14="http://schemas.microsoft.com/office/powerpoint/2010/main" xmlns="" val="477607843"/>
       </p:ext>
     </p:extLst>
   </p:cSld>
@@ -755,7 +756,7 @@
             <a:fld id="{53074F12-AA26-4AC8-9962-C36BB8F32554}" type="datetimeFigureOut">
               <a:rPr lang="en-US" smtClean="0"/>
               <a:pPr/>
-              <a:t>11/11/2014</a:t>
+              <a:t>11/12/2014</a:t>
             </a:fld>
             <a:endParaRPr lang="en-US"/>
           </a:p>
@@ -807,7 +808,7 @@
     </p:spTree>
     <p:extLst>
       <p:ext uri="{BB962C8B-B14F-4D97-AF65-F5344CB8AC3E}">
-        <p14:creationId xmlns="" xmlns:p14="http://schemas.microsoft.com/office/powerpoint/2010/main" val="3428665726"/>
+        <p14:creationId xmlns:p14="http://schemas.microsoft.com/office/powerpoint/2010/main" xmlns="" val="3428665726"/>
       </p:ext>
     </p:extLst>
   </p:cSld>
@@ -937,7 +938,7 @@
             <a:fld id="{53074F12-AA26-4AC8-9962-C36BB8F32554}" type="datetimeFigureOut">
               <a:rPr lang="en-US" smtClean="0"/>
               <a:pPr/>
-              <a:t>11/11/2014</a:t>
+              <a:t>11/12/2014</a:t>
             </a:fld>
             <a:endParaRPr lang="en-US"/>
           </a:p>
@@ -989,7 +990,7 @@
     </p:spTree>
     <p:extLst>
       <p:ext uri="{BB962C8B-B14F-4D97-AF65-F5344CB8AC3E}">
-        <p14:creationId xmlns="" xmlns:p14="http://schemas.microsoft.com/office/powerpoint/2010/main" val="893609949"/>
+        <p14:creationId xmlns:p14="http://schemas.microsoft.com/office/powerpoint/2010/main" xmlns="" val="893609949"/>
       </p:ext>
     </p:extLst>
   </p:cSld>
@@ -1155,7 +1156,7 @@
             <a:fld id="{53074F12-AA26-4AC8-9962-C36BB8F32554}" type="datetimeFigureOut">
               <a:rPr lang="en-US" smtClean="0"/>
               <a:pPr/>
-              <a:t>11/11/2014</a:t>
+              <a:t>11/12/2014</a:t>
             </a:fld>
             <a:endParaRPr lang="en-US"/>
           </a:p>
@@ -1207,7 +1208,7 @@
     </p:spTree>
     <p:extLst>
       <p:ext uri="{BB962C8B-B14F-4D97-AF65-F5344CB8AC3E}">
-        <p14:creationId xmlns="" xmlns:p14="http://schemas.microsoft.com/office/powerpoint/2010/main" val="1664471362"/>
+        <p14:creationId xmlns:p14="http://schemas.microsoft.com/office/powerpoint/2010/main" xmlns="" val="1664471362"/>
       </p:ext>
     </p:extLst>
   </p:cSld>
@@ -1383,7 +1384,7 @@
             <a:fld id="{53074F12-AA26-4AC8-9962-C36BB8F32554}" type="datetimeFigureOut">
               <a:rPr lang="en-US" smtClean="0"/>
               <a:pPr/>
-              <a:t>11/11/2014</a:t>
+              <a:t>11/12/2014</a:t>
             </a:fld>
             <a:endParaRPr lang="en-US"/>
           </a:p>
@@ -1435,7 +1436,7 @@
     </p:spTree>
     <p:extLst>
       <p:ext uri="{BB962C8B-B14F-4D97-AF65-F5344CB8AC3E}">
-        <p14:creationId xmlns="" xmlns:p14="http://schemas.microsoft.com/office/powerpoint/2010/main" val="1629391393"/>
+        <p14:creationId xmlns:p14="http://schemas.microsoft.com/office/powerpoint/2010/main" xmlns="" val="1629391393"/>
       </p:ext>
     </p:extLst>
   </p:cSld>
@@ -1631,7 +1632,7 @@
             <a:fld id="{53074F12-AA26-4AC8-9962-C36BB8F32554}" type="datetimeFigureOut">
               <a:rPr lang="en-US" smtClean="0"/>
               <a:pPr/>
-              <a:t>11/11/2014</a:t>
+              <a:t>11/12/2014</a:t>
             </a:fld>
             <a:endParaRPr lang="en-US"/>
           </a:p>
@@ -1683,7 +1684,7 @@
     </p:spTree>
     <p:extLst>
       <p:ext uri="{BB962C8B-B14F-4D97-AF65-F5344CB8AC3E}">
-        <p14:creationId xmlns="" xmlns:p14="http://schemas.microsoft.com/office/powerpoint/2010/main" val="3863441575"/>
+        <p14:creationId xmlns:p14="http://schemas.microsoft.com/office/powerpoint/2010/main" xmlns="" val="3863441575"/>
       </p:ext>
     </p:extLst>
   </p:cSld>
@@ -1921,7 +1922,7 @@
             <a:fld id="{53074F12-AA26-4AC8-9962-C36BB8F32554}" type="datetimeFigureOut">
               <a:rPr lang="en-US" smtClean="0"/>
               <a:pPr/>
-              <a:t>11/11/2014</a:t>
+              <a:t>11/12/2014</a:t>
             </a:fld>
             <a:endParaRPr lang="en-US"/>
           </a:p>
@@ -1973,7 +1974,7 @@
     </p:spTree>
     <p:extLst>
       <p:ext uri="{BB962C8B-B14F-4D97-AF65-F5344CB8AC3E}">
-        <p14:creationId xmlns="" xmlns:p14="http://schemas.microsoft.com/office/powerpoint/2010/main" val="3556791830"/>
+        <p14:creationId xmlns:p14="http://schemas.microsoft.com/office/powerpoint/2010/main" xmlns="" val="3556791830"/>
       </p:ext>
     </p:extLst>
   </p:cSld>
@@ -2399,7 +2400,7 @@
             <a:fld id="{53074F12-AA26-4AC8-9962-C36BB8F32554}" type="datetimeFigureOut">
               <a:rPr lang="en-US" smtClean="0"/>
               <a:pPr/>
-              <a:t>11/11/2014</a:t>
+              <a:t>11/12/2014</a:t>
             </a:fld>
             <a:endParaRPr lang="en-US"/>
           </a:p>
@@ -2451,7 +2452,7 @@
     </p:spTree>
     <p:extLst>
       <p:ext uri="{BB962C8B-B14F-4D97-AF65-F5344CB8AC3E}">
-        <p14:creationId xmlns="" xmlns:p14="http://schemas.microsoft.com/office/powerpoint/2010/main" val="4122911988"/>
+        <p14:creationId xmlns:p14="http://schemas.microsoft.com/office/powerpoint/2010/main" xmlns="" val="4122911988"/>
       </p:ext>
     </p:extLst>
   </p:cSld>
@@ -2519,7 +2520,7 @@
             <a:fld id="{53074F12-AA26-4AC8-9962-C36BB8F32554}" type="datetimeFigureOut">
               <a:rPr lang="en-US" smtClean="0"/>
               <a:pPr/>
-              <a:t>11/11/2014</a:t>
+              <a:t>11/12/2014</a:t>
             </a:fld>
             <a:endParaRPr lang="en-US"/>
           </a:p>
@@ -2571,7 +2572,7 @@
     </p:spTree>
     <p:extLst>
       <p:ext uri="{BB962C8B-B14F-4D97-AF65-F5344CB8AC3E}">
-        <p14:creationId xmlns="" xmlns:p14="http://schemas.microsoft.com/office/powerpoint/2010/main" val="3029773110"/>
+        <p14:creationId xmlns:p14="http://schemas.microsoft.com/office/powerpoint/2010/main" xmlns="" val="3029773110"/>
       </p:ext>
     </p:extLst>
   </p:cSld>
@@ -2616,7 +2617,7 @@
             <a:fld id="{53074F12-AA26-4AC8-9962-C36BB8F32554}" type="datetimeFigureOut">
               <a:rPr lang="en-US" smtClean="0"/>
               <a:pPr/>
-              <a:t>11/11/2014</a:t>
+              <a:t>11/12/2014</a:t>
             </a:fld>
             <a:endParaRPr lang="en-US"/>
           </a:p>
@@ -2668,7 +2669,7 @@
     </p:spTree>
     <p:extLst>
       <p:ext uri="{BB962C8B-B14F-4D97-AF65-F5344CB8AC3E}">
-        <p14:creationId xmlns="" xmlns:p14="http://schemas.microsoft.com/office/powerpoint/2010/main" val="4251864075"/>
+        <p14:creationId xmlns:p14="http://schemas.microsoft.com/office/powerpoint/2010/main" xmlns="" val="4251864075"/>
       </p:ext>
     </p:extLst>
   </p:cSld>
@@ -2895,7 +2896,7 @@
             <a:fld id="{53074F12-AA26-4AC8-9962-C36BB8F32554}" type="datetimeFigureOut">
               <a:rPr lang="en-US" smtClean="0"/>
               <a:pPr/>
-              <a:t>11/11/2014</a:t>
+              <a:t>11/12/2014</a:t>
             </a:fld>
             <a:endParaRPr lang="en-US"/>
           </a:p>
@@ -2947,7 +2948,7 @@
     </p:spTree>
     <p:extLst>
       <p:ext uri="{BB962C8B-B14F-4D97-AF65-F5344CB8AC3E}">
-        <p14:creationId xmlns="" xmlns:p14="http://schemas.microsoft.com/office/powerpoint/2010/main" val="3174452648"/>
+        <p14:creationId xmlns:p14="http://schemas.microsoft.com/office/powerpoint/2010/main" xmlns="" val="3174452648"/>
       </p:ext>
     </p:extLst>
   </p:cSld>
@@ -3119,7 +3120,7 @@
             <a:fld id="{53074F12-AA26-4AC8-9962-C36BB8F32554}" type="datetimeFigureOut">
               <a:rPr lang="en-US" smtClean="0"/>
               <a:pPr/>
-              <a:t>11/11/2014</a:t>
+              <a:t>11/12/2014</a:t>
             </a:fld>
             <a:endParaRPr lang="en-US"/>
           </a:p>
@@ -3207,7 +3208,7 @@
     </p:spTree>
     <p:extLst>
       <p:ext uri="{BB962C8B-B14F-4D97-AF65-F5344CB8AC3E}">
-        <p14:creationId xmlns="" xmlns:p14="http://schemas.microsoft.com/office/powerpoint/2010/main" val="1944039382"/>
+        <p14:creationId xmlns:p14="http://schemas.microsoft.com/office/powerpoint/2010/main" xmlns="" val="1944039382"/>
       </p:ext>
     </p:extLst>
   </p:cSld>
@@ -3571,7 +3572,7 @@
     </p:spTree>
     <p:extLst>
       <p:ext uri="{BB962C8B-B14F-4D97-AF65-F5344CB8AC3E}">
-        <p14:creationId xmlns="" xmlns:p14="http://schemas.microsoft.com/office/powerpoint/2010/main" val="363920370"/>
+        <p14:creationId xmlns:p14="http://schemas.microsoft.com/office/powerpoint/2010/main" xmlns="" val="363920370"/>
       </p:ext>
     </p:extLst>
   </p:cSld>
@@ -3845,7 +3846,7 @@
     </p:spTree>
     <p:extLst>
       <p:ext uri="{BB962C8B-B14F-4D97-AF65-F5344CB8AC3E}">
-        <p14:creationId xmlns="" xmlns:p14="http://schemas.microsoft.com/office/powerpoint/2010/main" val="1101633878"/>
+        <p14:creationId xmlns:p14="http://schemas.microsoft.com/office/powerpoint/2010/main" xmlns="" val="1101633878"/>
       </p:ext>
     </p:extLst>
   </p:cSld>
@@ -4657,7 +4658,7 @@
     </p:spTree>
     <p:extLst>
       <p:ext uri="{BB962C8B-B14F-4D97-AF65-F5344CB8AC3E}">
-        <p14:creationId xmlns="" xmlns:p14="http://schemas.microsoft.com/office/powerpoint/2010/main" val="1101633878"/>
+        <p14:creationId xmlns:p14="http://schemas.microsoft.com/office/powerpoint/2010/main" xmlns="" val="1101633878"/>
       </p:ext>
     </p:extLst>
   </p:cSld>
@@ -5566,7 +5567,7 @@
     </p:spTree>
     <p:extLst>
       <p:ext uri="{BB962C8B-B14F-4D97-AF65-F5344CB8AC3E}">
-        <p14:creationId xmlns="" xmlns:p14="http://schemas.microsoft.com/office/powerpoint/2010/main" val="1101633878"/>
+        <p14:creationId xmlns:p14="http://schemas.microsoft.com/office/powerpoint/2010/main" xmlns="" val="1101633878"/>
       </p:ext>
     </p:extLst>
   </p:cSld>
@@ -6041,7 +6042,7 @@
     </p:spTree>
     <p:extLst>
       <p:ext uri="{BB962C8B-B14F-4D97-AF65-F5344CB8AC3E}">
-        <p14:creationId xmlns="" xmlns:p14="http://schemas.microsoft.com/office/powerpoint/2010/main" val="1101633878"/>
+        <p14:creationId xmlns:p14="http://schemas.microsoft.com/office/powerpoint/2010/main" xmlns="" val="1101633878"/>
       </p:ext>
     </p:extLst>
   </p:cSld>
@@ -6481,7 +6482,7 @@
     </p:spTree>
     <p:extLst>
       <p:ext uri="{BB962C8B-B14F-4D97-AF65-F5344CB8AC3E}">
-        <p14:creationId xmlns="" xmlns:p14="http://schemas.microsoft.com/office/powerpoint/2010/main" val="1101633878"/>
+        <p14:creationId xmlns:p14="http://schemas.microsoft.com/office/powerpoint/2010/main" xmlns="" val="1101633878"/>
       </p:ext>
     </p:extLst>
   </p:cSld>
@@ -6872,7 +6873,7 @@
     </p:spTree>
     <p:extLst>
       <p:ext uri="{BB962C8B-B14F-4D97-AF65-F5344CB8AC3E}">
-        <p14:creationId xmlns="" xmlns:p14="http://schemas.microsoft.com/office/powerpoint/2010/main" val="1101633878"/>
+        <p14:creationId xmlns:p14="http://schemas.microsoft.com/office/powerpoint/2010/main" xmlns="" val="1101633878"/>
       </p:ext>
     </p:extLst>
   </p:cSld>
@@ -7317,7 +7318,7 @@
     </p:spTree>
     <p:extLst>
       <p:ext uri="{BB962C8B-B14F-4D97-AF65-F5344CB8AC3E}">
-        <p14:creationId xmlns="" xmlns:p14="http://schemas.microsoft.com/office/powerpoint/2010/main" val="1101633878"/>
+        <p14:creationId xmlns:p14="http://schemas.microsoft.com/office/powerpoint/2010/main" xmlns="" val="1101633878"/>
       </p:ext>
     </p:extLst>
   </p:cSld>
@@ -7756,7 +7757,7 @@
     </p:spTree>
     <p:extLst>
       <p:ext uri="{BB962C8B-B14F-4D97-AF65-F5344CB8AC3E}">
-        <p14:creationId xmlns="" xmlns:p14="http://schemas.microsoft.com/office/powerpoint/2010/main" val="1101633878"/>
+        <p14:creationId xmlns:p14="http://schemas.microsoft.com/office/powerpoint/2010/main" xmlns="" val="1101633878"/>
       </p:ext>
     </p:extLst>
   </p:cSld>
@@ -8549,7 +8550,7 @@
     </p:spTree>
     <p:extLst>
       <p:ext uri="{BB962C8B-B14F-4D97-AF65-F5344CB8AC3E}">
-        <p14:creationId xmlns="" xmlns:p14="http://schemas.microsoft.com/office/powerpoint/2010/main" val="1101633878"/>
+        <p14:creationId xmlns:p14="http://schemas.microsoft.com/office/powerpoint/2010/main" xmlns="" val="1101633878"/>
       </p:ext>
     </p:extLst>
   </p:cSld>
@@ -9134,7 +9135,7 @@
     </p:spTree>
     <p:extLst>
       <p:ext uri="{BB962C8B-B14F-4D97-AF65-F5344CB8AC3E}">
-        <p14:creationId xmlns="" xmlns:p14="http://schemas.microsoft.com/office/powerpoint/2010/main" val="1101633878"/>
+        <p14:creationId xmlns:p14="http://schemas.microsoft.com/office/powerpoint/2010/main" xmlns="" val="1101633878"/>
       </p:ext>
     </p:extLst>
   </p:cSld>
@@ -9249,19 +9250,11 @@
             </a:r>
             <a:r>
               <a:rPr lang="zh-TW" altLang="en-US" dirty="0" smtClean="0"/>
-              <a:t> </a:t>
-            </a:r>
-            <a:r>
-              <a:rPr lang="zh-TW" altLang="en-US" dirty="0" smtClean="0"/>
-              <a:t>    </a:t>
+              <a:t>     </a:t>
             </a:r>
             <a:r>
               <a:rPr lang="en-US" altLang="zh-TW" i="1" dirty="0" smtClean="0"/>
-              <a:t>any </a:t>
-            </a:r>
-            <a:r>
-              <a:rPr lang="en-US" altLang="zh-TW" i="1" dirty="0" smtClean="0"/>
-              <a:t>leakage of urine or fecal matter</a:t>
+              <a:t>any leakage of urine or fecal matter</a:t>
             </a:r>
             <a:endParaRPr lang="en-US" i="1" dirty="0" smtClean="0"/>
           </a:p>
@@ -9303,15 +9296,7 @@
             </a:r>
             <a:r>
               <a:rPr lang="en-US" altLang="zh-TW" i="1" dirty="0" smtClean="0"/>
-              <a:t>o</a:t>
-            </a:r>
-            <a:r>
-              <a:rPr lang="en-US" altLang="zh-TW" i="1" dirty="0" smtClean="0"/>
-              <a:t>f</a:t>
-            </a:r>
-            <a:r>
-              <a:rPr lang="en-US" altLang="zh-TW" i="1" dirty="0" smtClean="0"/>
-              <a:t> or relating to the vagina</a:t>
+              <a:t>of or relating to the vagina</a:t>
             </a:r>
             <a:endParaRPr lang="en-US" altLang="zh-TW" i="1" dirty="0" smtClean="0">
               <a:latin typeface="微軟正黑體" pitchFamily="34" charset="-120"/>
@@ -9374,7 +9359,7 @@
     </p:spTree>
     <p:extLst>
       <p:ext uri="{BB962C8B-B14F-4D97-AF65-F5344CB8AC3E}">
-        <p14:creationId xmlns="" xmlns:p14="http://schemas.microsoft.com/office/powerpoint/2010/main" val="4103309497"/>
+        <p14:creationId xmlns:p14="http://schemas.microsoft.com/office/powerpoint/2010/main" xmlns="" val="4103309497"/>
       </p:ext>
     </p:extLst>
   </p:cSld>
@@ -9608,7 +9593,7 @@
     </p:spTree>
     <p:extLst>
       <p:ext uri="{BB962C8B-B14F-4D97-AF65-F5344CB8AC3E}">
-        <p14:creationId xmlns="" xmlns:p14="http://schemas.microsoft.com/office/powerpoint/2010/main" val="1101633878"/>
+        <p14:creationId xmlns:p14="http://schemas.microsoft.com/office/powerpoint/2010/main" xmlns="" val="1101633878"/>
       </p:ext>
     </p:extLst>
   </p:cSld>
@@ -9662,6 +9647,30 @@
               <a:rPr lang="en-US" altLang="zh-TW" dirty="0" smtClean="0"/>
               <a:t>Discussion</a:t>
             </a:r>
+            <a:r>
+              <a:rPr lang="zh-TW" altLang="en-US" dirty="0" smtClean="0"/>
+              <a:t> </a:t>
+            </a:r>
+            <a:r>
+              <a:rPr lang="en-US" altLang="zh-TW" dirty="0" smtClean="0"/>
+              <a:t>–</a:t>
+            </a:r>
+            <a:r>
+              <a:rPr lang="zh-TW" altLang="en-US" dirty="0" smtClean="0"/>
+              <a:t> </a:t>
+            </a:r>
+            <a:r>
+              <a:rPr lang="en-US" altLang="zh-TW" dirty="0" smtClean="0"/>
+              <a:t>the</a:t>
+            </a:r>
+            <a:r>
+              <a:rPr lang="zh-TW" altLang="en-US" dirty="0" smtClean="0"/>
+              <a:t> </a:t>
+            </a:r>
+            <a:r>
+              <a:rPr lang="en-US" altLang="zh-TW" dirty="0" smtClean="0"/>
+              <a:t>questions</a:t>
+            </a:r>
             <a:endParaRPr lang="en-US" dirty="0"/>
           </a:p>
         </p:txBody>
@@ -9683,41 +9692,164 @@
           <a:p>
             <a:r>
               <a:rPr lang="en-US" dirty="0" smtClean="0"/>
-              <a:t>Engage your Audience</a:t>
-            </a:r>
-          </a:p>
-          <a:p>
-            <a:pPr>
-              <a:buNone/>
-            </a:pPr>
-            <a:r>
-              <a:rPr lang="zh-TW" altLang="en-US" dirty="0" smtClean="0"/>
-              <a:t>    </a:t>
-            </a:r>
-            <a:endParaRPr lang="en-US" dirty="0" smtClean="0"/>
-          </a:p>
-          <a:p>
-            <a:r>
-              <a:rPr lang="en-US" dirty="0" smtClean="0"/>
-              <a:t>Capture Audience Attention</a:t>
-            </a:r>
-          </a:p>
-          <a:p>
-            <a:pPr>
-              <a:buNone/>
-            </a:pPr>
-            <a:r>
-              <a:rPr lang="zh-TW" altLang="en-US" dirty="0" smtClean="0"/>
-              <a:t>    </a:t>
-            </a:r>
-            <a:endParaRPr lang="en-US" dirty="0" smtClean="0"/>
+              <a:t>Urinary incontinence is really an important problem we shouldn’t ignore </a:t>
+            </a:r>
+            <a:r>
+              <a:rPr lang="en-US" altLang="zh-TW" dirty="0" smtClean="0"/>
+              <a:t>.</a:t>
+            </a:r>
+            <a:r>
+              <a:rPr lang="zh-TW" altLang="en-US" dirty="0" smtClean="0"/>
+              <a:t> </a:t>
+            </a:r>
+            <a:r>
+              <a:rPr lang="en-US" altLang="zh-TW" dirty="0" smtClean="0"/>
+              <a:t>Think</a:t>
+            </a:r>
+            <a:r>
+              <a:rPr lang="zh-TW" altLang="en-US" dirty="0" smtClean="0"/>
+              <a:t> </a:t>
+            </a:r>
+            <a:r>
+              <a:rPr lang="en-US" altLang="zh-TW" dirty="0" smtClean="0"/>
+              <a:t>about</a:t>
+            </a:r>
+            <a:r>
+              <a:rPr lang="zh-TW" altLang="en-US" dirty="0" smtClean="0"/>
+              <a:t> </a:t>
+            </a:r>
+            <a:r>
+              <a:rPr lang="en-US" altLang="zh-TW" dirty="0" smtClean="0"/>
+              <a:t>if</a:t>
+            </a:r>
+            <a:r>
+              <a:rPr lang="zh-TW" altLang="en-US" dirty="0" smtClean="0"/>
+              <a:t> </a:t>
+            </a:r>
+            <a:r>
+              <a:rPr lang="en-US" altLang="zh-TW" dirty="0" smtClean="0"/>
+              <a:t>you</a:t>
+            </a:r>
+            <a:r>
+              <a:rPr lang="zh-TW" altLang="en-US" dirty="0" smtClean="0"/>
+              <a:t> </a:t>
+            </a:r>
+            <a:r>
+              <a:rPr lang="en-US" altLang="zh-TW" dirty="0" smtClean="0"/>
+              <a:t>are</a:t>
+            </a:r>
+            <a:r>
+              <a:rPr lang="zh-TW" altLang="en-US" dirty="0" smtClean="0"/>
+              <a:t> </a:t>
+            </a:r>
+            <a:r>
+              <a:rPr lang="en-US" altLang="zh-TW" dirty="0" smtClean="0"/>
+              <a:t>a</a:t>
+            </a:r>
+            <a:r>
+              <a:rPr lang="zh-TW" altLang="en-US" dirty="0" smtClean="0"/>
+              <a:t> </a:t>
+            </a:r>
+            <a:r>
+              <a:rPr lang="en-US" altLang="zh-TW" dirty="0" smtClean="0"/>
+              <a:t>patient</a:t>
+            </a:r>
+            <a:r>
+              <a:rPr lang="zh-TW" altLang="en-US" dirty="0" smtClean="0"/>
+              <a:t> </a:t>
+            </a:r>
+            <a:r>
+              <a:rPr lang="en-US" altLang="zh-TW" dirty="0" smtClean="0"/>
+              <a:t>,</a:t>
+            </a:r>
+            <a:r>
+              <a:rPr lang="zh-TW" altLang="en-US" dirty="0" smtClean="0"/>
+              <a:t> </a:t>
+            </a:r>
+            <a:r>
+              <a:rPr lang="en-US" altLang="zh-TW" dirty="0" smtClean="0"/>
+              <a:t>what</a:t>
+            </a:r>
+            <a:r>
+              <a:rPr lang="zh-TW" altLang="en-US" dirty="0" smtClean="0"/>
+              <a:t> </a:t>
+            </a:r>
+            <a:r>
+              <a:rPr lang="en-US" altLang="zh-TW" dirty="0" smtClean="0"/>
+              <a:t>actions</a:t>
+            </a:r>
+            <a:r>
+              <a:rPr lang="zh-TW" altLang="en-US" dirty="0" smtClean="0"/>
+              <a:t> </a:t>
+            </a:r>
+            <a:r>
+              <a:rPr lang="en-US" altLang="zh-TW" dirty="0" smtClean="0"/>
+              <a:t>you</a:t>
+            </a:r>
+            <a:r>
+              <a:rPr lang="zh-TW" altLang="en-US" dirty="0" smtClean="0"/>
+              <a:t> </a:t>
+            </a:r>
+            <a:r>
+              <a:rPr lang="en-US" altLang="zh-TW" dirty="0" smtClean="0"/>
+              <a:t>should</a:t>
+            </a:r>
+            <a:r>
+              <a:rPr lang="zh-TW" altLang="en-US" dirty="0" smtClean="0"/>
+              <a:t> </a:t>
+            </a:r>
+            <a:r>
+              <a:rPr lang="en-US" altLang="zh-TW" dirty="0" smtClean="0"/>
+              <a:t>take</a:t>
+            </a:r>
+            <a:r>
+              <a:rPr lang="zh-TW" altLang="en-US" dirty="0" smtClean="0"/>
+              <a:t> </a:t>
+            </a:r>
+            <a:r>
+              <a:rPr lang="en-US" altLang="zh-TW" dirty="0" smtClean="0"/>
+              <a:t>to</a:t>
+            </a:r>
+            <a:r>
+              <a:rPr lang="zh-TW" altLang="en-US" dirty="0" smtClean="0"/>
+              <a:t> </a:t>
+            </a:r>
+            <a:r>
+              <a:rPr lang="en-US" altLang="zh-TW" dirty="0" smtClean="0"/>
+              <a:t>cure</a:t>
+            </a:r>
+            <a:r>
+              <a:rPr lang="zh-TW" altLang="en-US" dirty="0" smtClean="0"/>
+              <a:t> </a:t>
+            </a:r>
+            <a:r>
+              <a:rPr lang="en-US" altLang="zh-TW" dirty="0" smtClean="0"/>
+              <a:t>the</a:t>
+            </a:r>
+            <a:r>
+              <a:rPr lang="zh-TW" altLang="en-US" dirty="0" smtClean="0"/>
+              <a:t> </a:t>
+            </a:r>
+            <a:r>
+              <a:rPr lang="en-US" altLang="zh-TW" dirty="0" smtClean="0"/>
+              <a:t>symptom</a:t>
+            </a:r>
+            <a:r>
+              <a:rPr lang="zh-TW" altLang="en-US" dirty="0" smtClean="0"/>
+              <a:t> </a:t>
+            </a:r>
+            <a:r>
+              <a:rPr lang="en-US" altLang="zh-TW" dirty="0" smtClean="0"/>
+              <a:t>?</a:t>
+            </a:r>
+            <a:endParaRPr lang="en-US" altLang="zh-TW" dirty="0" smtClean="0"/>
           </a:p>
         </p:txBody>
       </p:sp>
     </p:spTree>
     <p:extLst>
       <p:ext uri="{BB962C8B-B14F-4D97-AF65-F5344CB8AC3E}">
-        <p14:creationId xmlns="" xmlns:p14="http://schemas.microsoft.com/office/powerpoint/2010/main" val="4103309497"/>
+        <p14:creationId xmlns:p14="http://schemas.microsoft.com/office/powerpoint/2010/main" xmlns="" val="4103309497"/>
       </p:ext>
     </p:extLst>
   </p:cSld>
@@ -9753,6 +9885,334 @@
       </p:grpSpPr>
       <p:sp>
         <p:nvSpPr>
+          <p:cNvPr id="2" name="Title 1"/>
+          <p:cNvSpPr>
+            <a:spLocks noGrp="1"/>
+          </p:cNvSpPr>
+          <p:nvPr>
+            <p:ph type="title"/>
+          </p:nvPr>
+        </p:nvSpPr>
+        <p:spPr/>
+        <p:txBody>
+          <a:bodyPr/>
+          <a:lstStyle/>
+          <a:p>
+            <a:pPr algn="l"/>
+            <a:r>
+              <a:rPr lang="en-US" altLang="zh-TW" dirty="0" smtClean="0"/>
+              <a:t>Discussion</a:t>
+            </a:r>
+            <a:r>
+              <a:rPr lang="zh-TW" altLang="en-US" dirty="0" smtClean="0"/>
+              <a:t> </a:t>
+            </a:r>
+            <a:r>
+              <a:rPr lang="en-US" altLang="zh-TW" dirty="0" smtClean="0"/>
+              <a:t>–</a:t>
+            </a:r>
+            <a:r>
+              <a:rPr lang="zh-TW" altLang="en-US" dirty="0" smtClean="0"/>
+              <a:t> </a:t>
+            </a:r>
+            <a:r>
+              <a:rPr lang="en-US" altLang="zh-TW" dirty="0" smtClean="0"/>
+              <a:t>the</a:t>
+            </a:r>
+            <a:r>
+              <a:rPr lang="zh-TW" altLang="en-US" dirty="0" smtClean="0"/>
+              <a:t> </a:t>
+            </a:r>
+            <a:r>
+              <a:rPr lang="en-US" altLang="zh-TW" dirty="0" smtClean="0"/>
+              <a:t>questions</a:t>
+            </a:r>
+            <a:r>
+              <a:rPr lang="zh-TW" altLang="en-US" dirty="0" smtClean="0"/>
+              <a:t> </a:t>
+            </a:r>
+            <a:endParaRPr lang="en-US" dirty="0"/>
+          </a:p>
+        </p:txBody>
+      </p:sp>
+      <p:sp>
+        <p:nvSpPr>
+          <p:cNvPr id="3" name="Content Placeholder 2"/>
+          <p:cNvSpPr>
+            <a:spLocks noGrp="1"/>
+          </p:cNvSpPr>
+          <p:nvPr>
+            <p:ph idx="1"/>
+          </p:nvPr>
+        </p:nvSpPr>
+        <p:spPr/>
+        <p:txBody>
+          <a:bodyPr/>
+          <a:lstStyle/>
+          <a:p>
+            <a:r>
+              <a:rPr lang="en-US" altLang="zh-TW" dirty="0" smtClean="0"/>
+              <a:t>Think</a:t>
+            </a:r>
+            <a:r>
+              <a:rPr lang="zh-TW" altLang="en-US" dirty="0" smtClean="0"/>
+              <a:t> </a:t>
+            </a:r>
+            <a:r>
+              <a:rPr lang="en-US" altLang="zh-TW" dirty="0" smtClean="0"/>
+              <a:t>about</a:t>
+            </a:r>
+            <a:r>
+              <a:rPr lang="zh-TW" altLang="en-US" dirty="0" smtClean="0"/>
+              <a:t> </a:t>
+            </a:r>
+            <a:r>
+              <a:rPr lang="en-US" altLang="zh-TW" dirty="0" smtClean="0"/>
+              <a:t>when</a:t>
+            </a:r>
+            <a:r>
+              <a:rPr lang="zh-TW" altLang="en-US" dirty="0" smtClean="0"/>
+              <a:t> </a:t>
+            </a:r>
+            <a:r>
+              <a:rPr lang="en-US" altLang="zh-TW" dirty="0" smtClean="0"/>
+              <a:t>you</a:t>
+            </a:r>
+            <a:r>
+              <a:rPr lang="zh-TW" altLang="en-US" dirty="0" smtClean="0"/>
+              <a:t> </a:t>
+            </a:r>
+            <a:r>
+              <a:rPr lang="en-US" altLang="zh-TW" dirty="0" smtClean="0"/>
+              <a:t>become</a:t>
+            </a:r>
+            <a:r>
+              <a:rPr lang="zh-TW" altLang="en-US" dirty="0" smtClean="0"/>
+              <a:t> </a:t>
+            </a:r>
+            <a:r>
+              <a:rPr lang="en-US" altLang="zh-TW" dirty="0" smtClean="0"/>
+              <a:t>the</a:t>
+            </a:r>
+            <a:r>
+              <a:rPr lang="zh-TW" altLang="en-US" dirty="0" smtClean="0"/>
+              <a:t> </a:t>
+            </a:r>
+            <a:r>
+              <a:rPr lang="en-US" altLang="zh-TW" dirty="0" smtClean="0"/>
+              <a:t>doctor</a:t>
+            </a:r>
+            <a:r>
+              <a:rPr lang="zh-TW" altLang="en-US" dirty="0" smtClean="0"/>
+              <a:t> </a:t>
+            </a:r>
+            <a:r>
+              <a:rPr lang="en-US" altLang="zh-TW" dirty="0" smtClean="0"/>
+              <a:t>,</a:t>
+            </a:r>
+            <a:r>
+              <a:rPr lang="zh-TW" altLang="en-US" dirty="0" smtClean="0"/>
+              <a:t> </a:t>
+            </a:r>
+            <a:r>
+              <a:rPr lang="en-US" altLang="zh-TW" dirty="0" smtClean="0"/>
+              <a:t>what</a:t>
+            </a:r>
+            <a:r>
+              <a:rPr lang="zh-TW" altLang="en-US" dirty="0" smtClean="0"/>
+              <a:t> </a:t>
+            </a:r>
+            <a:r>
+              <a:rPr lang="en-US" altLang="zh-TW" dirty="0" smtClean="0"/>
+              <a:t>will</a:t>
+            </a:r>
+            <a:r>
+              <a:rPr lang="zh-TW" altLang="en-US" dirty="0" smtClean="0"/>
+              <a:t> </a:t>
+            </a:r>
+            <a:r>
+              <a:rPr lang="en-US" altLang="zh-TW" dirty="0" smtClean="0"/>
+              <a:t>you</a:t>
+            </a:r>
+            <a:r>
+              <a:rPr lang="zh-TW" altLang="en-US" dirty="0" smtClean="0"/>
+              <a:t> </a:t>
+            </a:r>
+            <a:r>
+              <a:rPr lang="en-US" altLang="zh-TW" dirty="0" smtClean="0"/>
+              <a:t>tell</a:t>
+            </a:r>
+            <a:r>
+              <a:rPr lang="zh-TW" altLang="en-US" dirty="0" smtClean="0"/>
+              <a:t> </a:t>
+            </a:r>
+            <a:r>
+              <a:rPr lang="en-US" altLang="zh-TW" dirty="0" smtClean="0"/>
+              <a:t>your</a:t>
+            </a:r>
+            <a:r>
+              <a:rPr lang="zh-TW" altLang="en-US" dirty="0" smtClean="0"/>
+              <a:t> </a:t>
+            </a:r>
+            <a:r>
+              <a:rPr lang="en-US" altLang="zh-TW" dirty="0" smtClean="0"/>
+              <a:t>patients</a:t>
+            </a:r>
+            <a:r>
+              <a:rPr lang="zh-TW" altLang="en-US" dirty="0" smtClean="0"/>
+              <a:t> </a:t>
+            </a:r>
+            <a:r>
+              <a:rPr lang="en-US" altLang="zh-TW" dirty="0" smtClean="0"/>
+              <a:t>to</a:t>
+            </a:r>
+            <a:r>
+              <a:rPr lang="zh-TW" altLang="en-US" dirty="0" smtClean="0"/>
+              <a:t> </a:t>
+            </a:r>
+            <a:r>
+              <a:rPr lang="en-US" altLang="zh-TW" dirty="0" smtClean="0"/>
+              <a:t>remember</a:t>
+            </a:r>
+            <a:r>
+              <a:rPr lang="zh-TW" altLang="en-US" dirty="0" smtClean="0"/>
+              <a:t> </a:t>
+            </a:r>
+            <a:r>
+              <a:rPr lang="en-US" altLang="zh-TW" dirty="0" smtClean="0"/>
+              <a:t>,</a:t>
+            </a:r>
+            <a:r>
+              <a:rPr lang="zh-TW" altLang="en-US" dirty="0" smtClean="0"/>
+              <a:t> </a:t>
+            </a:r>
+            <a:r>
+              <a:rPr lang="en-US" altLang="zh-TW" dirty="0" smtClean="0"/>
+              <a:t>after</a:t>
+            </a:r>
+            <a:r>
+              <a:rPr lang="zh-TW" altLang="en-US" dirty="0" smtClean="0"/>
+              <a:t> </a:t>
+            </a:r>
+            <a:r>
+              <a:rPr lang="en-US" altLang="zh-TW" dirty="0" smtClean="0"/>
+              <a:t>seeing</a:t>
+            </a:r>
+            <a:r>
+              <a:rPr lang="zh-TW" altLang="en-US" dirty="0" smtClean="0"/>
+              <a:t> </a:t>
+            </a:r>
+            <a:r>
+              <a:rPr lang="en-US" altLang="zh-TW" dirty="0" smtClean="0"/>
+              <a:t>the</a:t>
+            </a:r>
+            <a:r>
+              <a:rPr lang="zh-TW" altLang="en-US" dirty="0" smtClean="0"/>
+              <a:t> </a:t>
+            </a:r>
+            <a:r>
+              <a:rPr lang="en-US" altLang="zh-TW" dirty="0" smtClean="0"/>
+              <a:t>doctor</a:t>
+            </a:r>
+            <a:r>
+              <a:rPr lang="zh-TW" altLang="en-US" dirty="0" smtClean="0"/>
+              <a:t> </a:t>
+            </a:r>
+            <a:r>
+              <a:rPr lang="en-US" altLang="zh-TW" dirty="0" smtClean="0"/>
+              <a:t>,</a:t>
+            </a:r>
+            <a:r>
+              <a:rPr lang="zh-TW" altLang="en-US" dirty="0" smtClean="0"/>
+              <a:t> </a:t>
+            </a:r>
+            <a:r>
+              <a:rPr lang="en-US" altLang="zh-TW" dirty="0" smtClean="0"/>
+              <a:t>to</a:t>
+            </a:r>
+            <a:r>
+              <a:rPr lang="zh-TW" altLang="en-US" dirty="0" smtClean="0"/>
+              <a:t> </a:t>
+            </a:r>
+            <a:r>
+              <a:rPr lang="en-US" altLang="zh-TW" dirty="0" smtClean="0"/>
+              <a:t>supervise</a:t>
+            </a:r>
+            <a:r>
+              <a:rPr lang="zh-TW" altLang="en-US" dirty="0" smtClean="0"/>
+              <a:t> </a:t>
+            </a:r>
+            <a:r>
+              <a:rPr lang="en-US" altLang="zh-TW" dirty="0" smtClean="0"/>
+              <a:t>and</a:t>
+            </a:r>
+            <a:r>
+              <a:rPr lang="zh-TW" altLang="en-US" dirty="0" smtClean="0"/>
+              <a:t> </a:t>
+            </a:r>
+            <a:r>
+              <a:rPr lang="en-US" altLang="zh-TW" dirty="0" smtClean="0"/>
+              <a:t>cure</a:t>
+            </a:r>
+            <a:r>
+              <a:rPr lang="zh-TW" altLang="en-US" dirty="0" smtClean="0"/>
+              <a:t> </a:t>
+            </a:r>
+            <a:r>
+              <a:rPr lang="en-US" altLang="zh-TW" dirty="0" smtClean="0"/>
+              <a:t>the</a:t>
+            </a:r>
+            <a:r>
+              <a:rPr lang="zh-TW" altLang="en-US" dirty="0" smtClean="0"/>
+              <a:t> </a:t>
+            </a:r>
+            <a:r>
+              <a:rPr lang="en-US" altLang="zh-TW" dirty="0" smtClean="0"/>
+              <a:t>symptom?</a:t>
+            </a:r>
+            <a:endParaRPr lang="en-US" altLang="zh-TW" dirty="0" smtClean="0"/>
+          </a:p>
+        </p:txBody>
+      </p:sp>
+    </p:spTree>
+    <p:extLst>
+      <p:ext uri="{BB962C8B-B14F-4D97-AF65-F5344CB8AC3E}">
+        <p14:creationId xmlns:p14="http://schemas.microsoft.com/office/powerpoint/2010/main" xmlns="" val="4103309497"/>
+      </p:ext>
+    </p:extLst>
+  </p:cSld>
+  <p:clrMapOvr>
+    <a:masterClrMapping/>
+  </p:clrMapOvr>
+  <p:timing>
+    <p:tnLst>
+      <p:par>
+        <p:cTn id="1" dur="indefinite" restart="never" nodeType="tmRoot"/>
+      </p:par>
+    </p:tnLst>
+  </p:timing>
+</p:sld>
+</file>
+
+<file path=ppt/slides/slide23.xml><?xml version="1.0" encoding="utf-8"?>
+<p:sld xmlns:a="http://schemas.openxmlformats.org/drawingml/2006/main" xmlns:r="http://schemas.openxmlformats.org/officeDocument/2006/relationships" xmlns:p="http://schemas.openxmlformats.org/presentationml/2006/main">
+  <p:cSld>
+    <p:spTree>
+      <p:nvGrpSpPr>
+        <p:cNvPr id="1" name=""/>
+        <p:cNvGrpSpPr/>
+        <p:nvPr/>
+      </p:nvGrpSpPr>
+      <p:grpSpPr>
+        <a:xfrm>
+          <a:off x="0" y="0"/>
+          <a:ext cx="0" cy="0"/>
+          <a:chOff x="0" y="0"/>
+          <a:chExt cx="0" cy="0"/>
+        </a:xfrm>
+      </p:grpSpPr>
+      <p:sp>
+        <p:nvSpPr>
           <p:cNvPr id="4" name="Title 3"/>
           <p:cNvSpPr>
             <a:spLocks noGrp="1"/>
@@ -9770,6 +10230,30 @@
             <a:r>
               <a:rPr lang="en-US" altLang="zh-TW" dirty="0" smtClean="0"/>
               <a:t>Discussion</a:t>
+            </a:r>
+            <a:r>
+              <a:rPr lang="zh-TW" altLang="en-US" dirty="0" smtClean="0"/>
+              <a:t> </a:t>
+            </a:r>
+            <a:r>
+              <a:rPr lang="en-US" altLang="zh-TW" dirty="0" smtClean="0"/>
+              <a:t>-</a:t>
+            </a:r>
+            <a:r>
+              <a:rPr lang="zh-TW" altLang="en-US" dirty="0" smtClean="0"/>
+              <a:t> </a:t>
+            </a:r>
+            <a:r>
+              <a:rPr lang="en-US" altLang="zh-TW" dirty="0" smtClean="0"/>
+              <a:t>reference</a:t>
+            </a:r>
+            <a:r>
+              <a:rPr lang="zh-TW" altLang="en-US" dirty="0" smtClean="0"/>
+              <a:t> </a:t>
+            </a:r>
+            <a:r>
+              <a:rPr lang="en-US" altLang="zh-TW" dirty="0" smtClean="0"/>
+              <a:t>answers</a:t>
             </a:r>
             <a:endParaRPr lang="en-US" dirty="0"/>
           </a:p>
@@ -9862,22 +10346,104 @@
           <a:lstStyle/>
           <a:p>
             <a:r>
-              <a:rPr lang="en-US" dirty="0" smtClean="0"/>
-              <a:t>Feature 1</a:t>
-            </a:r>
-          </a:p>
-          <a:p>
-            <a:r>
-              <a:rPr lang="en-US" dirty="0" smtClean="0"/>
-              <a:t>Feature 2</a:t>
-            </a:r>
-          </a:p>
-          <a:p>
-            <a:r>
-              <a:rPr lang="en-US" dirty="0" smtClean="0"/>
-              <a:t>Feature 3</a:t>
-            </a:r>
-            <a:endParaRPr lang="en-US" dirty="0"/>
+              <a:rPr lang="en-US" altLang="zh-TW" b="1" dirty="0" smtClean="0"/>
+              <a:t>Clean</a:t>
+            </a:r>
+            <a:r>
+              <a:rPr lang="zh-TW" altLang="en-US" b="1" dirty="0" smtClean="0"/>
+              <a:t> </a:t>
+            </a:r>
+            <a:r>
+              <a:rPr lang="en-US" altLang="zh-TW" b="1" dirty="0" smtClean="0"/>
+              <a:t>the</a:t>
+            </a:r>
+            <a:r>
+              <a:rPr lang="zh-TW" altLang="en-US" b="1" dirty="0" smtClean="0"/>
+              <a:t> </a:t>
+            </a:r>
+            <a:r>
+              <a:rPr lang="en-US" altLang="zh-TW" b="1" dirty="0" smtClean="0"/>
+              <a:t>skin</a:t>
+            </a:r>
+            <a:r>
+              <a:rPr lang="zh-TW" altLang="en-US" b="1" dirty="0" smtClean="0"/>
+              <a:t> </a:t>
+            </a:r>
+            <a:r>
+              <a:rPr lang="en-US" altLang="zh-TW" dirty="0" smtClean="0"/>
+              <a:t>routinely</a:t>
+            </a:r>
+            <a:endParaRPr lang="en-US" dirty="0" smtClean="0"/>
+          </a:p>
+          <a:p>
+            <a:r>
+              <a:rPr lang="en-US" altLang="zh-TW" dirty="0" smtClean="0"/>
+              <a:t>Do</a:t>
+            </a:r>
+            <a:r>
+              <a:rPr lang="zh-TW" altLang="en-US" dirty="0" smtClean="0"/>
+              <a:t> </a:t>
+            </a:r>
+            <a:r>
+              <a:rPr lang="en-US" altLang="zh-TW" b="1" dirty="0" smtClean="0"/>
+              <a:t>pelvic</a:t>
+            </a:r>
+            <a:r>
+              <a:rPr lang="zh-TW" altLang="en-US" b="1" dirty="0" smtClean="0"/>
+              <a:t> </a:t>
+            </a:r>
+            <a:r>
+              <a:rPr lang="en-US" altLang="zh-TW" b="1" dirty="0" smtClean="0"/>
+              <a:t>muscle</a:t>
+            </a:r>
+            <a:r>
+              <a:rPr lang="zh-TW" altLang="en-US" b="1" dirty="0" smtClean="0"/>
+              <a:t> </a:t>
+            </a:r>
+            <a:r>
+              <a:rPr lang="en-US" altLang="zh-TW" b="1" dirty="0" smtClean="0"/>
+              <a:t>exercises</a:t>
+            </a:r>
+            <a:endParaRPr lang="en-US" b="1" dirty="0" smtClean="0"/>
+          </a:p>
+          <a:p>
+            <a:r>
+              <a:rPr lang="en-US" altLang="zh-TW" dirty="0" smtClean="0"/>
+              <a:t>Avoid</a:t>
+            </a:r>
+            <a:r>
+              <a:rPr lang="zh-TW" altLang="en-US" dirty="0" smtClean="0"/>
+              <a:t> </a:t>
+            </a:r>
+            <a:r>
+              <a:rPr lang="en-US" altLang="zh-TW" b="1" dirty="0" smtClean="0"/>
+              <a:t>heavy</a:t>
+            </a:r>
+            <a:r>
+              <a:rPr lang="zh-TW" altLang="en-US" b="1" dirty="0" smtClean="0"/>
+              <a:t> </a:t>
+            </a:r>
+            <a:r>
+              <a:rPr lang="en-US" altLang="zh-TW" b="1" dirty="0" smtClean="0"/>
+              <a:t>lifting</a:t>
+            </a:r>
+            <a:r>
+              <a:rPr lang="zh-TW" altLang="en-US" b="1" dirty="0" smtClean="0"/>
+              <a:t> </a:t>
+            </a:r>
+            <a:r>
+              <a:rPr lang="en-US" altLang="zh-TW" dirty="0" smtClean="0"/>
+              <a:t>,</a:t>
+            </a:r>
+            <a:r>
+              <a:rPr lang="zh-TW" altLang="en-US" dirty="0" smtClean="0"/>
+              <a:t> </a:t>
+            </a:r>
+            <a:r>
+              <a:rPr lang="en-US" altLang="zh-TW" dirty="0" smtClean="0"/>
+              <a:t>etc</a:t>
+            </a:r>
+            <a:endParaRPr lang="en-US" altLang="zh-TW" dirty="0"/>
           </a:p>
         </p:txBody>
       </p:sp>
@@ -9960,20 +10526,190 @@
           <a:lstStyle/>
           <a:p>
             <a:r>
-              <a:rPr lang="en-US" dirty="0" smtClean="0"/>
-              <a:t>Feature 1</a:t>
-            </a:r>
-          </a:p>
-          <a:p>
-            <a:r>
-              <a:rPr lang="en-US" dirty="0" smtClean="0"/>
-              <a:t>Feature 2</a:t>
-            </a:r>
-          </a:p>
-          <a:p>
-            <a:r>
-              <a:rPr lang="en-US" dirty="0" smtClean="0"/>
-              <a:t>Feature 3</a:t>
+              <a:rPr lang="en-US" altLang="zh-TW" dirty="0" smtClean="0"/>
+              <a:t>Remind</a:t>
+            </a:r>
+            <a:r>
+              <a:rPr lang="zh-TW" altLang="en-US" dirty="0" smtClean="0"/>
+              <a:t> </a:t>
+            </a:r>
+            <a:r>
+              <a:rPr lang="en-US" altLang="zh-TW" dirty="0" smtClean="0"/>
+              <a:t>them</a:t>
+            </a:r>
+            <a:r>
+              <a:rPr lang="zh-TW" altLang="en-US" dirty="0" smtClean="0"/>
+              <a:t> </a:t>
+            </a:r>
+            <a:r>
+              <a:rPr lang="en-US" altLang="zh-TW" dirty="0" smtClean="0"/>
+              <a:t>to</a:t>
+            </a:r>
+            <a:r>
+              <a:rPr lang="zh-TW" altLang="en-US" dirty="0" smtClean="0"/>
+              <a:t> </a:t>
+            </a:r>
+            <a:r>
+              <a:rPr lang="en-US" altLang="zh-TW" b="1" dirty="0" smtClean="0"/>
+              <a:t>take</a:t>
+            </a:r>
+            <a:r>
+              <a:rPr lang="zh-TW" altLang="en-US" b="1" dirty="0" smtClean="0"/>
+              <a:t> </a:t>
+            </a:r>
+            <a:r>
+              <a:rPr lang="en-US" altLang="zh-TW" b="1" dirty="0" smtClean="0"/>
+              <a:t>the</a:t>
+            </a:r>
+            <a:r>
+              <a:rPr lang="zh-TW" altLang="en-US" b="1" dirty="0" smtClean="0"/>
+              <a:t> </a:t>
+            </a:r>
+            <a:r>
+              <a:rPr lang="en-US" altLang="zh-TW" b="1" dirty="0" smtClean="0"/>
+              <a:t>medicines</a:t>
+            </a:r>
+            <a:r>
+              <a:rPr lang="zh-TW" altLang="en-US" dirty="0" smtClean="0"/>
+              <a:t> </a:t>
+            </a:r>
+            <a:r>
+              <a:rPr lang="en-US" altLang="zh-TW" dirty="0" smtClean="0"/>
+              <a:t>regularly</a:t>
+            </a:r>
+            <a:endParaRPr lang="en-US" dirty="0" smtClean="0"/>
+          </a:p>
+          <a:p>
+            <a:r>
+              <a:rPr lang="en-US" altLang="zh-TW" dirty="0" smtClean="0"/>
+              <a:t>Always</a:t>
+            </a:r>
+            <a:r>
+              <a:rPr lang="zh-TW" altLang="en-US" dirty="0" smtClean="0"/>
+              <a:t> </a:t>
+            </a:r>
+            <a:r>
+              <a:rPr lang="en-US" altLang="zh-TW" dirty="0" smtClean="0"/>
+              <a:t>report</a:t>
+            </a:r>
+            <a:r>
+              <a:rPr lang="zh-TW" altLang="en-US" dirty="0" smtClean="0"/>
+              <a:t> </a:t>
+            </a:r>
+            <a:r>
+              <a:rPr lang="en-US" altLang="zh-TW" dirty="0" smtClean="0"/>
+              <a:t>any</a:t>
+            </a:r>
+            <a:r>
+              <a:rPr lang="zh-TW" altLang="en-US" dirty="0" smtClean="0"/>
+              <a:t> </a:t>
+            </a:r>
+            <a:r>
+              <a:rPr lang="en-US" altLang="zh-TW" b="1" dirty="0" smtClean="0"/>
+              <a:t>side-effects</a:t>
+            </a:r>
+            <a:r>
+              <a:rPr lang="zh-TW" altLang="en-US" dirty="0" smtClean="0"/>
+              <a:t> </a:t>
+            </a:r>
+            <a:r>
+              <a:rPr lang="en-US" altLang="zh-TW" dirty="0" smtClean="0"/>
+              <a:t>from</a:t>
+            </a:r>
+            <a:r>
+              <a:rPr lang="zh-TW" altLang="en-US" dirty="0" smtClean="0"/>
+              <a:t> </a:t>
+            </a:r>
+            <a:r>
+              <a:rPr lang="en-US" altLang="zh-TW" dirty="0" smtClean="0"/>
+              <a:t>the</a:t>
+            </a:r>
+            <a:r>
+              <a:rPr lang="zh-TW" altLang="en-US" dirty="0" smtClean="0"/>
+              <a:t> </a:t>
+            </a:r>
+            <a:r>
+              <a:rPr lang="en-US" altLang="zh-TW" dirty="0" smtClean="0"/>
+              <a:t>medicines</a:t>
+            </a:r>
+            <a:endParaRPr lang="en-US" dirty="0" smtClean="0"/>
+          </a:p>
+          <a:p>
+            <a:r>
+              <a:rPr lang="en-US" altLang="zh-TW" dirty="0" smtClean="0"/>
+              <a:t>Always</a:t>
+            </a:r>
+            <a:r>
+              <a:rPr lang="zh-TW" altLang="en-US" dirty="0" smtClean="0"/>
+              <a:t> </a:t>
+            </a:r>
+            <a:r>
+              <a:rPr lang="en-US" altLang="zh-TW" dirty="0" smtClean="0"/>
+              <a:t>report</a:t>
+            </a:r>
+            <a:r>
+              <a:rPr lang="zh-TW" altLang="en-US" dirty="0" smtClean="0"/>
+              <a:t> </a:t>
+            </a:r>
+            <a:r>
+              <a:rPr lang="en-US" altLang="zh-TW" dirty="0" smtClean="0"/>
+              <a:t>any</a:t>
+            </a:r>
+            <a:r>
+              <a:rPr lang="zh-TW" altLang="en-US" dirty="0" smtClean="0"/>
+              <a:t> </a:t>
+            </a:r>
+            <a:r>
+              <a:rPr lang="en-US" altLang="zh-TW" b="1" dirty="0" smtClean="0"/>
+              <a:t>changes</a:t>
+            </a:r>
+            <a:r>
+              <a:rPr lang="zh-TW" altLang="en-US" dirty="0" smtClean="0"/>
+              <a:t> </a:t>
+            </a:r>
+            <a:r>
+              <a:rPr lang="en-US" altLang="zh-TW" dirty="0" smtClean="0"/>
+              <a:t>to</a:t>
+            </a:r>
+            <a:r>
+              <a:rPr lang="zh-TW" altLang="en-US" dirty="0" smtClean="0"/>
+              <a:t> </a:t>
+            </a:r>
+            <a:r>
+              <a:rPr lang="en-US" altLang="zh-TW" dirty="0" smtClean="0"/>
+              <a:t>their</a:t>
+            </a:r>
+            <a:r>
+              <a:rPr lang="zh-TW" altLang="en-US" dirty="0" smtClean="0"/>
+              <a:t> </a:t>
+            </a:r>
+            <a:r>
+              <a:rPr lang="en-US" altLang="zh-TW" dirty="0" smtClean="0"/>
+              <a:t>healthcare</a:t>
+            </a:r>
+            <a:r>
+              <a:rPr lang="zh-TW" altLang="en-US" dirty="0" smtClean="0"/>
+              <a:t> </a:t>
+            </a:r>
+            <a:r>
+              <a:rPr lang="en-US" altLang="zh-TW" dirty="0" smtClean="0"/>
+              <a:t>providers</a:t>
+            </a:r>
+            <a:r>
+              <a:rPr lang="zh-TW" altLang="en-US" dirty="0" smtClean="0"/>
+              <a:t> </a:t>
+            </a:r>
+            <a:r>
+              <a:rPr lang="en-US" altLang="zh-TW" dirty="0" smtClean="0"/>
+              <a:t>,</a:t>
+            </a:r>
+            <a:r>
+              <a:rPr lang="zh-TW" altLang="en-US" dirty="0" smtClean="0"/>
+              <a:t> </a:t>
+            </a:r>
+            <a:r>
+              <a:rPr lang="en-US" altLang="zh-TW" dirty="0" smtClean="0"/>
+              <a:t>etc</a:t>
             </a:r>
             <a:endParaRPr lang="en-US" dirty="0"/>
           </a:p>
@@ -9982,7 +10718,7 @@
     </p:spTree>
     <p:extLst>
       <p:ext uri="{BB962C8B-B14F-4D97-AF65-F5344CB8AC3E}">
-        <p14:creationId xmlns="" xmlns:p14="http://schemas.microsoft.com/office/powerpoint/2010/main" val="4170783713"/>
+        <p14:creationId xmlns:p14="http://schemas.microsoft.com/office/powerpoint/2010/main" xmlns="" val="4170783713"/>
       </p:ext>
     </p:extLst>
   </p:cSld>
@@ -10096,21 +10832,12 @@
             </a:pPr>
             <a:r>
               <a:rPr lang="zh-TW" altLang="en-US" dirty="0" smtClean="0"/>
-              <a:t> </a:t>
-            </a:r>
-            <a:r>
-              <a:rPr lang="zh-TW" altLang="en-US" dirty="0" smtClean="0"/>
-              <a:t>      </a:t>
+              <a:t>       </a:t>
             </a:r>
             <a:r>
               <a:rPr lang="en-US" altLang="zh-TW" i="1" dirty="0" smtClean="0"/>
-              <a:t>one </a:t>
-            </a:r>
-            <a:r>
-              <a:rPr lang="en-US" altLang="zh-TW" i="1" dirty="0" smtClean="0"/>
-              <a:t>of two muscles used to control the exit </a:t>
-            </a:r>
-            <a:endParaRPr lang="en-US" altLang="zh-TW" i="1" dirty="0" smtClean="0"/>
+              <a:t>one of two muscles used to control the exit </a:t>
+            </a:r>
           </a:p>
           <a:p>
             <a:pPr>
@@ -10118,19 +10845,11 @@
             </a:pPr>
             <a:r>
               <a:rPr lang="zh-TW" altLang="en-US" i="1" dirty="0" smtClean="0"/>
-              <a:t> </a:t>
-            </a:r>
-            <a:r>
-              <a:rPr lang="zh-TW" altLang="en-US" i="1" dirty="0" smtClean="0"/>
-              <a:t>      </a:t>
+              <a:t>       </a:t>
             </a:r>
             <a:r>
               <a:rPr lang="en-US" altLang="zh-TW" i="1" dirty="0" smtClean="0"/>
-              <a:t>of</a:t>
-            </a:r>
-            <a:r>
-              <a:rPr lang="en-US" altLang="zh-TW" i="1" dirty="0" smtClean="0"/>
-              <a:t> urine in the urinary bladder through the urethra</a:t>
+              <a:t>of urine in the urinary bladder through the urethra</a:t>
             </a:r>
             <a:endParaRPr lang="en-US" i="1" dirty="0" smtClean="0"/>
           </a:p>
@@ -10172,24 +10891,12 @@
                 <a:latin typeface="微軟正黑體" pitchFamily="34" charset="-120"/>
                 <a:ea typeface="微軟正黑體" pitchFamily="34" charset="-120"/>
               </a:rPr>
-              <a:t> </a:t>
-            </a:r>
-            <a:r>
-              <a:rPr lang="zh-TW" altLang="en-US" dirty="0" smtClean="0">
-                <a:latin typeface="微軟正黑體" pitchFamily="34" charset="-120"/>
-                <a:ea typeface="微軟正黑體" pitchFamily="34" charset="-120"/>
-              </a:rPr>
-              <a:t>      </a:t>
+              <a:t>       </a:t>
             </a:r>
             <a:r>
               <a:rPr lang="en-US" altLang="zh-TW" i="1" dirty="0" smtClean="0"/>
-              <a:t>a </a:t>
-            </a:r>
-            <a:r>
-              <a:rPr lang="en-US" altLang="zh-TW" i="1" dirty="0" smtClean="0"/>
-              <a:t>form of urinary incontinence characterized by the </a:t>
-            </a:r>
-            <a:endParaRPr lang="en-US" altLang="zh-TW" i="1" dirty="0" smtClean="0"/>
+              <a:t>a form of urinary incontinence characterized by the </a:t>
+            </a:r>
           </a:p>
           <a:p>
             <a:pPr>
@@ -10197,23 +10904,11 @@
             </a:pPr>
             <a:r>
               <a:rPr lang="zh-TW" altLang="en-US" i="1" dirty="0" smtClean="0"/>
-              <a:t> </a:t>
-            </a:r>
-            <a:r>
-              <a:rPr lang="zh-TW" altLang="en-US" i="1" dirty="0" smtClean="0"/>
-              <a:t>       </a:t>
+              <a:t>        </a:t>
             </a:r>
             <a:r>
               <a:rPr lang="en-US" altLang="zh-TW" i="1" dirty="0" smtClean="0"/>
-              <a:t>involuntary </a:t>
-            </a:r>
-            <a:r>
-              <a:rPr lang="en-US" altLang="zh-TW" i="1" dirty="0" smtClean="0"/>
-              <a:t>loss of </a:t>
-            </a:r>
-            <a:r>
-              <a:rPr lang="en-US" altLang="zh-TW" i="1" dirty="0" smtClean="0"/>
-              <a:t>urine</a:t>
+              <a:t>involuntary loss of urine</a:t>
             </a:r>
             <a:endParaRPr lang="en-US" altLang="zh-TW" i="1" dirty="0" smtClean="0">
               <a:latin typeface="微軟正黑體" pitchFamily="34" charset="-120"/>
@@ -10250,24 +10945,12 @@
                 <a:latin typeface="微軟正黑體" pitchFamily="34" charset="-120"/>
                 <a:ea typeface="微軟正黑體" pitchFamily="34" charset="-120"/>
               </a:rPr>
-              <a:t> </a:t>
-            </a:r>
-            <a:r>
-              <a:rPr lang="zh-TW" altLang="en-US" dirty="0" smtClean="0">
-                <a:latin typeface="微軟正黑體" pitchFamily="34" charset="-120"/>
-                <a:ea typeface="微軟正黑體" pitchFamily="34" charset="-120"/>
-              </a:rPr>
-              <a:t>       </a:t>
+              <a:t>        </a:t>
             </a:r>
             <a:r>
               <a:rPr lang="en-US" altLang="zh-TW" i="1" dirty="0" smtClean="0"/>
-              <a:t>a </a:t>
-            </a:r>
-            <a:r>
-              <a:rPr lang="en-US" altLang="zh-TW" i="1" dirty="0" smtClean="0"/>
-              <a:t>movement of a muscle that causes it to become </a:t>
-            </a:r>
-            <a:endParaRPr lang="en-US" altLang="zh-TW" i="1" dirty="0" smtClean="0"/>
+              <a:t>a movement of a muscle that causes it to become </a:t>
+            </a:r>
           </a:p>
           <a:p>
             <a:pPr>
@@ -10275,11 +10958,7 @@
             </a:pPr>
             <a:r>
               <a:rPr lang="zh-TW" altLang="en-US" i="1" dirty="0" smtClean="0"/>
-              <a:t> </a:t>
-            </a:r>
-            <a:r>
-              <a:rPr lang="zh-TW" altLang="en-US" i="1" dirty="0" smtClean="0"/>
-              <a:t>                  </a:t>
+              <a:t>                   </a:t>
             </a:r>
             <a:r>
               <a:rPr lang="en-US" altLang="zh-TW" i="1" dirty="0" smtClean="0"/>
@@ -10298,7 +10977,7 @@
     </p:spTree>
     <p:extLst>
       <p:ext uri="{BB962C8B-B14F-4D97-AF65-F5344CB8AC3E}">
-        <p14:creationId xmlns="" xmlns:p14="http://schemas.microsoft.com/office/powerpoint/2010/main" val="4103309497"/>
+        <p14:creationId xmlns:p14="http://schemas.microsoft.com/office/powerpoint/2010/main" xmlns="" val="4103309497"/>
       </p:ext>
     </p:extLst>
   </p:cSld>
@@ -10468,22 +11147,11 @@
                 <a:latin typeface="微軟正黑體" pitchFamily="34" charset="-120"/>
                 <a:ea typeface="微軟正黑體" pitchFamily="34" charset="-120"/>
               </a:rPr>
-              <a:t> </a:t>
-            </a:r>
-            <a:r>
-              <a:rPr lang="zh-TW" altLang="en-US" dirty="0" smtClean="0">
-                <a:latin typeface="微軟正黑體" pitchFamily="34" charset="-120"/>
-                <a:ea typeface="微軟正黑體" pitchFamily="34" charset="-120"/>
-              </a:rPr>
-              <a:t>     </a:t>
+              <a:t>      </a:t>
             </a:r>
             <a:r>
               <a:rPr lang="en-US" altLang="zh-TW" i="1" dirty="0" smtClean="0"/>
-              <a:t>a </a:t>
-            </a:r>
-            <a:r>
-              <a:rPr lang="en-US" altLang="zh-TW" i="1" dirty="0" smtClean="0"/>
-              <a:t>muscular partition formed by the </a:t>
+              <a:t>a muscular partition formed by the </a:t>
             </a:r>
             <a:r>
               <a:rPr lang="en-US" altLang="zh-TW" i="1" dirty="0" err="1" smtClean="0"/>
@@ -10513,11 +11181,7 @@
             </a:pPr>
             <a:r>
               <a:rPr lang="zh-TW" altLang="en-US" i="1" dirty="0" smtClean="0"/>
-              <a:t> </a:t>
-            </a:r>
-            <a:r>
-              <a:rPr lang="zh-TW" altLang="en-US" i="1" dirty="0" smtClean="0"/>
-              <a:t>      </a:t>
+              <a:t>       </a:t>
             </a:r>
             <a:r>
               <a:rPr lang="en-US" altLang="zh-TW" i="1" dirty="0" smtClean="0"/>
@@ -10562,14 +11226,7 @@
                 <a:latin typeface="微軟正黑體" pitchFamily="34" charset="-120"/>
                 <a:ea typeface="微軟正黑體" pitchFamily="34" charset="-120"/>
               </a:rPr>
-              <a:t>腹部內</a:t>
-            </a:r>
-            <a:r>
-              <a:rPr lang="zh-TW" altLang="en-US" dirty="0" smtClean="0">
-                <a:latin typeface="微軟正黑體" pitchFamily="34" charset="-120"/>
-                <a:ea typeface="微軟正黑體" pitchFamily="34" charset="-120"/>
-              </a:rPr>
-              <a:t>的</a:t>
+              <a:t>腹部內的</a:t>
             </a:r>
             <a:endParaRPr lang="en-US" altLang="zh-TW" dirty="0" smtClean="0">
               <a:latin typeface="微軟正黑體" pitchFamily="34" charset="-120"/>
@@ -10627,7 +11284,7 @@
     </p:spTree>
     <p:extLst>
       <p:ext uri="{BB962C8B-B14F-4D97-AF65-F5344CB8AC3E}">
-        <p14:creationId xmlns="" xmlns:p14="http://schemas.microsoft.com/office/powerpoint/2010/main" val="4103309497"/>
+        <p14:creationId xmlns:p14="http://schemas.microsoft.com/office/powerpoint/2010/main" xmlns="" val="4103309497"/>
       </p:ext>
     </p:extLst>
   </p:cSld>
@@ -10753,13 +11410,8 @@
             </a:r>
             <a:r>
               <a:rPr lang="en-US" altLang="zh-TW" i="1" dirty="0" smtClean="0"/>
-              <a:t>the </a:t>
-            </a:r>
-            <a:r>
-              <a:rPr lang="en-US" altLang="zh-TW" i="1" dirty="0" smtClean="0"/>
-              <a:t>involuntary release of urine from an overly full </a:t>
-            </a:r>
-            <a:endParaRPr lang="en-US" altLang="zh-TW" i="1" dirty="0" smtClean="0"/>
+              <a:t>the involuntary release of urine from an overly full </a:t>
+            </a:r>
           </a:p>
           <a:p>
             <a:pPr>
@@ -10767,19 +11419,11 @@
             </a:pPr>
             <a:r>
               <a:rPr lang="zh-TW" altLang="en-US" i="1" dirty="0" smtClean="0"/>
-              <a:t> </a:t>
-            </a:r>
-            <a:r>
-              <a:rPr lang="zh-TW" altLang="en-US" i="1" dirty="0" smtClean="0"/>
-              <a:t>       </a:t>
+              <a:t>        </a:t>
             </a:r>
             <a:r>
               <a:rPr lang="en-US" altLang="zh-TW" i="1" dirty="0" smtClean="0"/>
-              <a:t>urinary </a:t>
-            </a:r>
-            <a:r>
-              <a:rPr lang="en-US" altLang="zh-TW" i="1" dirty="0" smtClean="0"/>
-              <a:t>bladder</a:t>
+              <a:t>urinary bladder</a:t>
             </a:r>
             <a:endParaRPr lang="en-US" i="1" dirty="0" smtClean="0"/>
           </a:p>
@@ -10866,26 +11510,11 @@
                 <a:latin typeface="微軟正黑體" pitchFamily="34" charset="-120"/>
                 <a:ea typeface="微軟正黑體" pitchFamily="34" charset="-120"/>
               </a:rPr>
-              <a:t> </a:t>
-            </a:r>
-            <a:r>
-              <a:rPr lang="zh-TW" altLang="en-US" i="1" dirty="0" smtClean="0">
-                <a:latin typeface="微軟正黑體" pitchFamily="34" charset="-120"/>
-                <a:ea typeface="微軟正黑體" pitchFamily="34" charset="-120"/>
-              </a:rPr>
-              <a:t>      </a:t>
+              <a:t>       </a:t>
             </a:r>
             <a:r>
               <a:rPr lang="en-US" altLang="zh-TW" i="1" dirty="0" smtClean="0"/>
-              <a:t>a </a:t>
-            </a:r>
-            <a:r>
-              <a:rPr lang="en-US" altLang="zh-TW" i="1" dirty="0" smtClean="0"/>
-              <a:t>condition in which the </a:t>
-            </a:r>
-            <a:r>
-              <a:rPr lang="en-US" altLang="zh-TW" i="1" dirty="0" smtClean="0"/>
-              <a:t>autonomic</a:t>
+              <a:t>a condition in which the autonomic</a:t>
             </a:r>
             <a:r>
               <a:rPr lang="zh-TW" altLang="en-US" i="1" dirty="0" smtClean="0"/>
@@ -10907,19 +11536,11 @@
             </a:pPr>
             <a:r>
               <a:rPr lang="zh-TW" altLang="en-US" i="1" dirty="0" smtClean="0"/>
-              <a:t> </a:t>
-            </a:r>
-            <a:r>
-              <a:rPr lang="zh-TW" altLang="en-US" i="1" dirty="0" smtClean="0"/>
-              <a:t>                    </a:t>
+              <a:t>                     </a:t>
             </a:r>
             <a:r>
               <a:rPr lang="en-US" altLang="zh-TW" i="1" dirty="0" smtClean="0"/>
-              <a:t>system</a:t>
-            </a:r>
-            <a:r>
-              <a:rPr lang="en-US" altLang="zh-TW" i="1" dirty="0" smtClean="0"/>
-              <a:t> (ANS) malfunctions</a:t>
+              <a:t>system (ANS) malfunctions</a:t>
             </a:r>
             <a:endParaRPr lang="en-US" i="1" dirty="0" smtClean="0">
               <a:latin typeface="微軟正黑體" pitchFamily="34" charset="-120"/>
@@ -10934,7 +11555,7 @@
     </p:spTree>
     <p:extLst>
       <p:ext uri="{BB962C8B-B14F-4D97-AF65-F5344CB8AC3E}">
-        <p14:creationId xmlns="" xmlns:p14="http://schemas.microsoft.com/office/powerpoint/2010/main" val="4103309497"/>
+        <p14:creationId xmlns:p14="http://schemas.microsoft.com/office/powerpoint/2010/main" xmlns="" val="4103309497"/>
       </p:ext>
     </p:extLst>
   </p:cSld>
@@ -11038,19 +11659,15 @@
             </a:pPr>
             <a:r>
               <a:rPr lang="zh-TW" altLang="en-US" dirty="0" smtClean="0"/>
-              <a:t> </a:t>
-            </a:r>
-            <a:r>
-              <a:rPr lang="zh-TW" altLang="en-US" dirty="0" smtClean="0"/>
-              <a:t>      </a:t>
-            </a:r>
-            <a:r>
-              <a:rPr lang="en-US" altLang="zh-TW" dirty="0" smtClean="0"/>
-              <a:t>a increase </a:t>
-            </a:r>
-            <a:r>
-              <a:rPr lang="en-US" altLang="zh-TW" dirty="0" smtClean="0"/>
-              <a:t>in size of the prostate</a:t>
+              <a:t>       </a:t>
+            </a:r>
+            <a:r>
+              <a:rPr lang="en-US" altLang="zh-TW" dirty="0" smtClean="0"/>
+              <a:t>an </a:t>
+            </a:r>
+            <a:r>
+              <a:rPr lang="en-US" altLang="zh-TW" dirty="0" smtClean="0"/>
+              <a:t>increase in size of the prostate</a:t>
             </a:r>
             <a:endParaRPr lang="en-US" dirty="0" smtClean="0"/>
           </a:p>
@@ -11092,24 +11709,12 @@
                 <a:latin typeface="微軟正黑體" pitchFamily="34" charset="-120"/>
                 <a:ea typeface="微軟正黑體" pitchFamily="34" charset="-120"/>
               </a:rPr>
-              <a:t> </a:t>
-            </a:r>
-            <a:r>
-              <a:rPr lang="zh-TW" altLang="en-US" dirty="0" smtClean="0">
-                <a:latin typeface="微軟正黑體" pitchFamily="34" charset="-120"/>
-                <a:ea typeface="微軟正黑體" pitchFamily="34" charset="-120"/>
-              </a:rPr>
-              <a:t>     </a:t>
-            </a:r>
-            <a:r>
-              <a:rPr lang="en-US" altLang="zh-TW" dirty="0" smtClean="0"/>
-              <a:t>a </a:t>
-            </a:r>
-            <a:r>
-              <a:rPr lang="en-US" altLang="zh-TW" dirty="0" smtClean="0"/>
-              <a:t>long, thin, tubular bundle of nervous </a:t>
-            </a:r>
-            <a:endParaRPr lang="en-US" altLang="zh-TW" dirty="0" smtClean="0"/>
+              <a:t>      </a:t>
+            </a:r>
+            <a:r>
+              <a:rPr lang="en-US" altLang="zh-TW" dirty="0" smtClean="0"/>
+              <a:t>a long, thin, tubular bundle of nervous </a:t>
+            </a:r>
           </a:p>
           <a:p>
             <a:pPr>
@@ -11117,19 +11722,11 @@
             </a:pPr>
             <a:r>
               <a:rPr lang="zh-TW" altLang="en-US" dirty="0" smtClean="0"/>
-              <a:t> </a:t>
-            </a:r>
-            <a:r>
-              <a:rPr lang="zh-TW" altLang="en-US" dirty="0" smtClean="0"/>
-              <a:t>      </a:t>
-            </a:r>
-            <a:r>
-              <a:rPr lang="en-US" altLang="zh-TW" dirty="0" smtClean="0"/>
-              <a:t>tissue</a:t>
-            </a:r>
-            <a:r>
-              <a:rPr lang="en-US" altLang="zh-TW" dirty="0" smtClean="0"/>
-              <a:t> and support cells that extends from </a:t>
+              <a:t>       </a:t>
+            </a:r>
+            <a:r>
+              <a:rPr lang="en-US" altLang="zh-TW" dirty="0" smtClean="0"/>
+              <a:t>tissue and support cells that extends from </a:t>
             </a:r>
             <a:r>
               <a:rPr lang="zh-TW" altLang="en-US" dirty="0" smtClean="0"/>
@@ -11143,23 +11740,11 @@
             </a:pPr>
             <a:r>
               <a:rPr lang="zh-TW" altLang="en-US" dirty="0" smtClean="0"/>
-              <a:t> </a:t>
-            </a:r>
-            <a:r>
-              <a:rPr lang="zh-TW" altLang="en-US" dirty="0" smtClean="0"/>
-              <a:t>      </a:t>
-            </a:r>
-            <a:r>
-              <a:rPr lang="en-US" altLang="zh-TW" dirty="0" smtClean="0"/>
-              <a:t>the</a:t>
-            </a:r>
-            <a:r>
-              <a:rPr lang="en-US" altLang="zh-TW" dirty="0" smtClean="0"/>
-              <a:t> medulla oblongata in </a:t>
-            </a:r>
-            <a:r>
-              <a:rPr lang="en-US" altLang="zh-TW" dirty="0" smtClean="0"/>
-              <a:t>the</a:t>
+              <a:t>       </a:t>
+            </a:r>
+            <a:r>
+              <a:rPr lang="en-US" altLang="zh-TW" dirty="0" smtClean="0"/>
+              <a:t>the medulla oblongata in the</a:t>
             </a:r>
             <a:r>
               <a:rPr lang="zh-TW" altLang="en-US" dirty="0" smtClean="0"/>
@@ -11179,7 +11764,7 @@
     </p:spTree>
     <p:extLst>
       <p:ext uri="{BB962C8B-B14F-4D97-AF65-F5344CB8AC3E}">
-        <p14:creationId xmlns="" xmlns:p14="http://schemas.microsoft.com/office/powerpoint/2010/main" val="4103309497"/>
+        <p14:creationId xmlns:p14="http://schemas.microsoft.com/office/powerpoint/2010/main" xmlns="" val="4103309497"/>
       </p:ext>
     </p:extLst>
   </p:cSld>
@@ -11406,7 +11991,7 @@
     </p:spTree>
     <p:extLst>
       <p:ext uri="{BB962C8B-B14F-4D97-AF65-F5344CB8AC3E}">
-        <p14:creationId xmlns="" xmlns:p14="http://schemas.microsoft.com/office/powerpoint/2010/main" val="4103309497"/>
+        <p14:creationId xmlns:p14="http://schemas.microsoft.com/office/powerpoint/2010/main" xmlns="" val="4103309497"/>
       </p:ext>
     </p:extLst>
   </p:cSld>
@@ -11525,7 +12110,6 @@
               <a:rPr lang="en-US" altLang="zh-TW" i="1" dirty="0" smtClean="0"/>
               <a:t>a lack of ability to urinate</a:t>
             </a:r>
-            <a:endParaRPr lang="en-US" altLang="zh-TW" i="1" dirty="0" smtClean="0"/>
           </a:p>
           <a:p>
             <a:r>
@@ -11565,24 +12149,12 @@
                 <a:latin typeface="微軟正黑體" pitchFamily="34" charset="-120"/>
                 <a:ea typeface="微軟正黑體" pitchFamily="34" charset="-120"/>
               </a:rPr>
-              <a:t> </a:t>
-            </a:r>
-            <a:r>
-              <a:rPr lang="zh-TW" altLang="en-US" dirty="0" smtClean="0">
-                <a:latin typeface="微軟正黑體" pitchFamily="34" charset="-120"/>
-                <a:ea typeface="微軟正黑體" pitchFamily="34" charset="-120"/>
-              </a:rPr>
-              <a:t>     </a:t>
+              <a:t>      </a:t>
             </a:r>
             <a:r>
               <a:rPr lang="en-US" altLang="zh-TW" i="1" dirty="0" smtClean="0"/>
-              <a:t>a </a:t>
-            </a:r>
-            <a:r>
-              <a:rPr lang="en-US" altLang="zh-TW" i="1" dirty="0" smtClean="0"/>
-              <a:t>flexible tube that is often passed through </a:t>
-            </a:r>
-            <a:endParaRPr lang="en-US" altLang="zh-TW" i="1" dirty="0" smtClean="0"/>
+              <a:t>a flexible tube that is often passed through </a:t>
+            </a:r>
           </a:p>
           <a:p>
             <a:pPr>
@@ -11590,19 +12162,11 @@
             </a:pPr>
             <a:r>
               <a:rPr lang="zh-TW" altLang="en-US" i="1" dirty="0" smtClean="0"/>
-              <a:t> </a:t>
-            </a:r>
-            <a:r>
-              <a:rPr lang="zh-TW" altLang="en-US" i="1" dirty="0" smtClean="0"/>
-              <a:t>      </a:t>
+              <a:t>       </a:t>
             </a:r>
             <a:r>
               <a:rPr lang="en-US" altLang="zh-TW" i="1" dirty="0" smtClean="0"/>
-              <a:t>the</a:t>
-            </a:r>
-            <a:r>
-              <a:rPr lang="en-US" altLang="zh-TW" i="1" dirty="0" smtClean="0"/>
-              <a:t> urethra and into the bladder</a:t>
+              <a:t>the urethra and into the bladder</a:t>
             </a:r>
             <a:endParaRPr lang="en-US" altLang="zh-TW" i="1" dirty="0" smtClean="0">
               <a:latin typeface="微軟正黑體" pitchFamily="34" charset="-120"/>
@@ -11652,11 +12216,7 @@
             </a:r>
             <a:r>
               <a:rPr lang="en-US" altLang="zh-TW" i="1" dirty="0" smtClean="0"/>
-              <a:t>a </a:t>
-            </a:r>
-            <a:r>
-              <a:rPr lang="en-US" altLang="zh-TW" i="1" dirty="0" smtClean="0"/>
-              <a:t>medical technique used in conditions where </a:t>
+              <a:t>a medical technique used in conditions where </a:t>
             </a:r>
             <a:r>
               <a:rPr lang="zh-TW" altLang="en-US" i="1" dirty="0" smtClean="0"/>
@@ -11670,19 +12230,11 @@
             </a:pPr>
             <a:r>
               <a:rPr lang="zh-TW" altLang="en-US" i="1" dirty="0" smtClean="0"/>
-              <a:t> </a:t>
-            </a:r>
-            <a:r>
-              <a:rPr lang="zh-TW" altLang="en-US" i="1" dirty="0" smtClean="0"/>
-              <a:t>                   </a:t>
+              <a:t>                    </a:t>
             </a:r>
             <a:r>
               <a:rPr lang="en-US" altLang="zh-TW" i="1" dirty="0" smtClean="0"/>
-              <a:t>patients </a:t>
-            </a:r>
-            <a:r>
-              <a:rPr lang="en-US" altLang="zh-TW" i="1" dirty="0" smtClean="0"/>
-              <a:t>need short term catheter-based </a:t>
+              <a:t>patients need short term catheter-based </a:t>
             </a:r>
             <a:r>
               <a:rPr lang="zh-TW" altLang="en-US" i="1" dirty="0" smtClean="0"/>
@@ -11696,19 +12248,11 @@
             </a:pPr>
             <a:r>
               <a:rPr lang="zh-TW" altLang="en-US" i="1" dirty="0" smtClean="0"/>
-              <a:t> </a:t>
-            </a:r>
-            <a:r>
-              <a:rPr lang="zh-TW" altLang="en-US" i="1" dirty="0" smtClean="0"/>
-              <a:t>                      </a:t>
+              <a:t>                       </a:t>
             </a:r>
             <a:r>
               <a:rPr lang="en-US" altLang="zh-TW" i="1" dirty="0" smtClean="0"/>
-              <a:t>management </a:t>
-            </a:r>
-            <a:r>
-              <a:rPr lang="en-US" altLang="zh-TW" i="1" dirty="0" smtClean="0"/>
-              <a:t>of the urinary bladder</a:t>
+              <a:t>management of the urinary bladder</a:t>
             </a:r>
             <a:endParaRPr lang="en-US" i="1" dirty="0"/>
           </a:p>
@@ -11717,7 +12261,7 @@
     </p:spTree>
     <p:extLst>
       <p:ext uri="{BB962C8B-B14F-4D97-AF65-F5344CB8AC3E}">
-        <p14:creationId xmlns="" xmlns:p14="http://schemas.microsoft.com/office/powerpoint/2010/main" val="4103309497"/>
+        <p14:creationId xmlns:p14="http://schemas.microsoft.com/office/powerpoint/2010/main" xmlns="" val="4103309497"/>
       </p:ext>
     </p:extLst>
   </p:cSld>
@@ -11993,7 +12537,7 @@
     </p:spTree>
     <p:extLst>
       <p:ext uri="{BB962C8B-B14F-4D97-AF65-F5344CB8AC3E}">
-        <p14:creationId xmlns="" xmlns:p14="http://schemas.microsoft.com/office/powerpoint/2010/main" val="1101633878"/>
+        <p14:creationId xmlns:p14="http://schemas.microsoft.com/office/powerpoint/2010/main" xmlns="" val="1101633878"/>
       </p:ext>
     </p:extLst>
   </p:cSld>

--- a/Medicine/5855_stethoscope_ppt/5855.pptx
+++ b/Medicine/5855_stethoscope_ppt/5855.pptx
@@ -381,7 +381,7 @@
     </p:spTree>
     <p:extLst>
       <p:ext uri="{BB962C8B-B14F-4D97-AF65-F5344CB8AC3E}">
-        <p14:creationId xmlns:p14="http://schemas.microsoft.com/office/powerpoint/2010/main" xmlns="" val="3253875174"/>
+        <p14:creationId xmlns="" xmlns:p14="http://schemas.microsoft.com/office/powerpoint/2010/main" val="3253875174"/>
       </p:ext>
     </p:extLst>
   </p:cSld>
@@ -636,7 +636,7 @@
     </p:spTree>
     <p:extLst>
       <p:ext uri="{BB962C8B-B14F-4D97-AF65-F5344CB8AC3E}">
-        <p14:creationId xmlns:p14="http://schemas.microsoft.com/office/powerpoint/2010/main" xmlns="" val="477607843"/>
+        <p14:creationId xmlns="" xmlns:p14="http://schemas.microsoft.com/office/powerpoint/2010/main" val="477607843"/>
       </p:ext>
     </p:extLst>
   </p:cSld>
@@ -808,7 +808,7 @@
     </p:spTree>
     <p:extLst>
       <p:ext uri="{BB962C8B-B14F-4D97-AF65-F5344CB8AC3E}">
-        <p14:creationId xmlns:p14="http://schemas.microsoft.com/office/powerpoint/2010/main" xmlns="" val="3428665726"/>
+        <p14:creationId xmlns="" xmlns:p14="http://schemas.microsoft.com/office/powerpoint/2010/main" val="3428665726"/>
       </p:ext>
     </p:extLst>
   </p:cSld>
@@ -990,7 +990,7 @@
     </p:spTree>
     <p:extLst>
       <p:ext uri="{BB962C8B-B14F-4D97-AF65-F5344CB8AC3E}">
-        <p14:creationId xmlns:p14="http://schemas.microsoft.com/office/powerpoint/2010/main" xmlns="" val="893609949"/>
+        <p14:creationId xmlns="" xmlns:p14="http://schemas.microsoft.com/office/powerpoint/2010/main" val="893609949"/>
       </p:ext>
     </p:extLst>
   </p:cSld>
@@ -1208,7 +1208,7 @@
     </p:spTree>
     <p:extLst>
       <p:ext uri="{BB962C8B-B14F-4D97-AF65-F5344CB8AC3E}">
-        <p14:creationId xmlns:p14="http://schemas.microsoft.com/office/powerpoint/2010/main" xmlns="" val="1664471362"/>
+        <p14:creationId xmlns="" xmlns:p14="http://schemas.microsoft.com/office/powerpoint/2010/main" val="1664471362"/>
       </p:ext>
     </p:extLst>
   </p:cSld>
@@ -1436,7 +1436,7 @@
     </p:spTree>
     <p:extLst>
       <p:ext uri="{BB962C8B-B14F-4D97-AF65-F5344CB8AC3E}">
-        <p14:creationId xmlns:p14="http://schemas.microsoft.com/office/powerpoint/2010/main" xmlns="" val="1629391393"/>
+        <p14:creationId xmlns="" xmlns:p14="http://schemas.microsoft.com/office/powerpoint/2010/main" val="1629391393"/>
       </p:ext>
     </p:extLst>
   </p:cSld>
@@ -1684,7 +1684,7 @@
     </p:spTree>
     <p:extLst>
       <p:ext uri="{BB962C8B-B14F-4D97-AF65-F5344CB8AC3E}">
-        <p14:creationId xmlns:p14="http://schemas.microsoft.com/office/powerpoint/2010/main" xmlns="" val="3863441575"/>
+        <p14:creationId xmlns="" xmlns:p14="http://schemas.microsoft.com/office/powerpoint/2010/main" val="3863441575"/>
       </p:ext>
     </p:extLst>
   </p:cSld>
@@ -1974,7 +1974,7 @@
     </p:spTree>
     <p:extLst>
       <p:ext uri="{BB962C8B-B14F-4D97-AF65-F5344CB8AC3E}">
-        <p14:creationId xmlns:p14="http://schemas.microsoft.com/office/powerpoint/2010/main" xmlns="" val="3556791830"/>
+        <p14:creationId xmlns="" xmlns:p14="http://schemas.microsoft.com/office/powerpoint/2010/main" val="3556791830"/>
       </p:ext>
     </p:extLst>
   </p:cSld>
@@ -2452,7 +2452,7 @@
     </p:spTree>
     <p:extLst>
       <p:ext uri="{BB962C8B-B14F-4D97-AF65-F5344CB8AC3E}">
-        <p14:creationId xmlns:p14="http://schemas.microsoft.com/office/powerpoint/2010/main" xmlns="" val="4122911988"/>
+        <p14:creationId xmlns="" xmlns:p14="http://schemas.microsoft.com/office/powerpoint/2010/main" val="4122911988"/>
       </p:ext>
     </p:extLst>
   </p:cSld>
@@ -2572,7 +2572,7 @@
     </p:spTree>
     <p:extLst>
       <p:ext uri="{BB962C8B-B14F-4D97-AF65-F5344CB8AC3E}">
-        <p14:creationId xmlns:p14="http://schemas.microsoft.com/office/powerpoint/2010/main" xmlns="" val="3029773110"/>
+        <p14:creationId xmlns="" xmlns:p14="http://schemas.microsoft.com/office/powerpoint/2010/main" val="3029773110"/>
       </p:ext>
     </p:extLst>
   </p:cSld>
@@ -2669,7 +2669,7 @@
     </p:spTree>
     <p:extLst>
       <p:ext uri="{BB962C8B-B14F-4D97-AF65-F5344CB8AC3E}">
-        <p14:creationId xmlns:p14="http://schemas.microsoft.com/office/powerpoint/2010/main" xmlns="" val="4251864075"/>
+        <p14:creationId xmlns="" xmlns:p14="http://schemas.microsoft.com/office/powerpoint/2010/main" val="4251864075"/>
       </p:ext>
     </p:extLst>
   </p:cSld>
@@ -2948,7 +2948,7 @@
     </p:spTree>
     <p:extLst>
       <p:ext uri="{BB962C8B-B14F-4D97-AF65-F5344CB8AC3E}">
-        <p14:creationId xmlns:p14="http://schemas.microsoft.com/office/powerpoint/2010/main" xmlns="" val="3174452648"/>
+        <p14:creationId xmlns="" xmlns:p14="http://schemas.microsoft.com/office/powerpoint/2010/main" val="3174452648"/>
       </p:ext>
     </p:extLst>
   </p:cSld>
@@ -3208,7 +3208,7 @@
     </p:spTree>
     <p:extLst>
       <p:ext uri="{BB962C8B-B14F-4D97-AF65-F5344CB8AC3E}">
-        <p14:creationId xmlns:p14="http://schemas.microsoft.com/office/powerpoint/2010/main" xmlns="" val="1944039382"/>
+        <p14:creationId xmlns="" xmlns:p14="http://schemas.microsoft.com/office/powerpoint/2010/main" val="1944039382"/>
       </p:ext>
     </p:extLst>
   </p:cSld>
@@ -3572,7 +3572,7 @@
     </p:spTree>
     <p:extLst>
       <p:ext uri="{BB962C8B-B14F-4D97-AF65-F5344CB8AC3E}">
-        <p14:creationId xmlns:p14="http://schemas.microsoft.com/office/powerpoint/2010/main" xmlns="" val="363920370"/>
+        <p14:creationId xmlns="" xmlns:p14="http://schemas.microsoft.com/office/powerpoint/2010/main" val="363920370"/>
       </p:ext>
     </p:extLst>
   </p:cSld>
@@ -3846,7 +3846,7 @@
     </p:spTree>
     <p:extLst>
       <p:ext uri="{BB962C8B-B14F-4D97-AF65-F5344CB8AC3E}">
-        <p14:creationId xmlns:p14="http://schemas.microsoft.com/office/powerpoint/2010/main" xmlns="" val="1101633878"/>
+        <p14:creationId xmlns="" xmlns:p14="http://schemas.microsoft.com/office/powerpoint/2010/main" val="1101633878"/>
       </p:ext>
     </p:extLst>
   </p:cSld>
@@ -4658,7 +4658,7 @@
     </p:spTree>
     <p:extLst>
       <p:ext uri="{BB962C8B-B14F-4D97-AF65-F5344CB8AC3E}">
-        <p14:creationId xmlns:p14="http://schemas.microsoft.com/office/powerpoint/2010/main" xmlns="" val="1101633878"/>
+        <p14:creationId xmlns="" xmlns:p14="http://schemas.microsoft.com/office/powerpoint/2010/main" val="1101633878"/>
       </p:ext>
     </p:extLst>
   </p:cSld>
@@ -5567,7 +5567,7 @@
     </p:spTree>
     <p:extLst>
       <p:ext uri="{BB962C8B-B14F-4D97-AF65-F5344CB8AC3E}">
-        <p14:creationId xmlns:p14="http://schemas.microsoft.com/office/powerpoint/2010/main" xmlns="" val="1101633878"/>
+        <p14:creationId xmlns="" xmlns:p14="http://schemas.microsoft.com/office/powerpoint/2010/main" val="1101633878"/>
       </p:ext>
     </p:extLst>
   </p:cSld>
@@ -6042,7 +6042,7 @@
     </p:spTree>
     <p:extLst>
       <p:ext uri="{BB962C8B-B14F-4D97-AF65-F5344CB8AC3E}">
-        <p14:creationId xmlns:p14="http://schemas.microsoft.com/office/powerpoint/2010/main" xmlns="" val="1101633878"/>
+        <p14:creationId xmlns="" xmlns:p14="http://schemas.microsoft.com/office/powerpoint/2010/main" val="1101633878"/>
       </p:ext>
     </p:extLst>
   </p:cSld>
@@ -6482,7 +6482,7 @@
     </p:spTree>
     <p:extLst>
       <p:ext uri="{BB962C8B-B14F-4D97-AF65-F5344CB8AC3E}">
-        <p14:creationId xmlns:p14="http://schemas.microsoft.com/office/powerpoint/2010/main" xmlns="" val="1101633878"/>
+        <p14:creationId xmlns="" xmlns:p14="http://schemas.microsoft.com/office/powerpoint/2010/main" val="1101633878"/>
       </p:ext>
     </p:extLst>
   </p:cSld>
@@ -6873,7 +6873,7 @@
     </p:spTree>
     <p:extLst>
       <p:ext uri="{BB962C8B-B14F-4D97-AF65-F5344CB8AC3E}">
-        <p14:creationId xmlns:p14="http://schemas.microsoft.com/office/powerpoint/2010/main" xmlns="" val="1101633878"/>
+        <p14:creationId xmlns="" xmlns:p14="http://schemas.microsoft.com/office/powerpoint/2010/main" val="1101633878"/>
       </p:ext>
     </p:extLst>
   </p:cSld>
@@ -7318,7 +7318,7 @@
     </p:spTree>
     <p:extLst>
       <p:ext uri="{BB962C8B-B14F-4D97-AF65-F5344CB8AC3E}">
-        <p14:creationId xmlns:p14="http://schemas.microsoft.com/office/powerpoint/2010/main" xmlns="" val="1101633878"/>
+        <p14:creationId xmlns="" xmlns:p14="http://schemas.microsoft.com/office/powerpoint/2010/main" val="1101633878"/>
       </p:ext>
     </p:extLst>
   </p:cSld>
@@ -7757,7 +7757,7 @@
     </p:spTree>
     <p:extLst>
       <p:ext uri="{BB962C8B-B14F-4D97-AF65-F5344CB8AC3E}">
-        <p14:creationId xmlns:p14="http://schemas.microsoft.com/office/powerpoint/2010/main" xmlns="" val="1101633878"/>
+        <p14:creationId xmlns="" xmlns:p14="http://schemas.microsoft.com/office/powerpoint/2010/main" val="1101633878"/>
       </p:ext>
     </p:extLst>
   </p:cSld>
@@ -8550,7 +8550,7 @@
     </p:spTree>
     <p:extLst>
       <p:ext uri="{BB962C8B-B14F-4D97-AF65-F5344CB8AC3E}">
-        <p14:creationId xmlns:p14="http://schemas.microsoft.com/office/powerpoint/2010/main" xmlns="" val="1101633878"/>
+        <p14:creationId xmlns="" xmlns:p14="http://schemas.microsoft.com/office/powerpoint/2010/main" val="1101633878"/>
       </p:ext>
     </p:extLst>
   </p:cSld>
@@ -9135,7 +9135,7 @@
     </p:spTree>
     <p:extLst>
       <p:ext uri="{BB962C8B-B14F-4D97-AF65-F5344CB8AC3E}">
-        <p14:creationId xmlns:p14="http://schemas.microsoft.com/office/powerpoint/2010/main" xmlns="" val="1101633878"/>
+        <p14:creationId xmlns="" xmlns:p14="http://schemas.microsoft.com/office/powerpoint/2010/main" val="1101633878"/>
       </p:ext>
     </p:extLst>
   </p:cSld>
@@ -9254,9 +9254,41 @@
             </a:r>
             <a:r>
               <a:rPr lang="en-US" altLang="zh-TW" i="1" dirty="0" smtClean="0"/>
-              <a:t>any leakage of urine or fecal matter</a:t>
-            </a:r>
-            <a:endParaRPr lang="en-US" i="1" dirty="0" smtClean="0"/>
+              <a:t>any leakage of urine or </a:t>
+            </a:r>
+            <a:r>
+              <a:rPr lang="en-US" altLang="zh-TW" i="1" dirty="0" smtClean="0"/>
+              <a:t>fecal matter</a:t>
+            </a:r>
+            <a:r>
+              <a:rPr lang="zh-TW" altLang="en-US" i="1" dirty="0" smtClean="0"/>
+              <a:t> </a:t>
+            </a:r>
+            <a:r>
+              <a:rPr lang="en-US" altLang="zh-TW" dirty="0" smtClean="0">
+                <a:latin typeface="微軟正黑體" pitchFamily="34" charset="-120"/>
+                <a:ea typeface="微軟正黑體" pitchFamily="34" charset="-120"/>
+              </a:rPr>
+              <a:t>(</a:t>
+            </a:r>
+            <a:r>
+              <a:rPr lang="zh-TW" altLang="en-US" dirty="0" smtClean="0">
+                <a:latin typeface="微軟正黑體" pitchFamily="34" charset="-120"/>
+                <a:ea typeface="微軟正黑體" pitchFamily="34" charset="-120"/>
+              </a:rPr>
+              <a:t>排泄物</a:t>
+            </a:r>
+            <a:r>
+              <a:rPr lang="en-US" altLang="zh-TW" dirty="0" smtClean="0">
+                <a:latin typeface="微軟正黑體" pitchFamily="34" charset="-120"/>
+                <a:ea typeface="微軟正黑體" pitchFamily="34" charset="-120"/>
+              </a:rPr>
+              <a:t>)</a:t>
+            </a:r>
+            <a:endParaRPr lang="en-US" dirty="0" smtClean="0">
+              <a:latin typeface="微軟正黑體" pitchFamily="34" charset="-120"/>
+              <a:ea typeface="微軟正黑體" pitchFamily="34" charset="-120"/>
+            </a:endParaRPr>
           </a:p>
           <a:p>
             <a:r>
@@ -9296,7 +9328,36 @@
             </a:r>
             <a:r>
               <a:rPr lang="en-US" altLang="zh-TW" i="1" dirty="0" smtClean="0"/>
-              <a:t>of or relating to the vagina</a:t>
+              <a:t>of or relating to the </a:t>
+            </a:r>
+            <a:r>
+              <a:rPr lang="en-US" altLang="zh-TW" i="1" dirty="0" smtClean="0"/>
+              <a:t>vagina</a:t>
+            </a:r>
+            <a:r>
+              <a:rPr lang="zh-TW" altLang="en-US" i="1" dirty="0" smtClean="0"/>
+              <a:t> </a:t>
+            </a:r>
+            <a:r>
+              <a:rPr lang="en-US" altLang="zh-TW" dirty="0" smtClean="0">
+                <a:latin typeface="微軟正黑體" pitchFamily="34" charset="-120"/>
+                <a:ea typeface="微軟正黑體" pitchFamily="34" charset="-120"/>
+              </a:rPr>
+              <a:t>(</a:t>
+            </a:r>
+            <a:r>
+              <a:rPr lang="zh-TW" altLang="en-US" dirty="0" smtClean="0">
+                <a:latin typeface="微軟正黑體" pitchFamily="34" charset="-120"/>
+                <a:ea typeface="微軟正黑體" pitchFamily="34" charset="-120"/>
+              </a:rPr>
+              <a:t>陰道</a:t>
+            </a:r>
+            <a:r>
+              <a:rPr lang="en-US" altLang="zh-TW" dirty="0" smtClean="0">
+                <a:latin typeface="微軟正黑體" pitchFamily="34" charset="-120"/>
+                <a:ea typeface="微軟正黑體" pitchFamily="34" charset="-120"/>
+              </a:rPr>
+              <a:t>)</a:t>
             </a:r>
             <a:endParaRPr lang="en-US" altLang="zh-TW" i="1" dirty="0" smtClean="0">
               <a:latin typeface="微軟正黑體" pitchFamily="34" charset="-120"/>
@@ -9344,9 +9405,68 @@
             </a:r>
             <a:r>
               <a:rPr lang="en-US" altLang="zh-TW" i="1" dirty="0" smtClean="0"/>
-              <a:t>pertaining to the scientific study of the urinary tract</a:t>
-            </a:r>
-            <a:endParaRPr lang="en-US" i="1" dirty="0" smtClean="0">
+              <a:t>pertaining to the scientific study </a:t>
+            </a:r>
+            <a:endParaRPr lang="en-US" altLang="zh-TW" i="1" dirty="0" smtClean="0"/>
+          </a:p>
+          <a:p>
+            <a:pPr>
+              <a:buNone/>
+            </a:pPr>
+            <a:r>
+              <a:rPr lang="zh-TW" altLang="en-US" i="1" dirty="0" smtClean="0"/>
+              <a:t> </a:t>
+            </a:r>
+            <a:r>
+              <a:rPr lang="zh-TW" altLang="en-US" i="1" dirty="0" smtClean="0"/>
+              <a:t>                   </a:t>
+            </a:r>
+            <a:r>
+              <a:rPr lang="en-US" altLang="zh-TW" i="1" dirty="0" smtClean="0"/>
+              <a:t>of</a:t>
+            </a:r>
+            <a:r>
+              <a:rPr lang="en-US" altLang="zh-TW" i="1" dirty="0" smtClean="0"/>
+              <a:t> the </a:t>
+            </a:r>
+            <a:r>
+              <a:rPr lang="en-US" altLang="zh-TW" i="1" dirty="0" smtClean="0"/>
+              <a:t>urinary</a:t>
+            </a:r>
+            <a:r>
+              <a:rPr lang="en-US" altLang="zh-TW" i="1" dirty="0" smtClean="0"/>
+              <a:t> </a:t>
+            </a:r>
+            <a:r>
+              <a:rPr lang="en-US" altLang="zh-TW" i="1" dirty="0" smtClean="0"/>
+              <a:t>tract</a:t>
+            </a:r>
+            <a:r>
+              <a:rPr lang="zh-TW" altLang="en-US" i="1" dirty="0" smtClean="0"/>
+              <a:t> </a:t>
+            </a:r>
+            <a:r>
+              <a:rPr lang="en-US" altLang="zh-TW" dirty="0" smtClean="0">
+                <a:latin typeface="微軟正黑體" pitchFamily="34" charset="-120"/>
+                <a:ea typeface="微軟正黑體" pitchFamily="34" charset="-120"/>
+              </a:rPr>
+              <a:t>(</a:t>
+            </a:r>
+            <a:r>
+              <a:rPr lang="zh-TW" altLang="en-US" dirty="0" smtClean="0">
+                <a:latin typeface="微軟正黑體" pitchFamily="34" charset="-120"/>
+                <a:ea typeface="微軟正黑體" pitchFamily="34" charset="-120"/>
+              </a:rPr>
+              <a:t>尿道</a:t>
+            </a:r>
+            <a:r>
+              <a:rPr lang="en-US" altLang="zh-TW" dirty="0" smtClean="0">
+                <a:latin typeface="微軟正黑體" pitchFamily="34" charset="-120"/>
+                <a:ea typeface="微軟正黑體" pitchFamily="34" charset="-120"/>
+              </a:rPr>
+              <a:t>)</a:t>
+            </a:r>
+            <a:endParaRPr lang="en-US" dirty="0" smtClean="0">
               <a:latin typeface="微軟正黑體" pitchFamily="34" charset="-120"/>
               <a:ea typeface="微軟正黑體" pitchFamily="34" charset="-120"/>
             </a:endParaRPr>
@@ -9359,7 +9479,7 @@
     </p:spTree>
     <p:extLst>
       <p:ext uri="{BB962C8B-B14F-4D97-AF65-F5344CB8AC3E}">
-        <p14:creationId xmlns:p14="http://schemas.microsoft.com/office/powerpoint/2010/main" xmlns="" val="4103309497"/>
+        <p14:creationId xmlns="" xmlns:p14="http://schemas.microsoft.com/office/powerpoint/2010/main" val="4103309497"/>
       </p:ext>
     </p:extLst>
   </p:cSld>
@@ -9593,7 +9713,7 @@
     </p:spTree>
     <p:extLst>
       <p:ext uri="{BB962C8B-B14F-4D97-AF65-F5344CB8AC3E}">
-        <p14:creationId xmlns:p14="http://schemas.microsoft.com/office/powerpoint/2010/main" xmlns="" val="1101633878"/>
+        <p14:creationId xmlns="" xmlns:p14="http://schemas.microsoft.com/office/powerpoint/2010/main" val="1101633878"/>
       </p:ext>
     </p:extLst>
   </p:cSld>
@@ -9842,14 +9962,13 @@
               <a:rPr lang="en-US" altLang="zh-TW" dirty="0" smtClean="0"/>
               <a:t>?</a:t>
             </a:r>
-            <a:endParaRPr lang="en-US" altLang="zh-TW" dirty="0" smtClean="0"/>
           </a:p>
         </p:txBody>
       </p:sp>
     </p:spTree>
     <p:extLst>
       <p:ext uri="{BB962C8B-B14F-4D97-AF65-F5344CB8AC3E}">
-        <p14:creationId xmlns:p14="http://schemas.microsoft.com/office/powerpoint/2010/main" xmlns="" val="4103309497"/>
+        <p14:creationId xmlns="" xmlns:p14="http://schemas.microsoft.com/office/powerpoint/2010/main" val="4103309497"/>
       </p:ext>
     </p:extLst>
   </p:cSld>
@@ -10170,14 +10289,13 @@
               <a:rPr lang="en-US" altLang="zh-TW" dirty="0" smtClean="0"/>
               <a:t>symptom?</a:t>
             </a:r>
-            <a:endParaRPr lang="en-US" altLang="zh-TW" dirty="0" smtClean="0"/>
           </a:p>
         </p:txBody>
       </p:sp>
     </p:spTree>
     <p:extLst>
       <p:ext uri="{BB962C8B-B14F-4D97-AF65-F5344CB8AC3E}">
-        <p14:creationId xmlns:p14="http://schemas.microsoft.com/office/powerpoint/2010/main" xmlns="" val="4103309497"/>
+        <p14:creationId xmlns="" xmlns:p14="http://schemas.microsoft.com/office/powerpoint/2010/main" val="4103309497"/>
       </p:ext>
     </p:extLst>
   </p:cSld>
@@ -10718,7 +10836,7 @@
     </p:spTree>
     <p:extLst>
       <p:ext uri="{BB962C8B-B14F-4D97-AF65-F5344CB8AC3E}">
-        <p14:creationId xmlns:p14="http://schemas.microsoft.com/office/powerpoint/2010/main" xmlns="" val="4170783713"/>
+        <p14:creationId xmlns="" xmlns:p14="http://schemas.microsoft.com/office/powerpoint/2010/main" val="4170783713"/>
       </p:ext>
     </p:extLst>
   </p:cSld>
@@ -10838,20 +10956,44 @@
               <a:rPr lang="en-US" altLang="zh-TW" i="1" dirty="0" smtClean="0"/>
               <a:t>one of two muscles used to control the exit </a:t>
             </a:r>
+            <a:r>
+              <a:rPr lang="en-US" altLang="zh-TW" i="1" dirty="0" smtClean="0"/>
+              <a:t>of urine</a:t>
+            </a:r>
+            <a:endParaRPr lang="en-US" altLang="zh-TW" i="1" dirty="0" smtClean="0"/>
           </a:p>
           <a:p>
             <a:pPr>
               <a:buNone/>
             </a:pPr>
             <a:r>
-              <a:rPr lang="zh-TW" altLang="en-US" i="1" dirty="0" smtClean="0"/>
-              <a:t>       </a:t>
-            </a:r>
-            <a:r>
               <a:rPr lang="en-US" altLang="zh-TW" i="1" dirty="0" smtClean="0"/>
-              <a:t>of urine in the urinary bladder through the urethra</a:t>
-            </a:r>
-            <a:endParaRPr lang="en-US" i="1" dirty="0" smtClean="0"/>
+              <a:t>       in </a:t>
+            </a:r>
+            <a:r>
+              <a:rPr lang="en-US" altLang="zh-TW" i="1" dirty="0" smtClean="0"/>
+              <a:t>the urinary bladder through the </a:t>
+            </a:r>
+            <a:r>
+              <a:rPr lang="en-US" altLang="zh-TW" i="1" dirty="0" smtClean="0"/>
+              <a:t>urethra </a:t>
+            </a:r>
+            <a:r>
+              <a:rPr lang="en-US" altLang="zh-TW" dirty="0" smtClean="0"/>
+              <a:t>(</a:t>
+            </a:r>
+            <a:r>
+              <a:rPr lang="zh-TW" altLang="en-US" dirty="0" smtClean="0">
+                <a:latin typeface="微軟正黑體" pitchFamily="34" charset="-120"/>
+                <a:ea typeface="微軟正黑體" pitchFamily="34" charset="-120"/>
+              </a:rPr>
+              <a:t>尿道</a:t>
+            </a:r>
+            <a:r>
+              <a:rPr lang="en-US" altLang="zh-TW" dirty="0" smtClean="0"/>
+              <a:t>)</a:t>
+            </a:r>
+            <a:endParaRPr lang="en-US" dirty="0" smtClean="0"/>
           </a:p>
           <a:p>
             <a:r>
@@ -10977,7 +11119,7 @@
     </p:spTree>
     <p:extLst>
       <p:ext uri="{BB962C8B-B14F-4D97-AF65-F5344CB8AC3E}">
-        <p14:creationId xmlns:p14="http://schemas.microsoft.com/office/powerpoint/2010/main" xmlns="" val="4103309497"/>
+        <p14:creationId xmlns="" xmlns:p14="http://schemas.microsoft.com/office/powerpoint/2010/main" val="4103309497"/>
       </p:ext>
     </p:extLst>
   </p:cSld>
@@ -11045,9 +11187,16 @@
             <p:ph idx="1"/>
           </p:nvPr>
         </p:nvSpPr>
-        <p:spPr/>
+        <p:spPr>
+          <a:xfrm>
+            <a:off x="448964" y="1749245"/>
+            <a:ext cx="8398775" cy="4525963"/>
+          </a:xfrm>
+        </p:spPr>
         <p:txBody>
-          <a:bodyPr/>
+          <a:bodyPr>
+            <a:normAutofit/>
+          </a:bodyPr>
           <a:lstStyle/>
           <a:p>
             <a:r>
@@ -11096,8 +11245,27 @@
               <a:t>propria</a:t>
             </a:r>
             <a:r>
+              <a:rPr lang="zh-TW" altLang="en-US" i="1" dirty="0" smtClean="0"/>
+              <a:t> </a:t>
+            </a:r>
+            <a:r>
+              <a:rPr lang="en-US" altLang="zh-TW" dirty="0" smtClean="0"/>
+              <a:t>(</a:t>
+            </a:r>
+            <a:r>
+              <a:rPr lang="zh-TW" altLang="en-US" dirty="0" smtClean="0">
+                <a:latin typeface="微軟正黑體" pitchFamily="34" charset="-120"/>
+                <a:ea typeface="微軟正黑體" pitchFamily="34" charset="-120"/>
+              </a:rPr>
+              <a:t>固有肌層</a:t>
+            </a:r>
+            <a:r>
+              <a:rPr lang="en-US" altLang="zh-TW" dirty="0" smtClean="0"/>
+              <a:t>) </a:t>
+            </a:r>
+            <a:r>
               <a:rPr lang="en-US" altLang="zh-TW" i="1" dirty="0" smtClean="0"/>
-              <a:t> of the urinary bladder</a:t>
+              <a:t>of the urinary bladder</a:t>
             </a:r>
             <a:endParaRPr lang="en-US" i="1" dirty="0" smtClean="0"/>
           </a:p>
@@ -11171,17 +11339,49 @@
             </a:r>
             <a:r>
               <a:rPr lang="zh-TW" altLang="en-US" i="1" dirty="0" smtClean="0"/>
-              <a:t>  </a:t>
-            </a:r>
-            <a:endParaRPr lang="en-US" altLang="zh-TW" i="1" dirty="0" smtClean="0"/>
+              <a:t> </a:t>
+            </a:r>
+            <a:r>
+              <a:rPr lang="en-US" altLang="zh-TW" dirty="0" smtClean="0"/>
+              <a:t>(</a:t>
+            </a:r>
+            <a:r>
+              <a:rPr lang="zh-TW" altLang="en-US" dirty="0" smtClean="0">
+                <a:latin typeface="微軟正黑體" pitchFamily="34" charset="-120"/>
+                <a:ea typeface="微軟正黑體" pitchFamily="34" charset="-120"/>
+              </a:rPr>
+              <a:t>提</a:t>
+            </a:r>
+            <a:endParaRPr lang="en-US" altLang="zh-TW" dirty="0" smtClean="0">
+              <a:latin typeface="微軟正黑體" pitchFamily="34" charset="-120"/>
+              <a:ea typeface="微軟正黑體" pitchFamily="34" charset="-120"/>
+            </a:endParaRPr>
           </a:p>
           <a:p>
             <a:pPr>
               <a:buNone/>
             </a:pPr>
             <a:r>
+              <a:rPr lang="zh-TW" altLang="en-US" dirty="0" smtClean="0">
+                <a:latin typeface="微軟正黑體" pitchFamily="34" charset="-120"/>
+                <a:ea typeface="微軟正黑體" pitchFamily="34" charset="-120"/>
+              </a:rPr>
+              <a:t> </a:t>
+            </a:r>
+            <a:r>
+              <a:rPr lang="zh-TW" altLang="en-US" dirty="0" smtClean="0">
+                <a:latin typeface="微軟正黑體" pitchFamily="34" charset="-120"/>
+                <a:ea typeface="微軟正黑體" pitchFamily="34" charset="-120"/>
+              </a:rPr>
+              <a:t>     肛門肌神經</a:t>
+            </a:r>
+            <a:r>
+              <a:rPr lang="en-US" altLang="zh-TW" dirty="0" smtClean="0"/>
+              <a:t>)</a:t>
+            </a:r>
+            <a:r>
               <a:rPr lang="zh-TW" altLang="en-US" i="1" dirty="0" smtClean="0"/>
-              <a:t>       </a:t>
+              <a:t> </a:t>
             </a:r>
             <a:r>
               <a:rPr lang="en-US" altLang="zh-TW" i="1" dirty="0" smtClean="0"/>
@@ -11190,6 +11390,25 @@
             <a:r>
               <a:rPr lang="en-US" altLang="zh-TW" i="1" dirty="0" err="1" smtClean="0"/>
               <a:t>coccygei</a:t>
+            </a:r>
+            <a:r>
+              <a:rPr lang="zh-TW" altLang="en-US" i="1" dirty="0" smtClean="0"/>
+              <a:t> </a:t>
+            </a:r>
+            <a:r>
+              <a:rPr lang="en-US" altLang="zh-TW" dirty="0" smtClean="0"/>
+              <a:t>(</a:t>
+            </a:r>
+            <a:r>
+              <a:rPr lang="zh-TW" altLang="en-US" dirty="0" smtClean="0">
+                <a:latin typeface="微軟正黑體" pitchFamily="34" charset="-120"/>
+                <a:ea typeface="微軟正黑體" pitchFamily="34" charset="-120"/>
+              </a:rPr>
+              <a:t>尾部肌群</a:t>
+            </a:r>
+            <a:r>
+              <a:rPr lang="en-US" altLang="zh-TW" dirty="0" smtClean="0"/>
+              <a:t>)</a:t>
             </a:r>
             <a:endParaRPr lang="en-US" altLang="zh-TW" i="1" dirty="0" smtClean="0">
               <a:latin typeface="微軟正黑體" pitchFamily="34" charset="-120"/>
@@ -11252,8 +11471,19 @@
               <a:t> </a:t>
             </a:r>
             <a:r>
+              <a:rPr lang="zh-TW" altLang="en-US" i="1" dirty="0" smtClean="0">
+                <a:latin typeface="微軟正黑體" pitchFamily="34" charset="-120"/>
+                <a:ea typeface="微軟正黑體" pitchFamily="34" charset="-120"/>
+              </a:rPr>
+              <a:t>           </a:t>
+            </a:r>
+            <a:r>
               <a:rPr lang="en-US" altLang="zh-TW" i="1" dirty="0" smtClean="0"/>
-              <a:t>being within the abdomen</a:t>
+              <a:t>being</a:t>
+            </a:r>
+            <a:r>
+              <a:rPr lang="en-US" altLang="zh-TW" i="1" dirty="0" smtClean="0"/>
+              <a:t> within the abdomen</a:t>
             </a:r>
             <a:endParaRPr lang="en-US" altLang="zh-TW" i="1" dirty="0" smtClean="0">
               <a:latin typeface="微軟正黑體" pitchFamily="34" charset="-120"/>
@@ -11284,7 +11514,7 @@
     </p:spTree>
     <p:extLst>
       <p:ext uri="{BB962C8B-B14F-4D97-AF65-F5344CB8AC3E}">
-        <p14:creationId xmlns:p14="http://schemas.microsoft.com/office/powerpoint/2010/main" xmlns="" val="4103309497"/>
+        <p14:creationId xmlns="" xmlns:p14="http://schemas.microsoft.com/office/powerpoint/2010/main" val="4103309497"/>
       </p:ext>
     </p:extLst>
   </p:cSld>
@@ -11555,7 +11785,7 @@
     </p:spTree>
     <p:extLst>
       <p:ext uri="{BB962C8B-B14F-4D97-AF65-F5344CB8AC3E}">
-        <p14:creationId xmlns:p14="http://schemas.microsoft.com/office/powerpoint/2010/main" xmlns="" val="4103309497"/>
+        <p14:creationId xmlns="" xmlns:p14="http://schemas.microsoft.com/office/powerpoint/2010/main" val="4103309497"/>
       </p:ext>
     </p:extLst>
   </p:cSld>
@@ -11663,11 +11893,7 @@
             </a:r>
             <a:r>
               <a:rPr lang="en-US" altLang="zh-TW" dirty="0" smtClean="0"/>
-              <a:t>an </a:t>
-            </a:r>
-            <a:r>
-              <a:rPr lang="en-US" altLang="zh-TW" dirty="0" smtClean="0"/>
-              <a:t>increase in size of the prostate</a:t>
+              <a:t>an increase in size of the prostate</a:t>
             </a:r>
             <a:endParaRPr lang="en-US" dirty="0" smtClean="0"/>
           </a:p>
@@ -11744,7 +11970,34 @@
             </a:r>
             <a:r>
               <a:rPr lang="en-US" altLang="zh-TW" dirty="0" smtClean="0"/>
-              <a:t>the medulla oblongata in the</a:t>
+              <a:t>the medulla oblongata </a:t>
+            </a:r>
+            <a:r>
+              <a:rPr lang="en-US" altLang="zh-TW" dirty="0" smtClean="0"/>
+              <a:t>(</a:t>
+            </a:r>
+            <a:r>
+              <a:rPr lang="zh-TW" altLang="en-US" dirty="0" smtClean="0">
+                <a:latin typeface="微軟正黑體" pitchFamily="34" charset="-120"/>
+                <a:ea typeface="微軟正黑體" pitchFamily="34" charset="-120"/>
+              </a:rPr>
+              <a:t>延橋</a:t>
+            </a:r>
+            <a:r>
+              <a:rPr lang="en-US" altLang="zh-TW" dirty="0" smtClean="0"/>
+              <a:t>)</a:t>
+            </a:r>
+            <a:r>
+              <a:rPr lang="zh-TW" altLang="en-US" i="1" dirty="0" smtClean="0"/>
+              <a:t> </a:t>
+            </a:r>
+            <a:r>
+              <a:rPr lang="en-US" altLang="zh-TW" dirty="0" smtClean="0"/>
+              <a:t>in </a:t>
+            </a:r>
+            <a:r>
+              <a:rPr lang="en-US" altLang="zh-TW" dirty="0" smtClean="0"/>
+              <a:t>the</a:t>
             </a:r>
             <a:r>
               <a:rPr lang="zh-TW" altLang="en-US" dirty="0" smtClean="0"/>
@@ -11764,7 +12017,7 @@
     </p:spTree>
     <p:extLst>
       <p:ext uri="{BB962C8B-B14F-4D97-AF65-F5344CB8AC3E}">
-        <p14:creationId xmlns:p14="http://schemas.microsoft.com/office/powerpoint/2010/main" xmlns="" val="4103309497"/>
+        <p14:creationId xmlns="" xmlns:p14="http://schemas.microsoft.com/office/powerpoint/2010/main" val="4103309497"/>
       </p:ext>
     </p:extLst>
   </p:cSld>
@@ -11991,7 +12244,7 @@
     </p:spTree>
     <p:extLst>
       <p:ext uri="{BB962C8B-B14F-4D97-AF65-F5344CB8AC3E}">
-        <p14:creationId xmlns:p14="http://schemas.microsoft.com/office/powerpoint/2010/main" xmlns="" val="4103309497"/>
+        <p14:creationId xmlns="" xmlns:p14="http://schemas.microsoft.com/office/powerpoint/2010/main" val="4103309497"/>
       </p:ext>
     </p:extLst>
   </p:cSld>
@@ -12191,15 +12444,11 @@
               <a:t> </a:t>
             </a:r>
             <a:r>
-              <a:rPr lang="zh-TW" altLang="en-US" dirty="0" smtClean="0"/>
-              <a:t> 間歇性導尿</a:t>
-            </a:r>
-            <a:r>
               <a:rPr lang="zh-TW" altLang="en-US" dirty="0" smtClean="0">
                 <a:latin typeface="微軟正黑體" pitchFamily="34" charset="-120"/>
                 <a:ea typeface="微軟正黑體" pitchFamily="34" charset="-120"/>
               </a:rPr>
-              <a:t>    </a:t>
+              <a:t> 間歇性導尿    </a:t>
             </a:r>
             <a:endParaRPr lang="en-US" i="1" dirty="0" smtClean="0">
               <a:latin typeface="微軟正黑體" pitchFamily="34" charset="-120"/>
@@ -12261,7 +12510,7 @@
     </p:spTree>
     <p:extLst>
       <p:ext uri="{BB962C8B-B14F-4D97-AF65-F5344CB8AC3E}">
-        <p14:creationId xmlns:p14="http://schemas.microsoft.com/office/powerpoint/2010/main" xmlns="" val="4103309497"/>
+        <p14:creationId xmlns="" xmlns:p14="http://schemas.microsoft.com/office/powerpoint/2010/main" val="4103309497"/>
       </p:ext>
     </p:extLst>
   </p:cSld>
@@ -12537,7 +12786,7 @@
     </p:spTree>
     <p:extLst>
       <p:ext uri="{BB962C8B-B14F-4D97-AF65-F5344CB8AC3E}">
-        <p14:creationId xmlns:p14="http://schemas.microsoft.com/office/powerpoint/2010/main" xmlns="" val="1101633878"/>
+        <p14:creationId xmlns="" xmlns:p14="http://schemas.microsoft.com/office/powerpoint/2010/main" val="1101633878"/>
       </p:ext>
     </p:extLst>
   </p:cSld>
